--- a/Presentation/2. DESeq2.pptx
+++ b/Presentation/2. DESeq2.pptx
@@ -5,18 +5,20 @@
     <p:sldMasterId id="2147483648" r:id="rId1"/>
   </p:sldMasterIdLst>
   <p:notesMasterIdLst>
-    <p:notesMasterId r:id="rId11"/>
+    <p:notesMasterId r:id="rId13"/>
   </p:notesMasterIdLst>
   <p:sldIdLst>
     <p:sldId id="256" r:id="rId2"/>
     <p:sldId id="262" r:id="rId3"/>
     <p:sldId id="257" r:id="rId4"/>
-    <p:sldId id="258" r:id="rId5"/>
-    <p:sldId id="259" r:id="rId6"/>
-    <p:sldId id="261" r:id="rId7"/>
-    <p:sldId id="263" r:id="rId8"/>
-    <p:sldId id="264" r:id="rId9"/>
-    <p:sldId id="265" r:id="rId10"/>
+    <p:sldId id="267" r:id="rId5"/>
+    <p:sldId id="268" r:id="rId6"/>
+    <p:sldId id="258" r:id="rId7"/>
+    <p:sldId id="259" r:id="rId8"/>
+    <p:sldId id="261" r:id="rId9"/>
+    <p:sldId id="263" r:id="rId10"/>
+    <p:sldId id="264" r:id="rId11"/>
+    <p:sldId id="265" r:id="rId12"/>
   </p:sldIdLst>
   <p:sldSz cx="12192000" cy="6858000"/>
   <p:notesSz cx="6858000" cy="9144000"/>
@@ -131,6 +133,8 @@
         <p14:section name="PCA &amp; Correlation plot" id="{972E8649-E3F2-4522-B3A4-4F0A1C6FA533}">
           <p14:sldIdLst>
             <p14:sldId id="257"/>
+            <p14:sldId id="267"/>
+            <p14:sldId id="268"/>
             <p14:sldId id="258"/>
             <p14:sldId id="259"/>
           </p14:sldIdLst>
@@ -234,7 +238,7 @@
           <a:p>
             <a:fld id="{0011AB03-70E4-4BB8-A505-8BA1517E37CF}" type="datetimeFigureOut">
               <a:rPr lang="ko-KR" altLang="en-US" smtClean="0"/>
-              <a:t>2022-04-04</a:t>
+              <a:t>2022-04-06</a:t>
             </a:fld>
             <a:endParaRPr lang="ko-KR" altLang="en-US"/>
           </a:p>
@@ -585,6 +589,90 @@
 </p:notes>
 </file>
 
+<file path=ppt/notesSlides/notesSlide10.xml><?xml version="1.0" encoding="utf-8"?>
+<p:notes xmlns:a="http://schemas.openxmlformats.org/drawingml/2006/main" xmlns:r="http://schemas.openxmlformats.org/officeDocument/2006/relationships" xmlns:p="http://schemas.openxmlformats.org/presentationml/2006/main">
+  <p:cSld>
+    <p:spTree>
+      <p:nvGrpSpPr>
+        <p:cNvPr id="1" name=""/>
+        <p:cNvGrpSpPr/>
+        <p:nvPr/>
+      </p:nvGrpSpPr>
+      <p:grpSpPr>
+        <a:xfrm>
+          <a:off x="0" y="0"/>
+          <a:ext cx="0" cy="0"/>
+          <a:chOff x="0" y="0"/>
+          <a:chExt cx="0" cy="0"/>
+        </a:xfrm>
+      </p:grpSpPr>
+      <p:sp>
+        <p:nvSpPr>
+          <p:cNvPr id="2" name="슬라이드 이미지 개체 틀 1"/>
+          <p:cNvSpPr>
+            <a:spLocks noGrp="1" noRot="1" noChangeAspect="1"/>
+          </p:cNvSpPr>
+          <p:nvPr>
+            <p:ph type="sldImg"/>
+          </p:nvPr>
+        </p:nvSpPr>
+        <p:spPr/>
+      </p:sp>
+      <p:sp>
+        <p:nvSpPr>
+          <p:cNvPr id="3" name="슬라이드 노트 개체 틀 2"/>
+          <p:cNvSpPr>
+            <a:spLocks noGrp="1"/>
+          </p:cNvSpPr>
+          <p:nvPr>
+            <p:ph type="body" idx="1"/>
+          </p:nvPr>
+        </p:nvSpPr>
+        <p:spPr/>
+        <p:txBody>
+          <a:bodyPr/>
+          <a:lstStyle/>
+          <a:p>
+            <a:endParaRPr lang="en-US" altLang="ko-KR" dirty="0"/>
+          </a:p>
+        </p:txBody>
+      </p:sp>
+      <p:sp>
+        <p:nvSpPr>
+          <p:cNvPr id="4" name="슬라이드 번호 개체 틀 3"/>
+          <p:cNvSpPr>
+            <a:spLocks noGrp="1"/>
+          </p:cNvSpPr>
+          <p:nvPr>
+            <p:ph type="sldNum" sz="quarter" idx="10"/>
+          </p:nvPr>
+        </p:nvSpPr>
+        <p:spPr/>
+        <p:txBody>
+          <a:bodyPr/>
+          <a:lstStyle/>
+          <a:p>
+            <a:fld id="{C3394D38-E1FA-4CE4-9394-BB6C6AC66CC0}" type="slidenum">
+              <a:rPr lang="ko-KR" altLang="en-US" smtClean="0"/>
+              <a:t>11</a:t>
+            </a:fld>
+            <a:endParaRPr lang="ko-KR" altLang="en-US"/>
+          </a:p>
+        </p:txBody>
+      </p:sp>
+    </p:spTree>
+    <p:extLst>
+      <p:ext uri="{BB962C8B-B14F-4D97-AF65-F5344CB8AC3E}">
+        <p14:creationId xmlns:p14="http://schemas.microsoft.com/office/powerpoint/2010/main" val="2602947142"/>
+      </p:ext>
+    </p:extLst>
+  </p:cSld>
+  <p:clrMapOvr>
+    <a:masterClrMapping/>
+  </p:clrMapOvr>
+</p:notes>
+</file>
+
 <file path=ppt/notesSlides/notesSlide2.xml><?xml version="1.0" encoding="utf-8"?>
 <p:notes xmlns:a="http://schemas.openxmlformats.org/drawingml/2006/main" xmlns:r="http://schemas.openxmlformats.org/officeDocument/2006/relationships" xmlns:p="http://schemas.openxmlformats.org/presentationml/2006/main">
   <p:cSld>
@@ -753,28 +841,43 @@
           <a:p>
             <a:r>
               <a:rPr lang="en-US" altLang="ko-KR" dirty="0"/>
-              <a:t>ggplot2</a:t>
-            </a:r>
-          </a:p>
-          <a:p>
+              <a:t>PCA</a:t>
+            </a:r>
+            <a:r>
+              <a:rPr lang="ko-KR" altLang="en-US" dirty="0"/>
+              <a:t>란</a:t>
+            </a:r>
             <a:r>
               <a:rPr lang="en-US" altLang="ko-KR" dirty="0"/>
-              <a:t>-</a:t>
-            </a:r>
-            <a:r>
-              <a:rPr lang="en-US" altLang="ko-KR" baseline="0" dirty="0"/>
-              <a:t> </a:t>
-            </a:r>
+              <a:t>?</a:t>
+            </a:r>
+          </a:p>
+          <a:p>
+            <a:pPr marL="171450" indent="-171450">
+              <a:buFontTx/>
+              <a:buChar char="-"/>
+            </a:pPr>
             <a:r>
               <a:rPr lang="en-US" altLang="ko-KR" dirty="0"/>
-              <a:t>https://ggplot2.tidyverse.org/reference/index.html</a:t>
-            </a:r>
-          </a:p>
-          <a:p>
+              <a:t>https://ko.wikipedia.org/wiki/%EC%A3%BC%EC%84%B1%EB%B6%84_%EB%B6%84%EC%84%9D</a:t>
+            </a:r>
+          </a:p>
+          <a:p>
+            <a:pPr marL="171450" indent="-171450">
+              <a:buFontTx/>
+              <a:buChar char="-"/>
+            </a:pPr>
             <a:r>
               <a:rPr lang="en-US" altLang="ko-KR" dirty="0"/>
-              <a:t>- </a:t>
-            </a:r>
+              <a:t>https://angeloyeo.github.io/2019/07/27/PCA.html</a:t>
+            </a:r>
+          </a:p>
+          <a:p>
+            <a:pPr marL="171450" indent="-171450">
+              <a:buFontTx/>
+              <a:buChar char="-"/>
+            </a:pPr>
+            <a:endParaRPr lang="ko-KR" altLang="en-US" dirty="0"/>
           </a:p>
         </p:txBody>
       </p:sp>
@@ -804,7 +907,7 @@
     </p:spTree>
     <p:extLst>
       <p:ext uri="{BB962C8B-B14F-4D97-AF65-F5344CB8AC3E}">
-        <p14:creationId xmlns:p14="http://schemas.microsoft.com/office/powerpoint/2010/main" val="2840918665"/>
+        <p14:creationId xmlns:p14="http://schemas.microsoft.com/office/powerpoint/2010/main" val="2391635545"/>
       </p:ext>
     </p:extLst>
   </p:cSld>
@@ -860,28 +963,43 @@
           <a:p>
             <a:r>
               <a:rPr lang="en-US" altLang="ko-KR" dirty="0"/>
-              <a:t>ggplot2</a:t>
-            </a:r>
-          </a:p>
-          <a:p>
+              <a:t>PCA</a:t>
+            </a:r>
+            <a:r>
+              <a:rPr lang="ko-KR" altLang="en-US" dirty="0"/>
+              <a:t>란</a:t>
+            </a:r>
             <a:r>
               <a:rPr lang="en-US" altLang="ko-KR" dirty="0"/>
-              <a:t>-</a:t>
-            </a:r>
-            <a:r>
-              <a:rPr lang="en-US" altLang="ko-KR" baseline="0" dirty="0"/>
-              <a:t> </a:t>
-            </a:r>
+              <a:t>?</a:t>
+            </a:r>
+          </a:p>
+          <a:p>
+            <a:pPr marL="171450" indent="-171450">
+              <a:buFontTx/>
+              <a:buChar char="-"/>
+            </a:pPr>
             <a:r>
               <a:rPr lang="en-US" altLang="ko-KR" dirty="0"/>
-              <a:t>https://ggplot2.tidyverse.org/reference/index.html</a:t>
-            </a:r>
-          </a:p>
-          <a:p>
+              <a:t>https://ko.wikipedia.org/wiki/%EC%A3%BC%EC%84%B1%EB%B6%84_%EB%B6%84%EC%84%9D</a:t>
+            </a:r>
+          </a:p>
+          <a:p>
+            <a:pPr marL="171450" indent="-171450">
+              <a:buFontTx/>
+              <a:buChar char="-"/>
+            </a:pPr>
             <a:r>
               <a:rPr lang="en-US" altLang="ko-KR" dirty="0"/>
-              <a:t>- </a:t>
-            </a:r>
+              <a:t>https://angeloyeo.github.io/2019/07/27/PCA.html</a:t>
+            </a:r>
+          </a:p>
+          <a:p>
+            <a:pPr marL="171450" indent="-171450">
+              <a:buFontTx/>
+              <a:buChar char="-"/>
+            </a:pPr>
+            <a:endParaRPr lang="ko-KR" altLang="en-US" dirty="0"/>
           </a:p>
         </p:txBody>
       </p:sp>
@@ -911,7 +1029,7 @@
     </p:spTree>
     <p:extLst>
       <p:ext uri="{BB962C8B-B14F-4D97-AF65-F5344CB8AC3E}">
-        <p14:creationId xmlns:p14="http://schemas.microsoft.com/office/powerpoint/2010/main" val="1323983432"/>
+        <p14:creationId xmlns:p14="http://schemas.microsoft.com/office/powerpoint/2010/main" val="3487034670"/>
       </p:ext>
     </p:extLst>
   </p:cSld>
@@ -965,11 +1083,30 @@
           <a:bodyPr/>
           <a:lstStyle/>
           <a:p>
-            <a:pPr marL="171450" indent="-171450">
-              <a:buFontTx/>
-              <a:buChar char="-"/>
-            </a:pPr>
-            <a:endParaRPr lang="ko-KR" altLang="en-US" dirty="0"/>
+            <a:r>
+              <a:rPr lang="en-US" altLang="ko-KR" dirty="0"/>
+              <a:t>ggplot2</a:t>
+            </a:r>
+          </a:p>
+          <a:p>
+            <a:r>
+              <a:rPr lang="en-US" altLang="ko-KR" dirty="0"/>
+              <a:t>-</a:t>
+            </a:r>
+            <a:r>
+              <a:rPr lang="en-US" altLang="ko-KR" baseline="0" dirty="0"/>
+              <a:t> </a:t>
+            </a:r>
+            <a:r>
+              <a:rPr lang="en-US" altLang="ko-KR" dirty="0"/>
+              <a:t>https://ggplot2.tidyverse.org/reference/index.html</a:t>
+            </a:r>
+          </a:p>
+          <a:p>
+            <a:r>
+              <a:rPr lang="en-US" altLang="ko-KR" dirty="0"/>
+              <a:t>- </a:t>
+            </a:r>
           </a:p>
         </p:txBody>
       </p:sp>
@@ -999,7 +1136,7 @@
     </p:spTree>
     <p:extLst>
       <p:ext uri="{BB962C8B-B14F-4D97-AF65-F5344CB8AC3E}">
-        <p14:creationId xmlns:p14="http://schemas.microsoft.com/office/powerpoint/2010/main" val="2548953570"/>
+        <p14:creationId xmlns:p14="http://schemas.microsoft.com/office/powerpoint/2010/main" val="2840918665"/>
       </p:ext>
     </p:extLst>
   </p:cSld>
@@ -1053,7 +1190,30 @@
           <a:bodyPr/>
           <a:lstStyle/>
           <a:p>
-            <a:endParaRPr lang="en-US" altLang="ko-KR" dirty="0"/>
+            <a:r>
+              <a:rPr lang="en-US" altLang="ko-KR" dirty="0"/>
+              <a:t>ggplot2</a:t>
+            </a:r>
+          </a:p>
+          <a:p>
+            <a:r>
+              <a:rPr lang="en-US" altLang="ko-KR" dirty="0"/>
+              <a:t>-</a:t>
+            </a:r>
+            <a:r>
+              <a:rPr lang="en-US" altLang="ko-KR" baseline="0" dirty="0"/>
+              <a:t> </a:t>
+            </a:r>
+            <a:r>
+              <a:rPr lang="en-US" altLang="ko-KR" dirty="0"/>
+              <a:t>https://ggplot2.tidyverse.org/reference/index.html</a:t>
+            </a:r>
+          </a:p>
+          <a:p>
+            <a:r>
+              <a:rPr lang="en-US" altLang="ko-KR" dirty="0"/>
+              <a:t>- </a:t>
+            </a:r>
           </a:p>
         </p:txBody>
       </p:sp>
@@ -1083,7 +1243,7 @@
     </p:spTree>
     <p:extLst>
       <p:ext uri="{BB962C8B-B14F-4D97-AF65-F5344CB8AC3E}">
-        <p14:creationId xmlns:p14="http://schemas.microsoft.com/office/powerpoint/2010/main" val="2442369945"/>
+        <p14:creationId xmlns:p14="http://schemas.microsoft.com/office/powerpoint/2010/main" val="1323983432"/>
       </p:ext>
     </p:extLst>
   </p:cSld>
@@ -1137,7 +1297,11 @@
           <a:bodyPr/>
           <a:lstStyle/>
           <a:p>
-            <a:endParaRPr lang="en-US" altLang="ko-KR" dirty="0"/>
+            <a:pPr marL="171450" indent="-171450">
+              <a:buFontTx/>
+              <a:buChar char="-"/>
+            </a:pPr>
+            <a:endParaRPr lang="ko-KR" altLang="en-US" dirty="0"/>
           </a:p>
         </p:txBody>
       </p:sp>
@@ -1167,7 +1331,7 @@
     </p:spTree>
     <p:extLst>
       <p:ext uri="{BB962C8B-B14F-4D97-AF65-F5344CB8AC3E}">
-        <p14:creationId xmlns:p14="http://schemas.microsoft.com/office/powerpoint/2010/main" val="346111772"/>
+        <p14:creationId xmlns:p14="http://schemas.microsoft.com/office/powerpoint/2010/main" val="2548953570"/>
       </p:ext>
     </p:extLst>
   </p:cSld>
@@ -1251,7 +1415,91 @@
     </p:spTree>
     <p:extLst>
       <p:ext uri="{BB962C8B-B14F-4D97-AF65-F5344CB8AC3E}">
-        <p14:creationId xmlns:p14="http://schemas.microsoft.com/office/powerpoint/2010/main" val="2602947142"/>
+        <p14:creationId xmlns:p14="http://schemas.microsoft.com/office/powerpoint/2010/main" val="2442369945"/>
+      </p:ext>
+    </p:extLst>
+  </p:cSld>
+  <p:clrMapOvr>
+    <a:masterClrMapping/>
+  </p:clrMapOvr>
+</p:notes>
+</file>
+
+<file path=ppt/notesSlides/notesSlide9.xml><?xml version="1.0" encoding="utf-8"?>
+<p:notes xmlns:a="http://schemas.openxmlformats.org/drawingml/2006/main" xmlns:r="http://schemas.openxmlformats.org/officeDocument/2006/relationships" xmlns:p="http://schemas.openxmlformats.org/presentationml/2006/main">
+  <p:cSld>
+    <p:spTree>
+      <p:nvGrpSpPr>
+        <p:cNvPr id="1" name=""/>
+        <p:cNvGrpSpPr/>
+        <p:nvPr/>
+      </p:nvGrpSpPr>
+      <p:grpSpPr>
+        <a:xfrm>
+          <a:off x="0" y="0"/>
+          <a:ext cx="0" cy="0"/>
+          <a:chOff x="0" y="0"/>
+          <a:chExt cx="0" cy="0"/>
+        </a:xfrm>
+      </p:grpSpPr>
+      <p:sp>
+        <p:nvSpPr>
+          <p:cNvPr id="2" name="슬라이드 이미지 개체 틀 1"/>
+          <p:cNvSpPr>
+            <a:spLocks noGrp="1" noRot="1" noChangeAspect="1"/>
+          </p:cNvSpPr>
+          <p:nvPr>
+            <p:ph type="sldImg"/>
+          </p:nvPr>
+        </p:nvSpPr>
+        <p:spPr/>
+      </p:sp>
+      <p:sp>
+        <p:nvSpPr>
+          <p:cNvPr id="3" name="슬라이드 노트 개체 틀 2"/>
+          <p:cNvSpPr>
+            <a:spLocks noGrp="1"/>
+          </p:cNvSpPr>
+          <p:nvPr>
+            <p:ph type="body" idx="1"/>
+          </p:nvPr>
+        </p:nvSpPr>
+        <p:spPr/>
+        <p:txBody>
+          <a:bodyPr/>
+          <a:lstStyle/>
+          <a:p>
+            <a:endParaRPr lang="en-US" altLang="ko-KR" dirty="0"/>
+          </a:p>
+        </p:txBody>
+      </p:sp>
+      <p:sp>
+        <p:nvSpPr>
+          <p:cNvPr id="4" name="슬라이드 번호 개체 틀 3"/>
+          <p:cNvSpPr>
+            <a:spLocks noGrp="1"/>
+          </p:cNvSpPr>
+          <p:nvPr>
+            <p:ph type="sldNum" sz="quarter" idx="10"/>
+          </p:nvPr>
+        </p:nvSpPr>
+        <p:spPr/>
+        <p:txBody>
+          <a:bodyPr/>
+          <a:lstStyle/>
+          <a:p>
+            <a:fld id="{C3394D38-E1FA-4CE4-9394-BB6C6AC66CC0}" type="slidenum">
+              <a:rPr lang="ko-KR" altLang="en-US" smtClean="0"/>
+              <a:t>10</a:t>
+            </a:fld>
+            <a:endParaRPr lang="ko-KR" altLang="en-US"/>
+          </a:p>
+        </p:txBody>
+      </p:sp>
+    </p:spTree>
+    <p:extLst>
+      <p:ext uri="{BB962C8B-B14F-4D97-AF65-F5344CB8AC3E}">
+        <p14:creationId xmlns:p14="http://schemas.microsoft.com/office/powerpoint/2010/main" val="346111772"/>
       </p:ext>
     </p:extLst>
   </p:cSld>
@@ -1390,7 +1638,7 @@
           <a:p>
             <a:fld id="{C37DB50E-FB59-4255-8EC4-78AF5CE9A269}" type="datetimeFigureOut">
               <a:rPr lang="ko-KR" altLang="en-US" smtClean="0"/>
-              <a:t>2022-04-04</a:t>
+              <a:t>2022-04-06</a:t>
             </a:fld>
             <a:endParaRPr lang="ko-KR" altLang="en-US"/>
           </a:p>
@@ -1558,7 +1806,7 @@
           <a:p>
             <a:fld id="{C37DB50E-FB59-4255-8EC4-78AF5CE9A269}" type="datetimeFigureOut">
               <a:rPr lang="ko-KR" altLang="en-US" smtClean="0"/>
-              <a:t>2022-04-04</a:t>
+              <a:t>2022-04-06</a:t>
             </a:fld>
             <a:endParaRPr lang="ko-KR" altLang="en-US"/>
           </a:p>
@@ -1736,7 +1984,7 @@
           <a:p>
             <a:fld id="{C37DB50E-FB59-4255-8EC4-78AF5CE9A269}" type="datetimeFigureOut">
               <a:rPr lang="ko-KR" altLang="en-US" smtClean="0"/>
-              <a:t>2022-04-04</a:t>
+              <a:t>2022-04-06</a:t>
             </a:fld>
             <a:endParaRPr lang="ko-KR" altLang="en-US"/>
           </a:p>
@@ -1904,7 +2152,7 @@
           <a:p>
             <a:fld id="{C37DB50E-FB59-4255-8EC4-78AF5CE9A269}" type="datetimeFigureOut">
               <a:rPr lang="ko-KR" altLang="en-US" smtClean="0"/>
-              <a:t>2022-04-04</a:t>
+              <a:t>2022-04-06</a:t>
             </a:fld>
             <a:endParaRPr lang="ko-KR" altLang="en-US"/>
           </a:p>
@@ -2149,7 +2397,7 @@
           <a:p>
             <a:fld id="{C37DB50E-FB59-4255-8EC4-78AF5CE9A269}" type="datetimeFigureOut">
               <a:rPr lang="ko-KR" altLang="en-US" smtClean="0"/>
-              <a:t>2022-04-04</a:t>
+              <a:t>2022-04-06</a:t>
             </a:fld>
             <a:endParaRPr lang="ko-KR" altLang="en-US"/>
           </a:p>
@@ -2378,7 +2626,7 @@
           <a:p>
             <a:fld id="{C37DB50E-FB59-4255-8EC4-78AF5CE9A269}" type="datetimeFigureOut">
               <a:rPr lang="ko-KR" altLang="en-US" smtClean="0"/>
-              <a:t>2022-04-04</a:t>
+              <a:t>2022-04-06</a:t>
             </a:fld>
             <a:endParaRPr lang="ko-KR" altLang="en-US"/>
           </a:p>
@@ -2742,7 +2990,7 @@
           <a:p>
             <a:fld id="{C37DB50E-FB59-4255-8EC4-78AF5CE9A269}" type="datetimeFigureOut">
               <a:rPr lang="ko-KR" altLang="en-US" smtClean="0"/>
-              <a:t>2022-04-04</a:t>
+              <a:t>2022-04-06</a:t>
             </a:fld>
             <a:endParaRPr lang="ko-KR" altLang="en-US"/>
           </a:p>
@@ -2859,7 +3107,7 @@
           <a:p>
             <a:fld id="{C37DB50E-FB59-4255-8EC4-78AF5CE9A269}" type="datetimeFigureOut">
               <a:rPr lang="ko-KR" altLang="en-US" smtClean="0"/>
-              <a:t>2022-04-04</a:t>
+              <a:t>2022-04-06</a:t>
             </a:fld>
             <a:endParaRPr lang="ko-KR" altLang="en-US"/>
           </a:p>
@@ -2954,7 +3202,7 @@
           <a:p>
             <a:fld id="{C37DB50E-FB59-4255-8EC4-78AF5CE9A269}" type="datetimeFigureOut">
               <a:rPr lang="ko-KR" altLang="en-US" smtClean="0"/>
-              <a:t>2022-04-04</a:t>
+              <a:t>2022-04-06</a:t>
             </a:fld>
             <a:endParaRPr lang="ko-KR" altLang="en-US"/>
           </a:p>
@@ -3229,7 +3477,7 @@
           <a:p>
             <a:fld id="{C37DB50E-FB59-4255-8EC4-78AF5CE9A269}" type="datetimeFigureOut">
               <a:rPr lang="ko-KR" altLang="en-US" smtClean="0"/>
-              <a:t>2022-04-04</a:t>
+              <a:t>2022-04-06</a:t>
             </a:fld>
             <a:endParaRPr lang="ko-KR" altLang="en-US"/>
           </a:p>
@@ -3481,7 +3729,7 @@
           <a:p>
             <a:fld id="{C37DB50E-FB59-4255-8EC4-78AF5CE9A269}" type="datetimeFigureOut">
               <a:rPr lang="ko-KR" altLang="en-US" smtClean="0"/>
-              <a:t>2022-04-04</a:t>
+              <a:t>2022-04-06</a:t>
             </a:fld>
             <a:endParaRPr lang="ko-KR" altLang="en-US"/>
           </a:p>
@@ -3692,7 +3940,7 @@
           <a:p>
             <a:fld id="{C37DB50E-FB59-4255-8EC4-78AF5CE9A269}" type="datetimeFigureOut">
               <a:rPr lang="ko-KR" altLang="en-US" smtClean="0"/>
-              <a:t>2022-04-04</a:t>
+              <a:t>2022-04-06</a:t>
             </a:fld>
             <a:endParaRPr lang="ko-KR" altLang="en-US"/>
           </a:p>
@@ -4799,7 +5047,7 @@
           <p:cNvPr id="2" name="TextBox 1">
             <a:extLst>
               <a:ext uri="{FF2B5EF4-FFF2-40B4-BE49-F238E27FC236}">
-                <a16:creationId xmlns:a16="http://schemas.microsoft.com/office/drawing/2014/main" xmlns="" id="{B57D1D50-C100-4846-B8D3-0AF4330013E4}"/>
+                <a16:creationId xmlns="" xmlns:a16="http://schemas.microsoft.com/office/drawing/2014/main" id="{B57D1D50-C100-4846-B8D3-0AF4330013E4}"/>
               </a:ext>
             </a:extLst>
           </p:cNvPr>
@@ -4824,11 +5072,7 @@
           <a:p>
             <a:r>
               <a:rPr kumimoji="1" lang="en-US" altLang="ko-KR" sz="2000" b="1" dirty="0"/>
-              <a:t>&lt; Explanatory Analysis &amp; Visualization </a:t>
-            </a:r>
-            <a:r>
-              <a:rPr kumimoji="1" lang="en-US" altLang="ko-KR" sz="2000" b="1" dirty="0"/>
-              <a:t>&gt;</a:t>
+              <a:t>&lt; Explanatory Analysis &amp; Visualization &gt;</a:t>
             </a:r>
             <a:endParaRPr kumimoji="1" lang="ko-KR" altLang="en-US" sz="1000" dirty="0"/>
           </a:p>
@@ -4839,7 +5083,7 @@
           <p:cNvPr id="16" name="TextBox 15">
             <a:extLst>
               <a:ext uri="{FF2B5EF4-FFF2-40B4-BE49-F238E27FC236}">
-                <a16:creationId xmlns:a16="http://schemas.microsoft.com/office/drawing/2014/main" xmlns="" id="{185F3932-CD6A-EE4C-BEA6-A1830EE377A8}"/>
+                <a16:creationId xmlns="" xmlns:a16="http://schemas.microsoft.com/office/drawing/2014/main" id="{185F3932-CD6A-EE4C-BEA6-A1830EE377A8}"/>
               </a:ext>
             </a:extLst>
           </p:cNvPr>
@@ -5103,6 +5347,1773 @@
     <p:extLst>
       <p:ext uri="{BB962C8B-B14F-4D97-AF65-F5344CB8AC3E}">
         <p14:creationId xmlns:p14="http://schemas.microsoft.com/office/powerpoint/2010/main" val="1630283930"/>
+      </p:ext>
+    </p:extLst>
+  </p:cSld>
+  <p:clrMapOvr>
+    <a:masterClrMapping/>
+  </p:clrMapOvr>
+</p:sld>
+</file>
+
+<file path=ppt/slides/slide10.xml><?xml version="1.0" encoding="utf-8"?>
+<p:sld xmlns:a="http://schemas.openxmlformats.org/drawingml/2006/main" xmlns:r="http://schemas.openxmlformats.org/officeDocument/2006/relationships" xmlns:p="http://schemas.openxmlformats.org/presentationml/2006/main">
+  <p:cSld>
+    <p:spTree>
+      <p:nvGrpSpPr>
+        <p:cNvPr id="1" name=""/>
+        <p:cNvGrpSpPr/>
+        <p:nvPr/>
+      </p:nvGrpSpPr>
+      <p:grpSpPr>
+        <a:xfrm>
+          <a:off x="0" y="0"/>
+          <a:ext cx="0" cy="0"/>
+          <a:chOff x="0" y="0"/>
+          <a:chExt cx="0" cy="0"/>
+        </a:xfrm>
+      </p:grpSpPr>
+      <p:sp>
+        <p:nvSpPr>
+          <p:cNvPr id="4" name="제목 3"/>
+          <p:cNvSpPr>
+            <a:spLocks noGrp="1"/>
+          </p:cNvSpPr>
+          <p:nvPr>
+            <p:ph type="title"/>
+          </p:nvPr>
+        </p:nvSpPr>
+        <p:spPr>
+          <a:xfrm>
+            <a:off x="186599" y="161047"/>
+            <a:ext cx="10515600" cy="788172"/>
+          </a:xfrm>
+        </p:spPr>
+        <p:txBody>
+          <a:bodyPr/>
+          <a:lstStyle/>
+          <a:p>
+            <a:r>
+              <a:rPr lang="en-US" altLang="ko-KR" dirty="0"/>
+              <a:t>DEG</a:t>
+            </a:r>
+            <a:r>
+              <a:rPr lang="ko-KR" altLang="en-US" dirty="0"/>
+              <a:t> </a:t>
+            </a:r>
+            <a:r>
+              <a:rPr lang="en-US" altLang="ko-KR" dirty="0"/>
+              <a:t>Analysis</a:t>
+            </a:r>
+            <a:endParaRPr lang="ko-KR" altLang="en-US" dirty="0"/>
+          </a:p>
+        </p:txBody>
+      </p:sp>
+      <p:sp>
+        <p:nvSpPr>
+          <p:cNvPr id="6" name="TextBox 5"/>
+          <p:cNvSpPr txBox="1"/>
+          <p:nvPr/>
+        </p:nvSpPr>
+        <p:spPr>
+          <a:xfrm>
+            <a:off x="10636296" y="45718"/>
+            <a:ext cx="1435008" cy="369332"/>
+          </a:xfrm>
+          <a:prstGeom prst="rect">
+            <a:avLst/>
+          </a:prstGeom>
+          <a:noFill/>
+        </p:spPr>
+        <p:txBody>
+          <a:bodyPr wrap="none" rtlCol="0">
+            <a:spAutoFit/>
+          </a:bodyPr>
+          <a:lstStyle/>
+          <a:p>
+            <a:r>
+              <a:rPr lang="en-US" altLang="ko-KR" dirty="0"/>
+              <a:t>2. DESeq2.R</a:t>
+            </a:r>
+            <a:endParaRPr lang="ko-KR" altLang="en-US" dirty="0"/>
+          </a:p>
+        </p:txBody>
+      </p:sp>
+      <p:sp>
+        <p:nvSpPr>
+          <p:cNvPr id="23" name="TextBox 22"/>
+          <p:cNvSpPr txBox="1"/>
+          <p:nvPr/>
+        </p:nvSpPr>
+        <p:spPr>
+          <a:xfrm>
+            <a:off x="8747389" y="4309060"/>
+            <a:ext cx="2956259" cy="377091"/>
+          </a:xfrm>
+          <a:prstGeom prst="rect">
+            <a:avLst/>
+          </a:prstGeom>
+          <a:noFill/>
+        </p:spPr>
+        <p:txBody>
+          <a:bodyPr wrap="none" rtlCol="0">
+            <a:spAutoFit/>
+          </a:bodyPr>
+          <a:lstStyle/>
+          <a:p>
+            <a:pPr>
+              <a:lnSpc>
+                <a:spcPct val="130000"/>
+              </a:lnSpc>
+            </a:pPr>
+            <a:r>
+              <a:rPr lang="en-US" altLang="ko-KR" sz="1600" dirty="0"/>
+              <a:t>Run DEG analysis by DESeq2</a:t>
+            </a:r>
+          </a:p>
+        </p:txBody>
+      </p:sp>
+      <p:sp>
+        <p:nvSpPr>
+          <p:cNvPr id="29" name="TextBox 28"/>
+          <p:cNvSpPr txBox="1"/>
+          <p:nvPr/>
+        </p:nvSpPr>
+        <p:spPr>
+          <a:xfrm>
+            <a:off x="8747389" y="6195955"/>
+            <a:ext cx="1420902" cy="377091"/>
+          </a:xfrm>
+          <a:prstGeom prst="rect">
+            <a:avLst/>
+          </a:prstGeom>
+          <a:noFill/>
+        </p:spPr>
+        <p:txBody>
+          <a:bodyPr wrap="none" rtlCol="0">
+            <a:spAutoFit/>
+          </a:bodyPr>
+          <a:lstStyle/>
+          <a:p>
+            <a:pPr>
+              <a:lnSpc>
+                <a:spcPct val="130000"/>
+              </a:lnSpc>
+            </a:pPr>
+            <a:r>
+              <a:rPr lang="en-US" altLang="ko-KR" sz="1600" dirty="0"/>
+              <a:t>Save RDS file</a:t>
+            </a:r>
+          </a:p>
+        </p:txBody>
+      </p:sp>
+      <p:sp>
+        <p:nvSpPr>
+          <p:cNvPr id="20" name="내용 개체 틀 1">
+            <a:extLst>
+              <a:ext uri="{FF2B5EF4-FFF2-40B4-BE49-F238E27FC236}">
+                <a16:creationId xmlns="" xmlns:a16="http://schemas.microsoft.com/office/drawing/2014/main" id="{F64DB2F0-0A18-4CE1-9734-3B587EE8E81B}"/>
+              </a:ext>
+            </a:extLst>
+          </p:cNvPr>
+          <p:cNvSpPr txBox="1">
+            <a:spLocks/>
+          </p:cNvSpPr>
+          <p:nvPr/>
+        </p:nvSpPr>
+        <p:spPr>
+          <a:xfrm>
+            <a:off x="186599" y="1203717"/>
+            <a:ext cx="10515600" cy="4351338"/>
+          </a:xfrm>
+          <a:prstGeom prst="rect">
+            <a:avLst/>
+          </a:prstGeom>
+        </p:spPr>
+        <p:txBody>
+          <a:bodyPr vert="horz" lIns="91440" tIns="45720" rIns="91440" bIns="45720" rtlCol="0">
+            <a:normAutofit/>
+          </a:bodyPr>
+          <a:lstStyle>
+            <a:lvl1pPr marL="228600" indent="-228600" algn="l" defTabSz="914400" rtl="0" eaLnBrk="1" latinLnBrk="1" hangingPunct="1">
+              <a:lnSpc>
+                <a:spcPct val="90000"/>
+              </a:lnSpc>
+              <a:spcBef>
+                <a:spcPts val="1000"/>
+              </a:spcBef>
+              <a:buFont typeface="Arial" panose="020B0604020202020204" pitchFamily="34" charset="0"/>
+              <a:buChar char="•"/>
+              <a:defRPr sz="2800" kern="1200">
+                <a:solidFill>
+                  <a:schemeClr val="tx1"/>
+                </a:solidFill>
+                <a:latin typeface="+mn-lt"/>
+                <a:ea typeface="+mn-ea"/>
+                <a:cs typeface="+mn-cs"/>
+              </a:defRPr>
+            </a:lvl1pPr>
+            <a:lvl2pPr marL="685800" indent="-228600" algn="l" defTabSz="914400" rtl="0" eaLnBrk="1" latinLnBrk="1" hangingPunct="1">
+              <a:lnSpc>
+                <a:spcPct val="90000"/>
+              </a:lnSpc>
+              <a:spcBef>
+                <a:spcPts val="500"/>
+              </a:spcBef>
+              <a:buFont typeface="Arial" panose="020B0604020202020204" pitchFamily="34" charset="0"/>
+              <a:buChar char="•"/>
+              <a:defRPr sz="2400" kern="1200">
+                <a:solidFill>
+                  <a:schemeClr val="tx1"/>
+                </a:solidFill>
+                <a:latin typeface="+mn-lt"/>
+                <a:ea typeface="+mn-ea"/>
+                <a:cs typeface="+mn-cs"/>
+              </a:defRPr>
+            </a:lvl2pPr>
+            <a:lvl3pPr marL="1143000" indent="-228600" algn="l" defTabSz="914400" rtl="0" eaLnBrk="1" latinLnBrk="1" hangingPunct="1">
+              <a:lnSpc>
+                <a:spcPct val="90000"/>
+              </a:lnSpc>
+              <a:spcBef>
+                <a:spcPts val="500"/>
+              </a:spcBef>
+              <a:buFont typeface="Arial" panose="020B0604020202020204" pitchFamily="34" charset="0"/>
+              <a:buChar char="•"/>
+              <a:defRPr sz="2000" kern="1200">
+                <a:solidFill>
+                  <a:schemeClr val="tx1"/>
+                </a:solidFill>
+                <a:latin typeface="+mn-lt"/>
+                <a:ea typeface="+mn-ea"/>
+                <a:cs typeface="+mn-cs"/>
+              </a:defRPr>
+            </a:lvl3pPr>
+            <a:lvl4pPr marL="1600200" indent="-228600" algn="l" defTabSz="914400" rtl="0" eaLnBrk="1" latinLnBrk="1" hangingPunct="1">
+              <a:lnSpc>
+                <a:spcPct val="90000"/>
+              </a:lnSpc>
+              <a:spcBef>
+                <a:spcPts val="500"/>
+              </a:spcBef>
+              <a:buFont typeface="Arial" panose="020B0604020202020204" pitchFamily="34" charset="0"/>
+              <a:buChar char="•"/>
+              <a:defRPr sz="1800" kern="1200">
+                <a:solidFill>
+                  <a:schemeClr val="tx1"/>
+                </a:solidFill>
+                <a:latin typeface="+mn-lt"/>
+                <a:ea typeface="+mn-ea"/>
+                <a:cs typeface="+mn-cs"/>
+              </a:defRPr>
+            </a:lvl4pPr>
+            <a:lvl5pPr marL="2057400" indent="-228600" algn="l" defTabSz="914400" rtl="0" eaLnBrk="1" latinLnBrk="1" hangingPunct="1">
+              <a:lnSpc>
+                <a:spcPct val="90000"/>
+              </a:lnSpc>
+              <a:spcBef>
+                <a:spcPts val="500"/>
+              </a:spcBef>
+              <a:buFont typeface="Arial" panose="020B0604020202020204" pitchFamily="34" charset="0"/>
+              <a:buChar char="•"/>
+              <a:defRPr sz="1800" kern="1200">
+                <a:solidFill>
+                  <a:schemeClr val="tx1"/>
+                </a:solidFill>
+                <a:latin typeface="+mn-lt"/>
+                <a:ea typeface="+mn-ea"/>
+                <a:cs typeface="+mn-cs"/>
+              </a:defRPr>
+            </a:lvl5pPr>
+            <a:lvl6pPr marL="2514600" indent="-228600" algn="l" defTabSz="914400" rtl="0" eaLnBrk="1" latinLnBrk="1" hangingPunct="1">
+              <a:lnSpc>
+                <a:spcPct val="90000"/>
+              </a:lnSpc>
+              <a:spcBef>
+                <a:spcPts val="500"/>
+              </a:spcBef>
+              <a:buFont typeface="Arial" panose="020B0604020202020204" pitchFamily="34" charset="0"/>
+              <a:buChar char="•"/>
+              <a:defRPr sz="1800" kern="1200">
+                <a:solidFill>
+                  <a:schemeClr val="tx1"/>
+                </a:solidFill>
+                <a:latin typeface="+mn-lt"/>
+                <a:ea typeface="+mn-ea"/>
+                <a:cs typeface="+mn-cs"/>
+              </a:defRPr>
+            </a:lvl6pPr>
+            <a:lvl7pPr marL="2971800" indent="-228600" algn="l" defTabSz="914400" rtl="0" eaLnBrk="1" latinLnBrk="1" hangingPunct="1">
+              <a:lnSpc>
+                <a:spcPct val="90000"/>
+              </a:lnSpc>
+              <a:spcBef>
+                <a:spcPts val="500"/>
+              </a:spcBef>
+              <a:buFont typeface="Arial" panose="020B0604020202020204" pitchFamily="34" charset="0"/>
+              <a:buChar char="•"/>
+              <a:defRPr sz="1800" kern="1200">
+                <a:solidFill>
+                  <a:schemeClr val="tx1"/>
+                </a:solidFill>
+                <a:latin typeface="+mn-lt"/>
+                <a:ea typeface="+mn-ea"/>
+                <a:cs typeface="+mn-cs"/>
+              </a:defRPr>
+            </a:lvl7pPr>
+            <a:lvl8pPr marL="3429000" indent="-228600" algn="l" defTabSz="914400" rtl="0" eaLnBrk="1" latinLnBrk="1" hangingPunct="1">
+              <a:lnSpc>
+                <a:spcPct val="90000"/>
+              </a:lnSpc>
+              <a:spcBef>
+                <a:spcPts val="500"/>
+              </a:spcBef>
+              <a:buFont typeface="Arial" panose="020B0604020202020204" pitchFamily="34" charset="0"/>
+              <a:buChar char="•"/>
+              <a:defRPr sz="1800" kern="1200">
+                <a:solidFill>
+                  <a:schemeClr val="tx1"/>
+                </a:solidFill>
+                <a:latin typeface="+mn-lt"/>
+                <a:ea typeface="+mn-ea"/>
+                <a:cs typeface="+mn-cs"/>
+              </a:defRPr>
+            </a:lvl8pPr>
+            <a:lvl9pPr marL="3886200" indent="-228600" algn="l" defTabSz="914400" rtl="0" eaLnBrk="1" latinLnBrk="1" hangingPunct="1">
+              <a:lnSpc>
+                <a:spcPct val="90000"/>
+              </a:lnSpc>
+              <a:spcBef>
+                <a:spcPts val="500"/>
+              </a:spcBef>
+              <a:buFont typeface="Arial" panose="020B0604020202020204" pitchFamily="34" charset="0"/>
+              <a:buChar char="•"/>
+              <a:defRPr sz="1800" kern="1200">
+                <a:solidFill>
+                  <a:schemeClr val="tx1"/>
+                </a:solidFill>
+                <a:latin typeface="+mn-lt"/>
+                <a:ea typeface="+mn-ea"/>
+                <a:cs typeface="+mn-cs"/>
+              </a:defRPr>
+            </a:lvl9pPr>
+          </a:lstStyle>
+          <a:p>
+            <a:pPr marL="0" indent="0">
+              <a:lnSpc>
+                <a:spcPct val="130000"/>
+              </a:lnSpc>
+              <a:buFont typeface="Arial" panose="020B0604020202020204" pitchFamily="34" charset="0"/>
+              <a:buNone/>
+            </a:pPr>
+            <a:r>
+              <a:rPr lang="en-US" altLang="ko-KR" sz="1800" b="1" dirty="0"/>
+              <a:t>&gt;DEG </a:t>
+            </a:r>
+            <a:r>
+              <a:rPr lang="en-US" altLang="ko-KR" sz="1800" dirty="0"/>
+              <a:t>(Differentially Expressed Gene, </a:t>
+            </a:r>
+            <a:r>
+              <a:rPr lang="ko-KR" altLang="en-US" sz="1800" dirty="0"/>
+              <a:t>차등 발현 유전자 분석</a:t>
+            </a:r>
+            <a:r>
+              <a:rPr lang="en-US" altLang="ko-KR" sz="1800" dirty="0"/>
+              <a:t>)</a:t>
+            </a:r>
+          </a:p>
+          <a:p>
+            <a:pPr marL="0" indent="0">
+              <a:lnSpc>
+                <a:spcPct val="130000"/>
+              </a:lnSpc>
+              <a:buFont typeface="Arial" panose="020B0604020202020204" pitchFamily="34" charset="0"/>
+              <a:buNone/>
+            </a:pPr>
+            <a:r>
+              <a:rPr lang="en-US" altLang="ko-KR" sz="1600" b="1" dirty="0">
+                <a:solidFill>
+                  <a:srgbClr val="FF0000"/>
+                </a:solidFill>
+              </a:rPr>
+              <a:t>* package </a:t>
+            </a:r>
+            <a:r>
+              <a:rPr lang="ko-KR" altLang="en-US" sz="1600" b="1" dirty="0">
+                <a:solidFill>
+                  <a:srgbClr val="FF0000"/>
+                </a:solidFill>
+              </a:rPr>
+              <a:t>및 </a:t>
+            </a:r>
+            <a:r>
+              <a:rPr lang="en-US" altLang="ko-KR" sz="1600" b="1" dirty="0">
+                <a:solidFill>
+                  <a:srgbClr val="FF0000"/>
+                </a:solidFill>
+              </a:rPr>
+              <a:t>input data </a:t>
+            </a:r>
+            <a:r>
+              <a:rPr lang="ko-KR" altLang="en-US" sz="1600" b="1" dirty="0">
+                <a:solidFill>
+                  <a:srgbClr val="FF0000"/>
+                </a:solidFill>
+              </a:rPr>
+              <a:t>불러오는 코드 먼저 실행 후 진행해주세요</a:t>
+            </a:r>
+            <a:r>
+              <a:rPr lang="en-US" altLang="ko-KR" sz="1600" b="1" dirty="0">
+                <a:solidFill>
+                  <a:srgbClr val="FF0000"/>
+                </a:solidFill>
+              </a:rPr>
+              <a:t> *</a:t>
+            </a:r>
+          </a:p>
+        </p:txBody>
+      </p:sp>
+      <p:sp>
+        <p:nvSpPr>
+          <p:cNvPr id="36" name="TextBox 35">
+            <a:extLst>
+              <a:ext uri="{FF2B5EF4-FFF2-40B4-BE49-F238E27FC236}">
+                <a16:creationId xmlns="" xmlns:a16="http://schemas.microsoft.com/office/drawing/2014/main" id="{53267BF0-69BF-4118-B5E7-BB1D5B46579C}"/>
+              </a:ext>
+            </a:extLst>
+          </p:cNvPr>
+          <p:cNvSpPr txBox="1"/>
+          <p:nvPr/>
+        </p:nvSpPr>
+        <p:spPr>
+          <a:xfrm>
+            <a:off x="8747389" y="5129300"/>
+            <a:ext cx="3001976" cy="626005"/>
+          </a:xfrm>
+          <a:prstGeom prst="rect">
+            <a:avLst/>
+          </a:prstGeom>
+          <a:noFill/>
+        </p:spPr>
+        <p:txBody>
+          <a:bodyPr wrap="none" rtlCol="0">
+            <a:spAutoFit/>
+          </a:bodyPr>
+          <a:lstStyle/>
+          <a:p>
+            <a:pPr>
+              <a:lnSpc>
+                <a:spcPct val="130000"/>
+              </a:lnSpc>
+            </a:pPr>
+            <a:r>
+              <a:rPr lang="en-US" altLang="ko-KR" sz="1600" dirty="0"/>
+              <a:t>Extract significant genes</a:t>
+            </a:r>
+          </a:p>
+          <a:p>
+            <a:pPr>
+              <a:lnSpc>
+                <a:spcPct val="130000"/>
+              </a:lnSpc>
+            </a:pPr>
+            <a:r>
+              <a:rPr lang="en-US" altLang="ko-KR" sz="1200" dirty="0"/>
+              <a:t>(Criteria : |FC|≥2, adjusted p value&lt;0.01)</a:t>
+            </a:r>
+            <a:endParaRPr lang="en-US" altLang="ko-KR" sz="1600" dirty="0"/>
+          </a:p>
+        </p:txBody>
+      </p:sp>
+      <p:pic>
+        <p:nvPicPr>
+          <p:cNvPr id="7" name="그림 6"/>
+          <p:cNvPicPr>
+            <a:picLocks noChangeAspect="1"/>
+          </p:cNvPicPr>
+          <p:nvPr/>
+        </p:nvPicPr>
+        <p:blipFill rotWithShape="1">
+          <a:blip r:embed="rId3"/>
+          <a:srcRect l="202"/>
+          <a:stretch/>
+        </p:blipFill>
+        <p:spPr>
+          <a:xfrm>
+            <a:off x="304800" y="2441158"/>
+            <a:ext cx="7366848" cy="4140402"/>
+          </a:xfrm>
+          <a:prstGeom prst="rect">
+            <a:avLst/>
+          </a:prstGeom>
+        </p:spPr>
+      </p:pic>
+      <p:sp>
+        <p:nvSpPr>
+          <p:cNvPr id="26" name="직사각형 25">
+            <a:extLst>
+              <a:ext uri="{FF2B5EF4-FFF2-40B4-BE49-F238E27FC236}">
+                <a16:creationId xmlns="" xmlns:a16="http://schemas.microsoft.com/office/drawing/2014/main" id="{488448E0-BF06-4638-95D8-94BA51B62AB6}"/>
+              </a:ext>
+            </a:extLst>
+          </p:cNvPr>
+          <p:cNvSpPr/>
+          <p:nvPr/>
+        </p:nvSpPr>
+        <p:spPr>
+          <a:xfrm>
+            <a:off x="3829965" y="3077980"/>
+            <a:ext cx="969026" cy="155313"/>
+          </a:xfrm>
+          <a:prstGeom prst="rect">
+            <a:avLst/>
+          </a:prstGeom>
+          <a:solidFill>
+            <a:schemeClr val="accent2">
+              <a:alpha val="20000"/>
+            </a:schemeClr>
+          </a:solidFill>
+          <a:ln w="25400">
+            <a:solidFill>
+              <a:schemeClr val="accent2"/>
+            </a:solidFill>
+          </a:ln>
+        </p:spPr>
+        <p:style>
+          <a:lnRef idx="2">
+            <a:schemeClr val="accent1">
+              <a:shade val="50000"/>
+            </a:schemeClr>
+          </a:lnRef>
+          <a:fillRef idx="1">
+            <a:schemeClr val="accent1"/>
+          </a:fillRef>
+          <a:effectRef idx="0">
+            <a:schemeClr val="accent1"/>
+          </a:effectRef>
+          <a:fontRef idx="minor">
+            <a:schemeClr val="lt1"/>
+          </a:fontRef>
+        </p:style>
+        <p:txBody>
+          <a:bodyPr rtlCol="0" anchor="ctr"/>
+          <a:lstStyle/>
+          <a:p>
+            <a:pPr algn="ctr"/>
+            <a:endParaRPr lang="ko-KR" altLang="en-US"/>
+          </a:p>
+        </p:txBody>
+      </p:sp>
+      <p:sp>
+        <p:nvSpPr>
+          <p:cNvPr id="27" name="직사각형 26">
+            <a:extLst>
+              <a:ext uri="{FF2B5EF4-FFF2-40B4-BE49-F238E27FC236}">
+                <a16:creationId xmlns="" xmlns:a16="http://schemas.microsoft.com/office/drawing/2014/main" id="{0C03803D-B15C-4391-AA0A-1D58055E475B}"/>
+              </a:ext>
+            </a:extLst>
+          </p:cNvPr>
+          <p:cNvSpPr/>
+          <p:nvPr/>
+        </p:nvSpPr>
+        <p:spPr>
+          <a:xfrm>
+            <a:off x="3969750" y="2925000"/>
+            <a:ext cx="909295" cy="155313"/>
+          </a:xfrm>
+          <a:prstGeom prst="rect">
+            <a:avLst/>
+          </a:prstGeom>
+          <a:solidFill>
+            <a:schemeClr val="accent2">
+              <a:alpha val="20000"/>
+            </a:schemeClr>
+          </a:solidFill>
+          <a:ln w="25400">
+            <a:solidFill>
+              <a:schemeClr val="accent2"/>
+            </a:solidFill>
+          </a:ln>
+        </p:spPr>
+        <p:style>
+          <a:lnRef idx="2">
+            <a:schemeClr val="accent1">
+              <a:shade val="50000"/>
+            </a:schemeClr>
+          </a:lnRef>
+          <a:fillRef idx="1">
+            <a:schemeClr val="accent1"/>
+          </a:fillRef>
+          <a:effectRef idx="0">
+            <a:schemeClr val="accent1"/>
+          </a:effectRef>
+          <a:fontRef idx="minor">
+            <a:schemeClr val="lt1"/>
+          </a:fontRef>
+        </p:style>
+        <p:txBody>
+          <a:bodyPr rtlCol="0" anchor="ctr"/>
+          <a:lstStyle/>
+          <a:p>
+            <a:pPr algn="ctr"/>
+            <a:endParaRPr lang="ko-KR" altLang="en-US"/>
+          </a:p>
+        </p:txBody>
+      </p:sp>
+      <p:sp>
+        <p:nvSpPr>
+          <p:cNvPr id="33" name="직사각형 32">
+            <a:extLst>
+              <a:ext uri="{FF2B5EF4-FFF2-40B4-BE49-F238E27FC236}">
+                <a16:creationId xmlns="" xmlns:a16="http://schemas.microsoft.com/office/drawing/2014/main" id="{0E733A80-DF78-4A25-901B-8D2A2CFEF47B}"/>
+              </a:ext>
+            </a:extLst>
+          </p:cNvPr>
+          <p:cNvSpPr/>
+          <p:nvPr/>
+        </p:nvSpPr>
+        <p:spPr>
+          <a:xfrm>
+            <a:off x="3324225" y="5610147"/>
+            <a:ext cx="1968500" cy="155313"/>
+          </a:xfrm>
+          <a:prstGeom prst="rect">
+            <a:avLst/>
+          </a:prstGeom>
+          <a:solidFill>
+            <a:schemeClr val="accent2">
+              <a:alpha val="20000"/>
+            </a:schemeClr>
+          </a:solidFill>
+          <a:ln w="25400">
+            <a:solidFill>
+              <a:schemeClr val="accent2"/>
+            </a:solidFill>
+          </a:ln>
+        </p:spPr>
+        <p:style>
+          <a:lnRef idx="2">
+            <a:schemeClr val="accent1">
+              <a:shade val="50000"/>
+            </a:schemeClr>
+          </a:lnRef>
+          <a:fillRef idx="1">
+            <a:schemeClr val="accent1"/>
+          </a:fillRef>
+          <a:effectRef idx="0">
+            <a:schemeClr val="accent1"/>
+          </a:effectRef>
+          <a:fontRef idx="minor">
+            <a:schemeClr val="lt1"/>
+          </a:fontRef>
+        </p:style>
+        <p:txBody>
+          <a:bodyPr rtlCol="0" anchor="ctr"/>
+          <a:lstStyle/>
+          <a:p>
+            <a:pPr algn="ctr"/>
+            <a:endParaRPr lang="ko-KR" altLang="en-US"/>
+          </a:p>
+        </p:txBody>
+      </p:sp>
+      <p:sp>
+        <p:nvSpPr>
+          <p:cNvPr id="35" name="오른쪽 중괄호 34">
+            <a:extLst>
+              <a:ext uri="{FF2B5EF4-FFF2-40B4-BE49-F238E27FC236}">
+                <a16:creationId xmlns="" xmlns:a16="http://schemas.microsoft.com/office/drawing/2014/main" id="{12797CB4-F5BA-44A2-84C7-5F83F160E6C2}"/>
+              </a:ext>
+            </a:extLst>
+          </p:cNvPr>
+          <p:cNvSpPr/>
+          <p:nvPr/>
+        </p:nvSpPr>
+        <p:spPr>
+          <a:xfrm>
+            <a:off x="7418564" y="4838698"/>
+            <a:ext cx="1225198" cy="952501"/>
+          </a:xfrm>
+          <a:prstGeom prst="rightBrace">
+            <a:avLst>
+              <a:gd name="adj1" fmla="val 0"/>
+              <a:gd name="adj2" fmla="val 50000"/>
+            </a:avLst>
+          </a:prstGeom>
+          <a:ln w="22225">
+            <a:solidFill>
+              <a:srgbClr val="002060"/>
+            </a:solidFill>
+          </a:ln>
+        </p:spPr>
+        <p:style>
+          <a:lnRef idx="1">
+            <a:schemeClr val="accent1"/>
+          </a:lnRef>
+          <a:fillRef idx="0">
+            <a:schemeClr val="accent1"/>
+          </a:fillRef>
+          <a:effectRef idx="0">
+            <a:schemeClr val="accent1"/>
+          </a:effectRef>
+          <a:fontRef idx="minor">
+            <a:schemeClr val="tx1"/>
+          </a:fontRef>
+        </p:style>
+        <p:txBody>
+          <a:bodyPr rtlCol="0" anchor="ctr"/>
+          <a:lstStyle/>
+          <a:p>
+            <a:pPr algn="ctr"/>
+            <a:endParaRPr lang="ko-KR" altLang="en-US"/>
+          </a:p>
+        </p:txBody>
+      </p:sp>
+      <p:sp>
+        <p:nvSpPr>
+          <p:cNvPr id="10" name="오른쪽 중괄호 9"/>
+          <p:cNvSpPr/>
+          <p:nvPr/>
+        </p:nvSpPr>
+        <p:spPr>
+          <a:xfrm>
+            <a:off x="7415928" y="4219381"/>
+            <a:ext cx="1225685" cy="590548"/>
+          </a:xfrm>
+          <a:prstGeom prst="rightBrace">
+            <a:avLst>
+              <a:gd name="adj1" fmla="val 0"/>
+              <a:gd name="adj2" fmla="val 50000"/>
+            </a:avLst>
+          </a:prstGeom>
+          <a:ln w="22225">
+            <a:solidFill>
+              <a:srgbClr val="002060"/>
+            </a:solidFill>
+          </a:ln>
+        </p:spPr>
+        <p:style>
+          <a:lnRef idx="1">
+            <a:schemeClr val="accent1"/>
+          </a:lnRef>
+          <a:fillRef idx="0">
+            <a:schemeClr val="accent1"/>
+          </a:fillRef>
+          <a:effectRef idx="0">
+            <a:schemeClr val="accent1"/>
+          </a:effectRef>
+          <a:fontRef idx="minor">
+            <a:schemeClr val="tx1"/>
+          </a:fontRef>
+        </p:style>
+        <p:txBody>
+          <a:bodyPr rtlCol="0" anchor="ctr"/>
+          <a:lstStyle/>
+          <a:p>
+            <a:pPr algn="ctr"/>
+            <a:endParaRPr lang="ko-KR" altLang="en-US"/>
+          </a:p>
+        </p:txBody>
+      </p:sp>
+      <p:sp>
+        <p:nvSpPr>
+          <p:cNvPr id="34" name="오른쪽 중괄호 33">
+            <a:extLst>
+              <a:ext uri="{FF2B5EF4-FFF2-40B4-BE49-F238E27FC236}">
+                <a16:creationId xmlns="" xmlns:a16="http://schemas.microsoft.com/office/drawing/2014/main" id="{EED46B05-E63D-4629-A2AD-FC182835B08E}"/>
+              </a:ext>
+            </a:extLst>
+          </p:cNvPr>
+          <p:cNvSpPr/>
+          <p:nvPr/>
+        </p:nvSpPr>
+        <p:spPr>
+          <a:xfrm>
+            <a:off x="7424326" y="6223825"/>
+            <a:ext cx="1225198" cy="349221"/>
+          </a:xfrm>
+          <a:prstGeom prst="rightBrace">
+            <a:avLst>
+              <a:gd name="adj1" fmla="val 0"/>
+              <a:gd name="adj2" fmla="val 50000"/>
+            </a:avLst>
+          </a:prstGeom>
+          <a:ln w="22225">
+            <a:solidFill>
+              <a:srgbClr val="002060"/>
+            </a:solidFill>
+          </a:ln>
+        </p:spPr>
+        <p:style>
+          <a:lnRef idx="1">
+            <a:schemeClr val="accent1"/>
+          </a:lnRef>
+          <a:fillRef idx="0">
+            <a:schemeClr val="accent1"/>
+          </a:fillRef>
+          <a:effectRef idx="0">
+            <a:schemeClr val="accent1"/>
+          </a:effectRef>
+          <a:fontRef idx="minor">
+            <a:schemeClr val="tx1"/>
+          </a:fontRef>
+        </p:style>
+        <p:txBody>
+          <a:bodyPr rtlCol="0" anchor="ctr"/>
+          <a:lstStyle/>
+          <a:p>
+            <a:pPr algn="ctr"/>
+            <a:endParaRPr lang="ko-KR" altLang="en-US"/>
+          </a:p>
+        </p:txBody>
+      </p:sp>
+      <p:sp>
+        <p:nvSpPr>
+          <p:cNvPr id="24" name="직사각형 23"/>
+          <p:cNvSpPr/>
+          <p:nvPr/>
+        </p:nvSpPr>
+        <p:spPr>
+          <a:xfrm>
+            <a:off x="286310" y="2142147"/>
+            <a:ext cx="1481327" cy="195583"/>
+          </a:xfrm>
+          <a:prstGeom prst="rect">
+            <a:avLst/>
+          </a:prstGeom>
+          <a:solidFill>
+            <a:schemeClr val="accent2">
+              <a:alpha val="20000"/>
+            </a:schemeClr>
+          </a:solidFill>
+          <a:ln w="25400">
+            <a:solidFill>
+              <a:schemeClr val="accent2"/>
+            </a:solidFill>
+          </a:ln>
+        </p:spPr>
+        <p:style>
+          <a:lnRef idx="2">
+            <a:schemeClr val="accent1">
+              <a:shade val="50000"/>
+            </a:schemeClr>
+          </a:lnRef>
+          <a:fillRef idx="1">
+            <a:schemeClr val="accent1"/>
+          </a:fillRef>
+          <a:effectRef idx="0">
+            <a:schemeClr val="accent1"/>
+          </a:effectRef>
+          <a:fontRef idx="minor">
+            <a:schemeClr val="lt1"/>
+          </a:fontRef>
+        </p:style>
+        <p:txBody>
+          <a:bodyPr rtlCol="0" anchor="ctr"/>
+          <a:lstStyle/>
+          <a:p>
+            <a:pPr algn="ctr"/>
+            <a:r>
+              <a:rPr lang="ko-KR" altLang="en-US" sz="1100" b="1" dirty="0" smtClean="0">
+                <a:solidFill>
+                  <a:schemeClr val="tx1"/>
+                </a:solidFill>
+              </a:rPr>
+              <a:t>빈칸을 채워주세요 </a:t>
+            </a:r>
+            <a:r>
+              <a:rPr lang="en-US" altLang="ko-KR" sz="1100" b="1" dirty="0" smtClean="0">
+                <a:solidFill>
+                  <a:schemeClr val="tx1"/>
+                </a:solidFill>
+              </a:rPr>
+              <a:t>!</a:t>
+            </a:r>
+            <a:endParaRPr lang="ko-KR" altLang="en-US" sz="1100" b="1" dirty="0">
+              <a:solidFill>
+                <a:schemeClr val="tx1"/>
+              </a:solidFill>
+            </a:endParaRPr>
+          </a:p>
+        </p:txBody>
+      </p:sp>
+      <p:sp>
+        <p:nvSpPr>
+          <p:cNvPr id="25" name="오른쪽 중괄호 24"/>
+          <p:cNvSpPr/>
+          <p:nvPr/>
+        </p:nvSpPr>
+        <p:spPr>
+          <a:xfrm>
+            <a:off x="7409359" y="2782706"/>
+            <a:ext cx="1225685" cy="1398770"/>
+          </a:xfrm>
+          <a:prstGeom prst="rightBrace">
+            <a:avLst>
+              <a:gd name="adj1" fmla="val 0"/>
+              <a:gd name="adj2" fmla="val 50000"/>
+            </a:avLst>
+          </a:prstGeom>
+          <a:ln w="22225">
+            <a:solidFill>
+              <a:srgbClr val="002060"/>
+            </a:solidFill>
+          </a:ln>
+        </p:spPr>
+        <p:style>
+          <a:lnRef idx="1">
+            <a:schemeClr val="accent1"/>
+          </a:lnRef>
+          <a:fillRef idx="0">
+            <a:schemeClr val="accent1"/>
+          </a:fillRef>
+          <a:effectRef idx="0">
+            <a:schemeClr val="accent1"/>
+          </a:effectRef>
+          <a:fontRef idx="minor">
+            <a:schemeClr val="tx1"/>
+          </a:fontRef>
+        </p:style>
+        <p:txBody>
+          <a:bodyPr rtlCol="0" anchor="ctr"/>
+          <a:lstStyle/>
+          <a:p>
+            <a:pPr algn="ctr"/>
+            <a:endParaRPr lang="ko-KR" altLang="en-US"/>
+          </a:p>
+        </p:txBody>
+      </p:sp>
+      <p:sp>
+        <p:nvSpPr>
+          <p:cNvPr id="28" name="TextBox 27"/>
+          <p:cNvSpPr txBox="1"/>
+          <p:nvPr/>
+        </p:nvSpPr>
+        <p:spPr>
+          <a:xfrm>
+            <a:off x="8766114" y="3275880"/>
+            <a:ext cx="2425023" cy="412421"/>
+          </a:xfrm>
+          <a:prstGeom prst="rect">
+            <a:avLst/>
+          </a:prstGeom>
+          <a:noFill/>
+        </p:spPr>
+        <p:txBody>
+          <a:bodyPr wrap="none" rtlCol="0">
+            <a:spAutoFit/>
+          </a:bodyPr>
+          <a:lstStyle/>
+          <a:p>
+            <a:pPr>
+              <a:lnSpc>
+                <a:spcPct val="130000"/>
+              </a:lnSpc>
+            </a:pPr>
+            <a:r>
+              <a:rPr lang="en-US" altLang="ko-KR" sz="1600" dirty="0" smtClean="0"/>
+              <a:t>Prepare DESeq2 dataset</a:t>
+            </a:r>
+            <a:endParaRPr lang="en-US" altLang="ko-KR" sz="1600" dirty="0"/>
+          </a:p>
+        </p:txBody>
+      </p:sp>
+    </p:spTree>
+    <p:extLst>
+      <p:ext uri="{BB962C8B-B14F-4D97-AF65-F5344CB8AC3E}">
+        <p14:creationId xmlns:p14="http://schemas.microsoft.com/office/powerpoint/2010/main" val="2435942277"/>
+      </p:ext>
+    </p:extLst>
+  </p:cSld>
+  <p:clrMapOvr>
+    <a:masterClrMapping/>
+  </p:clrMapOvr>
+</p:sld>
+</file>
+
+<file path=ppt/slides/slide11.xml><?xml version="1.0" encoding="utf-8"?>
+<p:sld xmlns:a="http://schemas.openxmlformats.org/drawingml/2006/main" xmlns:r="http://schemas.openxmlformats.org/officeDocument/2006/relationships" xmlns:p="http://schemas.openxmlformats.org/presentationml/2006/main">
+  <p:cSld>
+    <p:spTree>
+      <p:nvGrpSpPr>
+        <p:cNvPr id="1" name=""/>
+        <p:cNvGrpSpPr/>
+        <p:nvPr/>
+      </p:nvGrpSpPr>
+      <p:grpSpPr>
+        <a:xfrm>
+          <a:off x="0" y="0"/>
+          <a:ext cx="0" cy="0"/>
+          <a:chOff x="0" y="0"/>
+          <a:chExt cx="0" cy="0"/>
+        </a:xfrm>
+      </p:grpSpPr>
+      <p:sp>
+        <p:nvSpPr>
+          <p:cNvPr id="4" name="제목 3"/>
+          <p:cNvSpPr>
+            <a:spLocks noGrp="1"/>
+          </p:cNvSpPr>
+          <p:nvPr>
+            <p:ph type="title"/>
+          </p:nvPr>
+        </p:nvSpPr>
+        <p:spPr>
+          <a:xfrm>
+            <a:off x="186599" y="161047"/>
+            <a:ext cx="10515600" cy="788172"/>
+          </a:xfrm>
+        </p:spPr>
+        <p:txBody>
+          <a:bodyPr/>
+          <a:lstStyle/>
+          <a:p>
+            <a:r>
+              <a:rPr lang="en-US" altLang="ko-KR" dirty="0"/>
+              <a:t>DEG</a:t>
+            </a:r>
+            <a:r>
+              <a:rPr lang="ko-KR" altLang="en-US" dirty="0"/>
+              <a:t> </a:t>
+            </a:r>
+            <a:r>
+              <a:rPr lang="en-US" altLang="ko-KR" dirty="0"/>
+              <a:t>Analysis</a:t>
+            </a:r>
+            <a:endParaRPr lang="ko-KR" altLang="en-US" dirty="0"/>
+          </a:p>
+        </p:txBody>
+      </p:sp>
+      <p:sp>
+        <p:nvSpPr>
+          <p:cNvPr id="6" name="TextBox 5"/>
+          <p:cNvSpPr txBox="1"/>
+          <p:nvPr/>
+        </p:nvSpPr>
+        <p:spPr>
+          <a:xfrm>
+            <a:off x="10636296" y="45718"/>
+            <a:ext cx="1435008" cy="369332"/>
+          </a:xfrm>
+          <a:prstGeom prst="rect">
+            <a:avLst/>
+          </a:prstGeom>
+          <a:noFill/>
+        </p:spPr>
+        <p:txBody>
+          <a:bodyPr wrap="none" rtlCol="0">
+            <a:spAutoFit/>
+          </a:bodyPr>
+          <a:lstStyle/>
+          <a:p>
+            <a:r>
+              <a:rPr lang="en-US" altLang="ko-KR" dirty="0"/>
+              <a:t>2. DESeq2.R</a:t>
+            </a:r>
+            <a:endParaRPr lang="ko-KR" altLang="en-US" dirty="0"/>
+          </a:p>
+        </p:txBody>
+      </p:sp>
+      <p:sp>
+        <p:nvSpPr>
+          <p:cNvPr id="20" name="내용 개체 틀 1">
+            <a:extLst>
+              <a:ext uri="{FF2B5EF4-FFF2-40B4-BE49-F238E27FC236}">
+                <a16:creationId xmlns="" xmlns:a16="http://schemas.microsoft.com/office/drawing/2014/main" id="{F64DB2F0-0A18-4CE1-9734-3B587EE8E81B}"/>
+              </a:ext>
+            </a:extLst>
+          </p:cNvPr>
+          <p:cNvSpPr txBox="1">
+            <a:spLocks/>
+          </p:cNvSpPr>
+          <p:nvPr/>
+        </p:nvSpPr>
+        <p:spPr>
+          <a:xfrm>
+            <a:off x="186599" y="1203717"/>
+            <a:ext cx="10515600" cy="4351338"/>
+          </a:xfrm>
+          <a:prstGeom prst="rect">
+            <a:avLst/>
+          </a:prstGeom>
+        </p:spPr>
+        <p:txBody>
+          <a:bodyPr vert="horz" lIns="91440" tIns="45720" rIns="91440" bIns="45720" rtlCol="0">
+            <a:normAutofit/>
+          </a:bodyPr>
+          <a:lstStyle>
+            <a:lvl1pPr marL="228600" indent="-228600" algn="l" defTabSz="914400" rtl="0" eaLnBrk="1" latinLnBrk="1" hangingPunct="1">
+              <a:lnSpc>
+                <a:spcPct val="90000"/>
+              </a:lnSpc>
+              <a:spcBef>
+                <a:spcPts val="1000"/>
+              </a:spcBef>
+              <a:buFont typeface="Arial" panose="020B0604020202020204" pitchFamily="34" charset="0"/>
+              <a:buChar char="•"/>
+              <a:defRPr sz="2800" kern="1200">
+                <a:solidFill>
+                  <a:schemeClr val="tx1"/>
+                </a:solidFill>
+                <a:latin typeface="+mn-lt"/>
+                <a:ea typeface="+mn-ea"/>
+                <a:cs typeface="+mn-cs"/>
+              </a:defRPr>
+            </a:lvl1pPr>
+            <a:lvl2pPr marL="685800" indent="-228600" algn="l" defTabSz="914400" rtl="0" eaLnBrk="1" latinLnBrk="1" hangingPunct="1">
+              <a:lnSpc>
+                <a:spcPct val="90000"/>
+              </a:lnSpc>
+              <a:spcBef>
+                <a:spcPts val="500"/>
+              </a:spcBef>
+              <a:buFont typeface="Arial" panose="020B0604020202020204" pitchFamily="34" charset="0"/>
+              <a:buChar char="•"/>
+              <a:defRPr sz="2400" kern="1200">
+                <a:solidFill>
+                  <a:schemeClr val="tx1"/>
+                </a:solidFill>
+                <a:latin typeface="+mn-lt"/>
+                <a:ea typeface="+mn-ea"/>
+                <a:cs typeface="+mn-cs"/>
+              </a:defRPr>
+            </a:lvl2pPr>
+            <a:lvl3pPr marL="1143000" indent="-228600" algn="l" defTabSz="914400" rtl="0" eaLnBrk="1" latinLnBrk="1" hangingPunct="1">
+              <a:lnSpc>
+                <a:spcPct val="90000"/>
+              </a:lnSpc>
+              <a:spcBef>
+                <a:spcPts val="500"/>
+              </a:spcBef>
+              <a:buFont typeface="Arial" panose="020B0604020202020204" pitchFamily="34" charset="0"/>
+              <a:buChar char="•"/>
+              <a:defRPr sz="2000" kern="1200">
+                <a:solidFill>
+                  <a:schemeClr val="tx1"/>
+                </a:solidFill>
+                <a:latin typeface="+mn-lt"/>
+                <a:ea typeface="+mn-ea"/>
+                <a:cs typeface="+mn-cs"/>
+              </a:defRPr>
+            </a:lvl3pPr>
+            <a:lvl4pPr marL="1600200" indent="-228600" algn="l" defTabSz="914400" rtl="0" eaLnBrk="1" latinLnBrk="1" hangingPunct="1">
+              <a:lnSpc>
+                <a:spcPct val="90000"/>
+              </a:lnSpc>
+              <a:spcBef>
+                <a:spcPts val="500"/>
+              </a:spcBef>
+              <a:buFont typeface="Arial" panose="020B0604020202020204" pitchFamily="34" charset="0"/>
+              <a:buChar char="•"/>
+              <a:defRPr sz="1800" kern="1200">
+                <a:solidFill>
+                  <a:schemeClr val="tx1"/>
+                </a:solidFill>
+                <a:latin typeface="+mn-lt"/>
+                <a:ea typeface="+mn-ea"/>
+                <a:cs typeface="+mn-cs"/>
+              </a:defRPr>
+            </a:lvl4pPr>
+            <a:lvl5pPr marL="2057400" indent="-228600" algn="l" defTabSz="914400" rtl="0" eaLnBrk="1" latinLnBrk="1" hangingPunct="1">
+              <a:lnSpc>
+                <a:spcPct val="90000"/>
+              </a:lnSpc>
+              <a:spcBef>
+                <a:spcPts val="500"/>
+              </a:spcBef>
+              <a:buFont typeface="Arial" panose="020B0604020202020204" pitchFamily="34" charset="0"/>
+              <a:buChar char="•"/>
+              <a:defRPr sz="1800" kern="1200">
+                <a:solidFill>
+                  <a:schemeClr val="tx1"/>
+                </a:solidFill>
+                <a:latin typeface="+mn-lt"/>
+                <a:ea typeface="+mn-ea"/>
+                <a:cs typeface="+mn-cs"/>
+              </a:defRPr>
+            </a:lvl5pPr>
+            <a:lvl6pPr marL="2514600" indent="-228600" algn="l" defTabSz="914400" rtl="0" eaLnBrk="1" latinLnBrk="1" hangingPunct="1">
+              <a:lnSpc>
+                <a:spcPct val="90000"/>
+              </a:lnSpc>
+              <a:spcBef>
+                <a:spcPts val="500"/>
+              </a:spcBef>
+              <a:buFont typeface="Arial" panose="020B0604020202020204" pitchFamily="34" charset="0"/>
+              <a:buChar char="•"/>
+              <a:defRPr sz="1800" kern="1200">
+                <a:solidFill>
+                  <a:schemeClr val="tx1"/>
+                </a:solidFill>
+                <a:latin typeface="+mn-lt"/>
+                <a:ea typeface="+mn-ea"/>
+                <a:cs typeface="+mn-cs"/>
+              </a:defRPr>
+            </a:lvl6pPr>
+            <a:lvl7pPr marL="2971800" indent="-228600" algn="l" defTabSz="914400" rtl="0" eaLnBrk="1" latinLnBrk="1" hangingPunct="1">
+              <a:lnSpc>
+                <a:spcPct val="90000"/>
+              </a:lnSpc>
+              <a:spcBef>
+                <a:spcPts val="500"/>
+              </a:spcBef>
+              <a:buFont typeface="Arial" panose="020B0604020202020204" pitchFamily="34" charset="0"/>
+              <a:buChar char="•"/>
+              <a:defRPr sz="1800" kern="1200">
+                <a:solidFill>
+                  <a:schemeClr val="tx1"/>
+                </a:solidFill>
+                <a:latin typeface="+mn-lt"/>
+                <a:ea typeface="+mn-ea"/>
+                <a:cs typeface="+mn-cs"/>
+              </a:defRPr>
+            </a:lvl7pPr>
+            <a:lvl8pPr marL="3429000" indent="-228600" algn="l" defTabSz="914400" rtl="0" eaLnBrk="1" latinLnBrk="1" hangingPunct="1">
+              <a:lnSpc>
+                <a:spcPct val="90000"/>
+              </a:lnSpc>
+              <a:spcBef>
+                <a:spcPts val="500"/>
+              </a:spcBef>
+              <a:buFont typeface="Arial" panose="020B0604020202020204" pitchFamily="34" charset="0"/>
+              <a:buChar char="•"/>
+              <a:defRPr sz="1800" kern="1200">
+                <a:solidFill>
+                  <a:schemeClr val="tx1"/>
+                </a:solidFill>
+                <a:latin typeface="+mn-lt"/>
+                <a:ea typeface="+mn-ea"/>
+                <a:cs typeface="+mn-cs"/>
+              </a:defRPr>
+            </a:lvl8pPr>
+            <a:lvl9pPr marL="3886200" indent="-228600" algn="l" defTabSz="914400" rtl="0" eaLnBrk="1" latinLnBrk="1" hangingPunct="1">
+              <a:lnSpc>
+                <a:spcPct val="90000"/>
+              </a:lnSpc>
+              <a:spcBef>
+                <a:spcPts val="500"/>
+              </a:spcBef>
+              <a:buFont typeface="Arial" panose="020B0604020202020204" pitchFamily="34" charset="0"/>
+              <a:buChar char="•"/>
+              <a:defRPr sz="1800" kern="1200">
+                <a:solidFill>
+                  <a:schemeClr val="tx1"/>
+                </a:solidFill>
+                <a:latin typeface="+mn-lt"/>
+                <a:ea typeface="+mn-ea"/>
+                <a:cs typeface="+mn-cs"/>
+              </a:defRPr>
+            </a:lvl9pPr>
+          </a:lstStyle>
+          <a:p>
+            <a:pPr marL="0" indent="0">
+              <a:lnSpc>
+                <a:spcPct val="130000"/>
+              </a:lnSpc>
+              <a:buFont typeface="Arial" panose="020B0604020202020204" pitchFamily="34" charset="0"/>
+              <a:buNone/>
+            </a:pPr>
+            <a:r>
+              <a:rPr lang="en-US" altLang="ko-KR" sz="1800" b="1" dirty="0"/>
+              <a:t>&gt;DEG </a:t>
+            </a:r>
+            <a:r>
+              <a:rPr lang="en-US" altLang="ko-KR" sz="1800" dirty="0"/>
+              <a:t>(Differentially Expressed Gene, </a:t>
+            </a:r>
+            <a:r>
+              <a:rPr lang="ko-KR" altLang="en-US" sz="1800" dirty="0"/>
+              <a:t>차등 발현 유전자 분석</a:t>
+            </a:r>
+            <a:r>
+              <a:rPr lang="en-US" altLang="ko-KR" sz="1800" dirty="0"/>
+              <a:t>)</a:t>
+            </a:r>
+          </a:p>
+          <a:p>
+            <a:pPr marL="0" indent="0">
+              <a:lnSpc>
+                <a:spcPct val="130000"/>
+              </a:lnSpc>
+              <a:buFont typeface="Arial" panose="020B0604020202020204" pitchFamily="34" charset="0"/>
+              <a:buNone/>
+            </a:pPr>
+            <a:r>
+              <a:rPr lang="en-US" altLang="ko-KR" sz="1600" b="1" dirty="0">
+                <a:solidFill>
+                  <a:srgbClr val="FF0000"/>
+                </a:solidFill>
+              </a:rPr>
+              <a:t>* package </a:t>
+            </a:r>
+            <a:r>
+              <a:rPr lang="ko-KR" altLang="en-US" sz="1600" b="1" dirty="0">
+                <a:solidFill>
+                  <a:srgbClr val="FF0000"/>
+                </a:solidFill>
+              </a:rPr>
+              <a:t>및 </a:t>
+            </a:r>
+            <a:r>
+              <a:rPr lang="en-US" altLang="ko-KR" sz="1600" b="1" dirty="0">
+                <a:solidFill>
+                  <a:srgbClr val="FF0000"/>
+                </a:solidFill>
+              </a:rPr>
+              <a:t>input data </a:t>
+            </a:r>
+            <a:r>
+              <a:rPr lang="ko-KR" altLang="en-US" sz="1600" b="1" dirty="0">
+                <a:solidFill>
+                  <a:srgbClr val="FF0000"/>
+                </a:solidFill>
+              </a:rPr>
+              <a:t>불러오는 코드 먼저 실행 후 진행해주세요</a:t>
+            </a:r>
+            <a:r>
+              <a:rPr lang="en-US" altLang="ko-KR" sz="1600" b="1" dirty="0">
+                <a:solidFill>
+                  <a:srgbClr val="FF0000"/>
+                </a:solidFill>
+              </a:rPr>
+              <a:t> *</a:t>
+            </a:r>
+          </a:p>
+        </p:txBody>
+      </p:sp>
+      <p:sp>
+        <p:nvSpPr>
+          <p:cNvPr id="16" name="TextBox 15">
+            <a:extLst>
+              <a:ext uri="{FF2B5EF4-FFF2-40B4-BE49-F238E27FC236}">
+                <a16:creationId xmlns="" xmlns:a16="http://schemas.microsoft.com/office/drawing/2014/main" id="{C96035E7-3CA4-4C37-8196-8CE49D5A7C8F}"/>
+              </a:ext>
+            </a:extLst>
+          </p:cNvPr>
+          <p:cNvSpPr txBox="1"/>
+          <p:nvPr/>
+        </p:nvSpPr>
+        <p:spPr>
+          <a:xfrm>
+            <a:off x="186599" y="2146417"/>
+            <a:ext cx="780150" cy="377091"/>
+          </a:xfrm>
+          <a:prstGeom prst="rect">
+            <a:avLst/>
+          </a:prstGeom>
+          <a:noFill/>
+        </p:spPr>
+        <p:txBody>
+          <a:bodyPr wrap="square" rtlCol="0">
+            <a:spAutoFit/>
+          </a:bodyPr>
+          <a:lstStyle/>
+          <a:p>
+            <a:pPr>
+              <a:lnSpc>
+                <a:spcPct val="130000"/>
+              </a:lnSpc>
+            </a:pPr>
+            <a:r>
+              <a:rPr lang="en-US" altLang="ko-KR" sz="1600" b="1" dirty="0"/>
+              <a:t>Result</a:t>
+            </a:r>
+            <a:endParaRPr lang="en-US" altLang="ko-KR" sz="1600" dirty="0"/>
+          </a:p>
+        </p:txBody>
+      </p:sp>
+      <p:pic>
+        <p:nvPicPr>
+          <p:cNvPr id="7" name="그림 6">
+            <a:extLst>
+              <a:ext uri="{FF2B5EF4-FFF2-40B4-BE49-F238E27FC236}">
+                <a16:creationId xmlns="" xmlns:a16="http://schemas.microsoft.com/office/drawing/2014/main" id="{9ED6C723-5108-4686-AAAC-C2C5E5083033}"/>
+              </a:ext>
+            </a:extLst>
+          </p:cNvPr>
+          <p:cNvPicPr>
+            <a:picLocks noChangeAspect="1"/>
+          </p:cNvPicPr>
+          <p:nvPr/>
+        </p:nvPicPr>
+        <p:blipFill>
+          <a:blip r:embed="rId3"/>
+          <a:stretch>
+            <a:fillRect/>
+          </a:stretch>
+        </p:blipFill>
+        <p:spPr>
+          <a:xfrm>
+            <a:off x="2524113" y="2540075"/>
+            <a:ext cx="7019938" cy="1780419"/>
+          </a:xfrm>
+          <a:prstGeom prst="rect">
+            <a:avLst/>
+          </a:prstGeom>
+        </p:spPr>
+      </p:pic>
+      <p:sp>
+        <p:nvSpPr>
+          <p:cNvPr id="24" name="TextBox 23">
+            <a:extLst>
+              <a:ext uri="{FF2B5EF4-FFF2-40B4-BE49-F238E27FC236}">
+                <a16:creationId xmlns="" xmlns:a16="http://schemas.microsoft.com/office/drawing/2014/main" id="{12FF4327-490E-4FDA-BFFD-224AC1B5433B}"/>
+              </a:ext>
+            </a:extLst>
+          </p:cNvPr>
+          <p:cNvSpPr txBox="1"/>
+          <p:nvPr/>
+        </p:nvSpPr>
+        <p:spPr>
+          <a:xfrm>
+            <a:off x="1057220" y="2146417"/>
+            <a:ext cx="2426115" cy="377091"/>
+          </a:xfrm>
+          <a:prstGeom prst="rect">
+            <a:avLst/>
+          </a:prstGeom>
+          <a:noFill/>
+        </p:spPr>
+        <p:txBody>
+          <a:bodyPr wrap="square" rtlCol="0">
+            <a:spAutoFit/>
+          </a:bodyPr>
+          <a:lstStyle/>
+          <a:p>
+            <a:pPr>
+              <a:lnSpc>
+                <a:spcPct val="130000"/>
+              </a:lnSpc>
+            </a:pPr>
+            <a:r>
+              <a:rPr lang="en-US" altLang="ko-KR" sz="1600" dirty="0" err="1"/>
+              <a:t>sig_gene</a:t>
+            </a:r>
+            <a:r>
+              <a:rPr lang="en-US" altLang="ko-KR" sz="1600" dirty="0"/>
+              <a:t>[[1]]</a:t>
+            </a:r>
+          </a:p>
+        </p:txBody>
+      </p:sp>
+      <p:sp>
+        <p:nvSpPr>
+          <p:cNvPr id="28" name="TextBox 27">
+            <a:extLst>
+              <a:ext uri="{FF2B5EF4-FFF2-40B4-BE49-F238E27FC236}">
+                <a16:creationId xmlns="" xmlns:a16="http://schemas.microsoft.com/office/drawing/2014/main" id="{2069EB48-536B-4489-B6EB-2AA7403FFA27}"/>
+              </a:ext>
+            </a:extLst>
+          </p:cNvPr>
+          <p:cNvSpPr txBox="1"/>
+          <p:nvPr/>
+        </p:nvSpPr>
+        <p:spPr>
+          <a:xfrm>
+            <a:off x="1057220" y="4337062"/>
+            <a:ext cx="2426115" cy="377091"/>
+          </a:xfrm>
+          <a:prstGeom prst="rect">
+            <a:avLst/>
+          </a:prstGeom>
+          <a:noFill/>
+        </p:spPr>
+        <p:txBody>
+          <a:bodyPr wrap="square" rtlCol="0">
+            <a:spAutoFit/>
+          </a:bodyPr>
+          <a:lstStyle/>
+          <a:p>
+            <a:pPr>
+              <a:lnSpc>
+                <a:spcPct val="130000"/>
+              </a:lnSpc>
+            </a:pPr>
+            <a:r>
+              <a:rPr lang="en-US" altLang="ko-KR" sz="1600" dirty="0" err="1"/>
+              <a:t>sig_gene_bypadj</a:t>
+            </a:r>
+            <a:r>
+              <a:rPr lang="en-US" altLang="ko-KR" sz="1600" dirty="0"/>
+              <a:t>[[1]]</a:t>
+            </a:r>
+          </a:p>
+        </p:txBody>
+      </p:sp>
+      <p:grpSp>
+        <p:nvGrpSpPr>
+          <p:cNvPr id="3" name="그룹 2"/>
+          <p:cNvGrpSpPr/>
+          <p:nvPr/>
+        </p:nvGrpSpPr>
+        <p:grpSpPr>
+          <a:xfrm>
+            <a:off x="3239531" y="4755575"/>
+            <a:ext cx="7185905" cy="2089075"/>
+            <a:chOff x="3129294" y="4456211"/>
+            <a:chExt cx="8224506" cy="2391016"/>
+          </a:xfrm>
+        </p:grpSpPr>
+        <p:pic>
+          <p:nvPicPr>
+            <p:cNvPr id="12" name="그림 11">
+              <a:extLst>
+                <a:ext uri="{FF2B5EF4-FFF2-40B4-BE49-F238E27FC236}">
+                  <a16:creationId xmlns="" xmlns:a16="http://schemas.microsoft.com/office/drawing/2014/main" id="{CD71B739-4E00-4FF1-A197-035D81685BD4}"/>
+                </a:ext>
+              </a:extLst>
+            </p:cNvPr>
+            <p:cNvPicPr>
+              <a:picLocks noChangeAspect="1"/>
+            </p:cNvPicPr>
+            <p:nvPr/>
+          </p:nvPicPr>
+          <p:blipFill>
+            <a:blip r:embed="rId4"/>
+            <a:stretch>
+              <a:fillRect/>
+            </a:stretch>
+          </p:blipFill>
+          <p:spPr>
+            <a:xfrm>
+              <a:off x="3129294" y="4456211"/>
+              <a:ext cx="8224506" cy="2041544"/>
+            </a:xfrm>
+            <a:prstGeom prst="rect">
+              <a:avLst/>
+            </a:prstGeom>
+          </p:spPr>
+        </p:pic>
+        <p:sp>
+          <p:nvSpPr>
+            <p:cNvPr id="18" name="TextBox 17">
+              <a:extLst>
+                <a:ext uri="{FF2B5EF4-FFF2-40B4-BE49-F238E27FC236}">
+                  <a16:creationId xmlns="" xmlns:a16="http://schemas.microsoft.com/office/drawing/2014/main" id="{D4816F92-722E-4FCA-A35A-C4A15513CEA2}"/>
+                </a:ext>
+              </a:extLst>
+            </p:cNvPr>
+            <p:cNvSpPr txBox="1"/>
+            <p:nvPr/>
+          </p:nvSpPr>
+          <p:spPr>
+            <a:xfrm>
+              <a:off x="7838464" y="6570228"/>
+              <a:ext cx="1162498" cy="276999"/>
+            </a:xfrm>
+            <a:prstGeom prst="rect">
+              <a:avLst/>
+            </a:prstGeom>
+            <a:noFill/>
+          </p:spPr>
+          <p:txBody>
+            <a:bodyPr wrap="none" rtlCol="0">
+              <a:spAutoFit/>
+            </a:bodyPr>
+            <a:lstStyle/>
+            <a:p>
+              <a:r>
+                <a:rPr lang="ko-KR" altLang="en-US" sz="1200" b="1" dirty="0">
+                  <a:solidFill>
+                    <a:schemeClr val="accent2"/>
+                  </a:solidFill>
+                </a:rPr>
+                <a:t>오름차순 정렬</a:t>
+              </a:r>
+            </a:p>
+          </p:txBody>
+        </p:sp>
+        <p:sp>
+          <p:nvSpPr>
+            <p:cNvPr id="2" name="화살표: 아래쪽 1">
+              <a:extLst>
+                <a:ext uri="{FF2B5EF4-FFF2-40B4-BE49-F238E27FC236}">
+                  <a16:creationId xmlns="" xmlns:a16="http://schemas.microsoft.com/office/drawing/2014/main" id="{B99038DA-ECD6-4D11-8880-10E49A9A220D}"/>
+                </a:ext>
+              </a:extLst>
+            </p:cNvPr>
+            <p:cNvSpPr/>
+            <p:nvPr/>
+          </p:nvSpPr>
+          <p:spPr>
+            <a:xfrm>
+              <a:off x="7838464" y="4575360"/>
+              <a:ext cx="1162498" cy="2014219"/>
+            </a:xfrm>
+            <a:prstGeom prst="downArrow">
+              <a:avLst>
+                <a:gd name="adj1" fmla="val 81852"/>
+                <a:gd name="adj2" fmla="val 13668"/>
+              </a:avLst>
+            </a:prstGeom>
+            <a:solidFill>
+              <a:schemeClr val="accent2">
+                <a:alpha val="30000"/>
+              </a:schemeClr>
+            </a:solidFill>
+            <a:ln w="19050">
+              <a:solidFill>
+                <a:schemeClr val="accent2"/>
+              </a:solidFill>
+            </a:ln>
+          </p:spPr>
+          <p:style>
+            <a:lnRef idx="2">
+              <a:schemeClr val="accent1">
+                <a:shade val="50000"/>
+              </a:schemeClr>
+            </a:lnRef>
+            <a:fillRef idx="1">
+              <a:schemeClr val="accent1"/>
+            </a:fillRef>
+            <a:effectRef idx="0">
+              <a:schemeClr val="accent1"/>
+            </a:effectRef>
+            <a:fontRef idx="minor">
+              <a:schemeClr val="lt1"/>
+            </a:fontRef>
+          </p:style>
+          <p:txBody>
+            <a:bodyPr rtlCol="0" anchor="ctr"/>
+            <a:lstStyle/>
+            <a:p>
+              <a:pPr algn="ctr"/>
+              <a:endParaRPr lang="ko-KR" altLang="en-US" b="1">
+                <a:ln w="22225">
+                  <a:solidFill>
+                    <a:schemeClr val="accent2"/>
+                  </a:solidFill>
+                  <a:prstDash val="solid"/>
+                </a:ln>
+                <a:solidFill>
+                  <a:schemeClr val="accent2">
+                    <a:lumMod val="40000"/>
+                    <a:lumOff val="60000"/>
+                  </a:schemeClr>
+                </a:solidFill>
+              </a:endParaRPr>
+            </a:p>
+          </p:txBody>
+        </p:sp>
+      </p:grpSp>
+      <p:sp>
+        <p:nvSpPr>
+          <p:cNvPr id="13" name="TextBox 12">
+            <a:extLst>
+              <a:ext uri="{FF2B5EF4-FFF2-40B4-BE49-F238E27FC236}">
+                <a16:creationId xmlns="" xmlns:a16="http://schemas.microsoft.com/office/drawing/2014/main" id="{87742C6C-1726-654D-8215-AB2C2688D3C8}"/>
+              </a:ext>
+            </a:extLst>
+          </p:cNvPr>
+          <p:cNvSpPr txBox="1"/>
+          <p:nvPr/>
+        </p:nvSpPr>
+        <p:spPr>
+          <a:xfrm>
+            <a:off x="2524113" y="2166254"/>
+            <a:ext cx="2308645" cy="332399"/>
+          </a:xfrm>
+          <a:prstGeom prst="rect">
+            <a:avLst/>
+          </a:prstGeom>
+          <a:noFill/>
+        </p:spPr>
+        <p:txBody>
+          <a:bodyPr wrap="none" rtlCol="0">
+            <a:spAutoFit/>
+          </a:bodyPr>
+          <a:lstStyle/>
+          <a:p>
+            <a:pPr>
+              <a:lnSpc>
+                <a:spcPct val="130000"/>
+              </a:lnSpc>
+            </a:pPr>
+            <a:r>
+              <a:rPr lang="en-US" altLang="ko-KR" sz="1200" dirty="0" smtClean="0"/>
+              <a:t>(Day8</a:t>
+            </a:r>
+            <a:r>
+              <a:rPr lang="ko-KR" altLang="en-US" sz="1200" dirty="0" smtClean="0"/>
+              <a:t>에서의 </a:t>
+            </a:r>
+            <a:r>
+              <a:rPr lang="en-US" altLang="ko-KR" sz="1200" dirty="0" smtClean="0"/>
+              <a:t>significant gene)</a:t>
+            </a:r>
+            <a:endParaRPr lang="en-US" altLang="ko-KR" sz="1200" dirty="0"/>
+          </a:p>
+        </p:txBody>
+      </p:sp>
+      <p:sp>
+        <p:nvSpPr>
+          <p:cNvPr id="14" name="TextBox 13">
+            <a:extLst>
+              <a:ext uri="{FF2B5EF4-FFF2-40B4-BE49-F238E27FC236}">
+                <a16:creationId xmlns="" xmlns:a16="http://schemas.microsoft.com/office/drawing/2014/main" id="{87742C6C-1726-654D-8215-AB2C2688D3C8}"/>
+              </a:ext>
+            </a:extLst>
+          </p:cNvPr>
+          <p:cNvSpPr txBox="1"/>
+          <p:nvPr/>
+        </p:nvSpPr>
+        <p:spPr>
+          <a:xfrm>
+            <a:off x="3239531" y="4353082"/>
+            <a:ext cx="5071132" cy="332399"/>
+          </a:xfrm>
+          <a:prstGeom prst="rect">
+            <a:avLst/>
+          </a:prstGeom>
+          <a:noFill/>
+        </p:spPr>
+        <p:txBody>
+          <a:bodyPr wrap="none" rtlCol="0">
+            <a:spAutoFit/>
+          </a:bodyPr>
+          <a:lstStyle/>
+          <a:p>
+            <a:pPr>
+              <a:lnSpc>
+                <a:spcPct val="130000"/>
+              </a:lnSpc>
+            </a:pPr>
+            <a:r>
+              <a:rPr lang="en-US" altLang="ko-KR" sz="1200" dirty="0" smtClean="0"/>
+              <a:t>(Day8</a:t>
+            </a:r>
+            <a:r>
+              <a:rPr lang="ko-KR" altLang="en-US" sz="1200" dirty="0" smtClean="0"/>
+              <a:t>에서의 </a:t>
+            </a:r>
+            <a:r>
+              <a:rPr lang="en-US" altLang="ko-KR" sz="1200" dirty="0" smtClean="0"/>
+              <a:t>significant gene</a:t>
+            </a:r>
+            <a:r>
+              <a:rPr lang="ko-KR" altLang="en-US" sz="1200" dirty="0" smtClean="0"/>
+              <a:t>을 </a:t>
+            </a:r>
+            <a:r>
+              <a:rPr lang="en-US" altLang="ko-KR" sz="1200" dirty="0" smtClean="0"/>
+              <a:t>adjusted p value </a:t>
+            </a:r>
+            <a:r>
+              <a:rPr lang="ko-KR" altLang="en-US" sz="1200" dirty="0" smtClean="0"/>
+              <a:t>기준 오름차순 정렬</a:t>
+            </a:r>
+            <a:r>
+              <a:rPr lang="en-US" altLang="ko-KR" sz="1200" dirty="0" smtClean="0"/>
+              <a:t>)</a:t>
+            </a:r>
+            <a:endParaRPr lang="en-US" altLang="ko-KR" sz="1200" dirty="0"/>
+          </a:p>
+        </p:txBody>
+      </p:sp>
+    </p:spTree>
+    <p:extLst>
+      <p:ext uri="{BB962C8B-B14F-4D97-AF65-F5344CB8AC3E}">
+        <p14:creationId xmlns:p14="http://schemas.microsoft.com/office/powerpoint/2010/main" val="2478841255"/>
       </p:ext>
     </p:extLst>
   </p:cSld>
@@ -5225,11 +7236,7 @@
             </a:r>
             <a:r>
               <a:rPr lang="en-US" altLang="ko-KR" sz="1800" b="1" dirty="0" smtClean="0"/>
-              <a:t>Preprocessing &amp; </a:t>
-            </a:r>
-            <a:r>
-              <a:rPr lang="en-US" altLang="ko-KR" sz="1800" b="1" dirty="0" smtClean="0"/>
-              <a:t>Overview</a:t>
+              <a:t>Preprocessing &amp; Overview</a:t>
             </a:r>
             <a:endParaRPr lang="en-US" altLang="ko-KR" sz="1800" b="1" dirty="0"/>
           </a:p>
@@ -5360,7 +7367,7 @@
           <p:cNvPr id="25" name="TextBox 24">
             <a:extLst>
               <a:ext uri="{FF2B5EF4-FFF2-40B4-BE49-F238E27FC236}">
-                <a16:creationId xmlns:a16="http://schemas.microsoft.com/office/drawing/2014/main" xmlns="" id="{4C272A49-C224-48B5-B713-8706FA2575D4}"/>
+                <a16:creationId xmlns="" xmlns:a16="http://schemas.microsoft.com/office/drawing/2014/main" id="{4C272A49-C224-48B5-B713-8706FA2575D4}"/>
               </a:ext>
             </a:extLst>
           </p:cNvPr>
@@ -5401,7 +7408,7 @@
           <p:cNvPr id="33" name="TextBox 32">
             <a:extLst>
               <a:ext uri="{FF2B5EF4-FFF2-40B4-BE49-F238E27FC236}">
-                <a16:creationId xmlns:a16="http://schemas.microsoft.com/office/drawing/2014/main" xmlns="" id="{44810605-476E-44E7-B91D-FD2C1D17C0AB}"/>
+                <a16:creationId xmlns="" xmlns:a16="http://schemas.microsoft.com/office/drawing/2014/main" id="{44810605-476E-44E7-B91D-FD2C1D17C0AB}"/>
               </a:ext>
             </a:extLst>
           </p:cNvPr>
@@ -5441,7 +7448,7 @@
           <p:cNvPr id="34" name="TextBox 33">
             <a:extLst>
               <a:ext uri="{FF2B5EF4-FFF2-40B4-BE49-F238E27FC236}">
-                <a16:creationId xmlns:a16="http://schemas.microsoft.com/office/drawing/2014/main" xmlns="" id="{F1C8DEA7-C173-4B9F-9C99-AAF914F713A9}"/>
+                <a16:creationId xmlns="" xmlns:a16="http://schemas.microsoft.com/office/drawing/2014/main" id="{F1C8DEA7-C173-4B9F-9C99-AAF914F713A9}"/>
               </a:ext>
             </a:extLst>
           </p:cNvPr>
@@ -5757,158 +7764,86 @@
           </a:bodyPr>
           <a:lstStyle/>
           <a:p>
+            <a:pPr>
+              <a:lnSpc>
+                <a:spcPct val="130000"/>
+              </a:lnSpc>
+            </a:pPr>
+            <a:r>
+              <a:rPr lang="ko-KR" altLang="en-US" sz="1800" dirty="0" smtClean="0"/>
+              <a:t>같은 조건을 가진 </a:t>
+            </a:r>
+            <a:r>
+              <a:rPr lang="en-US" altLang="ko-KR" sz="1800" dirty="0" smtClean="0"/>
+              <a:t>Sample</a:t>
+            </a:r>
+            <a:r>
+              <a:rPr lang="ko-KR" altLang="en-US" sz="1800" dirty="0" smtClean="0"/>
+              <a:t>은 유사한 </a:t>
+            </a:r>
+            <a:r>
+              <a:rPr lang="en-US" altLang="ko-KR" sz="1800" dirty="0" smtClean="0"/>
+              <a:t>Gene expression </a:t>
+            </a:r>
+            <a:r>
+              <a:rPr lang="ko-KR" altLang="en-US" sz="1800" dirty="0" smtClean="0"/>
+              <a:t>을 가질 것으로 예상할 수 있음</a:t>
+            </a:r>
+            <a:endParaRPr lang="en-US" altLang="ko-KR" sz="1800" dirty="0" smtClean="0"/>
+          </a:p>
+          <a:p>
+            <a:pPr>
+              <a:lnSpc>
+                <a:spcPct val="130000"/>
+              </a:lnSpc>
+            </a:pPr>
+            <a:r>
+              <a:rPr lang="en-US" altLang="ko-KR" sz="1800" dirty="0" smtClean="0"/>
+              <a:t>Sample </a:t>
+            </a:r>
+            <a:r>
+              <a:rPr lang="ko-KR" altLang="en-US" sz="1800" dirty="0" smtClean="0"/>
+              <a:t>간 유사한 정도를 시각화하여 확인하는 두 가지 방법</a:t>
+            </a:r>
+            <a:r>
+              <a:rPr lang="en-US" altLang="ko-KR" sz="1800" dirty="0" smtClean="0"/>
+              <a:t/>
+            </a:r>
+            <a:br>
+              <a:rPr lang="en-US" altLang="ko-KR" sz="1800" dirty="0" smtClean="0"/>
+            </a:br>
+            <a:r>
+              <a:rPr lang="en-US" altLang="ko-KR" sz="1800" b="1" dirty="0" smtClean="0"/>
+              <a:t>1) PCA </a:t>
+            </a:r>
+            <a:r>
+              <a:rPr lang="ko-KR" altLang="en-US" sz="1800" b="1" dirty="0" smtClean="0"/>
+              <a:t>분석 </a:t>
+            </a:r>
+            <a:r>
+              <a:rPr lang="en-US" altLang="ko-KR" sz="1800" b="1" dirty="0" smtClean="0"/>
+              <a:t>2) Correlation </a:t>
+            </a:r>
+            <a:r>
+              <a:rPr lang="ko-KR" altLang="en-US" sz="1800" b="1" dirty="0" smtClean="0"/>
+              <a:t>분석</a:t>
+            </a:r>
+            <a:endParaRPr lang="en-US" altLang="ko-KR" sz="1800" b="1" dirty="0" smtClean="0"/>
+          </a:p>
+          <a:p>
             <a:pPr marL="0" indent="0">
               <a:lnSpc>
                 <a:spcPct val="130000"/>
               </a:lnSpc>
               <a:buNone/>
             </a:pPr>
-            <a:r>
-              <a:rPr lang="en-US" altLang="ko-KR" sz="1800" b="1" dirty="0"/>
-              <a:t>&gt;PCA</a:t>
-            </a:r>
-            <a:r>
-              <a:rPr lang="en-US" altLang="ko-KR" sz="1800" dirty="0"/>
-              <a:t> (Principal Component Analysis, </a:t>
-            </a:r>
-            <a:r>
-              <a:rPr lang="ko-KR" altLang="en-US" sz="1800" dirty="0"/>
-              <a:t>주성분 분석</a:t>
-            </a:r>
-            <a:r>
-              <a:rPr lang="en-US" altLang="ko-KR" sz="1800" dirty="0"/>
-              <a:t>)</a:t>
-            </a:r>
-          </a:p>
-          <a:p>
-            <a:pPr>
-              <a:lnSpc>
-                <a:spcPct val="130000"/>
-              </a:lnSpc>
-              <a:buFontTx/>
-              <a:buChar char="-"/>
-            </a:pPr>
-            <a:r>
-              <a:rPr lang="ko-KR" altLang="en-US" sz="1800" dirty="0"/>
-              <a:t>고차원의 데이터를 </a:t>
-            </a:r>
-            <a:r>
-              <a:rPr lang="ko-KR" altLang="en-US" sz="1800" dirty="0" err="1"/>
-              <a:t>저차원으로</a:t>
-            </a:r>
-            <a:r>
-              <a:rPr lang="ko-KR" altLang="en-US" sz="1800" dirty="0"/>
-              <a:t> 환원시키는 기법</a:t>
-            </a:r>
-            <a:endParaRPr lang="en-US" altLang="ko-KR" sz="1800" dirty="0"/>
-          </a:p>
-          <a:p>
-            <a:pPr>
-              <a:lnSpc>
-                <a:spcPct val="130000"/>
-              </a:lnSpc>
-              <a:buFontTx/>
-              <a:buChar char="-"/>
-            </a:pPr>
-            <a:r>
-              <a:rPr lang="en-US" altLang="ko-KR" sz="1800" dirty="0"/>
-              <a:t>sample-gene matrix : </a:t>
-            </a:r>
-            <a:r>
-              <a:rPr lang="ko-KR" altLang="en-US" sz="1800" dirty="0"/>
-              <a:t>각 </a:t>
-            </a:r>
-            <a:r>
-              <a:rPr lang="en-US" altLang="ko-KR" sz="1800" dirty="0"/>
-              <a:t>gene</a:t>
-            </a:r>
-            <a:r>
-              <a:rPr lang="ko-KR" altLang="en-US" sz="1800" dirty="0"/>
-              <a:t>의 </a:t>
-            </a:r>
-            <a:r>
-              <a:rPr lang="en-US" altLang="ko-KR" sz="1800" dirty="0"/>
-              <a:t>expression</a:t>
-            </a:r>
-            <a:r>
-              <a:rPr lang="ko-KR" altLang="en-US" sz="1800" dirty="0"/>
-              <a:t>을 하나의 축으로 생각 </a:t>
-            </a:r>
-            <a:r>
-              <a:rPr lang="en-US" altLang="ko-KR" sz="1800" dirty="0"/>
-              <a:t>=&gt; </a:t>
-            </a:r>
-            <a:r>
-              <a:rPr lang="ko-KR" altLang="en-US" sz="1800" dirty="0"/>
-              <a:t>고차원의 데이터</a:t>
-            </a:r>
-            <a:r>
-              <a:rPr lang="en-US" altLang="ko-KR" sz="1800" dirty="0"/>
-              <a:t> </a:t>
-            </a:r>
-          </a:p>
-          <a:p>
-            <a:pPr>
-              <a:lnSpc>
-                <a:spcPct val="130000"/>
-              </a:lnSpc>
-              <a:buFontTx/>
-              <a:buChar char="-"/>
-            </a:pPr>
-            <a:r>
-              <a:rPr lang="ko-KR" altLang="en-US" sz="1800" dirty="0"/>
-              <a:t>데이터를 </a:t>
-            </a:r>
-            <a:r>
-              <a:rPr lang="ko-KR" altLang="en-US" sz="1800" dirty="0" err="1"/>
-              <a:t>저차원으로</a:t>
-            </a:r>
-            <a:r>
-              <a:rPr lang="ko-KR" altLang="en-US" sz="1800" dirty="0"/>
-              <a:t> 만들어</a:t>
-            </a:r>
-            <a:r>
-              <a:rPr lang="en-US" altLang="ko-KR" sz="1800" dirty="0"/>
-              <a:t>, sample </a:t>
-            </a:r>
-            <a:r>
-              <a:rPr lang="ko-KR" altLang="en-US" sz="1800" dirty="0"/>
-              <a:t>간 </a:t>
-            </a:r>
-            <a:r>
-              <a:rPr lang="ko-KR" altLang="en-US" sz="1800" dirty="0" err="1"/>
-              <a:t>유사도를</a:t>
-            </a:r>
-            <a:r>
-              <a:rPr lang="ko-KR" altLang="en-US" sz="1800" dirty="0"/>
-              <a:t> 시각화 할 수 있음</a:t>
-            </a:r>
-            <a:endParaRPr lang="en-US" altLang="ko-KR" sz="1800" dirty="0"/>
-          </a:p>
-          <a:p>
-            <a:pPr>
-              <a:lnSpc>
-                <a:spcPct val="130000"/>
-              </a:lnSpc>
-              <a:buFontTx/>
-              <a:buChar char="-"/>
-            </a:pPr>
-            <a:endParaRPr lang="en-US" altLang="ko-KR" sz="1800" dirty="0"/>
-          </a:p>
-          <a:p>
-            <a:pPr marL="0" indent="0">
-              <a:lnSpc>
-                <a:spcPct val="130000"/>
-              </a:lnSpc>
-              <a:buNone/>
-            </a:pPr>
-            <a:endParaRPr lang="en-US" altLang="ko-KR" sz="1800" dirty="0"/>
+            <a:endParaRPr lang="en-US" altLang="ko-KR" sz="1800" dirty="0" smtClean="0"/>
           </a:p>
         </p:txBody>
       </p:sp>
       <p:pic>
         <p:nvPicPr>
-          <p:cNvPr id="15" name="그림 14"/>
+          <p:cNvPr id="7" name="그림 6"/>
           <p:cNvPicPr>
             <a:picLocks noChangeAspect="1"/>
           </p:cNvPicPr>
@@ -5921,24 +7856,72 @@
         </p:blipFill>
         <p:spPr>
           <a:xfrm>
-            <a:off x="559344" y="3579320"/>
-            <a:ext cx="3540841" cy="2645923"/>
+            <a:off x="1345934" y="3252482"/>
+            <a:ext cx="4249150" cy="3175213"/>
           </a:xfrm>
           <a:prstGeom prst="rect">
             <a:avLst/>
           </a:prstGeom>
+          <a:ln>
+            <a:solidFill>
+              <a:schemeClr val="tx1"/>
+            </a:solidFill>
+          </a:ln>
+          <a:effectLst>
+            <a:outerShdw blurRad="50800" dist="38100" dir="2700000" algn="tl" rotWithShape="0">
+              <a:prstClr val="black">
+                <a:alpha val="40000"/>
+              </a:prstClr>
+            </a:outerShdw>
+          </a:effectLst>
         </p:spPr>
       </p:pic>
-      <p:sp>
-        <p:nvSpPr>
-          <p:cNvPr id="16" name="TextBox 15"/>
+      <p:pic>
+        <p:nvPicPr>
+          <p:cNvPr id="8" name="그림 7"/>
+          <p:cNvPicPr>
+            <a:picLocks noChangeAspect="1"/>
+          </p:cNvPicPr>
+          <p:nvPr/>
+        </p:nvPicPr>
+        <p:blipFill>
+          <a:blip r:embed="rId4"/>
+          <a:stretch>
+            <a:fillRect/>
+          </a:stretch>
+        </p:blipFill>
+        <p:spPr>
+          <a:xfrm>
+            <a:off x="6866079" y="3241253"/>
+            <a:ext cx="3770217" cy="3186441"/>
+          </a:xfrm>
+          <a:prstGeom prst="rect">
+            <a:avLst/>
+          </a:prstGeom>
+          <a:ln>
+            <a:solidFill>
+              <a:schemeClr val="tx1"/>
+            </a:solidFill>
+          </a:ln>
+          <a:effectLst>
+            <a:outerShdw blurRad="50800" dist="38100" dir="2700000" algn="tl" rotWithShape="0">
+              <a:prstClr val="black">
+                <a:alpha val="40000"/>
+              </a:prstClr>
+            </a:outerShdw>
+          </a:effectLst>
+        </p:spPr>
+      </p:pic>
+      <p:sp>
+        <p:nvSpPr>
+          <p:cNvPr id="9" name="TextBox 8"/>
           <p:cNvSpPr txBox="1"/>
           <p:nvPr/>
         </p:nvSpPr>
         <p:spPr>
           <a:xfrm>
-            <a:off x="4472930" y="3579320"/>
-            <a:ext cx="2127505" cy="1052596"/>
+            <a:off x="2798690" y="2748471"/>
+            <a:ext cx="1343638" cy="377091"/>
           </a:xfrm>
           <a:prstGeom prst="rect">
             <a:avLst/>
@@ -5957,15 +7940,42 @@
               </a:lnSpc>
             </a:pPr>
             <a:r>
-              <a:rPr lang="en-US" altLang="ko-KR" sz="1600" b="1" dirty="0"/>
-              <a:t>&lt;= </a:t>
-            </a:r>
-            <a:r>
-              <a:rPr lang="ko-KR" altLang="en-US" sz="1600" b="1" dirty="0"/>
-              <a:t>코드 실행 결과</a:t>
-            </a:r>
-            <a:endParaRPr lang="en-US" altLang="ko-KR" sz="1600" b="1" dirty="0"/>
-          </a:p>
+              <a:rPr lang="en-US" altLang="ko-KR" sz="1600" b="1" dirty="0" smtClean="0"/>
+              <a:t>&lt;</a:t>
+            </a:r>
+            <a:r>
+              <a:rPr lang="en-US" altLang="ko-KR" sz="1600" b="1" dirty="0" smtClean="0"/>
+              <a:t>PCA plot</a:t>
+            </a:r>
+            <a:r>
+              <a:rPr lang="en-US" altLang="ko-KR" sz="1600" b="1" dirty="0" smtClean="0"/>
+              <a:t>&gt;</a:t>
+            </a:r>
+            <a:endParaRPr lang="en-US" altLang="ko-KR" sz="1600" dirty="0"/>
+          </a:p>
+        </p:txBody>
+      </p:sp>
+      <p:sp>
+        <p:nvSpPr>
+          <p:cNvPr id="10" name="TextBox 9"/>
+          <p:cNvSpPr txBox="1"/>
+          <p:nvPr/>
+        </p:nvSpPr>
+        <p:spPr>
+          <a:xfrm>
+            <a:off x="7738441" y="2730807"/>
+            <a:ext cx="2025491" cy="412421"/>
+          </a:xfrm>
+          <a:prstGeom prst="rect">
+            <a:avLst/>
+          </a:prstGeom>
+          <a:noFill/>
+        </p:spPr>
+        <p:txBody>
+          <a:bodyPr wrap="none" rtlCol="0">
+            <a:spAutoFit/>
+          </a:bodyPr>
+          <a:lstStyle/>
           <a:p>
             <a:pPr>
               <a:lnSpc>
@@ -5973,44 +7983,16 @@
               </a:lnSpc>
             </a:pPr>
             <a:r>
-              <a:rPr lang="en-US" altLang="ko-KR" sz="1600" dirty="0"/>
-              <a:t>x</a:t>
-            </a:r>
-            <a:r>
-              <a:rPr lang="ko-KR" altLang="en-US" sz="1600" dirty="0"/>
-              <a:t>축 </a:t>
-            </a:r>
-            <a:r>
-              <a:rPr lang="en-US" altLang="ko-KR" sz="1600" dirty="0"/>
-              <a:t>: </a:t>
-            </a:r>
-            <a:r>
-              <a:rPr lang="ko-KR" altLang="en-US" sz="1600" dirty="0"/>
-              <a:t>첫 번째 주성분</a:t>
-            </a:r>
-            <a:endParaRPr lang="en-US" altLang="ko-KR" sz="1600" dirty="0"/>
-          </a:p>
-          <a:p>
-            <a:pPr>
-              <a:lnSpc>
-                <a:spcPct val="130000"/>
-              </a:lnSpc>
-            </a:pPr>
-            <a:r>
-              <a:rPr lang="en-US" altLang="ko-KR" sz="1600" dirty="0"/>
-              <a:t>y</a:t>
-            </a:r>
-            <a:r>
-              <a:rPr lang="ko-KR" altLang="en-US" sz="1600" dirty="0"/>
-              <a:t>축 </a:t>
-            </a:r>
-            <a:r>
-              <a:rPr lang="en-US" altLang="ko-KR" sz="1600" dirty="0"/>
-              <a:t>: </a:t>
-            </a:r>
-            <a:r>
-              <a:rPr lang="ko-KR" altLang="en-US" sz="1600" dirty="0"/>
-              <a:t>두 번째 주성분 </a:t>
+              <a:rPr lang="en-US" altLang="ko-KR" sz="1600" b="1" dirty="0" smtClean="0"/>
+              <a:t>&lt;</a:t>
+            </a:r>
+            <a:r>
+              <a:rPr lang="en-US" altLang="ko-KR" sz="1600" b="1" dirty="0" smtClean="0"/>
+              <a:t>Correlation plot</a:t>
+            </a:r>
+            <a:r>
+              <a:rPr lang="en-US" altLang="ko-KR" sz="1600" b="1" dirty="0" smtClean="0"/>
+              <a:t>&gt;</a:t>
             </a:r>
             <a:endParaRPr lang="en-US" altLang="ko-KR" sz="1600" dirty="0"/>
           </a:p>
@@ -6026,6 +8008,13 @@
   <p:clrMapOvr>
     <a:masterClrMapping/>
   </p:clrMapOvr>
+  <p:timing>
+    <p:tnLst>
+      <p:par>
+        <p:cTn id="1" dur="indefinite" restart="never" nodeType="tmRoot"/>
+      </p:par>
+    </p:tnLst>
+  </p:timing>
 </p:sld>
 </file>
 
@@ -6126,345 +8115,180 @@
           </a:bodyPr>
           <a:lstStyle/>
           <a:p>
+            <a:pPr>
+              <a:lnSpc>
+                <a:spcPct val="130000"/>
+              </a:lnSpc>
+            </a:pPr>
+            <a:r>
+              <a:rPr lang="en-US" altLang="ko-KR" sz="1800" b="1" dirty="0" smtClean="0"/>
+              <a:t>PCA (</a:t>
+            </a:r>
+            <a:r>
+              <a:rPr lang="en-US" altLang="ko-KR" sz="1800" b="1" dirty="0" smtClean="0"/>
+              <a:t>Principal Component Analysis</a:t>
+            </a:r>
+            <a:r>
+              <a:rPr lang="en-US" altLang="ko-KR" sz="1800" b="1" dirty="0" smtClean="0"/>
+              <a:t>) </a:t>
+            </a:r>
+            <a:r>
+              <a:rPr lang="ko-KR" altLang="en-US" sz="1800" b="1" dirty="0" smtClean="0"/>
+              <a:t>분석</a:t>
+            </a:r>
+            <a:r>
+              <a:rPr lang="en-US" altLang="ko-KR" sz="1800" dirty="0" smtClean="0"/>
+              <a:t/>
+            </a:r>
+            <a:br>
+              <a:rPr lang="en-US" altLang="ko-KR" sz="1800" dirty="0" smtClean="0"/>
+            </a:br>
+            <a:r>
+              <a:rPr lang="en-US" altLang="ko-KR" sz="1800" dirty="0" smtClean="0"/>
+              <a:t>- </a:t>
+            </a:r>
+            <a:r>
+              <a:rPr lang="ko-KR" altLang="en-US" sz="1800" dirty="0" smtClean="0"/>
+              <a:t>고차원의 데이터를 </a:t>
+            </a:r>
+            <a:r>
+              <a:rPr lang="ko-KR" altLang="en-US" sz="1800" dirty="0" err="1" smtClean="0"/>
+              <a:t>저차원으로</a:t>
+            </a:r>
+            <a:r>
+              <a:rPr lang="ko-KR" altLang="en-US" sz="1800" dirty="0" smtClean="0"/>
+              <a:t> 변환시키는 </a:t>
+            </a:r>
+            <a:r>
+              <a:rPr lang="ko-KR" altLang="en-US" sz="1800" dirty="0" smtClean="0"/>
+              <a:t>기법 중의 하나</a:t>
+            </a:r>
+            <a:r>
+              <a:rPr lang="en-US" altLang="ko-KR" sz="1800" dirty="0" smtClean="0"/>
+              <a:t/>
+            </a:r>
+            <a:br>
+              <a:rPr lang="en-US" altLang="ko-KR" sz="1800" dirty="0" smtClean="0"/>
+            </a:br>
+            <a:r>
+              <a:rPr lang="en-US" altLang="ko-KR" sz="1800" dirty="0" smtClean="0"/>
+              <a:t>-</a:t>
+            </a:r>
+            <a:r>
+              <a:rPr lang="en-US" altLang="ko-KR" sz="1800" dirty="0"/>
+              <a:t> </a:t>
+            </a:r>
+            <a:r>
+              <a:rPr lang="ko-KR" altLang="en-US" sz="1800" dirty="0" smtClean="0"/>
+              <a:t>각 </a:t>
+            </a:r>
+            <a:r>
+              <a:rPr lang="en-US" altLang="ko-KR" sz="1800" dirty="0" smtClean="0"/>
+              <a:t>Gene</a:t>
+            </a:r>
+            <a:r>
+              <a:rPr lang="ko-KR" altLang="en-US" sz="1800" dirty="0"/>
+              <a:t> </a:t>
+            </a:r>
+            <a:r>
+              <a:rPr lang="ko-KR" altLang="en-US" sz="1800" dirty="0" smtClean="0"/>
+              <a:t>의 </a:t>
+            </a:r>
+            <a:r>
+              <a:rPr lang="en-US" altLang="ko-KR" sz="1800" dirty="0" smtClean="0"/>
+              <a:t>expression</a:t>
+            </a:r>
+            <a:r>
+              <a:rPr lang="ko-KR" altLang="en-US" sz="1800" dirty="0" smtClean="0"/>
+              <a:t>을 하나의 축으로 볼 때</a:t>
+            </a:r>
+            <a:r>
+              <a:rPr lang="en-US" altLang="ko-KR" sz="1800" dirty="0" smtClean="0"/>
+              <a:t>, Expression matrix</a:t>
+            </a:r>
+            <a:r>
+              <a:rPr lang="ko-KR" altLang="en-US" sz="1800" dirty="0" smtClean="0"/>
+              <a:t>는 매우 고차원의 데이터</a:t>
+            </a:r>
+            <a:r>
+              <a:rPr lang="en-US" altLang="ko-KR" sz="1800" dirty="0" smtClean="0"/>
+              <a:t/>
+            </a:r>
+            <a:br>
+              <a:rPr lang="en-US" altLang="ko-KR" sz="1800" dirty="0" smtClean="0"/>
+            </a:br>
+            <a:r>
+              <a:rPr lang="en-US" altLang="ko-KR" sz="1800" dirty="0" smtClean="0"/>
+              <a:t>- </a:t>
+            </a:r>
+            <a:r>
+              <a:rPr lang="ko-KR" altLang="en-US" sz="1800" dirty="0" err="1" smtClean="0"/>
+              <a:t>저차원으로</a:t>
+            </a:r>
+            <a:r>
+              <a:rPr lang="ko-KR" altLang="en-US" sz="1800" dirty="0" smtClean="0"/>
+              <a:t> 만든 데이터에서 가장 설명력이 높은 두 개의 축으로 시각화함</a:t>
+            </a:r>
+            <a:endParaRPr lang="en-US" altLang="ko-KR" sz="1800" dirty="0"/>
+          </a:p>
+          <a:p>
             <a:pPr marL="0" indent="0">
               <a:lnSpc>
                 <a:spcPct val="130000"/>
               </a:lnSpc>
               <a:buNone/>
             </a:pPr>
-            <a:r>
-              <a:rPr lang="en-US" altLang="ko-KR" sz="1800" b="1" dirty="0"/>
-              <a:t>&gt;PCA</a:t>
-            </a:r>
-            <a:r>
-              <a:rPr lang="en-US" altLang="ko-KR" sz="1800" dirty="0"/>
-              <a:t> (Principal Component Analysis, </a:t>
-            </a:r>
-            <a:r>
-              <a:rPr lang="ko-KR" altLang="en-US" sz="1800" dirty="0"/>
-              <a:t>주성분 분석</a:t>
-            </a:r>
-            <a:r>
-              <a:rPr lang="en-US" altLang="ko-KR" sz="1800" dirty="0"/>
-              <a:t>)</a:t>
-            </a:r>
-          </a:p>
-          <a:p>
-            <a:pPr marL="0" indent="0">
-              <a:lnSpc>
-                <a:spcPct val="130000"/>
-              </a:lnSpc>
-              <a:buNone/>
-            </a:pPr>
-            <a:r>
-              <a:rPr lang="en-US" altLang="ko-KR" sz="1600" b="1" dirty="0">
-                <a:solidFill>
-                  <a:srgbClr val="FF0000"/>
-                </a:solidFill>
-              </a:rPr>
-              <a:t>* package </a:t>
-            </a:r>
-            <a:r>
-              <a:rPr lang="ko-KR" altLang="en-US" sz="1600" b="1" dirty="0">
-                <a:solidFill>
-                  <a:srgbClr val="FF0000"/>
-                </a:solidFill>
-              </a:rPr>
-              <a:t>및 </a:t>
-            </a:r>
-            <a:r>
-              <a:rPr lang="en-US" altLang="ko-KR" sz="1600" b="1" dirty="0">
-                <a:solidFill>
-                  <a:srgbClr val="FF0000"/>
-                </a:solidFill>
-              </a:rPr>
-              <a:t>input data </a:t>
-            </a:r>
-            <a:r>
-              <a:rPr lang="ko-KR" altLang="en-US" sz="1600" b="1" dirty="0">
-                <a:solidFill>
-                  <a:srgbClr val="FF0000"/>
-                </a:solidFill>
-              </a:rPr>
-              <a:t>불러오는 코드 먼저 실행 후 진행해주세요</a:t>
-            </a:r>
-            <a:r>
-              <a:rPr lang="en-US" altLang="ko-KR" sz="1600" b="1" dirty="0">
-                <a:solidFill>
-                  <a:srgbClr val="FF0000"/>
-                </a:solidFill>
-              </a:rPr>
-              <a:t> *</a:t>
-            </a:r>
+            <a:endParaRPr lang="en-US" altLang="ko-KR" sz="1800" dirty="0"/>
           </a:p>
         </p:txBody>
       </p:sp>
       <p:pic>
         <p:nvPicPr>
-          <p:cNvPr id="7" name="그림 6"/>
+          <p:cNvPr id="5" name="그림 4"/>
           <p:cNvPicPr>
             <a:picLocks noChangeAspect="1"/>
           </p:cNvPicPr>
           <p:nvPr/>
         </p:nvPicPr>
-        <p:blipFill>
+        <p:blipFill rotWithShape="1">
           <a:blip r:embed="rId3"/>
-          <a:stretch>
-            <a:fillRect/>
-          </a:stretch>
+          <a:srcRect t="11144" b="10472"/>
+          <a:stretch/>
         </p:blipFill>
         <p:spPr>
           <a:xfrm>
-            <a:off x="2189720" y="4999967"/>
-            <a:ext cx="3380972" cy="1543707"/>
+            <a:off x="655651" y="3091118"/>
+            <a:ext cx="4249150" cy="3175213"/>
           </a:xfrm>
           <a:prstGeom prst="rect">
             <a:avLst/>
           </a:prstGeom>
+          <a:ln>
+            <a:solidFill>
+              <a:schemeClr val="tx1"/>
+            </a:solidFill>
+          </a:ln>
+          <a:effectLst>
+            <a:outerShdw blurRad="50800" dist="38100" dir="2700000" algn="tl" rotWithShape="0">
+              <a:prstClr val="black">
+                <a:alpha val="40000"/>
+              </a:prstClr>
+            </a:outerShdw>
+          </a:effectLst>
         </p:spPr>
       </p:pic>
-      <p:pic>
-        <p:nvPicPr>
-          <p:cNvPr id="8" name="그림 7"/>
-          <p:cNvPicPr>
-            <a:picLocks noChangeAspect="1"/>
-          </p:cNvPicPr>
-          <p:nvPr/>
-        </p:nvPicPr>
-        <p:blipFill>
-          <a:blip r:embed="rId4"/>
-          <a:stretch>
-            <a:fillRect/>
-          </a:stretch>
-        </p:blipFill>
-        <p:spPr>
-          <a:xfrm>
-            <a:off x="286310" y="2473304"/>
-            <a:ext cx="6007486" cy="2317428"/>
-          </a:xfrm>
-          <a:prstGeom prst="rect">
-            <a:avLst/>
-          </a:prstGeom>
-        </p:spPr>
-      </p:pic>
-      <p:sp>
-        <p:nvSpPr>
-          <p:cNvPr id="10" name="오른쪽 중괄호 9"/>
+      <p:sp>
+        <p:nvSpPr>
+          <p:cNvPr id="3" name="타원 2"/>
           <p:cNvSpPr/>
           <p:nvPr/>
         </p:nvSpPr>
         <p:spPr>
-          <a:xfrm>
-            <a:off x="5953327" y="2633945"/>
-            <a:ext cx="1225685" cy="374828"/>
-          </a:xfrm>
-          <a:prstGeom prst="rightBrace">
-            <a:avLst>
-              <a:gd name="adj1" fmla="val 0"/>
-              <a:gd name="adj2" fmla="val 50000"/>
-            </a:avLst>
-          </a:prstGeom>
-          <a:ln w="22225">
-            <a:solidFill>
-              <a:srgbClr val="002060"/>
-            </a:solidFill>
-          </a:ln>
-        </p:spPr>
-        <p:style>
-          <a:lnRef idx="1">
-            <a:schemeClr val="accent1"/>
-          </a:lnRef>
-          <a:fillRef idx="0">
-            <a:schemeClr val="accent1"/>
-          </a:fillRef>
-          <a:effectRef idx="0">
-            <a:schemeClr val="accent1"/>
-          </a:effectRef>
-          <a:fontRef idx="minor">
-            <a:schemeClr val="tx1"/>
-          </a:fontRef>
-        </p:style>
-        <p:txBody>
-          <a:bodyPr rtlCol="0" anchor="ctr"/>
-          <a:lstStyle/>
-          <a:p>
-            <a:pPr algn="ctr"/>
-            <a:endParaRPr lang="ko-KR" altLang="en-US"/>
-          </a:p>
-        </p:txBody>
-      </p:sp>
-      <p:sp>
-        <p:nvSpPr>
-          <p:cNvPr id="21" name="오른쪽 중괄호 20"/>
-          <p:cNvSpPr/>
-          <p:nvPr/>
-        </p:nvSpPr>
-        <p:spPr>
-          <a:xfrm>
-            <a:off x="5953814" y="3062057"/>
-            <a:ext cx="1225198" cy="1129958"/>
-          </a:xfrm>
-          <a:prstGeom prst="rightBrace">
-            <a:avLst>
-              <a:gd name="adj1" fmla="val 0"/>
-              <a:gd name="adj2" fmla="val 50000"/>
-            </a:avLst>
-          </a:prstGeom>
-          <a:ln w="22225">
-            <a:solidFill>
-              <a:srgbClr val="002060"/>
-            </a:solidFill>
-          </a:ln>
-        </p:spPr>
-        <p:style>
-          <a:lnRef idx="1">
-            <a:schemeClr val="accent1"/>
-          </a:lnRef>
-          <a:fillRef idx="0">
-            <a:schemeClr val="accent1"/>
-          </a:fillRef>
-          <a:effectRef idx="0">
-            <a:schemeClr val="accent1"/>
-          </a:effectRef>
-          <a:fontRef idx="minor">
-            <a:schemeClr val="tx1"/>
-          </a:fontRef>
-        </p:style>
-        <p:txBody>
-          <a:bodyPr rtlCol="0" anchor="ctr"/>
-          <a:lstStyle/>
-          <a:p>
-            <a:pPr algn="ctr"/>
-            <a:endParaRPr lang="ko-KR" altLang="en-US"/>
-          </a:p>
-        </p:txBody>
-      </p:sp>
-      <p:sp>
-        <p:nvSpPr>
-          <p:cNvPr id="22" name="오른쪽 중괄호 21"/>
-          <p:cNvSpPr/>
-          <p:nvPr/>
-        </p:nvSpPr>
-        <p:spPr>
-          <a:xfrm>
-            <a:off x="5953327" y="4245299"/>
-            <a:ext cx="1225198" cy="437583"/>
-          </a:xfrm>
-          <a:prstGeom prst="rightBrace">
-            <a:avLst>
-              <a:gd name="adj1" fmla="val 0"/>
-              <a:gd name="adj2" fmla="val 50000"/>
-            </a:avLst>
-          </a:prstGeom>
-          <a:ln w="22225">
-            <a:solidFill>
-              <a:srgbClr val="002060"/>
-            </a:solidFill>
-          </a:ln>
-        </p:spPr>
-        <p:style>
-          <a:lnRef idx="1">
-            <a:schemeClr val="accent1"/>
-          </a:lnRef>
-          <a:fillRef idx="0">
-            <a:schemeClr val="accent1"/>
-          </a:fillRef>
-          <a:effectRef idx="0">
-            <a:schemeClr val="accent1"/>
-          </a:effectRef>
-          <a:fontRef idx="minor">
-            <a:schemeClr val="tx1"/>
-          </a:fontRef>
-        </p:style>
-        <p:txBody>
-          <a:bodyPr rtlCol="0" anchor="ctr"/>
-          <a:lstStyle/>
-          <a:p>
-            <a:pPr algn="ctr"/>
-            <a:endParaRPr lang="ko-KR" altLang="en-US"/>
-          </a:p>
-        </p:txBody>
-      </p:sp>
-      <p:sp>
-        <p:nvSpPr>
-          <p:cNvPr id="23" name="TextBox 22"/>
-          <p:cNvSpPr txBox="1"/>
-          <p:nvPr/>
-        </p:nvSpPr>
-        <p:spPr>
-          <a:xfrm>
-            <a:off x="7302080" y="2631543"/>
-            <a:ext cx="1125629" cy="377091"/>
-          </a:xfrm>
-          <a:prstGeom prst="rect">
-            <a:avLst/>
-          </a:prstGeom>
-          <a:noFill/>
-        </p:spPr>
-        <p:txBody>
-          <a:bodyPr wrap="none" rtlCol="0">
-            <a:spAutoFit/>
-          </a:bodyPr>
-          <a:lstStyle/>
-          <a:p>
-            <a:pPr>
-              <a:lnSpc>
-                <a:spcPct val="130000"/>
-              </a:lnSpc>
-            </a:pPr>
-            <a:r>
-              <a:rPr lang="en-US" altLang="ko-KR" sz="1600" dirty="0"/>
-              <a:t>PCA code</a:t>
-            </a:r>
-          </a:p>
-        </p:txBody>
-      </p:sp>
-      <p:sp>
-        <p:nvSpPr>
-          <p:cNvPr id="24" name="TextBox 23"/>
-          <p:cNvSpPr txBox="1"/>
-          <p:nvPr/>
-        </p:nvSpPr>
-        <p:spPr>
-          <a:xfrm>
-            <a:off x="7298469" y="3430937"/>
-            <a:ext cx="2201244" cy="377091"/>
-          </a:xfrm>
-          <a:prstGeom prst="rect">
-            <a:avLst/>
-          </a:prstGeom>
-          <a:noFill/>
-        </p:spPr>
-        <p:txBody>
-          <a:bodyPr wrap="none" rtlCol="0">
-            <a:spAutoFit/>
-          </a:bodyPr>
-          <a:lstStyle/>
-          <a:p>
-            <a:pPr>
-              <a:lnSpc>
-                <a:spcPct val="130000"/>
-              </a:lnSpc>
-            </a:pPr>
-            <a:r>
-              <a:rPr lang="en-US" altLang="ko-KR" sz="1600" dirty="0"/>
-              <a:t>Draw plot by ggplot2</a:t>
-            </a:r>
-          </a:p>
-        </p:txBody>
-      </p:sp>
-      <p:sp>
-        <p:nvSpPr>
-          <p:cNvPr id="26" name="직사각형 25"/>
-          <p:cNvSpPr/>
-          <p:nvPr/>
-        </p:nvSpPr>
-        <p:spPr>
-          <a:xfrm>
-            <a:off x="1553213" y="2677293"/>
-            <a:ext cx="1481327" cy="195583"/>
-          </a:xfrm>
-          <a:prstGeom prst="rect">
+          <a:xfrm rot="21291561">
+            <a:off x="1094284" y="3630499"/>
+            <a:ext cx="695635" cy="1798180"/>
+          </a:xfrm>
+          <a:prstGeom prst="ellipse">
             <a:avLst/>
           </a:prstGeom>
           <a:solidFill>
@@ -6472,7 +8296,7 @@
               <a:alpha val="20000"/>
             </a:schemeClr>
           </a:solidFill>
-          <a:ln w="25400">
+          <a:ln>
             <a:solidFill>
               <a:schemeClr val="accent2"/>
             </a:solidFill>
@@ -6505,26 +8329,26 @@
       </p:sp>
       <p:sp>
         <p:nvSpPr>
-          <p:cNvPr id="27" name="직사각형 26"/>
+          <p:cNvPr id="7" name="타원 6"/>
           <p:cNvSpPr/>
           <p:nvPr/>
         </p:nvSpPr>
         <p:spPr>
-          <a:xfrm>
-            <a:off x="1494510" y="3037957"/>
-            <a:ext cx="646384" cy="195583"/>
-          </a:xfrm>
-          <a:prstGeom prst="rect">
+          <a:xfrm rot="20121899">
+            <a:off x="3114063" y="3064294"/>
+            <a:ext cx="955641" cy="1879502"/>
+          </a:xfrm>
+          <a:prstGeom prst="ellipse">
             <a:avLst/>
           </a:prstGeom>
           <a:solidFill>
-            <a:schemeClr val="accent2">
+            <a:schemeClr val="accent6">
               <a:alpha val="20000"/>
             </a:schemeClr>
           </a:solidFill>
-          <a:ln w="25400">
+          <a:ln>
             <a:solidFill>
-              <a:schemeClr val="accent2"/>
+              <a:schemeClr val="accent6"/>
             </a:solidFill>
           </a:ln>
         </p:spPr>
@@ -6555,26 +8379,154 @@
       </p:sp>
       <p:sp>
         <p:nvSpPr>
-          <p:cNvPr id="28" name="직사각형 27"/>
-          <p:cNvSpPr/>
+          <p:cNvPr id="8" name="TextBox 7"/>
+          <p:cNvSpPr txBox="1"/>
           <p:nvPr/>
         </p:nvSpPr>
         <p:spPr>
           <a:xfrm>
-            <a:off x="801188" y="4504999"/>
-            <a:ext cx="550145" cy="195583"/>
+            <a:off x="5264273" y="3091118"/>
+            <a:ext cx="6437981" cy="2308324"/>
           </a:xfrm>
           <a:prstGeom prst="rect">
             <a:avLst/>
           </a:prstGeom>
+          <a:noFill/>
+        </p:spPr>
+        <p:txBody>
+          <a:bodyPr wrap="none" rtlCol="0">
+            <a:spAutoFit/>
+          </a:bodyPr>
+          <a:lstStyle/>
+          <a:p>
+            <a:pPr>
+              <a:lnSpc>
+                <a:spcPct val="150000"/>
+              </a:lnSpc>
+            </a:pPr>
+            <a:r>
+              <a:rPr lang="en-US" altLang="ko-KR" sz="1600" b="1" dirty="0" smtClean="0"/>
+              <a:t>&gt; PCA </a:t>
+            </a:r>
+            <a:r>
+              <a:rPr lang="ko-KR" altLang="en-US" sz="1600" b="1" dirty="0" smtClean="0"/>
+              <a:t>결과 해석 예시</a:t>
+            </a:r>
+            <a:endParaRPr lang="en-US" altLang="ko-KR" sz="1600" b="1" dirty="0" smtClean="0"/>
+          </a:p>
+          <a:p>
+            <a:pPr marL="285750" indent="-285750">
+              <a:lnSpc>
+                <a:spcPct val="150000"/>
+              </a:lnSpc>
+              <a:buFont typeface="Arial" panose="020B0604020202020204" pitchFamily="34" charset="0"/>
+              <a:buChar char="•"/>
+            </a:pPr>
+            <a:r>
+              <a:rPr lang="en-US" altLang="ko-KR" sz="1600" dirty="0" smtClean="0"/>
+              <a:t>Day8</a:t>
+            </a:r>
+            <a:r>
+              <a:rPr lang="en-US" altLang="ko-KR" sz="1600" dirty="0" smtClean="0"/>
+              <a:t>, </a:t>
+            </a:r>
+            <a:r>
+              <a:rPr lang="en-US" altLang="ko-KR" sz="1600" dirty="0" smtClean="0"/>
+              <a:t>12</a:t>
+            </a:r>
+            <a:br>
+              <a:rPr lang="en-US" altLang="ko-KR" sz="1600" dirty="0" smtClean="0"/>
+            </a:br>
+            <a:r>
+              <a:rPr lang="en-US" altLang="ko-KR" sz="1600" dirty="0" smtClean="0"/>
+              <a:t>- </a:t>
+            </a:r>
+            <a:r>
+              <a:rPr lang="ko-KR" altLang="en-US" sz="1600" dirty="0" smtClean="0"/>
+              <a:t>측정 날짜에 따른 차이가 주요한 차이로 나타남</a:t>
+            </a:r>
+            <a:r>
+              <a:rPr lang="en-US" altLang="ko-KR" sz="1600" dirty="0" smtClean="0"/>
+              <a:t/>
+            </a:r>
+            <a:br>
+              <a:rPr lang="en-US" altLang="ko-KR" sz="1600" dirty="0" smtClean="0"/>
+            </a:br>
+            <a:r>
+              <a:rPr lang="en-US" altLang="ko-KR" sz="1600" dirty="0" smtClean="0"/>
+              <a:t>- </a:t>
+            </a:r>
+            <a:r>
+              <a:rPr lang="ko-KR" altLang="en-US" sz="1600" dirty="0" smtClean="0"/>
+              <a:t>같은 날짜 내에서는 </a:t>
+            </a:r>
+            <a:r>
+              <a:rPr lang="en-US" altLang="ko-KR" sz="1600" dirty="0" smtClean="0"/>
+              <a:t>cell type</a:t>
+            </a:r>
+            <a:r>
+              <a:rPr lang="ko-KR" altLang="en-US" sz="1600" dirty="0" smtClean="0"/>
+              <a:t>의 차이가 보여짐</a:t>
+            </a:r>
+            <a:endParaRPr lang="en-US" altLang="ko-KR" sz="1600" dirty="0" smtClean="0"/>
+          </a:p>
+          <a:p>
+            <a:pPr marL="285750" indent="-285750">
+              <a:lnSpc>
+                <a:spcPct val="150000"/>
+              </a:lnSpc>
+              <a:buFont typeface="Arial" panose="020B0604020202020204" pitchFamily="34" charset="0"/>
+              <a:buChar char="•"/>
+            </a:pPr>
+            <a:r>
+              <a:rPr lang="en-US" altLang="ko-KR" sz="1600" dirty="0" smtClean="0"/>
+              <a:t>Day16, 24</a:t>
+            </a:r>
+            <a:br>
+              <a:rPr lang="en-US" altLang="ko-KR" sz="1600" dirty="0" smtClean="0"/>
+            </a:br>
+            <a:r>
+              <a:rPr lang="en-US" altLang="ko-KR" sz="1600" dirty="0" smtClean="0"/>
+              <a:t>- </a:t>
+            </a:r>
+            <a:r>
+              <a:rPr lang="ko-KR" altLang="en-US" sz="1600" dirty="0" smtClean="0"/>
+              <a:t>측정 날짜보다 </a:t>
+            </a:r>
+            <a:r>
+              <a:rPr lang="en-US" altLang="ko-KR" sz="1600" dirty="0" smtClean="0"/>
+              <a:t>cell type</a:t>
+            </a:r>
+            <a:r>
+              <a:rPr lang="ko-KR" altLang="en-US" sz="1600" dirty="0" smtClean="0"/>
+              <a:t>이 주요한 차이를 나타내는 요소로 보임</a:t>
+            </a:r>
+            <a:endParaRPr lang="en-US" altLang="ko-KR" sz="1600" dirty="0"/>
+          </a:p>
+        </p:txBody>
+      </p:sp>
+      <p:sp>
+        <p:nvSpPr>
+          <p:cNvPr id="9" name="타원 8"/>
+          <p:cNvSpPr/>
+          <p:nvPr/>
+        </p:nvSpPr>
+        <p:spPr>
+          <a:xfrm rot="3886531">
+            <a:off x="2116309" y="3993700"/>
+            <a:ext cx="1177668" cy="1364925"/>
+          </a:xfrm>
+          <a:prstGeom prst="ellipse">
+            <a:avLst/>
+          </a:prstGeom>
           <a:solidFill>
-            <a:schemeClr val="accent2">
+            <a:schemeClr val="accent5">
               <a:alpha val="20000"/>
             </a:schemeClr>
           </a:solidFill>
-          <a:ln w="25400">
+          <a:ln>
             <a:solidFill>
-              <a:schemeClr val="accent2"/>
+              <a:schemeClr val="accent5"/>
             </a:solidFill>
           </a:ln>
         </p:spPr>
@@ -6605,169 +8557,26 @@
       </p:sp>
       <p:sp>
         <p:nvSpPr>
-          <p:cNvPr id="29" name="TextBox 28"/>
-          <p:cNvSpPr txBox="1"/>
-          <p:nvPr/>
-        </p:nvSpPr>
-        <p:spPr>
-          <a:xfrm>
-            <a:off x="7298469" y="4275544"/>
-            <a:ext cx="1053815" cy="412421"/>
-          </a:xfrm>
-          <a:prstGeom prst="rect">
-            <a:avLst/>
-          </a:prstGeom>
-          <a:noFill/>
-        </p:spPr>
-        <p:txBody>
-          <a:bodyPr wrap="none" rtlCol="0">
-            <a:spAutoFit/>
-          </a:bodyPr>
-          <a:lstStyle/>
-          <a:p>
-            <a:pPr>
-              <a:lnSpc>
-                <a:spcPct val="130000"/>
-              </a:lnSpc>
-            </a:pPr>
-            <a:r>
-              <a:rPr lang="en-US" altLang="ko-KR" sz="1600" dirty="0"/>
-              <a:t>Save plot</a:t>
-            </a:r>
-          </a:p>
-        </p:txBody>
-      </p:sp>
-      <p:sp>
-        <p:nvSpPr>
-          <p:cNvPr id="30" name="TextBox 29"/>
-          <p:cNvSpPr txBox="1"/>
-          <p:nvPr/>
-        </p:nvSpPr>
-        <p:spPr>
-          <a:xfrm>
-            <a:off x="286310" y="5002958"/>
-            <a:ext cx="1803699" cy="341568"/>
-          </a:xfrm>
-          <a:prstGeom prst="rect">
-            <a:avLst/>
-          </a:prstGeom>
-          <a:noFill/>
-        </p:spPr>
-        <p:txBody>
-          <a:bodyPr wrap="none" rtlCol="0">
-            <a:spAutoFit/>
-          </a:bodyPr>
-          <a:lstStyle/>
-          <a:p>
-            <a:pPr>
-              <a:lnSpc>
-                <a:spcPct val="130000"/>
-              </a:lnSpc>
-            </a:pPr>
-            <a:r>
-              <a:rPr lang="en-US" altLang="ko-KR" sz="1400" dirty="0"/>
-              <a:t>* ggplot2 </a:t>
-            </a:r>
-            <a:r>
-              <a:rPr lang="ko-KR" altLang="en-US" sz="1400" dirty="0"/>
-              <a:t>형식 예시</a:t>
-            </a:r>
-            <a:endParaRPr lang="en-US" altLang="ko-KR" sz="1400" dirty="0"/>
-          </a:p>
-        </p:txBody>
-      </p:sp>
-      <p:pic>
-        <p:nvPicPr>
-          <p:cNvPr id="31" name="그림 30"/>
-          <p:cNvPicPr>
-            <a:picLocks noChangeAspect="1"/>
-          </p:cNvPicPr>
-          <p:nvPr/>
-        </p:nvPicPr>
-        <p:blipFill rotWithShape="1">
-          <a:blip r:embed="rId5"/>
-          <a:srcRect t="11144" b="10472"/>
-          <a:stretch/>
-        </p:blipFill>
-        <p:spPr>
-          <a:xfrm>
-            <a:off x="8930075" y="4355140"/>
-            <a:ext cx="3073219" cy="2296489"/>
-          </a:xfrm>
-          <a:prstGeom prst="rect">
-            <a:avLst/>
-          </a:prstGeom>
-          <a:ln>
-            <a:solidFill>
-              <a:schemeClr val="tx1"/>
-            </a:solidFill>
-          </a:ln>
-          <a:effectLst>
-            <a:outerShdw blurRad="50800" dist="38100" dir="2700000" algn="tl" rotWithShape="0">
-              <a:prstClr val="black">
-                <a:alpha val="40000"/>
-              </a:prstClr>
-            </a:outerShdw>
-          </a:effectLst>
-        </p:spPr>
-      </p:pic>
-      <p:sp>
-        <p:nvSpPr>
-          <p:cNvPr id="32" name="TextBox 31"/>
-          <p:cNvSpPr txBox="1"/>
-          <p:nvPr/>
-        </p:nvSpPr>
-        <p:spPr>
-          <a:xfrm>
-            <a:off x="9974338" y="3895094"/>
-            <a:ext cx="780150" cy="412421"/>
-          </a:xfrm>
-          <a:prstGeom prst="rect">
-            <a:avLst/>
-          </a:prstGeom>
-          <a:noFill/>
-        </p:spPr>
-        <p:txBody>
-          <a:bodyPr wrap="none" rtlCol="0">
-            <a:spAutoFit/>
-          </a:bodyPr>
-          <a:lstStyle/>
-          <a:p>
-            <a:pPr>
-              <a:lnSpc>
-                <a:spcPct val="130000"/>
-              </a:lnSpc>
-            </a:pPr>
-            <a:r>
-              <a:rPr lang="en-US" altLang="ko-KR" sz="1600" b="1" dirty="0"/>
-              <a:t>Result</a:t>
-            </a:r>
-            <a:endParaRPr lang="en-US" altLang="ko-KR" sz="1600" dirty="0"/>
-          </a:p>
-        </p:txBody>
-      </p:sp>
-      <p:sp>
-        <p:nvSpPr>
-          <p:cNvPr id="20" name="직사각형 19"/>
+          <p:cNvPr id="10" name="타원 9"/>
           <p:cNvSpPr/>
           <p:nvPr/>
         </p:nvSpPr>
         <p:spPr>
-          <a:xfrm>
-            <a:off x="286310" y="2142147"/>
-            <a:ext cx="1481327" cy="195583"/>
-          </a:xfrm>
-          <a:prstGeom prst="rect">
+          <a:xfrm rot="3886531">
+            <a:off x="2943919" y="4949481"/>
+            <a:ext cx="624361" cy="1050297"/>
+          </a:xfrm>
+          <a:prstGeom prst="ellipse">
             <a:avLst/>
           </a:prstGeom>
           <a:solidFill>
-            <a:schemeClr val="accent2">
+            <a:srgbClr val="002060">
               <a:alpha val="20000"/>
-            </a:schemeClr>
+            </a:srgbClr>
           </a:solidFill>
-          <a:ln w="25400">
+          <a:ln>
             <a:solidFill>
-              <a:schemeClr val="accent2"/>
+              <a:srgbClr val="002060"/>
             </a:solidFill>
           </a:ln>
         </p:spPr>
@@ -6792,40 +8601,27 @@
           <a:lstStyle/>
           <a:p>
             <a:pPr algn="ctr"/>
-            <a:r>
-              <a:rPr lang="ko-KR" altLang="en-US" sz="1100" b="1" dirty="0" smtClean="0">
-                <a:solidFill>
-                  <a:schemeClr val="tx1"/>
-                </a:solidFill>
-              </a:rPr>
-              <a:t>빈칸을 채워주세요 </a:t>
-            </a:r>
-            <a:r>
-              <a:rPr lang="en-US" altLang="ko-KR" sz="1100" b="1" dirty="0" smtClean="0">
-                <a:solidFill>
-                  <a:schemeClr val="tx1"/>
-                </a:solidFill>
-              </a:rPr>
-              <a:t>!</a:t>
-            </a:r>
-            <a:endParaRPr lang="ko-KR" altLang="en-US" sz="1100" b="1" dirty="0">
-              <a:solidFill>
-                <a:schemeClr val="tx1"/>
-              </a:solidFill>
-            </a:endParaRPr>
+            <a:endParaRPr lang="ko-KR" altLang="en-US"/>
           </a:p>
         </p:txBody>
       </p:sp>
     </p:spTree>
     <p:extLst>
       <p:ext uri="{BB962C8B-B14F-4D97-AF65-F5344CB8AC3E}">
-        <p14:creationId xmlns:p14="http://schemas.microsoft.com/office/powerpoint/2010/main" val="1132433527"/>
+        <p14:creationId xmlns:p14="http://schemas.microsoft.com/office/powerpoint/2010/main" val="1490380690"/>
       </p:ext>
     </p:extLst>
   </p:cSld>
   <p:clrMapOvr>
     <a:masterClrMapping/>
   </p:clrMapOvr>
+  <p:timing>
+    <p:tnLst>
+      <p:par>
+        <p:cTn id="1" dur="indefinite" restart="never" nodeType="tmRoot"/>
+      </p:par>
+    </p:tnLst>
+  </p:timing>
 </p:sld>
 </file>
 
@@ -6916,8 +8712,8 @@
         </p:nvSpPr>
         <p:spPr>
           <a:xfrm>
-            <a:off x="186599" y="1203054"/>
-            <a:ext cx="10515600" cy="4351338"/>
+            <a:off x="186598" y="1203054"/>
+            <a:ext cx="11233673" cy="4351338"/>
           </a:xfrm>
         </p:spPr>
         <p:txBody>
@@ -6926,71 +8722,385 @@
           </a:bodyPr>
           <a:lstStyle/>
           <a:p>
-            <a:pPr marL="0" indent="0">
+            <a:pPr>
               <a:lnSpc>
                 <a:spcPct val="130000"/>
               </a:lnSpc>
-              <a:buNone/>
             </a:pPr>
             <a:r>
-              <a:rPr lang="en-US" altLang="ko-KR" sz="1800" b="1" dirty="0"/>
-              <a:t>&gt;Correlation </a:t>
-            </a:r>
-            <a:endParaRPr lang="en-US" altLang="ko-KR" sz="1800" dirty="0"/>
-          </a:p>
-          <a:p>
-            <a:pPr marL="0" indent="0">
-              <a:lnSpc>
-                <a:spcPct val="130000"/>
-              </a:lnSpc>
-              <a:buNone/>
-            </a:pPr>
-            <a:r>
-              <a:rPr lang="en-US" altLang="ko-KR" sz="1600" b="1" dirty="0">
+              <a:rPr lang="en-US" altLang="ko-KR" sz="1800" b="1" dirty="0" smtClean="0"/>
+              <a:t>Correlation </a:t>
+            </a:r>
+            <a:r>
+              <a:rPr lang="ko-KR" altLang="en-US" sz="1800" b="1" dirty="0" smtClean="0"/>
+              <a:t>분석</a:t>
+            </a:r>
+            <a:r>
+              <a:rPr lang="en-US" altLang="ko-KR" sz="1800" dirty="0" smtClean="0"/>
+              <a:t/>
+            </a:r>
+            <a:br>
+              <a:rPr lang="en-US" altLang="ko-KR" sz="1800" dirty="0" smtClean="0"/>
+            </a:br>
+            <a:r>
+              <a:rPr lang="en-US" altLang="ko-KR" sz="1800" dirty="0" smtClean="0"/>
+              <a:t>- </a:t>
+            </a:r>
+            <a:r>
+              <a:rPr lang="en-US" altLang="ko-KR" sz="1800" dirty="0" err="1" smtClean="0"/>
+              <a:t>Heatmap</a:t>
+            </a:r>
+            <a:r>
+              <a:rPr lang="en-US" altLang="ko-KR" sz="1800" dirty="0" smtClean="0"/>
+              <a:t> : </a:t>
+            </a:r>
+            <a:r>
+              <a:rPr lang="ko-KR" altLang="en-US" sz="1800" dirty="0" smtClean="0"/>
+              <a:t>각 </a:t>
+            </a:r>
+            <a:r>
+              <a:rPr lang="en-US" altLang="ko-KR" sz="1800" dirty="0" smtClean="0"/>
+              <a:t>Sample</a:t>
+            </a:r>
+            <a:r>
+              <a:rPr lang="ko-KR" altLang="en-US" sz="1800" dirty="0" smtClean="0"/>
+              <a:t>의 </a:t>
+            </a:r>
+            <a:r>
+              <a:rPr lang="en-US" altLang="ko-KR" sz="1800" dirty="0" smtClean="0"/>
+              <a:t>gene expression </a:t>
+            </a:r>
+            <a:r>
+              <a:rPr lang="ko-KR" altLang="en-US" sz="1800" dirty="0" smtClean="0"/>
+              <a:t>을 기반으로 한 </a:t>
+            </a:r>
+            <a:r>
+              <a:rPr lang="en-US" altLang="ko-KR" sz="1800" dirty="0" smtClean="0"/>
+              <a:t>correlation</a:t>
+            </a:r>
+            <a:r>
+              <a:rPr lang="ko-KR" altLang="en-US" sz="1800" dirty="0" smtClean="0"/>
+              <a:t>을 계산</a:t>
+            </a:r>
+            <a:r>
+              <a:rPr lang="en-US" altLang="ko-KR" sz="1800" dirty="0" smtClean="0"/>
+              <a:t/>
+            </a:r>
+            <a:br>
+              <a:rPr lang="en-US" altLang="ko-KR" sz="1800" dirty="0" smtClean="0"/>
+            </a:br>
+            <a:r>
+              <a:rPr lang="en-US" altLang="ko-KR" sz="1800" dirty="0" smtClean="0"/>
+              <a:t>- </a:t>
+            </a:r>
+            <a:r>
+              <a:rPr lang="en-US" altLang="ko-KR" sz="1800" dirty="0" smtClean="0"/>
+              <a:t>Hierarchical clustering : </a:t>
+            </a:r>
+            <a:r>
+              <a:rPr lang="ko-KR" altLang="en-US" sz="1800" dirty="0" smtClean="0"/>
+              <a:t>타</a:t>
+            </a:r>
+            <a:r>
+              <a:rPr lang="en-US" altLang="ko-KR" sz="1800" dirty="0"/>
+              <a:t> </a:t>
+            </a:r>
+            <a:r>
+              <a:rPr lang="en-US" altLang="ko-KR" sz="1800" dirty="0" smtClean="0"/>
+              <a:t>sample </a:t>
+            </a:r>
+            <a:r>
+              <a:rPr lang="ko-KR" altLang="en-US" sz="1800" dirty="0" smtClean="0"/>
+              <a:t>과의 </a:t>
+            </a:r>
+            <a:r>
+              <a:rPr lang="en-US" altLang="ko-KR" sz="1800" dirty="0" smtClean="0"/>
+              <a:t>correlation </a:t>
+            </a:r>
+            <a:r>
+              <a:rPr lang="ko-KR" altLang="en-US" sz="1800" dirty="0" smtClean="0"/>
+              <a:t>값을 기반으로 한 </a:t>
+            </a:r>
+            <a:r>
+              <a:rPr lang="en-US" altLang="ko-KR" sz="1800" dirty="0" smtClean="0"/>
+              <a:t>clustering </a:t>
+            </a:r>
+            <a:br>
+              <a:rPr lang="en-US" altLang="ko-KR" sz="1800" dirty="0" smtClean="0"/>
+            </a:br>
+            <a:r>
+              <a:rPr lang="en-US" altLang="ko-KR" sz="1800" dirty="0" smtClean="0"/>
+              <a:t>- </a:t>
+            </a:r>
+            <a:r>
+              <a:rPr lang="ko-KR" altLang="en-US" sz="1800" b="1" dirty="0" smtClean="0">
                 <a:solidFill>
                   <a:srgbClr val="FF0000"/>
                 </a:solidFill>
               </a:rPr>
-              <a:t>* package </a:t>
-            </a:r>
-            <a:r>
-              <a:rPr lang="ko-KR" altLang="en-US" sz="1600" b="1" dirty="0">
+              <a:t>높은</a:t>
+            </a:r>
+            <a:r>
+              <a:rPr lang="ko-KR" altLang="en-US" sz="1800" dirty="0" smtClean="0"/>
+              <a:t> </a:t>
+            </a:r>
+            <a:r>
+              <a:rPr lang="en-US" altLang="ko-KR" sz="1800" dirty="0" smtClean="0"/>
+              <a:t>correlation</a:t>
+            </a:r>
+            <a:r>
+              <a:rPr lang="ko-KR" altLang="en-US" sz="1800" dirty="0" smtClean="0"/>
+              <a:t> </a:t>
+            </a:r>
+            <a:r>
+              <a:rPr lang="en-US" altLang="ko-KR" sz="1800" dirty="0" smtClean="0"/>
+              <a:t>= 1</a:t>
+            </a:r>
+            <a:r>
+              <a:rPr lang="ko-KR" altLang="en-US" sz="1800" dirty="0" smtClean="0"/>
+              <a:t>에</a:t>
+            </a:r>
+            <a:r>
+              <a:rPr lang="en-US" altLang="ko-KR" sz="1800" dirty="0" smtClean="0"/>
+              <a:t> </a:t>
+            </a:r>
+            <a:r>
+              <a:rPr lang="ko-KR" altLang="en-US" sz="1800" dirty="0" smtClean="0"/>
+              <a:t>가까워짐</a:t>
+            </a:r>
+            <a:r>
+              <a:rPr lang="en-US" altLang="ko-KR" sz="1800" dirty="0"/>
+              <a:t> </a:t>
+            </a:r>
+            <a:r>
+              <a:rPr lang="en-US" altLang="ko-KR" sz="1800" dirty="0" smtClean="0"/>
+              <a:t>/ </a:t>
+            </a:r>
+            <a:r>
+              <a:rPr lang="ko-KR" altLang="en-US" sz="1800" b="1" dirty="0" smtClean="0">
                 <a:solidFill>
-                  <a:srgbClr val="FF0000"/>
+                  <a:srgbClr val="0070C0"/>
                 </a:solidFill>
               </a:rPr>
-              <a:t>및 </a:t>
-            </a:r>
-            <a:r>
-              <a:rPr lang="en-US" altLang="ko-KR" sz="1600" b="1" dirty="0">
+              <a:t>낮은</a:t>
+            </a:r>
+            <a:r>
+              <a:rPr lang="ko-KR" altLang="en-US" sz="1800" dirty="0" smtClean="0"/>
+              <a:t> </a:t>
+            </a:r>
+            <a:r>
+              <a:rPr lang="en-US" altLang="ko-KR" sz="1800" dirty="0" smtClean="0"/>
+              <a:t>correlation = 0</a:t>
+            </a:r>
+            <a:r>
+              <a:rPr lang="ko-KR" altLang="en-US" sz="1800" dirty="0" smtClean="0"/>
+              <a:t>에</a:t>
+            </a:r>
+            <a:r>
+              <a:rPr lang="en-US" altLang="ko-KR" sz="1800" dirty="0" smtClean="0"/>
+              <a:t> </a:t>
+            </a:r>
+            <a:r>
+              <a:rPr lang="ko-KR" altLang="en-US" sz="1800" dirty="0" smtClean="0"/>
+              <a:t>가까워짐</a:t>
+            </a:r>
+            <a:endParaRPr lang="en-US" altLang="ko-KR" sz="1800" dirty="0"/>
+          </a:p>
+        </p:txBody>
+      </p:sp>
+      <p:sp>
+        <p:nvSpPr>
+          <p:cNvPr id="8" name="TextBox 7"/>
+          <p:cNvSpPr txBox="1"/>
+          <p:nvPr/>
+        </p:nvSpPr>
+        <p:spPr>
+          <a:xfrm>
+            <a:off x="5264273" y="3091118"/>
+            <a:ext cx="6625532" cy="2308324"/>
+          </a:xfrm>
+          <a:prstGeom prst="rect">
+            <a:avLst/>
+          </a:prstGeom>
+          <a:noFill/>
+        </p:spPr>
+        <p:txBody>
+          <a:bodyPr wrap="none" rtlCol="0">
+            <a:spAutoFit/>
+          </a:bodyPr>
+          <a:lstStyle/>
+          <a:p>
+            <a:pPr>
+              <a:lnSpc>
+                <a:spcPct val="150000"/>
+              </a:lnSpc>
+            </a:pPr>
+            <a:r>
+              <a:rPr lang="en-US" altLang="ko-KR" sz="1600" b="1" dirty="0" smtClean="0"/>
+              <a:t>&gt; Correlation </a:t>
+            </a:r>
+            <a:r>
+              <a:rPr lang="ko-KR" altLang="en-US" sz="1600" b="1" dirty="0" smtClean="0"/>
+              <a:t>결과 해석 예시</a:t>
+            </a:r>
+            <a:endParaRPr lang="en-US" altLang="ko-KR" sz="1600" b="1" dirty="0" smtClean="0"/>
+          </a:p>
+          <a:p>
+            <a:pPr marL="285750" indent="-285750">
+              <a:lnSpc>
+                <a:spcPct val="150000"/>
+              </a:lnSpc>
+              <a:buFont typeface="Arial" panose="020B0604020202020204" pitchFamily="34" charset="0"/>
+              <a:buChar char="•"/>
+            </a:pPr>
+            <a:r>
+              <a:rPr lang="en-US" altLang="ko-KR" sz="1600" dirty="0" smtClean="0">
                 <a:solidFill>
-                  <a:srgbClr val="FF0000"/>
+                  <a:schemeClr val="accent2"/>
                 </a:solidFill>
               </a:rPr>
-              <a:t>input data </a:t>
-            </a:r>
-            <a:r>
-              <a:rPr lang="ko-KR" altLang="en-US" sz="1600" b="1" dirty="0">
+              <a:t>Day8</a:t>
+            </a:r>
+            <a:r>
+              <a:rPr lang="en-US" altLang="ko-KR" sz="1600" dirty="0" smtClean="0"/>
+              <a:t>, </a:t>
+            </a:r>
+            <a:r>
+              <a:rPr lang="en-US" altLang="ko-KR" sz="1600" dirty="0" smtClean="0">
                 <a:solidFill>
-                  <a:srgbClr val="FF0000"/>
+                  <a:srgbClr val="00B050"/>
                 </a:solidFill>
               </a:rPr>
-              <a:t>불러오는 코드 먼저 실행 후 진행해주세요</a:t>
-            </a:r>
-            <a:r>
-              <a:rPr lang="en-US" altLang="ko-KR" sz="1600" b="1" dirty="0">
-                <a:solidFill>
-                  <a:srgbClr val="FF0000"/>
-                </a:solidFill>
-              </a:rPr>
-              <a:t> *</a:t>
-            </a:r>
+              <a:t>Day12</a:t>
+            </a:r>
+            <a:r>
+              <a:rPr lang="en-US" altLang="ko-KR" sz="1600" dirty="0" smtClean="0"/>
+              <a:t> </a:t>
+            </a:r>
+            <a:r>
+              <a:rPr lang="ko-KR" altLang="en-US" sz="1600" dirty="0" smtClean="0"/>
+              <a:t>간에 유사하게 묶이는 것이 보여짐 </a:t>
+            </a:r>
+            <a:r>
+              <a:rPr lang="en-US" altLang="ko-KR" sz="1600" dirty="0" smtClean="0"/>
+              <a:t>(PCA </a:t>
+            </a:r>
+            <a:r>
+              <a:rPr lang="ko-KR" altLang="en-US" sz="1600" dirty="0" smtClean="0"/>
+              <a:t>결과와 일치</a:t>
+            </a:r>
+            <a:r>
+              <a:rPr lang="en-US" altLang="ko-KR" sz="1600" dirty="0" smtClean="0"/>
+              <a:t>)</a:t>
+            </a:r>
+          </a:p>
+          <a:p>
+            <a:pPr marL="285750" indent="-285750">
+              <a:lnSpc>
+                <a:spcPct val="150000"/>
+              </a:lnSpc>
+              <a:buFont typeface="Arial" panose="020B0604020202020204" pitchFamily="34" charset="0"/>
+              <a:buChar char="•"/>
+            </a:pPr>
+            <a:r>
+              <a:rPr lang="ko-KR" altLang="en-US" sz="1600" dirty="0" smtClean="0"/>
+              <a:t>모든 샘플이 </a:t>
+            </a:r>
+            <a:r>
+              <a:rPr lang="en-US" altLang="ko-KR" sz="1600" dirty="0" smtClean="0"/>
+              <a:t>0.8 </a:t>
+            </a:r>
+            <a:r>
+              <a:rPr lang="ko-KR" altLang="en-US" sz="1600" dirty="0" smtClean="0"/>
+              <a:t>이상의 </a:t>
+            </a:r>
+            <a:r>
+              <a:rPr lang="ko-KR" altLang="en-US" sz="1600" dirty="0" err="1" smtClean="0"/>
+              <a:t>유사도를</a:t>
+            </a:r>
+            <a:r>
+              <a:rPr lang="ko-KR" altLang="en-US" sz="1600" dirty="0" smtClean="0"/>
+              <a:t> 보이는데</a:t>
+            </a:r>
+            <a:r>
+              <a:rPr lang="en-US" altLang="ko-KR" sz="1600" dirty="0" smtClean="0"/>
+              <a:t>, </a:t>
+            </a:r>
+            <a:r>
+              <a:rPr lang="en-US" altLang="ko-KR" sz="1600" dirty="0"/>
+              <a:t/>
+            </a:r>
+            <a:br>
+              <a:rPr lang="en-US" altLang="ko-KR" sz="1600" dirty="0"/>
+            </a:br>
+            <a:r>
+              <a:rPr lang="ko-KR" altLang="en-US" sz="1600" dirty="0" smtClean="0"/>
+              <a:t>근본적인</a:t>
+            </a:r>
+            <a:r>
+              <a:rPr lang="en-US" altLang="ko-KR" sz="1600" dirty="0" smtClean="0"/>
+              <a:t> cell</a:t>
+            </a:r>
+            <a:r>
+              <a:rPr lang="ko-KR" altLang="en-US" sz="1600" dirty="0" smtClean="0"/>
+              <a:t>의 기능이 유사하기 때문에 나타나는 것임</a:t>
+            </a:r>
+            <a:endParaRPr lang="en-US" altLang="ko-KR" sz="1600" dirty="0"/>
+          </a:p>
+          <a:p>
+            <a:pPr marL="285750" indent="-285750">
+              <a:lnSpc>
+                <a:spcPct val="150000"/>
+              </a:lnSpc>
+              <a:buFont typeface="Arial" panose="020B0604020202020204" pitchFamily="34" charset="0"/>
+              <a:buChar char="•"/>
+            </a:pPr>
+            <a:r>
+              <a:rPr lang="ko-KR" altLang="en-US" sz="1600" dirty="0" smtClean="0"/>
+              <a:t>너무 적은 </a:t>
+            </a:r>
+            <a:r>
+              <a:rPr lang="ko-KR" altLang="en-US" sz="1600" dirty="0" err="1" smtClean="0"/>
+              <a:t>유사도를</a:t>
+            </a:r>
+            <a:r>
+              <a:rPr lang="ko-KR" altLang="en-US" sz="1600" dirty="0" smtClean="0"/>
+              <a:t> 보이는 </a:t>
+            </a:r>
+            <a:r>
+              <a:rPr lang="en-US" altLang="ko-KR" sz="1600" dirty="0" smtClean="0"/>
+              <a:t>data</a:t>
+            </a:r>
+            <a:r>
+              <a:rPr lang="ko-KR" altLang="en-US" sz="1600" dirty="0" smtClean="0"/>
+              <a:t>의 경우</a:t>
+            </a:r>
+            <a:r>
+              <a:rPr lang="en-US" altLang="ko-KR" sz="1600" dirty="0" smtClean="0"/>
+              <a:t>,</a:t>
+            </a:r>
+            <a:br>
+              <a:rPr lang="en-US" altLang="ko-KR" sz="1600" dirty="0" smtClean="0"/>
+            </a:br>
+            <a:r>
+              <a:rPr lang="ko-KR" altLang="en-US" sz="1600" dirty="0" smtClean="0"/>
+              <a:t>실험 과정 혹은 </a:t>
+            </a:r>
+            <a:r>
+              <a:rPr lang="en-US" altLang="ko-KR" sz="1600" dirty="0" smtClean="0"/>
+              <a:t>pre-processing </a:t>
+            </a:r>
+            <a:r>
+              <a:rPr lang="ko-KR" altLang="en-US" sz="1600" dirty="0" smtClean="0"/>
+              <a:t>과정의 점검이 필요함</a:t>
+            </a:r>
+            <a:endParaRPr lang="en-US" altLang="ko-KR" sz="1600" dirty="0" smtClean="0"/>
           </a:p>
         </p:txBody>
       </p:sp>
       <p:pic>
         <p:nvPicPr>
-          <p:cNvPr id="5" name="그림 4"/>
+          <p:cNvPr id="11" name="그림 10"/>
           <p:cNvPicPr>
             <a:picLocks noChangeAspect="1"/>
           </p:cNvPicPr>
@@ -7004,8 +9114,8 @@
         </p:blipFill>
         <p:spPr>
           <a:xfrm>
-            <a:off x="8935436" y="4066163"/>
-            <a:ext cx="3038592" cy="2568100"/>
+            <a:off x="608559" y="2971106"/>
+            <a:ext cx="4245543" cy="3588168"/>
           </a:xfrm>
           <a:prstGeom prst="rect">
             <a:avLst/>
@@ -7026,313 +9136,14 @@
       </p:pic>
       <p:sp>
         <p:nvSpPr>
-          <p:cNvPr id="20" name="TextBox 19"/>
-          <p:cNvSpPr txBox="1"/>
-          <p:nvPr/>
-        </p:nvSpPr>
-        <p:spPr>
-          <a:xfrm>
-            <a:off x="9988457" y="3675683"/>
-            <a:ext cx="780150" cy="412421"/>
-          </a:xfrm>
-          <a:prstGeom prst="rect">
-            <a:avLst/>
-          </a:prstGeom>
-          <a:noFill/>
-        </p:spPr>
-        <p:txBody>
-          <a:bodyPr wrap="none" rtlCol="0">
-            <a:spAutoFit/>
-          </a:bodyPr>
-          <a:lstStyle/>
-          <a:p>
-            <a:pPr>
-              <a:lnSpc>
-                <a:spcPct val="130000"/>
-              </a:lnSpc>
-            </a:pPr>
-            <a:r>
-              <a:rPr lang="en-US" altLang="ko-KR" sz="1600" b="1" dirty="0"/>
-              <a:t>Result</a:t>
-            </a:r>
-            <a:endParaRPr lang="en-US" altLang="ko-KR" sz="1600" dirty="0"/>
-          </a:p>
-        </p:txBody>
-      </p:sp>
-      <p:pic>
-        <p:nvPicPr>
-          <p:cNvPr id="9" name="그림 8"/>
-          <p:cNvPicPr>
-            <a:picLocks noChangeAspect="1"/>
-          </p:cNvPicPr>
-          <p:nvPr/>
-        </p:nvPicPr>
-        <p:blipFill>
-          <a:blip r:embed="rId4"/>
-          <a:stretch>
-            <a:fillRect/>
-          </a:stretch>
-        </p:blipFill>
-        <p:spPr>
-          <a:xfrm>
-            <a:off x="290973" y="2473055"/>
-            <a:ext cx="6160087" cy="2405906"/>
-          </a:xfrm>
-          <a:prstGeom prst="rect">
-            <a:avLst/>
-          </a:prstGeom>
-        </p:spPr>
-      </p:pic>
-      <p:sp>
-        <p:nvSpPr>
-          <p:cNvPr id="31" name="오른쪽 중괄호 30"/>
+          <p:cNvPr id="12" name="직사각형 11"/>
           <p:cNvSpPr/>
           <p:nvPr/>
         </p:nvSpPr>
         <p:spPr>
           <a:xfrm>
-            <a:off x="6336024" y="2628599"/>
-            <a:ext cx="1225685" cy="276225"/>
-          </a:xfrm>
-          <a:prstGeom prst="rightBrace">
-            <a:avLst>
-              <a:gd name="adj1" fmla="val 0"/>
-              <a:gd name="adj2" fmla="val 50000"/>
-            </a:avLst>
-          </a:prstGeom>
-          <a:ln w="22225">
-            <a:solidFill>
-              <a:srgbClr val="002060"/>
-            </a:solidFill>
-          </a:ln>
-        </p:spPr>
-        <p:style>
-          <a:lnRef idx="1">
-            <a:schemeClr val="accent1"/>
-          </a:lnRef>
-          <a:fillRef idx="0">
-            <a:schemeClr val="accent1"/>
-          </a:fillRef>
-          <a:effectRef idx="0">
-            <a:schemeClr val="accent1"/>
-          </a:effectRef>
-          <a:fontRef idx="minor">
-            <a:schemeClr val="tx1"/>
-          </a:fontRef>
-        </p:style>
-        <p:txBody>
-          <a:bodyPr rtlCol="0" anchor="ctr"/>
-          <a:lstStyle/>
-          <a:p>
-            <a:pPr algn="ctr"/>
-            <a:endParaRPr lang="ko-KR" altLang="en-US"/>
-          </a:p>
-        </p:txBody>
-      </p:sp>
-      <p:sp>
-        <p:nvSpPr>
-          <p:cNvPr id="32" name="TextBox 31"/>
-          <p:cNvSpPr txBox="1"/>
-          <p:nvPr/>
-        </p:nvSpPr>
-        <p:spPr>
-          <a:xfrm>
-            <a:off x="7632013" y="2578165"/>
-            <a:ext cx="2095638" cy="377091"/>
-          </a:xfrm>
-          <a:prstGeom prst="rect">
-            <a:avLst/>
-          </a:prstGeom>
-          <a:noFill/>
-        </p:spPr>
-        <p:txBody>
-          <a:bodyPr wrap="none" rtlCol="0">
-            <a:spAutoFit/>
-          </a:bodyPr>
-          <a:lstStyle/>
-          <a:p>
-            <a:pPr>
-              <a:lnSpc>
-                <a:spcPct val="130000"/>
-              </a:lnSpc>
-            </a:pPr>
-            <a:r>
-              <a:rPr lang="en-US" altLang="ko-KR" sz="1600" dirty="0"/>
-              <a:t>Calculate correlation</a:t>
-            </a:r>
-          </a:p>
-        </p:txBody>
-      </p:sp>
-      <p:sp>
-        <p:nvSpPr>
-          <p:cNvPr id="33" name="오른쪽 중괄호 32"/>
-          <p:cNvSpPr/>
-          <p:nvPr/>
-        </p:nvSpPr>
-        <p:spPr>
-          <a:xfrm>
-            <a:off x="6336024" y="3020547"/>
-            <a:ext cx="1225685" cy="1217066"/>
-          </a:xfrm>
-          <a:prstGeom prst="rightBrace">
-            <a:avLst>
-              <a:gd name="adj1" fmla="val 0"/>
-              <a:gd name="adj2" fmla="val 50000"/>
-            </a:avLst>
-          </a:prstGeom>
-          <a:ln w="22225">
-            <a:solidFill>
-              <a:srgbClr val="002060"/>
-            </a:solidFill>
-          </a:ln>
-        </p:spPr>
-        <p:style>
-          <a:lnRef idx="1">
-            <a:schemeClr val="accent1"/>
-          </a:lnRef>
-          <a:fillRef idx="0">
-            <a:schemeClr val="accent1"/>
-          </a:fillRef>
-          <a:effectRef idx="0">
-            <a:schemeClr val="accent1"/>
-          </a:effectRef>
-          <a:fontRef idx="minor">
-            <a:schemeClr val="tx1"/>
-          </a:fontRef>
-        </p:style>
-        <p:txBody>
-          <a:bodyPr rtlCol="0" anchor="ctr"/>
-          <a:lstStyle/>
-          <a:p>
-            <a:pPr algn="ctr"/>
-            <a:endParaRPr lang="ko-KR" altLang="en-US"/>
-          </a:p>
-        </p:txBody>
-      </p:sp>
-      <p:sp>
-        <p:nvSpPr>
-          <p:cNvPr id="34" name="TextBox 33"/>
-          <p:cNvSpPr txBox="1"/>
-          <p:nvPr/>
-        </p:nvSpPr>
-        <p:spPr>
-          <a:xfrm>
-            <a:off x="7632013" y="3451501"/>
-            <a:ext cx="1103187" cy="377091"/>
-          </a:xfrm>
-          <a:prstGeom prst="rect">
-            <a:avLst/>
-          </a:prstGeom>
-          <a:noFill/>
-        </p:spPr>
-        <p:txBody>
-          <a:bodyPr wrap="none" rtlCol="0">
-            <a:spAutoFit/>
-          </a:bodyPr>
-          <a:lstStyle/>
-          <a:p>
-            <a:pPr>
-              <a:lnSpc>
-                <a:spcPct val="130000"/>
-              </a:lnSpc>
-            </a:pPr>
-            <a:r>
-              <a:rPr lang="en-US" altLang="ko-KR" sz="1600" dirty="0"/>
-              <a:t>Draw plot</a:t>
-            </a:r>
-          </a:p>
-        </p:txBody>
-      </p:sp>
-      <p:sp>
-        <p:nvSpPr>
-          <p:cNvPr id="35" name="오른쪽 중괄호 34"/>
-          <p:cNvSpPr/>
-          <p:nvPr/>
-        </p:nvSpPr>
-        <p:spPr>
-          <a:xfrm>
-            <a:off x="6336023" y="4295887"/>
-            <a:ext cx="1225685" cy="398233"/>
-          </a:xfrm>
-          <a:prstGeom prst="rightBrace">
-            <a:avLst>
-              <a:gd name="adj1" fmla="val 0"/>
-              <a:gd name="adj2" fmla="val 50000"/>
-            </a:avLst>
-          </a:prstGeom>
-          <a:ln w="22225">
-            <a:solidFill>
-              <a:srgbClr val="002060"/>
-            </a:solidFill>
-          </a:ln>
-        </p:spPr>
-        <p:style>
-          <a:lnRef idx="1">
-            <a:schemeClr val="accent1"/>
-          </a:lnRef>
-          <a:fillRef idx="0">
-            <a:schemeClr val="accent1"/>
-          </a:fillRef>
-          <a:effectRef idx="0">
-            <a:schemeClr val="accent1"/>
-          </a:effectRef>
-          <a:fontRef idx="minor">
-            <a:schemeClr val="tx1"/>
-          </a:fontRef>
-        </p:style>
-        <p:txBody>
-          <a:bodyPr rtlCol="0" anchor="ctr"/>
-          <a:lstStyle/>
-          <a:p>
-            <a:pPr algn="ctr"/>
-            <a:endParaRPr lang="ko-KR" altLang="en-US"/>
-          </a:p>
-        </p:txBody>
-      </p:sp>
-      <p:sp>
-        <p:nvSpPr>
-          <p:cNvPr id="36" name="TextBox 35"/>
-          <p:cNvSpPr txBox="1"/>
-          <p:nvPr/>
-        </p:nvSpPr>
-        <p:spPr>
-          <a:xfrm>
-            <a:off x="7632013" y="4317029"/>
-            <a:ext cx="1053815" cy="377091"/>
-          </a:xfrm>
-          <a:prstGeom prst="rect">
-            <a:avLst/>
-          </a:prstGeom>
-          <a:noFill/>
-        </p:spPr>
-        <p:txBody>
-          <a:bodyPr wrap="none" rtlCol="0">
-            <a:spAutoFit/>
-          </a:bodyPr>
-          <a:lstStyle/>
-          <a:p>
-            <a:pPr>
-              <a:lnSpc>
-                <a:spcPct val="130000"/>
-              </a:lnSpc>
-            </a:pPr>
-            <a:r>
-              <a:rPr lang="en-US" altLang="ko-KR" sz="1600" dirty="0"/>
-              <a:t>Save plot</a:t>
-            </a:r>
-          </a:p>
-        </p:txBody>
-      </p:sp>
-      <p:sp>
-        <p:nvSpPr>
-          <p:cNvPr id="37" name="직사각형 36"/>
-          <p:cNvSpPr/>
-          <p:nvPr/>
-        </p:nvSpPr>
-        <p:spPr>
-          <a:xfrm>
-            <a:off x="1201643" y="2649868"/>
-            <a:ext cx="469995" cy="195583"/>
+            <a:off x="3374053" y="2915440"/>
+            <a:ext cx="846131" cy="294689"/>
           </a:xfrm>
           <a:prstGeom prst="rect">
             <a:avLst/>
@@ -7375,26 +9186,26 @@
       </p:sp>
       <p:sp>
         <p:nvSpPr>
-          <p:cNvPr id="38" name="직사각형 37"/>
+          <p:cNvPr id="13" name="직사각형 12"/>
           <p:cNvSpPr/>
           <p:nvPr/>
         </p:nvSpPr>
         <p:spPr>
           <a:xfrm>
-            <a:off x="2011269" y="2976385"/>
-            <a:ext cx="515238" cy="195583"/>
+            <a:off x="2613349" y="2915441"/>
+            <a:ext cx="731520" cy="294688"/>
           </a:xfrm>
           <a:prstGeom prst="rect">
             <a:avLst/>
           </a:prstGeom>
           <a:solidFill>
-            <a:schemeClr val="accent2">
+            <a:srgbClr val="00B050">
               <a:alpha val="20000"/>
-            </a:schemeClr>
+            </a:srgbClr>
           </a:solidFill>
           <a:ln w="25400">
             <a:solidFill>
-              <a:schemeClr val="accent2"/>
+              <a:srgbClr val="00B050"/>
             </a:solidFill>
           </a:ln>
         </p:spPr>
@@ -7425,26 +9236,26 @@
       </p:sp>
       <p:sp>
         <p:nvSpPr>
-          <p:cNvPr id="39" name="직사각형 38"/>
+          <p:cNvPr id="14" name="직사각형 13"/>
           <p:cNvSpPr/>
           <p:nvPr/>
         </p:nvSpPr>
         <p:spPr>
           <a:xfrm>
-            <a:off x="611094" y="4467048"/>
-            <a:ext cx="515238" cy="195583"/>
+            <a:off x="2613349" y="6131292"/>
+            <a:ext cx="731520" cy="399882"/>
           </a:xfrm>
           <a:prstGeom prst="rect">
             <a:avLst/>
           </a:prstGeom>
           <a:solidFill>
-            <a:schemeClr val="accent2">
+            <a:srgbClr val="00B050">
               <a:alpha val="20000"/>
-            </a:schemeClr>
+            </a:srgbClr>
           </a:solidFill>
           <a:ln w="25400">
             <a:solidFill>
-              <a:schemeClr val="accent2"/>
+              <a:srgbClr val="00B050"/>
             </a:solidFill>
           </a:ln>
         </p:spPr>
@@ -7475,14 +9286,14 @@
       </p:sp>
       <p:sp>
         <p:nvSpPr>
-          <p:cNvPr id="17" name="직사각형 16"/>
+          <p:cNvPr id="15" name="직사각형 14"/>
           <p:cNvSpPr/>
           <p:nvPr/>
         </p:nvSpPr>
         <p:spPr>
           <a:xfrm>
-            <a:off x="286310" y="2142147"/>
-            <a:ext cx="1481327" cy="195583"/>
+            <a:off x="3374053" y="6131292"/>
+            <a:ext cx="846131" cy="399882"/>
           </a:xfrm>
           <a:prstGeom prst="rect">
             <a:avLst/>
@@ -7519,40 +9330,27 @@
           <a:lstStyle/>
           <a:p>
             <a:pPr algn="ctr"/>
-            <a:r>
-              <a:rPr lang="ko-KR" altLang="en-US" sz="1100" b="1" dirty="0" smtClean="0">
-                <a:solidFill>
-                  <a:schemeClr val="tx1"/>
-                </a:solidFill>
-              </a:rPr>
-              <a:t>빈칸을 채워주세요 </a:t>
-            </a:r>
-            <a:r>
-              <a:rPr lang="en-US" altLang="ko-KR" sz="1100" b="1" dirty="0" smtClean="0">
-                <a:solidFill>
-                  <a:schemeClr val="tx1"/>
-                </a:solidFill>
-              </a:rPr>
-              <a:t>!</a:t>
-            </a:r>
-            <a:endParaRPr lang="ko-KR" altLang="en-US" sz="1100" b="1" dirty="0">
-              <a:solidFill>
-                <a:schemeClr val="tx1"/>
-              </a:solidFill>
-            </a:endParaRPr>
+            <a:endParaRPr lang="ko-KR" altLang="en-US"/>
           </a:p>
         </p:txBody>
       </p:sp>
     </p:spTree>
     <p:extLst>
       <p:ext uri="{BB962C8B-B14F-4D97-AF65-F5344CB8AC3E}">
-        <p14:creationId xmlns:p14="http://schemas.microsoft.com/office/powerpoint/2010/main" val="3242692751"/>
+        <p14:creationId xmlns:p14="http://schemas.microsoft.com/office/powerpoint/2010/main" val="2211272663"/>
       </p:ext>
     </p:extLst>
   </p:cSld>
   <p:clrMapOvr>
     <a:masterClrMapping/>
   </p:clrMapOvr>
+  <p:timing>
+    <p:tnLst>
+      <p:par>
+        <p:cTn id="1" dur="indefinite" restart="never" nodeType="tmRoot"/>
+      </p:par>
+    </p:tnLst>
+  </p:timing>
 </p:sld>
 </file>
 
@@ -7595,7 +9393,7 @@
           <a:p>
             <a:r>
               <a:rPr lang="en-US" altLang="ko-KR" dirty="0"/>
-              <a:t>DEG Analysis</a:t>
+              <a:t>PCA &amp; Correlation plot</a:t>
             </a:r>
             <a:endParaRPr lang="ko-KR" altLang="en-US" dirty="0"/>
           </a:p>
@@ -7661,6 +9459,1548 @@
             </a:pPr>
             <a:r>
               <a:rPr lang="en-US" altLang="ko-KR" sz="1800" b="1" dirty="0"/>
+              <a:t>&gt;PCA</a:t>
+            </a:r>
+            <a:r>
+              <a:rPr lang="en-US" altLang="ko-KR" sz="1800" dirty="0"/>
+              <a:t> (Principal Component Analysis, </a:t>
+            </a:r>
+            <a:r>
+              <a:rPr lang="ko-KR" altLang="en-US" sz="1800" dirty="0"/>
+              <a:t>주성분 분석</a:t>
+            </a:r>
+            <a:r>
+              <a:rPr lang="en-US" altLang="ko-KR" sz="1800" dirty="0"/>
+              <a:t>)</a:t>
+            </a:r>
+          </a:p>
+          <a:p>
+            <a:pPr marL="0" indent="0">
+              <a:lnSpc>
+                <a:spcPct val="130000"/>
+              </a:lnSpc>
+              <a:buNone/>
+            </a:pPr>
+            <a:r>
+              <a:rPr lang="en-US" altLang="ko-KR" sz="1600" b="1" dirty="0">
+                <a:solidFill>
+                  <a:srgbClr val="FF0000"/>
+                </a:solidFill>
+              </a:rPr>
+              <a:t>* package </a:t>
+            </a:r>
+            <a:r>
+              <a:rPr lang="ko-KR" altLang="en-US" sz="1600" b="1" dirty="0">
+                <a:solidFill>
+                  <a:srgbClr val="FF0000"/>
+                </a:solidFill>
+              </a:rPr>
+              <a:t>및 </a:t>
+            </a:r>
+            <a:r>
+              <a:rPr lang="en-US" altLang="ko-KR" sz="1600" b="1" dirty="0">
+                <a:solidFill>
+                  <a:srgbClr val="FF0000"/>
+                </a:solidFill>
+              </a:rPr>
+              <a:t>input data </a:t>
+            </a:r>
+            <a:r>
+              <a:rPr lang="ko-KR" altLang="en-US" sz="1600" b="1" dirty="0">
+                <a:solidFill>
+                  <a:srgbClr val="FF0000"/>
+                </a:solidFill>
+              </a:rPr>
+              <a:t>불러오는 코드 먼저 실행 후 진행해주세요</a:t>
+            </a:r>
+            <a:r>
+              <a:rPr lang="en-US" altLang="ko-KR" sz="1600" b="1" dirty="0">
+                <a:solidFill>
+                  <a:srgbClr val="FF0000"/>
+                </a:solidFill>
+              </a:rPr>
+              <a:t> *</a:t>
+            </a:r>
+          </a:p>
+        </p:txBody>
+      </p:sp>
+      <p:pic>
+        <p:nvPicPr>
+          <p:cNvPr id="7" name="그림 6"/>
+          <p:cNvPicPr>
+            <a:picLocks noChangeAspect="1"/>
+          </p:cNvPicPr>
+          <p:nvPr/>
+        </p:nvPicPr>
+        <p:blipFill>
+          <a:blip r:embed="rId3"/>
+          <a:stretch>
+            <a:fillRect/>
+          </a:stretch>
+        </p:blipFill>
+        <p:spPr>
+          <a:xfrm>
+            <a:off x="2189720" y="4999967"/>
+            <a:ext cx="3380972" cy="1543707"/>
+          </a:xfrm>
+          <a:prstGeom prst="rect">
+            <a:avLst/>
+          </a:prstGeom>
+        </p:spPr>
+      </p:pic>
+      <p:pic>
+        <p:nvPicPr>
+          <p:cNvPr id="8" name="그림 7"/>
+          <p:cNvPicPr>
+            <a:picLocks noChangeAspect="1"/>
+          </p:cNvPicPr>
+          <p:nvPr/>
+        </p:nvPicPr>
+        <p:blipFill>
+          <a:blip r:embed="rId4"/>
+          <a:stretch>
+            <a:fillRect/>
+          </a:stretch>
+        </p:blipFill>
+        <p:spPr>
+          <a:xfrm>
+            <a:off x="286310" y="2473304"/>
+            <a:ext cx="6007486" cy="2317428"/>
+          </a:xfrm>
+          <a:prstGeom prst="rect">
+            <a:avLst/>
+          </a:prstGeom>
+        </p:spPr>
+      </p:pic>
+      <p:sp>
+        <p:nvSpPr>
+          <p:cNvPr id="10" name="오른쪽 중괄호 9"/>
+          <p:cNvSpPr/>
+          <p:nvPr/>
+        </p:nvSpPr>
+        <p:spPr>
+          <a:xfrm>
+            <a:off x="5953327" y="2633945"/>
+            <a:ext cx="1225685" cy="374828"/>
+          </a:xfrm>
+          <a:prstGeom prst="rightBrace">
+            <a:avLst>
+              <a:gd name="adj1" fmla="val 0"/>
+              <a:gd name="adj2" fmla="val 50000"/>
+            </a:avLst>
+          </a:prstGeom>
+          <a:ln w="22225">
+            <a:solidFill>
+              <a:srgbClr val="002060"/>
+            </a:solidFill>
+          </a:ln>
+        </p:spPr>
+        <p:style>
+          <a:lnRef idx="1">
+            <a:schemeClr val="accent1"/>
+          </a:lnRef>
+          <a:fillRef idx="0">
+            <a:schemeClr val="accent1"/>
+          </a:fillRef>
+          <a:effectRef idx="0">
+            <a:schemeClr val="accent1"/>
+          </a:effectRef>
+          <a:fontRef idx="minor">
+            <a:schemeClr val="tx1"/>
+          </a:fontRef>
+        </p:style>
+        <p:txBody>
+          <a:bodyPr rtlCol="0" anchor="ctr"/>
+          <a:lstStyle/>
+          <a:p>
+            <a:pPr algn="ctr"/>
+            <a:endParaRPr lang="ko-KR" altLang="en-US"/>
+          </a:p>
+        </p:txBody>
+      </p:sp>
+      <p:sp>
+        <p:nvSpPr>
+          <p:cNvPr id="21" name="오른쪽 중괄호 20"/>
+          <p:cNvSpPr/>
+          <p:nvPr/>
+        </p:nvSpPr>
+        <p:spPr>
+          <a:xfrm>
+            <a:off x="5953814" y="3062057"/>
+            <a:ext cx="1225198" cy="1129958"/>
+          </a:xfrm>
+          <a:prstGeom prst="rightBrace">
+            <a:avLst>
+              <a:gd name="adj1" fmla="val 0"/>
+              <a:gd name="adj2" fmla="val 50000"/>
+            </a:avLst>
+          </a:prstGeom>
+          <a:ln w="22225">
+            <a:solidFill>
+              <a:srgbClr val="002060"/>
+            </a:solidFill>
+          </a:ln>
+        </p:spPr>
+        <p:style>
+          <a:lnRef idx="1">
+            <a:schemeClr val="accent1"/>
+          </a:lnRef>
+          <a:fillRef idx="0">
+            <a:schemeClr val="accent1"/>
+          </a:fillRef>
+          <a:effectRef idx="0">
+            <a:schemeClr val="accent1"/>
+          </a:effectRef>
+          <a:fontRef idx="minor">
+            <a:schemeClr val="tx1"/>
+          </a:fontRef>
+        </p:style>
+        <p:txBody>
+          <a:bodyPr rtlCol="0" anchor="ctr"/>
+          <a:lstStyle/>
+          <a:p>
+            <a:pPr algn="ctr"/>
+            <a:endParaRPr lang="ko-KR" altLang="en-US"/>
+          </a:p>
+        </p:txBody>
+      </p:sp>
+      <p:sp>
+        <p:nvSpPr>
+          <p:cNvPr id="22" name="오른쪽 중괄호 21"/>
+          <p:cNvSpPr/>
+          <p:nvPr/>
+        </p:nvSpPr>
+        <p:spPr>
+          <a:xfrm>
+            <a:off x="5953327" y="4245299"/>
+            <a:ext cx="1225198" cy="437583"/>
+          </a:xfrm>
+          <a:prstGeom prst="rightBrace">
+            <a:avLst>
+              <a:gd name="adj1" fmla="val 0"/>
+              <a:gd name="adj2" fmla="val 50000"/>
+            </a:avLst>
+          </a:prstGeom>
+          <a:ln w="22225">
+            <a:solidFill>
+              <a:srgbClr val="002060"/>
+            </a:solidFill>
+          </a:ln>
+        </p:spPr>
+        <p:style>
+          <a:lnRef idx="1">
+            <a:schemeClr val="accent1"/>
+          </a:lnRef>
+          <a:fillRef idx="0">
+            <a:schemeClr val="accent1"/>
+          </a:fillRef>
+          <a:effectRef idx="0">
+            <a:schemeClr val="accent1"/>
+          </a:effectRef>
+          <a:fontRef idx="minor">
+            <a:schemeClr val="tx1"/>
+          </a:fontRef>
+        </p:style>
+        <p:txBody>
+          <a:bodyPr rtlCol="0" anchor="ctr"/>
+          <a:lstStyle/>
+          <a:p>
+            <a:pPr algn="ctr"/>
+            <a:endParaRPr lang="ko-KR" altLang="en-US"/>
+          </a:p>
+        </p:txBody>
+      </p:sp>
+      <p:sp>
+        <p:nvSpPr>
+          <p:cNvPr id="23" name="TextBox 22"/>
+          <p:cNvSpPr txBox="1"/>
+          <p:nvPr/>
+        </p:nvSpPr>
+        <p:spPr>
+          <a:xfrm>
+            <a:off x="7302080" y="2631543"/>
+            <a:ext cx="1125629" cy="377091"/>
+          </a:xfrm>
+          <a:prstGeom prst="rect">
+            <a:avLst/>
+          </a:prstGeom>
+          <a:noFill/>
+        </p:spPr>
+        <p:txBody>
+          <a:bodyPr wrap="none" rtlCol="0">
+            <a:spAutoFit/>
+          </a:bodyPr>
+          <a:lstStyle/>
+          <a:p>
+            <a:pPr>
+              <a:lnSpc>
+                <a:spcPct val="130000"/>
+              </a:lnSpc>
+            </a:pPr>
+            <a:r>
+              <a:rPr lang="en-US" altLang="ko-KR" sz="1600" dirty="0"/>
+              <a:t>PCA code</a:t>
+            </a:r>
+          </a:p>
+        </p:txBody>
+      </p:sp>
+      <p:sp>
+        <p:nvSpPr>
+          <p:cNvPr id="24" name="TextBox 23"/>
+          <p:cNvSpPr txBox="1"/>
+          <p:nvPr/>
+        </p:nvSpPr>
+        <p:spPr>
+          <a:xfrm>
+            <a:off x="7298469" y="3430937"/>
+            <a:ext cx="2201244" cy="377091"/>
+          </a:xfrm>
+          <a:prstGeom prst="rect">
+            <a:avLst/>
+          </a:prstGeom>
+          <a:noFill/>
+        </p:spPr>
+        <p:txBody>
+          <a:bodyPr wrap="none" rtlCol="0">
+            <a:spAutoFit/>
+          </a:bodyPr>
+          <a:lstStyle/>
+          <a:p>
+            <a:pPr>
+              <a:lnSpc>
+                <a:spcPct val="130000"/>
+              </a:lnSpc>
+            </a:pPr>
+            <a:r>
+              <a:rPr lang="en-US" altLang="ko-KR" sz="1600" dirty="0"/>
+              <a:t>Draw plot by ggplot2</a:t>
+            </a:r>
+          </a:p>
+        </p:txBody>
+      </p:sp>
+      <p:sp>
+        <p:nvSpPr>
+          <p:cNvPr id="26" name="직사각형 25"/>
+          <p:cNvSpPr/>
+          <p:nvPr/>
+        </p:nvSpPr>
+        <p:spPr>
+          <a:xfrm>
+            <a:off x="1553213" y="2677293"/>
+            <a:ext cx="1481327" cy="195583"/>
+          </a:xfrm>
+          <a:prstGeom prst="rect">
+            <a:avLst/>
+          </a:prstGeom>
+          <a:solidFill>
+            <a:schemeClr val="accent2">
+              <a:alpha val="20000"/>
+            </a:schemeClr>
+          </a:solidFill>
+          <a:ln w="25400">
+            <a:solidFill>
+              <a:schemeClr val="accent2"/>
+            </a:solidFill>
+          </a:ln>
+        </p:spPr>
+        <p:style>
+          <a:lnRef idx="2">
+            <a:schemeClr val="accent1">
+              <a:shade val="50000"/>
+            </a:schemeClr>
+          </a:lnRef>
+          <a:fillRef idx="1">
+            <a:schemeClr val="accent1"/>
+          </a:fillRef>
+          <a:effectRef idx="0">
+            <a:schemeClr val="accent1"/>
+          </a:effectRef>
+          <a:fontRef idx="minor">
+            <a:schemeClr val="lt1"/>
+          </a:fontRef>
+        </p:style>
+        <p:txBody>
+          <a:bodyPr rtlCol="0" anchor="ctr"/>
+          <a:lstStyle/>
+          <a:p>
+            <a:pPr algn="ctr"/>
+            <a:endParaRPr lang="ko-KR" altLang="en-US"/>
+          </a:p>
+        </p:txBody>
+      </p:sp>
+      <p:sp>
+        <p:nvSpPr>
+          <p:cNvPr id="27" name="직사각형 26"/>
+          <p:cNvSpPr/>
+          <p:nvPr/>
+        </p:nvSpPr>
+        <p:spPr>
+          <a:xfrm>
+            <a:off x="1494510" y="3037957"/>
+            <a:ext cx="646384" cy="195583"/>
+          </a:xfrm>
+          <a:prstGeom prst="rect">
+            <a:avLst/>
+          </a:prstGeom>
+          <a:solidFill>
+            <a:schemeClr val="accent2">
+              <a:alpha val="20000"/>
+            </a:schemeClr>
+          </a:solidFill>
+          <a:ln w="25400">
+            <a:solidFill>
+              <a:schemeClr val="accent2"/>
+            </a:solidFill>
+          </a:ln>
+        </p:spPr>
+        <p:style>
+          <a:lnRef idx="2">
+            <a:schemeClr val="accent1">
+              <a:shade val="50000"/>
+            </a:schemeClr>
+          </a:lnRef>
+          <a:fillRef idx="1">
+            <a:schemeClr val="accent1"/>
+          </a:fillRef>
+          <a:effectRef idx="0">
+            <a:schemeClr val="accent1"/>
+          </a:effectRef>
+          <a:fontRef idx="minor">
+            <a:schemeClr val="lt1"/>
+          </a:fontRef>
+        </p:style>
+        <p:txBody>
+          <a:bodyPr rtlCol="0" anchor="ctr"/>
+          <a:lstStyle/>
+          <a:p>
+            <a:pPr algn="ctr"/>
+            <a:endParaRPr lang="ko-KR" altLang="en-US"/>
+          </a:p>
+        </p:txBody>
+      </p:sp>
+      <p:sp>
+        <p:nvSpPr>
+          <p:cNvPr id="28" name="직사각형 27"/>
+          <p:cNvSpPr/>
+          <p:nvPr/>
+        </p:nvSpPr>
+        <p:spPr>
+          <a:xfrm>
+            <a:off x="801188" y="4504999"/>
+            <a:ext cx="550145" cy="195583"/>
+          </a:xfrm>
+          <a:prstGeom prst="rect">
+            <a:avLst/>
+          </a:prstGeom>
+          <a:solidFill>
+            <a:schemeClr val="accent2">
+              <a:alpha val="20000"/>
+            </a:schemeClr>
+          </a:solidFill>
+          <a:ln w="25400">
+            <a:solidFill>
+              <a:schemeClr val="accent2"/>
+            </a:solidFill>
+          </a:ln>
+        </p:spPr>
+        <p:style>
+          <a:lnRef idx="2">
+            <a:schemeClr val="accent1">
+              <a:shade val="50000"/>
+            </a:schemeClr>
+          </a:lnRef>
+          <a:fillRef idx="1">
+            <a:schemeClr val="accent1"/>
+          </a:fillRef>
+          <a:effectRef idx="0">
+            <a:schemeClr val="accent1"/>
+          </a:effectRef>
+          <a:fontRef idx="minor">
+            <a:schemeClr val="lt1"/>
+          </a:fontRef>
+        </p:style>
+        <p:txBody>
+          <a:bodyPr rtlCol="0" anchor="ctr"/>
+          <a:lstStyle/>
+          <a:p>
+            <a:pPr algn="ctr"/>
+            <a:endParaRPr lang="ko-KR" altLang="en-US"/>
+          </a:p>
+        </p:txBody>
+      </p:sp>
+      <p:sp>
+        <p:nvSpPr>
+          <p:cNvPr id="29" name="TextBox 28"/>
+          <p:cNvSpPr txBox="1"/>
+          <p:nvPr/>
+        </p:nvSpPr>
+        <p:spPr>
+          <a:xfrm>
+            <a:off x="7298469" y="4275544"/>
+            <a:ext cx="1053815" cy="412421"/>
+          </a:xfrm>
+          <a:prstGeom prst="rect">
+            <a:avLst/>
+          </a:prstGeom>
+          <a:noFill/>
+        </p:spPr>
+        <p:txBody>
+          <a:bodyPr wrap="none" rtlCol="0">
+            <a:spAutoFit/>
+          </a:bodyPr>
+          <a:lstStyle/>
+          <a:p>
+            <a:pPr>
+              <a:lnSpc>
+                <a:spcPct val="130000"/>
+              </a:lnSpc>
+            </a:pPr>
+            <a:r>
+              <a:rPr lang="en-US" altLang="ko-KR" sz="1600" dirty="0"/>
+              <a:t>Save plot</a:t>
+            </a:r>
+          </a:p>
+        </p:txBody>
+      </p:sp>
+      <p:sp>
+        <p:nvSpPr>
+          <p:cNvPr id="30" name="TextBox 29"/>
+          <p:cNvSpPr txBox="1"/>
+          <p:nvPr/>
+        </p:nvSpPr>
+        <p:spPr>
+          <a:xfrm>
+            <a:off x="286310" y="5002958"/>
+            <a:ext cx="1803699" cy="341568"/>
+          </a:xfrm>
+          <a:prstGeom prst="rect">
+            <a:avLst/>
+          </a:prstGeom>
+          <a:noFill/>
+        </p:spPr>
+        <p:txBody>
+          <a:bodyPr wrap="none" rtlCol="0">
+            <a:spAutoFit/>
+          </a:bodyPr>
+          <a:lstStyle/>
+          <a:p>
+            <a:pPr>
+              <a:lnSpc>
+                <a:spcPct val="130000"/>
+              </a:lnSpc>
+            </a:pPr>
+            <a:r>
+              <a:rPr lang="en-US" altLang="ko-KR" sz="1400" dirty="0"/>
+              <a:t>* ggplot2 </a:t>
+            </a:r>
+            <a:r>
+              <a:rPr lang="ko-KR" altLang="en-US" sz="1400" dirty="0"/>
+              <a:t>형식 예시</a:t>
+            </a:r>
+            <a:endParaRPr lang="en-US" altLang="ko-KR" sz="1400" dirty="0"/>
+          </a:p>
+        </p:txBody>
+      </p:sp>
+      <p:pic>
+        <p:nvPicPr>
+          <p:cNvPr id="31" name="그림 30"/>
+          <p:cNvPicPr>
+            <a:picLocks noChangeAspect="1"/>
+          </p:cNvPicPr>
+          <p:nvPr/>
+        </p:nvPicPr>
+        <p:blipFill rotWithShape="1">
+          <a:blip r:embed="rId5"/>
+          <a:srcRect t="11144" b="10472"/>
+          <a:stretch/>
+        </p:blipFill>
+        <p:spPr>
+          <a:xfrm>
+            <a:off x="8930075" y="4355140"/>
+            <a:ext cx="3073219" cy="2296489"/>
+          </a:xfrm>
+          <a:prstGeom prst="rect">
+            <a:avLst/>
+          </a:prstGeom>
+          <a:ln>
+            <a:solidFill>
+              <a:schemeClr val="tx1"/>
+            </a:solidFill>
+          </a:ln>
+          <a:effectLst>
+            <a:outerShdw blurRad="50800" dist="38100" dir="2700000" algn="tl" rotWithShape="0">
+              <a:prstClr val="black">
+                <a:alpha val="40000"/>
+              </a:prstClr>
+            </a:outerShdw>
+          </a:effectLst>
+        </p:spPr>
+      </p:pic>
+      <p:sp>
+        <p:nvSpPr>
+          <p:cNvPr id="32" name="TextBox 31"/>
+          <p:cNvSpPr txBox="1"/>
+          <p:nvPr/>
+        </p:nvSpPr>
+        <p:spPr>
+          <a:xfrm>
+            <a:off x="9974338" y="3895094"/>
+            <a:ext cx="780150" cy="412421"/>
+          </a:xfrm>
+          <a:prstGeom prst="rect">
+            <a:avLst/>
+          </a:prstGeom>
+          <a:noFill/>
+        </p:spPr>
+        <p:txBody>
+          <a:bodyPr wrap="none" rtlCol="0">
+            <a:spAutoFit/>
+          </a:bodyPr>
+          <a:lstStyle/>
+          <a:p>
+            <a:pPr>
+              <a:lnSpc>
+                <a:spcPct val="130000"/>
+              </a:lnSpc>
+            </a:pPr>
+            <a:r>
+              <a:rPr lang="en-US" altLang="ko-KR" sz="1600" b="1" dirty="0"/>
+              <a:t>Result</a:t>
+            </a:r>
+            <a:endParaRPr lang="en-US" altLang="ko-KR" sz="1600" dirty="0"/>
+          </a:p>
+        </p:txBody>
+      </p:sp>
+      <p:sp>
+        <p:nvSpPr>
+          <p:cNvPr id="20" name="직사각형 19"/>
+          <p:cNvSpPr/>
+          <p:nvPr/>
+        </p:nvSpPr>
+        <p:spPr>
+          <a:xfrm>
+            <a:off x="286310" y="2142147"/>
+            <a:ext cx="1481327" cy="195583"/>
+          </a:xfrm>
+          <a:prstGeom prst="rect">
+            <a:avLst/>
+          </a:prstGeom>
+          <a:solidFill>
+            <a:schemeClr val="accent2">
+              <a:alpha val="20000"/>
+            </a:schemeClr>
+          </a:solidFill>
+          <a:ln w="25400">
+            <a:solidFill>
+              <a:schemeClr val="accent2"/>
+            </a:solidFill>
+          </a:ln>
+        </p:spPr>
+        <p:style>
+          <a:lnRef idx="2">
+            <a:schemeClr val="accent1">
+              <a:shade val="50000"/>
+            </a:schemeClr>
+          </a:lnRef>
+          <a:fillRef idx="1">
+            <a:schemeClr val="accent1"/>
+          </a:fillRef>
+          <a:effectRef idx="0">
+            <a:schemeClr val="accent1"/>
+          </a:effectRef>
+          <a:fontRef idx="minor">
+            <a:schemeClr val="lt1"/>
+          </a:fontRef>
+        </p:style>
+        <p:txBody>
+          <a:bodyPr rtlCol="0" anchor="ctr"/>
+          <a:lstStyle/>
+          <a:p>
+            <a:pPr algn="ctr"/>
+            <a:r>
+              <a:rPr lang="ko-KR" altLang="en-US" sz="1100" b="1" dirty="0" smtClean="0">
+                <a:solidFill>
+                  <a:schemeClr val="tx1"/>
+                </a:solidFill>
+              </a:rPr>
+              <a:t>빈칸을 채워주세요 </a:t>
+            </a:r>
+            <a:r>
+              <a:rPr lang="en-US" altLang="ko-KR" sz="1100" b="1" dirty="0" smtClean="0">
+                <a:solidFill>
+                  <a:schemeClr val="tx1"/>
+                </a:solidFill>
+              </a:rPr>
+              <a:t>!</a:t>
+            </a:r>
+            <a:endParaRPr lang="ko-KR" altLang="en-US" sz="1100" b="1" dirty="0">
+              <a:solidFill>
+                <a:schemeClr val="tx1"/>
+              </a:solidFill>
+            </a:endParaRPr>
+          </a:p>
+        </p:txBody>
+      </p:sp>
+    </p:spTree>
+    <p:extLst>
+      <p:ext uri="{BB962C8B-B14F-4D97-AF65-F5344CB8AC3E}">
+        <p14:creationId xmlns:p14="http://schemas.microsoft.com/office/powerpoint/2010/main" val="1132433527"/>
+      </p:ext>
+    </p:extLst>
+  </p:cSld>
+  <p:clrMapOvr>
+    <a:masterClrMapping/>
+  </p:clrMapOvr>
+  <p:timing>
+    <p:tnLst>
+      <p:par>
+        <p:cTn id="1" dur="indefinite" restart="never" nodeType="tmRoot"/>
+      </p:par>
+    </p:tnLst>
+  </p:timing>
+</p:sld>
+</file>
+
+<file path=ppt/slides/slide7.xml><?xml version="1.0" encoding="utf-8"?>
+<p:sld xmlns:a="http://schemas.openxmlformats.org/drawingml/2006/main" xmlns:r="http://schemas.openxmlformats.org/officeDocument/2006/relationships" xmlns:p="http://schemas.openxmlformats.org/presentationml/2006/main">
+  <p:cSld>
+    <p:spTree>
+      <p:nvGrpSpPr>
+        <p:cNvPr id="1" name=""/>
+        <p:cNvGrpSpPr/>
+        <p:nvPr/>
+      </p:nvGrpSpPr>
+      <p:grpSpPr>
+        <a:xfrm>
+          <a:off x="0" y="0"/>
+          <a:ext cx="0" cy="0"/>
+          <a:chOff x="0" y="0"/>
+          <a:chExt cx="0" cy="0"/>
+        </a:xfrm>
+      </p:grpSpPr>
+      <p:sp>
+        <p:nvSpPr>
+          <p:cNvPr id="4" name="제목 3"/>
+          <p:cNvSpPr>
+            <a:spLocks noGrp="1"/>
+          </p:cNvSpPr>
+          <p:nvPr>
+            <p:ph type="title"/>
+          </p:nvPr>
+        </p:nvSpPr>
+        <p:spPr>
+          <a:xfrm>
+            <a:off x="186599" y="161047"/>
+            <a:ext cx="10515600" cy="788172"/>
+          </a:xfrm>
+        </p:spPr>
+        <p:txBody>
+          <a:bodyPr/>
+          <a:lstStyle/>
+          <a:p>
+            <a:r>
+              <a:rPr lang="en-US" altLang="ko-KR" dirty="0"/>
+              <a:t>PCA &amp; Correlation plot</a:t>
+            </a:r>
+            <a:endParaRPr lang="ko-KR" altLang="en-US" dirty="0"/>
+          </a:p>
+        </p:txBody>
+      </p:sp>
+      <p:sp>
+        <p:nvSpPr>
+          <p:cNvPr id="6" name="TextBox 5"/>
+          <p:cNvSpPr txBox="1"/>
+          <p:nvPr/>
+        </p:nvSpPr>
+        <p:spPr>
+          <a:xfrm>
+            <a:off x="10636296" y="45718"/>
+            <a:ext cx="1435008" cy="369332"/>
+          </a:xfrm>
+          <a:prstGeom prst="rect">
+            <a:avLst/>
+          </a:prstGeom>
+          <a:noFill/>
+        </p:spPr>
+        <p:txBody>
+          <a:bodyPr wrap="none" rtlCol="0">
+            <a:spAutoFit/>
+          </a:bodyPr>
+          <a:lstStyle/>
+          <a:p>
+            <a:r>
+              <a:rPr lang="en-US" altLang="ko-KR" dirty="0"/>
+              <a:t>2. DESeq2.R</a:t>
+            </a:r>
+            <a:endParaRPr lang="ko-KR" altLang="en-US" dirty="0"/>
+          </a:p>
+        </p:txBody>
+      </p:sp>
+      <p:sp>
+        <p:nvSpPr>
+          <p:cNvPr id="2" name="내용 개체 틀 1"/>
+          <p:cNvSpPr>
+            <a:spLocks noGrp="1"/>
+          </p:cNvSpPr>
+          <p:nvPr>
+            <p:ph idx="1"/>
+          </p:nvPr>
+        </p:nvSpPr>
+        <p:spPr>
+          <a:xfrm>
+            <a:off x="186599" y="1203054"/>
+            <a:ext cx="10515600" cy="4351338"/>
+          </a:xfrm>
+        </p:spPr>
+        <p:txBody>
+          <a:bodyPr>
+            <a:normAutofit/>
+          </a:bodyPr>
+          <a:lstStyle/>
+          <a:p>
+            <a:pPr marL="0" indent="0">
+              <a:lnSpc>
+                <a:spcPct val="130000"/>
+              </a:lnSpc>
+              <a:buNone/>
+            </a:pPr>
+            <a:r>
+              <a:rPr lang="en-US" altLang="ko-KR" sz="1800" b="1" dirty="0"/>
+              <a:t>&gt;Correlation </a:t>
+            </a:r>
+            <a:r>
+              <a:rPr lang="en-US" altLang="ko-KR" sz="1800" b="1" dirty="0"/>
+              <a:t>p</a:t>
+            </a:r>
+            <a:r>
+              <a:rPr lang="en-US" altLang="ko-KR" sz="1800" b="1" dirty="0" smtClean="0"/>
+              <a:t>lot</a:t>
+            </a:r>
+            <a:endParaRPr lang="en-US" altLang="ko-KR" sz="1800" dirty="0"/>
+          </a:p>
+          <a:p>
+            <a:pPr marL="0" indent="0">
+              <a:lnSpc>
+                <a:spcPct val="130000"/>
+              </a:lnSpc>
+              <a:buNone/>
+            </a:pPr>
+            <a:r>
+              <a:rPr lang="en-US" altLang="ko-KR" sz="1600" b="1" dirty="0">
+                <a:solidFill>
+                  <a:srgbClr val="FF0000"/>
+                </a:solidFill>
+              </a:rPr>
+              <a:t>* package </a:t>
+            </a:r>
+            <a:r>
+              <a:rPr lang="ko-KR" altLang="en-US" sz="1600" b="1" dirty="0">
+                <a:solidFill>
+                  <a:srgbClr val="FF0000"/>
+                </a:solidFill>
+              </a:rPr>
+              <a:t>및 </a:t>
+            </a:r>
+            <a:r>
+              <a:rPr lang="en-US" altLang="ko-KR" sz="1600" b="1" dirty="0">
+                <a:solidFill>
+                  <a:srgbClr val="FF0000"/>
+                </a:solidFill>
+              </a:rPr>
+              <a:t>input data </a:t>
+            </a:r>
+            <a:r>
+              <a:rPr lang="ko-KR" altLang="en-US" sz="1600" b="1" dirty="0">
+                <a:solidFill>
+                  <a:srgbClr val="FF0000"/>
+                </a:solidFill>
+              </a:rPr>
+              <a:t>불러오는 코드 먼저 실행 후 진행해주세요</a:t>
+            </a:r>
+            <a:r>
+              <a:rPr lang="en-US" altLang="ko-KR" sz="1600" b="1" dirty="0">
+                <a:solidFill>
+                  <a:srgbClr val="FF0000"/>
+                </a:solidFill>
+              </a:rPr>
+              <a:t> *</a:t>
+            </a:r>
+          </a:p>
+        </p:txBody>
+      </p:sp>
+      <p:pic>
+        <p:nvPicPr>
+          <p:cNvPr id="5" name="그림 4"/>
+          <p:cNvPicPr>
+            <a:picLocks noChangeAspect="1"/>
+          </p:cNvPicPr>
+          <p:nvPr/>
+        </p:nvPicPr>
+        <p:blipFill>
+          <a:blip r:embed="rId3"/>
+          <a:stretch>
+            <a:fillRect/>
+          </a:stretch>
+        </p:blipFill>
+        <p:spPr>
+          <a:xfrm>
+            <a:off x="8935436" y="4066163"/>
+            <a:ext cx="3038592" cy="2568100"/>
+          </a:xfrm>
+          <a:prstGeom prst="rect">
+            <a:avLst/>
+          </a:prstGeom>
+          <a:ln>
+            <a:solidFill>
+              <a:schemeClr val="tx1"/>
+            </a:solidFill>
+          </a:ln>
+          <a:effectLst>
+            <a:outerShdw blurRad="50800" dist="38100" dir="2700000" algn="tl" rotWithShape="0">
+              <a:prstClr val="black">
+                <a:alpha val="40000"/>
+              </a:prstClr>
+            </a:outerShdw>
+          </a:effectLst>
+        </p:spPr>
+      </p:pic>
+      <p:sp>
+        <p:nvSpPr>
+          <p:cNvPr id="20" name="TextBox 19"/>
+          <p:cNvSpPr txBox="1"/>
+          <p:nvPr/>
+        </p:nvSpPr>
+        <p:spPr>
+          <a:xfrm>
+            <a:off x="9988457" y="3675683"/>
+            <a:ext cx="780150" cy="412421"/>
+          </a:xfrm>
+          <a:prstGeom prst="rect">
+            <a:avLst/>
+          </a:prstGeom>
+          <a:noFill/>
+        </p:spPr>
+        <p:txBody>
+          <a:bodyPr wrap="none" rtlCol="0">
+            <a:spAutoFit/>
+          </a:bodyPr>
+          <a:lstStyle/>
+          <a:p>
+            <a:pPr>
+              <a:lnSpc>
+                <a:spcPct val="130000"/>
+              </a:lnSpc>
+            </a:pPr>
+            <a:r>
+              <a:rPr lang="en-US" altLang="ko-KR" sz="1600" b="1" dirty="0"/>
+              <a:t>Result</a:t>
+            </a:r>
+            <a:endParaRPr lang="en-US" altLang="ko-KR" sz="1600" dirty="0"/>
+          </a:p>
+        </p:txBody>
+      </p:sp>
+      <p:pic>
+        <p:nvPicPr>
+          <p:cNvPr id="9" name="그림 8"/>
+          <p:cNvPicPr>
+            <a:picLocks noChangeAspect="1"/>
+          </p:cNvPicPr>
+          <p:nvPr/>
+        </p:nvPicPr>
+        <p:blipFill>
+          <a:blip r:embed="rId4"/>
+          <a:stretch>
+            <a:fillRect/>
+          </a:stretch>
+        </p:blipFill>
+        <p:spPr>
+          <a:xfrm>
+            <a:off x="290973" y="2473055"/>
+            <a:ext cx="6160087" cy="2405906"/>
+          </a:xfrm>
+          <a:prstGeom prst="rect">
+            <a:avLst/>
+          </a:prstGeom>
+        </p:spPr>
+      </p:pic>
+      <p:sp>
+        <p:nvSpPr>
+          <p:cNvPr id="31" name="오른쪽 중괄호 30"/>
+          <p:cNvSpPr/>
+          <p:nvPr/>
+        </p:nvSpPr>
+        <p:spPr>
+          <a:xfrm>
+            <a:off x="6336024" y="2628599"/>
+            <a:ext cx="1225685" cy="276225"/>
+          </a:xfrm>
+          <a:prstGeom prst="rightBrace">
+            <a:avLst>
+              <a:gd name="adj1" fmla="val 0"/>
+              <a:gd name="adj2" fmla="val 50000"/>
+            </a:avLst>
+          </a:prstGeom>
+          <a:ln w="22225">
+            <a:solidFill>
+              <a:srgbClr val="002060"/>
+            </a:solidFill>
+          </a:ln>
+        </p:spPr>
+        <p:style>
+          <a:lnRef idx="1">
+            <a:schemeClr val="accent1"/>
+          </a:lnRef>
+          <a:fillRef idx="0">
+            <a:schemeClr val="accent1"/>
+          </a:fillRef>
+          <a:effectRef idx="0">
+            <a:schemeClr val="accent1"/>
+          </a:effectRef>
+          <a:fontRef idx="minor">
+            <a:schemeClr val="tx1"/>
+          </a:fontRef>
+        </p:style>
+        <p:txBody>
+          <a:bodyPr rtlCol="0" anchor="ctr"/>
+          <a:lstStyle/>
+          <a:p>
+            <a:pPr algn="ctr"/>
+            <a:endParaRPr lang="ko-KR" altLang="en-US"/>
+          </a:p>
+        </p:txBody>
+      </p:sp>
+      <p:sp>
+        <p:nvSpPr>
+          <p:cNvPr id="32" name="TextBox 31"/>
+          <p:cNvSpPr txBox="1"/>
+          <p:nvPr/>
+        </p:nvSpPr>
+        <p:spPr>
+          <a:xfrm>
+            <a:off x="7632013" y="2578165"/>
+            <a:ext cx="2095638" cy="377091"/>
+          </a:xfrm>
+          <a:prstGeom prst="rect">
+            <a:avLst/>
+          </a:prstGeom>
+          <a:noFill/>
+        </p:spPr>
+        <p:txBody>
+          <a:bodyPr wrap="none" rtlCol="0">
+            <a:spAutoFit/>
+          </a:bodyPr>
+          <a:lstStyle/>
+          <a:p>
+            <a:pPr>
+              <a:lnSpc>
+                <a:spcPct val="130000"/>
+              </a:lnSpc>
+            </a:pPr>
+            <a:r>
+              <a:rPr lang="en-US" altLang="ko-KR" sz="1600" dirty="0"/>
+              <a:t>Calculate correlation</a:t>
+            </a:r>
+          </a:p>
+        </p:txBody>
+      </p:sp>
+      <p:sp>
+        <p:nvSpPr>
+          <p:cNvPr id="33" name="오른쪽 중괄호 32"/>
+          <p:cNvSpPr/>
+          <p:nvPr/>
+        </p:nvSpPr>
+        <p:spPr>
+          <a:xfrm>
+            <a:off x="6336024" y="3020547"/>
+            <a:ext cx="1225685" cy="1217066"/>
+          </a:xfrm>
+          <a:prstGeom prst="rightBrace">
+            <a:avLst>
+              <a:gd name="adj1" fmla="val 0"/>
+              <a:gd name="adj2" fmla="val 50000"/>
+            </a:avLst>
+          </a:prstGeom>
+          <a:ln w="22225">
+            <a:solidFill>
+              <a:srgbClr val="002060"/>
+            </a:solidFill>
+          </a:ln>
+        </p:spPr>
+        <p:style>
+          <a:lnRef idx="1">
+            <a:schemeClr val="accent1"/>
+          </a:lnRef>
+          <a:fillRef idx="0">
+            <a:schemeClr val="accent1"/>
+          </a:fillRef>
+          <a:effectRef idx="0">
+            <a:schemeClr val="accent1"/>
+          </a:effectRef>
+          <a:fontRef idx="minor">
+            <a:schemeClr val="tx1"/>
+          </a:fontRef>
+        </p:style>
+        <p:txBody>
+          <a:bodyPr rtlCol="0" anchor="ctr"/>
+          <a:lstStyle/>
+          <a:p>
+            <a:pPr algn="ctr"/>
+            <a:endParaRPr lang="ko-KR" altLang="en-US"/>
+          </a:p>
+        </p:txBody>
+      </p:sp>
+      <p:sp>
+        <p:nvSpPr>
+          <p:cNvPr id="34" name="TextBox 33"/>
+          <p:cNvSpPr txBox="1"/>
+          <p:nvPr/>
+        </p:nvSpPr>
+        <p:spPr>
+          <a:xfrm>
+            <a:off x="7632013" y="3451501"/>
+            <a:ext cx="1103187" cy="377091"/>
+          </a:xfrm>
+          <a:prstGeom prst="rect">
+            <a:avLst/>
+          </a:prstGeom>
+          <a:noFill/>
+        </p:spPr>
+        <p:txBody>
+          <a:bodyPr wrap="none" rtlCol="0">
+            <a:spAutoFit/>
+          </a:bodyPr>
+          <a:lstStyle/>
+          <a:p>
+            <a:pPr>
+              <a:lnSpc>
+                <a:spcPct val="130000"/>
+              </a:lnSpc>
+            </a:pPr>
+            <a:r>
+              <a:rPr lang="en-US" altLang="ko-KR" sz="1600" dirty="0"/>
+              <a:t>Draw plot</a:t>
+            </a:r>
+          </a:p>
+        </p:txBody>
+      </p:sp>
+      <p:sp>
+        <p:nvSpPr>
+          <p:cNvPr id="35" name="오른쪽 중괄호 34"/>
+          <p:cNvSpPr/>
+          <p:nvPr/>
+        </p:nvSpPr>
+        <p:spPr>
+          <a:xfrm>
+            <a:off x="6336023" y="4295887"/>
+            <a:ext cx="1225685" cy="398233"/>
+          </a:xfrm>
+          <a:prstGeom prst="rightBrace">
+            <a:avLst>
+              <a:gd name="adj1" fmla="val 0"/>
+              <a:gd name="adj2" fmla="val 50000"/>
+            </a:avLst>
+          </a:prstGeom>
+          <a:ln w="22225">
+            <a:solidFill>
+              <a:srgbClr val="002060"/>
+            </a:solidFill>
+          </a:ln>
+        </p:spPr>
+        <p:style>
+          <a:lnRef idx="1">
+            <a:schemeClr val="accent1"/>
+          </a:lnRef>
+          <a:fillRef idx="0">
+            <a:schemeClr val="accent1"/>
+          </a:fillRef>
+          <a:effectRef idx="0">
+            <a:schemeClr val="accent1"/>
+          </a:effectRef>
+          <a:fontRef idx="minor">
+            <a:schemeClr val="tx1"/>
+          </a:fontRef>
+        </p:style>
+        <p:txBody>
+          <a:bodyPr rtlCol="0" anchor="ctr"/>
+          <a:lstStyle/>
+          <a:p>
+            <a:pPr algn="ctr"/>
+            <a:endParaRPr lang="ko-KR" altLang="en-US"/>
+          </a:p>
+        </p:txBody>
+      </p:sp>
+      <p:sp>
+        <p:nvSpPr>
+          <p:cNvPr id="36" name="TextBox 35"/>
+          <p:cNvSpPr txBox="1"/>
+          <p:nvPr/>
+        </p:nvSpPr>
+        <p:spPr>
+          <a:xfrm>
+            <a:off x="7632013" y="4317029"/>
+            <a:ext cx="1053815" cy="377091"/>
+          </a:xfrm>
+          <a:prstGeom prst="rect">
+            <a:avLst/>
+          </a:prstGeom>
+          <a:noFill/>
+        </p:spPr>
+        <p:txBody>
+          <a:bodyPr wrap="none" rtlCol="0">
+            <a:spAutoFit/>
+          </a:bodyPr>
+          <a:lstStyle/>
+          <a:p>
+            <a:pPr>
+              <a:lnSpc>
+                <a:spcPct val="130000"/>
+              </a:lnSpc>
+            </a:pPr>
+            <a:r>
+              <a:rPr lang="en-US" altLang="ko-KR" sz="1600" dirty="0"/>
+              <a:t>Save plot</a:t>
+            </a:r>
+          </a:p>
+        </p:txBody>
+      </p:sp>
+      <p:sp>
+        <p:nvSpPr>
+          <p:cNvPr id="37" name="직사각형 36"/>
+          <p:cNvSpPr/>
+          <p:nvPr/>
+        </p:nvSpPr>
+        <p:spPr>
+          <a:xfrm>
+            <a:off x="1201643" y="2649868"/>
+            <a:ext cx="469995" cy="195583"/>
+          </a:xfrm>
+          <a:prstGeom prst="rect">
+            <a:avLst/>
+          </a:prstGeom>
+          <a:solidFill>
+            <a:schemeClr val="accent2">
+              <a:alpha val="20000"/>
+            </a:schemeClr>
+          </a:solidFill>
+          <a:ln w="25400">
+            <a:solidFill>
+              <a:schemeClr val="accent2"/>
+            </a:solidFill>
+          </a:ln>
+        </p:spPr>
+        <p:style>
+          <a:lnRef idx="2">
+            <a:schemeClr val="accent1">
+              <a:shade val="50000"/>
+            </a:schemeClr>
+          </a:lnRef>
+          <a:fillRef idx="1">
+            <a:schemeClr val="accent1"/>
+          </a:fillRef>
+          <a:effectRef idx="0">
+            <a:schemeClr val="accent1"/>
+          </a:effectRef>
+          <a:fontRef idx="minor">
+            <a:schemeClr val="lt1"/>
+          </a:fontRef>
+        </p:style>
+        <p:txBody>
+          <a:bodyPr rtlCol="0" anchor="ctr"/>
+          <a:lstStyle/>
+          <a:p>
+            <a:pPr algn="ctr"/>
+            <a:endParaRPr lang="ko-KR" altLang="en-US"/>
+          </a:p>
+        </p:txBody>
+      </p:sp>
+      <p:sp>
+        <p:nvSpPr>
+          <p:cNvPr id="38" name="직사각형 37"/>
+          <p:cNvSpPr/>
+          <p:nvPr/>
+        </p:nvSpPr>
+        <p:spPr>
+          <a:xfrm>
+            <a:off x="2011269" y="2976385"/>
+            <a:ext cx="515238" cy="195583"/>
+          </a:xfrm>
+          <a:prstGeom prst="rect">
+            <a:avLst/>
+          </a:prstGeom>
+          <a:solidFill>
+            <a:schemeClr val="accent2">
+              <a:alpha val="20000"/>
+            </a:schemeClr>
+          </a:solidFill>
+          <a:ln w="25400">
+            <a:solidFill>
+              <a:schemeClr val="accent2"/>
+            </a:solidFill>
+          </a:ln>
+        </p:spPr>
+        <p:style>
+          <a:lnRef idx="2">
+            <a:schemeClr val="accent1">
+              <a:shade val="50000"/>
+            </a:schemeClr>
+          </a:lnRef>
+          <a:fillRef idx="1">
+            <a:schemeClr val="accent1"/>
+          </a:fillRef>
+          <a:effectRef idx="0">
+            <a:schemeClr val="accent1"/>
+          </a:effectRef>
+          <a:fontRef idx="minor">
+            <a:schemeClr val="lt1"/>
+          </a:fontRef>
+        </p:style>
+        <p:txBody>
+          <a:bodyPr rtlCol="0" anchor="ctr"/>
+          <a:lstStyle/>
+          <a:p>
+            <a:pPr algn="ctr"/>
+            <a:endParaRPr lang="ko-KR" altLang="en-US"/>
+          </a:p>
+        </p:txBody>
+      </p:sp>
+      <p:sp>
+        <p:nvSpPr>
+          <p:cNvPr id="39" name="직사각형 38"/>
+          <p:cNvSpPr/>
+          <p:nvPr/>
+        </p:nvSpPr>
+        <p:spPr>
+          <a:xfrm>
+            <a:off x="611094" y="4467048"/>
+            <a:ext cx="515238" cy="195583"/>
+          </a:xfrm>
+          <a:prstGeom prst="rect">
+            <a:avLst/>
+          </a:prstGeom>
+          <a:solidFill>
+            <a:schemeClr val="accent2">
+              <a:alpha val="20000"/>
+            </a:schemeClr>
+          </a:solidFill>
+          <a:ln w="25400">
+            <a:solidFill>
+              <a:schemeClr val="accent2"/>
+            </a:solidFill>
+          </a:ln>
+        </p:spPr>
+        <p:style>
+          <a:lnRef idx="2">
+            <a:schemeClr val="accent1">
+              <a:shade val="50000"/>
+            </a:schemeClr>
+          </a:lnRef>
+          <a:fillRef idx="1">
+            <a:schemeClr val="accent1"/>
+          </a:fillRef>
+          <a:effectRef idx="0">
+            <a:schemeClr val="accent1"/>
+          </a:effectRef>
+          <a:fontRef idx="minor">
+            <a:schemeClr val="lt1"/>
+          </a:fontRef>
+        </p:style>
+        <p:txBody>
+          <a:bodyPr rtlCol="0" anchor="ctr"/>
+          <a:lstStyle/>
+          <a:p>
+            <a:pPr algn="ctr"/>
+            <a:endParaRPr lang="ko-KR" altLang="en-US"/>
+          </a:p>
+        </p:txBody>
+      </p:sp>
+      <p:sp>
+        <p:nvSpPr>
+          <p:cNvPr id="17" name="직사각형 16"/>
+          <p:cNvSpPr/>
+          <p:nvPr/>
+        </p:nvSpPr>
+        <p:spPr>
+          <a:xfrm>
+            <a:off x="286310" y="2142147"/>
+            <a:ext cx="1481327" cy="195583"/>
+          </a:xfrm>
+          <a:prstGeom prst="rect">
+            <a:avLst/>
+          </a:prstGeom>
+          <a:solidFill>
+            <a:schemeClr val="accent2">
+              <a:alpha val="20000"/>
+            </a:schemeClr>
+          </a:solidFill>
+          <a:ln w="25400">
+            <a:solidFill>
+              <a:schemeClr val="accent2"/>
+            </a:solidFill>
+          </a:ln>
+        </p:spPr>
+        <p:style>
+          <a:lnRef idx="2">
+            <a:schemeClr val="accent1">
+              <a:shade val="50000"/>
+            </a:schemeClr>
+          </a:lnRef>
+          <a:fillRef idx="1">
+            <a:schemeClr val="accent1"/>
+          </a:fillRef>
+          <a:effectRef idx="0">
+            <a:schemeClr val="accent1"/>
+          </a:effectRef>
+          <a:fontRef idx="minor">
+            <a:schemeClr val="lt1"/>
+          </a:fontRef>
+        </p:style>
+        <p:txBody>
+          <a:bodyPr rtlCol="0" anchor="ctr"/>
+          <a:lstStyle/>
+          <a:p>
+            <a:pPr algn="ctr"/>
+            <a:r>
+              <a:rPr lang="ko-KR" altLang="en-US" sz="1100" b="1" dirty="0" smtClean="0">
+                <a:solidFill>
+                  <a:schemeClr val="tx1"/>
+                </a:solidFill>
+              </a:rPr>
+              <a:t>빈칸을 채워주세요 </a:t>
+            </a:r>
+            <a:r>
+              <a:rPr lang="en-US" altLang="ko-KR" sz="1100" b="1" dirty="0" smtClean="0">
+                <a:solidFill>
+                  <a:schemeClr val="tx1"/>
+                </a:solidFill>
+              </a:rPr>
+              <a:t>!</a:t>
+            </a:r>
+            <a:endParaRPr lang="ko-KR" altLang="en-US" sz="1100" b="1" dirty="0">
+              <a:solidFill>
+                <a:schemeClr val="tx1"/>
+              </a:solidFill>
+            </a:endParaRPr>
+          </a:p>
+        </p:txBody>
+      </p:sp>
+    </p:spTree>
+    <p:extLst>
+      <p:ext uri="{BB962C8B-B14F-4D97-AF65-F5344CB8AC3E}">
+        <p14:creationId xmlns:p14="http://schemas.microsoft.com/office/powerpoint/2010/main" val="3242692751"/>
+      </p:ext>
+    </p:extLst>
+  </p:cSld>
+  <p:clrMapOvr>
+    <a:masterClrMapping/>
+  </p:clrMapOvr>
+</p:sld>
+</file>
+
+<file path=ppt/slides/slide8.xml><?xml version="1.0" encoding="utf-8"?>
+<p:sld xmlns:a="http://schemas.openxmlformats.org/drawingml/2006/main" xmlns:r="http://schemas.openxmlformats.org/officeDocument/2006/relationships" xmlns:p="http://schemas.openxmlformats.org/presentationml/2006/main">
+  <p:cSld>
+    <p:spTree>
+      <p:nvGrpSpPr>
+        <p:cNvPr id="1" name=""/>
+        <p:cNvGrpSpPr/>
+        <p:nvPr/>
+      </p:nvGrpSpPr>
+      <p:grpSpPr>
+        <a:xfrm>
+          <a:off x="0" y="0"/>
+          <a:ext cx="0" cy="0"/>
+          <a:chOff x="0" y="0"/>
+          <a:chExt cx="0" cy="0"/>
+        </a:xfrm>
+      </p:grpSpPr>
+      <p:sp>
+        <p:nvSpPr>
+          <p:cNvPr id="4" name="제목 3"/>
+          <p:cNvSpPr>
+            <a:spLocks noGrp="1"/>
+          </p:cNvSpPr>
+          <p:nvPr>
+            <p:ph type="title"/>
+          </p:nvPr>
+        </p:nvSpPr>
+        <p:spPr>
+          <a:xfrm>
+            <a:off x="186599" y="161047"/>
+            <a:ext cx="10515600" cy="788172"/>
+          </a:xfrm>
+        </p:spPr>
+        <p:txBody>
+          <a:bodyPr/>
+          <a:lstStyle/>
+          <a:p>
+            <a:r>
+              <a:rPr lang="en-US" altLang="ko-KR" dirty="0"/>
+              <a:t>DEG Analysis</a:t>
+            </a:r>
+            <a:endParaRPr lang="ko-KR" altLang="en-US" dirty="0"/>
+          </a:p>
+        </p:txBody>
+      </p:sp>
+      <p:sp>
+        <p:nvSpPr>
+          <p:cNvPr id="6" name="TextBox 5"/>
+          <p:cNvSpPr txBox="1"/>
+          <p:nvPr/>
+        </p:nvSpPr>
+        <p:spPr>
+          <a:xfrm>
+            <a:off x="10636296" y="45718"/>
+            <a:ext cx="1435008" cy="369332"/>
+          </a:xfrm>
+          <a:prstGeom prst="rect">
+            <a:avLst/>
+          </a:prstGeom>
+          <a:noFill/>
+        </p:spPr>
+        <p:txBody>
+          <a:bodyPr wrap="none" rtlCol="0">
+            <a:spAutoFit/>
+          </a:bodyPr>
+          <a:lstStyle/>
+          <a:p>
+            <a:r>
+              <a:rPr lang="en-US" altLang="ko-KR" dirty="0"/>
+              <a:t>2. DESeq2.R</a:t>
+            </a:r>
+            <a:endParaRPr lang="ko-KR" altLang="en-US" dirty="0"/>
+          </a:p>
+        </p:txBody>
+      </p:sp>
+      <p:sp>
+        <p:nvSpPr>
+          <p:cNvPr id="2" name="내용 개체 틀 1"/>
+          <p:cNvSpPr>
+            <a:spLocks noGrp="1"/>
+          </p:cNvSpPr>
+          <p:nvPr>
+            <p:ph idx="1"/>
+          </p:nvPr>
+        </p:nvSpPr>
+        <p:spPr>
+          <a:xfrm>
+            <a:off x="186599" y="1203054"/>
+            <a:ext cx="10515600" cy="4351338"/>
+          </a:xfrm>
+        </p:spPr>
+        <p:txBody>
+          <a:bodyPr>
+            <a:normAutofit/>
+          </a:bodyPr>
+          <a:lstStyle/>
+          <a:p>
+            <a:pPr marL="0" indent="0">
+              <a:lnSpc>
+                <a:spcPct val="130000"/>
+              </a:lnSpc>
+              <a:buNone/>
+            </a:pPr>
+            <a:r>
+              <a:rPr lang="en-US" altLang="ko-KR" sz="1800" b="1" dirty="0"/>
               <a:t>&gt;DEG </a:t>
             </a:r>
             <a:r>
@@ -7789,7 +11129,7 @@
           <p:cNvPr id="7" name="그림 6">
             <a:extLst>
               <a:ext uri="{FF2B5EF4-FFF2-40B4-BE49-F238E27FC236}">
-                <a16:creationId xmlns:a16="http://schemas.microsoft.com/office/drawing/2014/main" xmlns="" id="{4CF8583E-FD4B-4ACF-B28E-23B9D3C778AF}"/>
+                <a16:creationId xmlns="" xmlns:a16="http://schemas.microsoft.com/office/drawing/2014/main" id="{4CF8583E-FD4B-4ACF-B28E-23B9D3C778AF}"/>
               </a:ext>
             </a:extLst>
           </p:cNvPr>
@@ -7820,7 +11160,7 @@
               <p:cNvPr id="3" name="TextBox 2">
                 <a:extLst>
                   <a:ext uri="{FF2B5EF4-FFF2-40B4-BE49-F238E27FC236}">
-                    <a16:creationId xmlns:a16="http://schemas.microsoft.com/office/drawing/2014/main" xmlns="" id="{1BDDA2C1-03DA-41F1-A879-7E20D290242E}"/>
+                    <a16:creationId xmlns="" xmlns:a16="http://schemas.microsoft.com/office/drawing/2014/main" id="{1BDDA2C1-03DA-41F1-A879-7E20D290242E}"/>
                   </a:ext>
                 </a:extLst>
               </p:cNvPr>
@@ -8019,7 +11359,7 @@
           <p:cNvPr id="9" name="TextBox 8">
             <a:extLst>
               <a:ext uri="{FF2B5EF4-FFF2-40B4-BE49-F238E27FC236}">
-                <a16:creationId xmlns:a16="http://schemas.microsoft.com/office/drawing/2014/main" xmlns="" id="{74EAE6DD-6600-4783-BA14-E6F3368EF3C5}"/>
+                <a16:creationId xmlns="" xmlns:a16="http://schemas.microsoft.com/office/drawing/2014/main" id="{74EAE6DD-6600-4783-BA14-E6F3368EF3C5}"/>
               </a:ext>
             </a:extLst>
           </p:cNvPr>
@@ -8063,1542 +11403,6 @@
     <p:extLst>
       <p:ext uri="{BB962C8B-B14F-4D97-AF65-F5344CB8AC3E}">
         <p14:creationId xmlns:p14="http://schemas.microsoft.com/office/powerpoint/2010/main" val="3155933757"/>
-      </p:ext>
-    </p:extLst>
-  </p:cSld>
-  <p:clrMapOvr>
-    <a:masterClrMapping/>
-  </p:clrMapOvr>
-</p:sld>
-</file>
-
-<file path=ppt/slides/slide7.xml><?xml version="1.0" encoding="utf-8"?>
-<p:sld xmlns:a="http://schemas.openxmlformats.org/drawingml/2006/main" xmlns:r="http://schemas.openxmlformats.org/officeDocument/2006/relationships" xmlns:p="http://schemas.openxmlformats.org/presentationml/2006/main">
-  <p:cSld>
-    <p:spTree>
-      <p:nvGrpSpPr>
-        <p:cNvPr id="1" name=""/>
-        <p:cNvGrpSpPr/>
-        <p:nvPr/>
-      </p:nvGrpSpPr>
-      <p:grpSpPr>
-        <a:xfrm>
-          <a:off x="0" y="0"/>
-          <a:ext cx="0" cy="0"/>
-          <a:chOff x="0" y="0"/>
-          <a:chExt cx="0" cy="0"/>
-        </a:xfrm>
-      </p:grpSpPr>
-      <p:sp>
-        <p:nvSpPr>
-          <p:cNvPr id="4" name="제목 3"/>
-          <p:cNvSpPr>
-            <a:spLocks noGrp="1"/>
-          </p:cNvSpPr>
-          <p:nvPr>
-            <p:ph type="title"/>
-          </p:nvPr>
-        </p:nvSpPr>
-        <p:spPr>
-          <a:xfrm>
-            <a:off x="186599" y="161047"/>
-            <a:ext cx="10515600" cy="788172"/>
-          </a:xfrm>
-        </p:spPr>
-        <p:txBody>
-          <a:bodyPr/>
-          <a:lstStyle/>
-          <a:p>
-            <a:r>
-              <a:rPr lang="en-US" altLang="ko-KR" dirty="0"/>
-              <a:t>DEG</a:t>
-            </a:r>
-            <a:r>
-              <a:rPr lang="ko-KR" altLang="en-US" dirty="0"/>
-              <a:t> </a:t>
-            </a:r>
-            <a:r>
-              <a:rPr lang="en-US" altLang="ko-KR" dirty="0"/>
-              <a:t>Analysis</a:t>
-            </a:r>
-            <a:endParaRPr lang="ko-KR" altLang="en-US" dirty="0"/>
-          </a:p>
-        </p:txBody>
-      </p:sp>
-      <p:sp>
-        <p:nvSpPr>
-          <p:cNvPr id="6" name="TextBox 5"/>
-          <p:cNvSpPr txBox="1"/>
-          <p:nvPr/>
-        </p:nvSpPr>
-        <p:spPr>
-          <a:xfrm>
-            <a:off x="10636296" y="45718"/>
-            <a:ext cx="1435008" cy="369332"/>
-          </a:xfrm>
-          <a:prstGeom prst="rect">
-            <a:avLst/>
-          </a:prstGeom>
-          <a:noFill/>
-        </p:spPr>
-        <p:txBody>
-          <a:bodyPr wrap="none" rtlCol="0">
-            <a:spAutoFit/>
-          </a:bodyPr>
-          <a:lstStyle/>
-          <a:p>
-            <a:r>
-              <a:rPr lang="en-US" altLang="ko-KR" dirty="0"/>
-              <a:t>2. DESeq2.R</a:t>
-            </a:r>
-            <a:endParaRPr lang="ko-KR" altLang="en-US" dirty="0"/>
-          </a:p>
-        </p:txBody>
-      </p:sp>
-      <p:sp>
-        <p:nvSpPr>
-          <p:cNvPr id="10" name="오른쪽 중괄호 9"/>
-          <p:cNvSpPr/>
-          <p:nvPr/>
-        </p:nvSpPr>
-        <p:spPr>
-          <a:xfrm>
-            <a:off x="5953327" y="2386295"/>
-            <a:ext cx="1225685" cy="1238648"/>
-          </a:xfrm>
-          <a:prstGeom prst="rightBrace">
-            <a:avLst>
-              <a:gd name="adj1" fmla="val 0"/>
-              <a:gd name="adj2" fmla="val 50000"/>
-            </a:avLst>
-          </a:prstGeom>
-          <a:ln w="22225">
-            <a:solidFill>
-              <a:srgbClr val="002060"/>
-            </a:solidFill>
-          </a:ln>
-        </p:spPr>
-        <p:style>
-          <a:lnRef idx="1">
-            <a:schemeClr val="accent1"/>
-          </a:lnRef>
-          <a:fillRef idx="0">
-            <a:schemeClr val="accent1"/>
-          </a:fillRef>
-          <a:effectRef idx="0">
-            <a:schemeClr val="accent1"/>
-          </a:effectRef>
-          <a:fontRef idx="minor">
-            <a:schemeClr val="tx1"/>
-          </a:fontRef>
-        </p:style>
-        <p:txBody>
-          <a:bodyPr rtlCol="0" anchor="ctr"/>
-          <a:lstStyle/>
-          <a:p>
-            <a:pPr algn="ctr"/>
-            <a:endParaRPr lang="ko-KR" altLang="en-US"/>
-          </a:p>
-        </p:txBody>
-      </p:sp>
-      <p:sp>
-        <p:nvSpPr>
-          <p:cNvPr id="22" name="오른쪽 중괄호 21"/>
-          <p:cNvSpPr/>
-          <p:nvPr/>
-        </p:nvSpPr>
-        <p:spPr>
-          <a:xfrm>
-            <a:off x="5953570" y="3756567"/>
-            <a:ext cx="1225198" cy="910639"/>
-          </a:xfrm>
-          <a:prstGeom prst="rightBrace">
-            <a:avLst>
-              <a:gd name="adj1" fmla="val 0"/>
-              <a:gd name="adj2" fmla="val 50000"/>
-            </a:avLst>
-          </a:prstGeom>
-          <a:ln w="22225">
-            <a:solidFill>
-              <a:srgbClr val="002060"/>
-            </a:solidFill>
-          </a:ln>
-        </p:spPr>
-        <p:style>
-          <a:lnRef idx="1">
-            <a:schemeClr val="accent1"/>
-          </a:lnRef>
-          <a:fillRef idx="0">
-            <a:schemeClr val="accent1"/>
-          </a:fillRef>
-          <a:effectRef idx="0">
-            <a:schemeClr val="accent1"/>
-          </a:effectRef>
-          <a:fontRef idx="minor">
-            <a:schemeClr val="tx1"/>
-          </a:fontRef>
-        </p:style>
-        <p:txBody>
-          <a:bodyPr rtlCol="0" anchor="ctr"/>
-          <a:lstStyle/>
-          <a:p>
-            <a:pPr algn="ctr"/>
-            <a:endParaRPr lang="ko-KR" altLang="en-US"/>
-          </a:p>
-        </p:txBody>
-      </p:sp>
-      <p:sp>
-        <p:nvSpPr>
-          <p:cNvPr id="23" name="TextBox 22"/>
-          <p:cNvSpPr txBox="1"/>
-          <p:nvPr/>
-        </p:nvSpPr>
-        <p:spPr>
-          <a:xfrm>
-            <a:off x="7298469" y="2799772"/>
-            <a:ext cx="1468672" cy="377091"/>
-          </a:xfrm>
-          <a:prstGeom prst="rect">
-            <a:avLst/>
-          </a:prstGeom>
-          <a:noFill/>
-        </p:spPr>
-        <p:txBody>
-          <a:bodyPr wrap="none" rtlCol="0">
-            <a:spAutoFit/>
-          </a:bodyPr>
-          <a:lstStyle/>
-          <a:p>
-            <a:pPr>
-              <a:lnSpc>
-                <a:spcPct val="130000"/>
-              </a:lnSpc>
-            </a:pPr>
-            <a:r>
-              <a:rPr lang="en-US" altLang="ko-KR" sz="1600" dirty="0"/>
-              <a:t>Divide by day</a:t>
-            </a:r>
-          </a:p>
-        </p:txBody>
-      </p:sp>
-      <p:sp>
-        <p:nvSpPr>
-          <p:cNvPr id="29" name="TextBox 28"/>
-          <p:cNvSpPr txBox="1"/>
-          <p:nvPr/>
-        </p:nvSpPr>
-        <p:spPr>
-          <a:xfrm>
-            <a:off x="7298469" y="4027894"/>
-            <a:ext cx="2215607" cy="377091"/>
-          </a:xfrm>
-          <a:prstGeom prst="rect">
-            <a:avLst/>
-          </a:prstGeom>
-          <a:noFill/>
-        </p:spPr>
-        <p:txBody>
-          <a:bodyPr wrap="none" rtlCol="0">
-            <a:spAutoFit/>
-          </a:bodyPr>
-          <a:lstStyle/>
-          <a:p>
-            <a:pPr>
-              <a:lnSpc>
-                <a:spcPct val="130000"/>
-              </a:lnSpc>
-            </a:pPr>
-            <a:r>
-              <a:rPr lang="en-US" altLang="ko-KR" sz="1600" dirty="0"/>
-              <a:t>To-do before for loop</a:t>
-            </a:r>
-          </a:p>
-        </p:txBody>
-      </p:sp>
-      <p:sp>
-        <p:nvSpPr>
-          <p:cNvPr id="27" name="내용 개체 틀 1">
-            <a:extLst>
-              <a:ext uri="{FF2B5EF4-FFF2-40B4-BE49-F238E27FC236}">
-                <a16:creationId xmlns:a16="http://schemas.microsoft.com/office/drawing/2014/main" xmlns="" id="{11F41BDF-05A9-49F8-909D-4D4DB6ADC8FC}"/>
-              </a:ext>
-            </a:extLst>
-          </p:cNvPr>
-          <p:cNvSpPr>
-            <a:spLocks noGrp="1"/>
-          </p:cNvSpPr>
-          <p:nvPr>
-            <p:ph idx="1"/>
-          </p:nvPr>
-        </p:nvSpPr>
-        <p:spPr>
-          <a:xfrm>
-            <a:off x="186599" y="1203717"/>
-            <a:ext cx="10515600" cy="4351338"/>
-          </a:xfrm>
-        </p:spPr>
-        <p:txBody>
-          <a:bodyPr>
-            <a:normAutofit/>
-          </a:bodyPr>
-          <a:lstStyle/>
-          <a:p>
-            <a:pPr marL="0" indent="0">
-              <a:lnSpc>
-                <a:spcPct val="130000"/>
-              </a:lnSpc>
-              <a:buNone/>
-            </a:pPr>
-            <a:r>
-              <a:rPr lang="en-US" altLang="ko-KR" sz="1800" b="1" dirty="0"/>
-              <a:t>&gt;DEG </a:t>
-            </a:r>
-            <a:r>
-              <a:rPr lang="en-US" altLang="ko-KR" sz="1800" dirty="0"/>
-              <a:t>(Differentially Expressed Gene, </a:t>
-            </a:r>
-            <a:r>
-              <a:rPr lang="ko-KR" altLang="en-US" sz="1800" dirty="0"/>
-              <a:t>차등 발현 유전자 분석</a:t>
-            </a:r>
-            <a:r>
-              <a:rPr lang="en-US" altLang="ko-KR" sz="1800" dirty="0"/>
-              <a:t>)</a:t>
-            </a:r>
-          </a:p>
-          <a:p>
-            <a:pPr marL="0" indent="0">
-              <a:lnSpc>
-                <a:spcPct val="130000"/>
-              </a:lnSpc>
-              <a:buNone/>
-            </a:pPr>
-            <a:r>
-              <a:rPr lang="en-US" altLang="ko-KR" sz="1600" b="1" dirty="0">
-                <a:solidFill>
-                  <a:srgbClr val="FF0000"/>
-                </a:solidFill>
-              </a:rPr>
-              <a:t>* package </a:t>
-            </a:r>
-            <a:r>
-              <a:rPr lang="ko-KR" altLang="en-US" sz="1600" b="1" dirty="0">
-                <a:solidFill>
-                  <a:srgbClr val="FF0000"/>
-                </a:solidFill>
-              </a:rPr>
-              <a:t>및 </a:t>
-            </a:r>
-            <a:r>
-              <a:rPr lang="en-US" altLang="ko-KR" sz="1600" b="1" dirty="0">
-                <a:solidFill>
-                  <a:srgbClr val="FF0000"/>
-                </a:solidFill>
-              </a:rPr>
-              <a:t>input data </a:t>
-            </a:r>
-            <a:r>
-              <a:rPr lang="ko-KR" altLang="en-US" sz="1600" b="1" dirty="0">
-                <a:solidFill>
-                  <a:srgbClr val="FF0000"/>
-                </a:solidFill>
-              </a:rPr>
-              <a:t>불러오는 코드 먼저 실행 후 진행해주세요</a:t>
-            </a:r>
-            <a:r>
-              <a:rPr lang="en-US" altLang="ko-KR" sz="1600" b="1" dirty="0">
-                <a:solidFill>
-                  <a:srgbClr val="FF0000"/>
-                </a:solidFill>
-              </a:rPr>
-              <a:t> *</a:t>
-            </a:r>
-          </a:p>
-        </p:txBody>
-      </p:sp>
-      <p:sp>
-        <p:nvSpPr>
-          <p:cNvPr id="11" name="TextBox 10">
-            <a:extLst>
-              <a:ext uri="{FF2B5EF4-FFF2-40B4-BE49-F238E27FC236}">
-                <a16:creationId xmlns:a16="http://schemas.microsoft.com/office/drawing/2014/main" xmlns="" id="{87742C6C-1726-654D-8215-AB2C2688D3C8}"/>
-              </a:ext>
-            </a:extLst>
-          </p:cNvPr>
-          <p:cNvSpPr txBox="1"/>
-          <p:nvPr/>
-        </p:nvSpPr>
-        <p:spPr>
-          <a:xfrm>
-            <a:off x="7345854" y="3329387"/>
-            <a:ext cx="4336444" cy="545983"/>
-          </a:xfrm>
-          <a:prstGeom prst="rect">
-            <a:avLst/>
-          </a:prstGeom>
-          <a:noFill/>
-        </p:spPr>
-        <p:txBody>
-          <a:bodyPr wrap="none" rtlCol="0">
-            <a:spAutoFit/>
-          </a:bodyPr>
-          <a:lstStyle/>
-          <a:p>
-            <a:pPr>
-              <a:lnSpc>
-                <a:spcPct val="130000"/>
-              </a:lnSpc>
-            </a:pPr>
-            <a:r>
-              <a:rPr lang="en-US" altLang="ko-KR" sz="1200" dirty="0"/>
-              <a:t>(</a:t>
-            </a:r>
-            <a:r>
-              <a:rPr lang="ko-KR" altLang="en-US" sz="1200" dirty="0"/>
-              <a:t>각 </a:t>
-            </a:r>
-            <a:r>
-              <a:rPr lang="en-US" altLang="ko-KR" sz="1200" dirty="0"/>
-              <a:t>Day</a:t>
-            </a:r>
-            <a:r>
-              <a:rPr lang="ko-KR" altLang="en-US" sz="1200" dirty="0"/>
-              <a:t>마다 </a:t>
-            </a:r>
-            <a:r>
-              <a:rPr lang="en-US" altLang="ko-KR" sz="1200" dirty="0"/>
-              <a:t>DEG</a:t>
-            </a:r>
-            <a:r>
-              <a:rPr lang="ko-KR" altLang="en-US" sz="1200" dirty="0" err="1"/>
-              <a:t>를</a:t>
-            </a:r>
-            <a:r>
-              <a:rPr lang="ko-KR" altLang="en-US" sz="1200" dirty="0"/>
-              <a:t> 구하기 위해</a:t>
-            </a:r>
-            <a:endParaRPr lang="en-US" altLang="ko-KR" sz="1200" dirty="0"/>
-          </a:p>
-          <a:p>
-            <a:pPr>
-              <a:lnSpc>
-                <a:spcPct val="130000"/>
-              </a:lnSpc>
-            </a:pPr>
-            <a:r>
-              <a:rPr lang="en-US" altLang="ko-KR" sz="1200" dirty="0"/>
-              <a:t>day8, day12, day16, day24</a:t>
-            </a:r>
-            <a:r>
-              <a:rPr lang="ko-KR" altLang="en-US" sz="1200" dirty="0"/>
-              <a:t>로 </a:t>
-            </a:r>
-            <a:r>
-              <a:rPr lang="en-US" altLang="ko-KR" sz="1200" dirty="0"/>
-              <a:t>input data</a:t>
-            </a:r>
-            <a:r>
-              <a:rPr lang="ko-KR" altLang="en-US" sz="1200" dirty="0" err="1"/>
-              <a:t>를</a:t>
-            </a:r>
-            <a:r>
-              <a:rPr lang="ko-KR" altLang="en-US" sz="1200" dirty="0"/>
-              <a:t> 나눠주었습니다</a:t>
-            </a:r>
-            <a:r>
-              <a:rPr lang="en-US" altLang="ko-KR" sz="1200" dirty="0"/>
-              <a:t>.)</a:t>
-            </a:r>
-          </a:p>
-        </p:txBody>
-      </p:sp>
-      <p:sp>
-        <p:nvSpPr>
-          <p:cNvPr id="12" name="TextBox 11">
-            <a:extLst>
-              <a:ext uri="{FF2B5EF4-FFF2-40B4-BE49-F238E27FC236}">
-                <a16:creationId xmlns:a16="http://schemas.microsoft.com/office/drawing/2014/main" xmlns="" id="{87742C6C-1726-654D-8215-AB2C2688D3C8}"/>
-              </a:ext>
-            </a:extLst>
-          </p:cNvPr>
-          <p:cNvSpPr txBox="1"/>
-          <p:nvPr/>
-        </p:nvSpPr>
-        <p:spPr>
-          <a:xfrm>
-            <a:off x="7345854" y="4557509"/>
-            <a:ext cx="4089581" cy="572464"/>
-          </a:xfrm>
-          <a:prstGeom prst="rect">
-            <a:avLst/>
-          </a:prstGeom>
-          <a:noFill/>
-        </p:spPr>
-        <p:txBody>
-          <a:bodyPr wrap="none" rtlCol="0">
-            <a:spAutoFit/>
-          </a:bodyPr>
-          <a:lstStyle/>
-          <a:p>
-            <a:pPr>
-              <a:lnSpc>
-                <a:spcPct val="130000"/>
-              </a:lnSpc>
-            </a:pPr>
-            <a:r>
-              <a:rPr lang="en-US" altLang="ko-KR" sz="1200" dirty="0" smtClean="0"/>
-              <a:t>(Day</a:t>
-            </a:r>
-            <a:r>
-              <a:rPr lang="ko-KR" altLang="en-US" sz="1200" dirty="0" smtClean="0"/>
-              <a:t>별로 </a:t>
-            </a:r>
-            <a:r>
-              <a:rPr lang="en-US" altLang="ko-KR" sz="1200" dirty="0" smtClean="0"/>
-              <a:t>DEG </a:t>
-            </a:r>
-            <a:r>
-              <a:rPr lang="ko-KR" altLang="en-US" sz="1200" dirty="0" smtClean="0"/>
-              <a:t>구하는 것을 한 코드로 실행하기 위해</a:t>
-            </a:r>
-            <a:endParaRPr lang="en-US" altLang="ko-KR" sz="1200" dirty="0"/>
-          </a:p>
-          <a:p>
-            <a:pPr>
-              <a:lnSpc>
-                <a:spcPct val="130000"/>
-              </a:lnSpc>
-            </a:pPr>
-            <a:r>
-              <a:rPr lang="en-US" altLang="ko-KR" sz="1200" dirty="0"/>
-              <a:t>f</a:t>
-            </a:r>
-            <a:r>
-              <a:rPr lang="en-US" altLang="ko-KR" sz="1200" dirty="0" smtClean="0"/>
-              <a:t>or</a:t>
-            </a:r>
-            <a:r>
-              <a:rPr lang="ko-KR" altLang="en-US" sz="1200" dirty="0" smtClean="0"/>
-              <a:t>문을 사용하는데</a:t>
-            </a:r>
-            <a:r>
-              <a:rPr lang="en-US" altLang="ko-KR" sz="1200" dirty="0" smtClean="0"/>
-              <a:t>, </a:t>
-            </a:r>
-            <a:r>
-              <a:rPr lang="ko-KR" altLang="en-US" sz="1200" dirty="0" smtClean="0"/>
-              <a:t>그를 위해 필요한 사전 작업입니다</a:t>
-            </a:r>
-            <a:r>
-              <a:rPr lang="en-US" altLang="ko-KR" sz="1200" dirty="0" smtClean="0"/>
-              <a:t>.)</a:t>
-            </a:r>
-            <a:endParaRPr lang="en-US" altLang="ko-KR" sz="1200" dirty="0"/>
-          </a:p>
-        </p:txBody>
-      </p:sp>
-      <p:pic>
-        <p:nvPicPr>
-          <p:cNvPr id="2" name="그림 1"/>
-          <p:cNvPicPr>
-            <a:picLocks noChangeAspect="1"/>
-          </p:cNvPicPr>
-          <p:nvPr/>
-        </p:nvPicPr>
-        <p:blipFill rotWithShape="1">
-          <a:blip r:embed="rId3"/>
-          <a:srcRect l="844"/>
-          <a:stretch/>
-        </p:blipFill>
-        <p:spPr>
-          <a:xfrm>
-            <a:off x="302125" y="2143909"/>
-            <a:ext cx="5655870" cy="2523297"/>
-          </a:xfrm>
-          <a:prstGeom prst="rect">
-            <a:avLst/>
-          </a:prstGeom>
-        </p:spPr>
-      </p:pic>
-    </p:spTree>
-    <p:extLst>
-      <p:ext uri="{BB962C8B-B14F-4D97-AF65-F5344CB8AC3E}">
-        <p14:creationId xmlns:p14="http://schemas.microsoft.com/office/powerpoint/2010/main" val="2274255950"/>
-      </p:ext>
-    </p:extLst>
-  </p:cSld>
-  <p:clrMapOvr>
-    <a:masterClrMapping/>
-  </p:clrMapOvr>
-</p:sld>
-</file>
-
-<file path=ppt/slides/slide8.xml><?xml version="1.0" encoding="utf-8"?>
-<p:sld xmlns:a="http://schemas.openxmlformats.org/drawingml/2006/main" xmlns:r="http://schemas.openxmlformats.org/officeDocument/2006/relationships" xmlns:p="http://schemas.openxmlformats.org/presentationml/2006/main">
-  <p:cSld>
-    <p:spTree>
-      <p:nvGrpSpPr>
-        <p:cNvPr id="1" name=""/>
-        <p:cNvGrpSpPr/>
-        <p:nvPr/>
-      </p:nvGrpSpPr>
-      <p:grpSpPr>
-        <a:xfrm>
-          <a:off x="0" y="0"/>
-          <a:ext cx="0" cy="0"/>
-          <a:chOff x="0" y="0"/>
-          <a:chExt cx="0" cy="0"/>
-        </a:xfrm>
-      </p:grpSpPr>
-      <p:sp>
-        <p:nvSpPr>
-          <p:cNvPr id="4" name="제목 3"/>
-          <p:cNvSpPr>
-            <a:spLocks noGrp="1"/>
-          </p:cNvSpPr>
-          <p:nvPr>
-            <p:ph type="title"/>
-          </p:nvPr>
-        </p:nvSpPr>
-        <p:spPr>
-          <a:xfrm>
-            <a:off x="186599" y="161047"/>
-            <a:ext cx="10515600" cy="788172"/>
-          </a:xfrm>
-        </p:spPr>
-        <p:txBody>
-          <a:bodyPr/>
-          <a:lstStyle/>
-          <a:p>
-            <a:r>
-              <a:rPr lang="en-US" altLang="ko-KR" dirty="0"/>
-              <a:t>DEG</a:t>
-            </a:r>
-            <a:r>
-              <a:rPr lang="ko-KR" altLang="en-US" dirty="0"/>
-              <a:t> </a:t>
-            </a:r>
-            <a:r>
-              <a:rPr lang="en-US" altLang="ko-KR" dirty="0"/>
-              <a:t>Analysis</a:t>
-            </a:r>
-            <a:endParaRPr lang="ko-KR" altLang="en-US" dirty="0"/>
-          </a:p>
-        </p:txBody>
-      </p:sp>
-      <p:sp>
-        <p:nvSpPr>
-          <p:cNvPr id="6" name="TextBox 5"/>
-          <p:cNvSpPr txBox="1"/>
-          <p:nvPr/>
-        </p:nvSpPr>
-        <p:spPr>
-          <a:xfrm>
-            <a:off x="10636296" y="45718"/>
-            <a:ext cx="1435008" cy="369332"/>
-          </a:xfrm>
-          <a:prstGeom prst="rect">
-            <a:avLst/>
-          </a:prstGeom>
-          <a:noFill/>
-        </p:spPr>
-        <p:txBody>
-          <a:bodyPr wrap="none" rtlCol="0">
-            <a:spAutoFit/>
-          </a:bodyPr>
-          <a:lstStyle/>
-          <a:p>
-            <a:r>
-              <a:rPr lang="en-US" altLang="ko-KR" dirty="0"/>
-              <a:t>2. DESeq2.R</a:t>
-            </a:r>
-            <a:endParaRPr lang="ko-KR" altLang="en-US" dirty="0"/>
-          </a:p>
-        </p:txBody>
-      </p:sp>
-      <p:sp>
-        <p:nvSpPr>
-          <p:cNvPr id="23" name="TextBox 22"/>
-          <p:cNvSpPr txBox="1"/>
-          <p:nvPr/>
-        </p:nvSpPr>
-        <p:spPr>
-          <a:xfrm>
-            <a:off x="8747389" y="4309060"/>
-            <a:ext cx="2956259" cy="377091"/>
-          </a:xfrm>
-          <a:prstGeom prst="rect">
-            <a:avLst/>
-          </a:prstGeom>
-          <a:noFill/>
-        </p:spPr>
-        <p:txBody>
-          <a:bodyPr wrap="none" rtlCol="0">
-            <a:spAutoFit/>
-          </a:bodyPr>
-          <a:lstStyle/>
-          <a:p>
-            <a:pPr>
-              <a:lnSpc>
-                <a:spcPct val="130000"/>
-              </a:lnSpc>
-            </a:pPr>
-            <a:r>
-              <a:rPr lang="en-US" altLang="ko-KR" sz="1600" dirty="0"/>
-              <a:t>Run DEG analysis by DESeq2</a:t>
-            </a:r>
-          </a:p>
-        </p:txBody>
-      </p:sp>
-      <p:sp>
-        <p:nvSpPr>
-          <p:cNvPr id="29" name="TextBox 28"/>
-          <p:cNvSpPr txBox="1"/>
-          <p:nvPr/>
-        </p:nvSpPr>
-        <p:spPr>
-          <a:xfrm>
-            <a:off x="8747389" y="6195955"/>
-            <a:ext cx="1420902" cy="377091"/>
-          </a:xfrm>
-          <a:prstGeom prst="rect">
-            <a:avLst/>
-          </a:prstGeom>
-          <a:noFill/>
-        </p:spPr>
-        <p:txBody>
-          <a:bodyPr wrap="none" rtlCol="0">
-            <a:spAutoFit/>
-          </a:bodyPr>
-          <a:lstStyle/>
-          <a:p>
-            <a:pPr>
-              <a:lnSpc>
-                <a:spcPct val="130000"/>
-              </a:lnSpc>
-            </a:pPr>
-            <a:r>
-              <a:rPr lang="en-US" altLang="ko-KR" sz="1600" dirty="0"/>
-              <a:t>Save RDS file</a:t>
-            </a:r>
-          </a:p>
-        </p:txBody>
-      </p:sp>
-      <p:sp>
-        <p:nvSpPr>
-          <p:cNvPr id="20" name="내용 개체 틀 1">
-            <a:extLst>
-              <a:ext uri="{FF2B5EF4-FFF2-40B4-BE49-F238E27FC236}">
-                <a16:creationId xmlns:a16="http://schemas.microsoft.com/office/drawing/2014/main" xmlns="" id="{F64DB2F0-0A18-4CE1-9734-3B587EE8E81B}"/>
-              </a:ext>
-            </a:extLst>
-          </p:cNvPr>
-          <p:cNvSpPr txBox="1">
-            <a:spLocks/>
-          </p:cNvSpPr>
-          <p:nvPr/>
-        </p:nvSpPr>
-        <p:spPr>
-          <a:xfrm>
-            <a:off x="186599" y="1203717"/>
-            <a:ext cx="10515600" cy="4351338"/>
-          </a:xfrm>
-          <a:prstGeom prst="rect">
-            <a:avLst/>
-          </a:prstGeom>
-        </p:spPr>
-        <p:txBody>
-          <a:bodyPr vert="horz" lIns="91440" tIns="45720" rIns="91440" bIns="45720" rtlCol="0">
-            <a:normAutofit/>
-          </a:bodyPr>
-          <a:lstStyle>
-            <a:lvl1pPr marL="228600" indent="-228600" algn="l" defTabSz="914400" rtl="0" eaLnBrk="1" latinLnBrk="1" hangingPunct="1">
-              <a:lnSpc>
-                <a:spcPct val="90000"/>
-              </a:lnSpc>
-              <a:spcBef>
-                <a:spcPts val="1000"/>
-              </a:spcBef>
-              <a:buFont typeface="Arial" panose="020B0604020202020204" pitchFamily="34" charset="0"/>
-              <a:buChar char="•"/>
-              <a:defRPr sz="2800" kern="1200">
-                <a:solidFill>
-                  <a:schemeClr val="tx1"/>
-                </a:solidFill>
-                <a:latin typeface="+mn-lt"/>
-                <a:ea typeface="+mn-ea"/>
-                <a:cs typeface="+mn-cs"/>
-              </a:defRPr>
-            </a:lvl1pPr>
-            <a:lvl2pPr marL="685800" indent="-228600" algn="l" defTabSz="914400" rtl="0" eaLnBrk="1" latinLnBrk="1" hangingPunct="1">
-              <a:lnSpc>
-                <a:spcPct val="90000"/>
-              </a:lnSpc>
-              <a:spcBef>
-                <a:spcPts val="500"/>
-              </a:spcBef>
-              <a:buFont typeface="Arial" panose="020B0604020202020204" pitchFamily="34" charset="0"/>
-              <a:buChar char="•"/>
-              <a:defRPr sz="2400" kern="1200">
-                <a:solidFill>
-                  <a:schemeClr val="tx1"/>
-                </a:solidFill>
-                <a:latin typeface="+mn-lt"/>
-                <a:ea typeface="+mn-ea"/>
-                <a:cs typeface="+mn-cs"/>
-              </a:defRPr>
-            </a:lvl2pPr>
-            <a:lvl3pPr marL="1143000" indent="-228600" algn="l" defTabSz="914400" rtl="0" eaLnBrk="1" latinLnBrk="1" hangingPunct="1">
-              <a:lnSpc>
-                <a:spcPct val="90000"/>
-              </a:lnSpc>
-              <a:spcBef>
-                <a:spcPts val="500"/>
-              </a:spcBef>
-              <a:buFont typeface="Arial" panose="020B0604020202020204" pitchFamily="34" charset="0"/>
-              <a:buChar char="•"/>
-              <a:defRPr sz="2000" kern="1200">
-                <a:solidFill>
-                  <a:schemeClr val="tx1"/>
-                </a:solidFill>
-                <a:latin typeface="+mn-lt"/>
-                <a:ea typeface="+mn-ea"/>
-                <a:cs typeface="+mn-cs"/>
-              </a:defRPr>
-            </a:lvl3pPr>
-            <a:lvl4pPr marL="1600200" indent="-228600" algn="l" defTabSz="914400" rtl="0" eaLnBrk="1" latinLnBrk="1" hangingPunct="1">
-              <a:lnSpc>
-                <a:spcPct val="90000"/>
-              </a:lnSpc>
-              <a:spcBef>
-                <a:spcPts val="500"/>
-              </a:spcBef>
-              <a:buFont typeface="Arial" panose="020B0604020202020204" pitchFamily="34" charset="0"/>
-              <a:buChar char="•"/>
-              <a:defRPr sz="1800" kern="1200">
-                <a:solidFill>
-                  <a:schemeClr val="tx1"/>
-                </a:solidFill>
-                <a:latin typeface="+mn-lt"/>
-                <a:ea typeface="+mn-ea"/>
-                <a:cs typeface="+mn-cs"/>
-              </a:defRPr>
-            </a:lvl4pPr>
-            <a:lvl5pPr marL="2057400" indent="-228600" algn="l" defTabSz="914400" rtl="0" eaLnBrk="1" latinLnBrk="1" hangingPunct="1">
-              <a:lnSpc>
-                <a:spcPct val="90000"/>
-              </a:lnSpc>
-              <a:spcBef>
-                <a:spcPts val="500"/>
-              </a:spcBef>
-              <a:buFont typeface="Arial" panose="020B0604020202020204" pitchFamily="34" charset="0"/>
-              <a:buChar char="•"/>
-              <a:defRPr sz="1800" kern="1200">
-                <a:solidFill>
-                  <a:schemeClr val="tx1"/>
-                </a:solidFill>
-                <a:latin typeface="+mn-lt"/>
-                <a:ea typeface="+mn-ea"/>
-                <a:cs typeface="+mn-cs"/>
-              </a:defRPr>
-            </a:lvl5pPr>
-            <a:lvl6pPr marL="2514600" indent="-228600" algn="l" defTabSz="914400" rtl="0" eaLnBrk="1" latinLnBrk="1" hangingPunct="1">
-              <a:lnSpc>
-                <a:spcPct val="90000"/>
-              </a:lnSpc>
-              <a:spcBef>
-                <a:spcPts val="500"/>
-              </a:spcBef>
-              <a:buFont typeface="Arial" panose="020B0604020202020204" pitchFamily="34" charset="0"/>
-              <a:buChar char="•"/>
-              <a:defRPr sz="1800" kern="1200">
-                <a:solidFill>
-                  <a:schemeClr val="tx1"/>
-                </a:solidFill>
-                <a:latin typeface="+mn-lt"/>
-                <a:ea typeface="+mn-ea"/>
-                <a:cs typeface="+mn-cs"/>
-              </a:defRPr>
-            </a:lvl6pPr>
-            <a:lvl7pPr marL="2971800" indent="-228600" algn="l" defTabSz="914400" rtl="0" eaLnBrk="1" latinLnBrk="1" hangingPunct="1">
-              <a:lnSpc>
-                <a:spcPct val="90000"/>
-              </a:lnSpc>
-              <a:spcBef>
-                <a:spcPts val="500"/>
-              </a:spcBef>
-              <a:buFont typeface="Arial" panose="020B0604020202020204" pitchFamily="34" charset="0"/>
-              <a:buChar char="•"/>
-              <a:defRPr sz="1800" kern="1200">
-                <a:solidFill>
-                  <a:schemeClr val="tx1"/>
-                </a:solidFill>
-                <a:latin typeface="+mn-lt"/>
-                <a:ea typeface="+mn-ea"/>
-                <a:cs typeface="+mn-cs"/>
-              </a:defRPr>
-            </a:lvl7pPr>
-            <a:lvl8pPr marL="3429000" indent="-228600" algn="l" defTabSz="914400" rtl="0" eaLnBrk="1" latinLnBrk="1" hangingPunct="1">
-              <a:lnSpc>
-                <a:spcPct val="90000"/>
-              </a:lnSpc>
-              <a:spcBef>
-                <a:spcPts val="500"/>
-              </a:spcBef>
-              <a:buFont typeface="Arial" panose="020B0604020202020204" pitchFamily="34" charset="0"/>
-              <a:buChar char="•"/>
-              <a:defRPr sz="1800" kern="1200">
-                <a:solidFill>
-                  <a:schemeClr val="tx1"/>
-                </a:solidFill>
-                <a:latin typeface="+mn-lt"/>
-                <a:ea typeface="+mn-ea"/>
-                <a:cs typeface="+mn-cs"/>
-              </a:defRPr>
-            </a:lvl8pPr>
-            <a:lvl9pPr marL="3886200" indent="-228600" algn="l" defTabSz="914400" rtl="0" eaLnBrk="1" latinLnBrk="1" hangingPunct="1">
-              <a:lnSpc>
-                <a:spcPct val="90000"/>
-              </a:lnSpc>
-              <a:spcBef>
-                <a:spcPts val="500"/>
-              </a:spcBef>
-              <a:buFont typeface="Arial" panose="020B0604020202020204" pitchFamily="34" charset="0"/>
-              <a:buChar char="•"/>
-              <a:defRPr sz="1800" kern="1200">
-                <a:solidFill>
-                  <a:schemeClr val="tx1"/>
-                </a:solidFill>
-                <a:latin typeface="+mn-lt"/>
-                <a:ea typeface="+mn-ea"/>
-                <a:cs typeface="+mn-cs"/>
-              </a:defRPr>
-            </a:lvl9pPr>
-          </a:lstStyle>
-          <a:p>
-            <a:pPr marL="0" indent="0">
-              <a:lnSpc>
-                <a:spcPct val="130000"/>
-              </a:lnSpc>
-              <a:buFont typeface="Arial" panose="020B0604020202020204" pitchFamily="34" charset="0"/>
-              <a:buNone/>
-            </a:pPr>
-            <a:r>
-              <a:rPr lang="en-US" altLang="ko-KR" sz="1800" b="1" dirty="0"/>
-              <a:t>&gt;DEG </a:t>
-            </a:r>
-            <a:r>
-              <a:rPr lang="en-US" altLang="ko-KR" sz="1800" dirty="0"/>
-              <a:t>(Differentially Expressed Gene, </a:t>
-            </a:r>
-            <a:r>
-              <a:rPr lang="ko-KR" altLang="en-US" sz="1800" dirty="0"/>
-              <a:t>차등 발현 유전자 분석</a:t>
-            </a:r>
-            <a:r>
-              <a:rPr lang="en-US" altLang="ko-KR" sz="1800" dirty="0"/>
-              <a:t>)</a:t>
-            </a:r>
-          </a:p>
-          <a:p>
-            <a:pPr marL="0" indent="0">
-              <a:lnSpc>
-                <a:spcPct val="130000"/>
-              </a:lnSpc>
-              <a:buFont typeface="Arial" panose="020B0604020202020204" pitchFamily="34" charset="0"/>
-              <a:buNone/>
-            </a:pPr>
-            <a:r>
-              <a:rPr lang="en-US" altLang="ko-KR" sz="1600" b="1" dirty="0">
-                <a:solidFill>
-                  <a:srgbClr val="FF0000"/>
-                </a:solidFill>
-              </a:rPr>
-              <a:t>* package </a:t>
-            </a:r>
-            <a:r>
-              <a:rPr lang="ko-KR" altLang="en-US" sz="1600" b="1" dirty="0">
-                <a:solidFill>
-                  <a:srgbClr val="FF0000"/>
-                </a:solidFill>
-              </a:rPr>
-              <a:t>및 </a:t>
-            </a:r>
-            <a:r>
-              <a:rPr lang="en-US" altLang="ko-KR" sz="1600" b="1" dirty="0">
-                <a:solidFill>
-                  <a:srgbClr val="FF0000"/>
-                </a:solidFill>
-              </a:rPr>
-              <a:t>input data </a:t>
-            </a:r>
-            <a:r>
-              <a:rPr lang="ko-KR" altLang="en-US" sz="1600" b="1" dirty="0">
-                <a:solidFill>
-                  <a:srgbClr val="FF0000"/>
-                </a:solidFill>
-              </a:rPr>
-              <a:t>불러오는 코드 먼저 실행 후 진행해주세요</a:t>
-            </a:r>
-            <a:r>
-              <a:rPr lang="en-US" altLang="ko-KR" sz="1600" b="1" dirty="0">
-                <a:solidFill>
-                  <a:srgbClr val="FF0000"/>
-                </a:solidFill>
-              </a:rPr>
-              <a:t> *</a:t>
-            </a:r>
-          </a:p>
-        </p:txBody>
-      </p:sp>
-      <p:sp>
-        <p:nvSpPr>
-          <p:cNvPr id="36" name="TextBox 35">
-            <a:extLst>
-              <a:ext uri="{FF2B5EF4-FFF2-40B4-BE49-F238E27FC236}">
-                <a16:creationId xmlns:a16="http://schemas.microsoft.com/office/drawing/2014/main" xmlns="" id="{53267BF0-69BF-4118-B5E7-BB1D5B46579C}"/>
-              </a:ext>
-            </a:extLst>
-          </p:cNvPr>
-          <p:cNvSpPr txBox="1"/>
-          <p:nvPr/>
-        </p:nvSpPr>
-        <p:spPr>
-          <a:xfrm>
-            <a:off x="8747389" y="5129300"/>
-            <a:ext cx="3001976" cy="626005"/>
-          </a:xfrm>
-          <a:prstGeom prst="rect">
-            <a:avLst/>
-          </a:prstGeom>
-          <a:noFill/>
-        </p:spPr>
-        <p:txBody>
-          <a:bodyPr wrap="none" rtlCol="0">
-            <a:spAutoFit/>
-          </a:bodyPr>
-          <a:lstStyle/>
-          <a:p>
-            <a:pPr>
-              <a:lnSpc>
-                <a:spcPct val="130000"/>
-              </a:lnSpc>
-            </a:pPr>
-            <a:r>
-              <a:rPr lang="en-US" altLang="ko-KR" sz="1600" dirty="0"/>
-              <a:t>Extract significant genes</a:t>
-            </a:r>
-          </a:p>
-          <a:p>
-            <a:pPr>
-              <a:lnSpc>
-                <a:spcPct val="130000"/>
-              </a:lnSpc>
-            </a:pPr>
-            <a:r>
-              <a:rPr lang="en-US" altLang="ko-KR" sz="1200" dirty="0"/>
-              <a:t>(Criteria : |FC|≥2, adjusted p value&lt;0.01)</a:t>
-            </a:r>
-            <a:endParaRPr lang="en-US" altLang="ko-KR" sz="1600" dirty="0"/>
-          </a:p>
-        </p:txBody>
-      </p:sp>
-      <p:pic>
-        <p:nvPicPr>
-          <p:cNvPr id="7" name="그림 6"/>
-          <p:cNvPicPr>
-            <a:picLocks noChangeAspect="1"/>
-          </p:cNvPicPr>
-          <p:nvPr/>
-        </p:nvPicPr>
-        <p:blipFill rotWithShape="1">
-          <a:blip r:embed="rId3"/>
-          <a:srcRect l="202"/>
-          <a:stretch/>
-        </p:blipFill>
-        <p:spPr>
-          <a:xfrm>
-            <a:off x="304800" y="2441158"/>
-            <a:ext cx="7366848" cy="4140402"/>
-          </a:xfrm>
-          <a:prstGeom prst="rect">
-            <a:avLst/>
-          </a:prstGeom>
-        </p:spPr>
-      </p:pic>
-      <p:sp>
-        <p:nvSpPr>
-          <p:cNvPr id="26" name="직사각형 25">
-            <a:extLst>
-              <a:ext uri="{FF2B5EF4-FFF2-40B4-BE49-F238E27FC236}">
-                <a16:creationId xmlns:a16="http://schemas.microsoft.com/office/drawing/2014/main" xmlns="" id="{488448E0-BF06-4638-95D8-94BA51B62AB6}"/>
-              </a:ext>
-            </a:extLst>
-          </p:cNvPr>
-          <p:cNvSpPr/>
-          <p:nvPr/>
-        </p:nvSpPr>
-        <p:spPr>
-          <a:xfrm>
-            <a:off x="3829965" y="3077980"/>
-            <a:ext cx="969026" cy="155313"/>
-          </a:xfrm>
-          <a:prstGeom prst="rect">
-            <a:avLst/>
-          </a:prstGeom>
-          <a:solidFill>
-            <a:schemeClr val="accent2">
-              <a:alpha val="20000"/>
-            </a:schemeClr>
-          </a:solidFill>
-          <a:ln w="25400">
-            <a:solidFill>
-              <a:schemeClr val="accent2"/>
-            </a:solidFill>
-          </a:ln>
-        </p:spPr>
-        <p:style>
-          <a:lnRef idx="2">
-            <a:schemeClr val="accent1">
-              <a:shade val="50000"/>
-            </a:schemeClr>
-          </a:lnRef>
-          <a:fillRef idx="1">
-            <a:schemeClr val="accent1"/>
-          </a:fillRef>
-          <a:effectRef idx="0">
-            <a:schemeClr val="accent1"/>
-          </a:effectRef>
-          <a:fontRef idx="minor">
-            <a:schemeClr val="lt1"/>
-          </a:fontRef>
-        </p:style>
-        <p:txBody>
-          <a:bodyPr rtlCol="0" anchor="ctr"/>
-          <a:lstStyle/>
-          <a:p>
-            <a:pPr algn="ctr"/>
-            <a:endParaRPr lang="ko-KR" altLang="en-US"/>
-          </a:p>
-        </p:txBody>
-      </p:sp>
-      <p:sp>
-        <p:nvSpPr>
-          <p:cNvPr id="27" name="직사각형 26">
-            <a:extLst>
-              <a:ext uri="{FF2B5EF4-FFF2-40B4-BE49-F238E27FC236}">
-                <a16:creationId xmlns:a16="http://schemas.microsoft.com/office/drawing/2014/main" xmlns="" id="{0C03803D-B15C-4391-AA0A-1D58055E475B}"/>
-              </a:ext>
-            </a:extLst>
-          </p:cNvPr>
-          <p:cNvSpPr/>
-          <p:nvPr/>
-        </p:nvSpPr>
-        <p:spPr>
-          <a:xfrm>
-            <a:off x="3969750" y="2925000"/>
-            <a:ext cx="909295" cy="155313"/>
-          </a:xfrm>
-          <a:prstGeom prst="rect">
-            <a:avLst/>
-          </a:prstGeom>
-          <a:solidFill>
-            <a:schemeClr val="accent2">
-              <a:alpha val="20000"/>
-            </a:schemeClr>
-          </a:solidFill>
-          <a:ln w="25400">
-            <a:solidFill>
-              <a:schemeClr val="accent2"/>
-            </a:solidFill>
-          </a:ln>
-        </p:spPr>
-        <p:style>
-          <a:lnRef idx="2">
-            <a:schemeClr val="accent1">
-              <a:shade val="50000"/>
-            </a:schemeClr>
-          </a:lnRef>
-          <a:fillRef idx="1">
-            <a:schemeClr val="accent1"/>
-          </a:fillRef>
-          <a:effectRef idx="0">
-            <a:schemeClr val="accent1"/>
-          </a:effectRef>
-          <a:fontRef idx="minor">
-            <a:schemeClr val="lt1"/>
-          </a:fontRef>
-        </p:style>
-        <p:txBody>
-          <a:bodyPr rtlCol="0" anchor="ctr"/>
-          <a:lstStyle/>
-          <a:p>
-            <a:pPr algn="ctr"/>
-            <a:endParaRPr lang="ko-KR" altLang="en-US"/>
-          </a:p>
-        </p:txBody>
-      </p:sp>
-      <p:sp>
-        <p:nvSpPr>
-          <p:cNvPr id="33" name="직사각형 32">
-            <a:extLst>
-              <a:ext uri="{FF2B5EF4-FFF2-40B4-BE49-F238E27FC236}">
-                <a16:creationId xmlns:a16="http://schemas.microsoft.com/office/drawing/2014/main" xmlns="" id="{0E733A80-DF78-4A25-901B-8D2A2CFEF47B}"/>
-              </a:ext>
-            </a:extLst>
-          </p:cNvPr>
-          <p:cNvSpPr/>
-          <p:nvPr/>
-        </p:nvSpPr>
-        <p:spPr>
-          <a:xfrm>
-            <a:off x="3324225" y="5610147"/>
-            <a:ext cx="1968500" cy="155313"/>
-          </a:xfrm>
-          <a:prstGeom prst="rect">
-            <a:avLst/>
-          </a:prstGeom>
-          <a:solidFill>
-            <a:schemeClr val="accent2">
-              <a:alpha val="20000"/>
-            </a:schemeClr>
-          </a:solidFill>
-          <a:ln w="25400">
-            <a:solidFill>
-              <a:schemeClr val="accent2"/>
-            </a:solidFill>
-          </a:ln>
-        </p:spPr>
-        <p:style>
-          <a:lnRef idx="2">
-            <a:schemeClr val="accent1">
-              <a:shade val="50000"/>
-            </a:schemeClr>
-          </a:lnRef>
-          <a:fillRef idx="1">
-            <a:schemeClr val="accent1"/>
-          </a:fillRef>
-          <a:effectRef idx="0">
-            <a:schemeClr val="accent1"/>
-          </a:effectRef>
-          <a:fontRef idx="minor">
-            <a:schemeClr val="lt1"/>
-          </a:fontRef>
-        </p:style>
-        <p:txBody>
-          <a:bodyPr rtlCol="0" anchor="ctr"/>
-          <a:lstStyle/>
-          <a:p>
-            <a:pPr algn="ctr"/>
-            <a:endParaRPr lang="ko-KR" altLang="en-US"/>
-          </a:p>
-        </p:txBody>
-      </p:sp>
-      <p:sp>
-        <p:nvSpPr>
-          <p:cNvPr id="35" name="오른쪽 중괄호 34">
-            <a:extLst>
-              <a:ext uri="{FF2B5EF4-FFF2-40B4-BE49-F238E27FC236}">
-                <a16:creationId xmlns:a16="http://schemas.microsoft.com/office/drawing/2014/main" xmlns="" id="{12797CB4-F5BA-44A2-84C7-5F83F160E6C2}"/>
-              </a:ext>
-            </a:extLst>
-          </p:cNvPr>
-          <p:cNvSpPr/>
-          <p:nvPr/>
-        </p:nvSpPr>
-        <p:spPr>
-          <a:xfrm>
-            <a:off x="7418564" y="4838698"/>
-            <a:ext cx="1225198" cy="952501"/>
-          </a:xfrm>
-          <a:prstGeom prst="rightBrace">
-            <a:avLst>
-              <a:gd name="adj1" fmla="val 0"/>
-              <a:gd name="adj2" fmla="val 50000"/>
-            </a:avLst>
-          </a:prstGeom>
-          <a:ln w="22225">
-            <a:solidFill>
-              <a:srgbClr val="002060"/>
-            </a:solidFill>
-          </a:ln>
-        </p:spPr>
-        <p:style>
-          <a:lnRef idx="1">
-            <a:schemeClr val="accent1"/>
-          </a:lnRef>
-          <a:fillRef idx="0">
-            <a:schemeClr val="accent1"/>
-          </a:fillRef>
-          <a:effectRef idx="0">
-            <a:schemeClr val="accent1"/>
-          </a:effectRef>
-          <a:fontRef idx="minor">
-            <a:schemeClr val="tx1"/>
-          </a:fontRef>
-        </p:style>
-        <p:txBody>
-          <a:bodyPr rtlCol="0" anchor="ctr"/>
-          <a:lstStyle/>
-          <a:p>
-            <a:pPr algn="ctr"/>
-            <a:endParaRPr lang="ko-KR" altLang="en-US"/>
-          </a:p>
-        </p:txBody>
-      </p:sp>
-      <p:sp>
-        <p:nvSpPr>
-          <p:cNvPr id="10" name="오른쪽 중괄호 9"/>
-          <p:cNvSpPr/>
-          <p:nvPr/>
-        </p:nvSpPr>
-        <p:spPr>
-          <a:xfrm>
-            <a:off x="7415928" y="4219381"/>
-            <a:ext cx="1225685" cy="590548"/>
-          </a:xfrm>
-          <a:prstGeom prst="rightBrace">
-            <a:avLst>
-              <a:gd name="adj1" fmla="val 0"/>
-              <a:gd name="adj2" fmla="val 50000"/>
-            </a:avLst>
-          </a:prstGeom>
-          <a:ln w="22225">
-            <a:solidFill>
-              <a:srgbClr val="002060"/>
-            </a:solidFill>
-          </a:ln>
-        </p:spPr>
-        <p:style>
-          <a:lnRef idx="1">
-            <a:schemeClr val="accent1"/>
-          </a:lnRef>
-          <a:fillRef idx="0">
-            <a:schemeClr val="accent1"/>
-          </a:fillRef>
-          <a:effectRef idx="0">
-            <a:schemeClr val="accent1"/>
-          </a:effectRef>
-          <a:fontRef idx="minor">
-            <a:schemeClr val="tx1"/>
-          </a:fontRef>
-        </p:style>
-        <p:txBody>
-          <a:bodyPr rtlCol="0" anchor="ctr"/>
-          <a:lstStyle/>
-          <a:p>
-            <a:pPr algn="ctr"/>
-            <a:endParaRPr lang="ko-KR" altLang="en-US"/>
-          </a:p>
-        </p:txBody>
-      </p:sp>
-      <p:sp>
-        <p:nvSpPr>
-          <p:cNvPr id="34" name="오른쪽 중괄호 33">
-            <a:extLst>
-              <a:ext uri="{FF2B5EF4-FFF2-40B4-BE49-F238E27FC236}">
-                <a16:creationId xmlns:a16="http://schemas.microsoft.com/office/drawing/2014/main" xmlns="" id="{EED46B05-E63D-4629-A2AD-FC182835B08E}"/>
-              </a:ext>
-            </a:extLst>
-          </p:cNvPr>
-          <p:cNvSpPr/>
-          <p:nvPr/>
-        </p:nvSpPr>
-        <p:spPr>
-          <a:xfrm>
-            <a:off x="7424326" y="6223825"/>
-            <a:ext cx="1225198" cy="349221"/>
-          </a:xfrm>
-          <a:prstGeom prst="rightBrace">
-            <a:avLst>
-              <a:gd name="adj1" fmla="val 0"/>
-              <a:gd name="adj2" fmla="val 50000"/>
-            </a:avLst>
-          </a:prstGeom>
-          <a:ln w="22225">
-            <a:solidFill>
-              <a:srgbClr val="002060"/>
-            </a:solidFill>
-          </a:ln>
-        </p:spPr>
-        <p:style>
-          <a:lnRef idx="1">
-            <a:schemeClr val="accent1"/>
-          </a:lnRef>
-          <a:fillRef idx="0">
-            <a:schemeClr val="accent1"/>
-          </a:fillRef>
-          <a:effectRef idx="0">
-            <a:schemeClr val="accent1"/>
-          </a:effectRef>
-          <a:fontRef idx="minor">
-            <a:schemeClr val="tx1"/>
-          </a:fontRef>
-        </p:style>
-        <p:txBody>
-          <a:bodyPr rtlCol="0" anchor="ctr"/>
-          <a:lstStyle/>
-          <a:p>
-            <a:pPr algn="ctr"/>
-            <a:endParaRPr lang="ko-KR" altLang="en-US"/>
-          </a:p>
-        </p:txBody>
-      </p:sp>
-      <p:sp>
-        <p:nvSpPr>
-          <p:cNvPr id="24" name="직사각형 23"/>
-          <p:cNvSpPr/>
-          <p:nvPr/>
-        </p:nvSpPr>
-        <p:spPr>
-          <a:xfrm>
-            <a:off x="286310" y="2142147"/>
-            <a:ext cx="1481327" cy="195583"/>
-          </a:xfrm>
-          <a:prstGeom prst="rect">
-            <a:avLst/>
-          </a:prstGeom>
-          <a:solidFill>
-            <a:schemeClr val="accent2">
-              <a:alpha val="20000"/>
-            </a:schemeClr>
-          </a:solidFill>
-          <a:ln w="25400">
-            <a:solidFill>
-              <a:schemeClr val="accent2"/>
-            </a:solidFill>
-          </a:ln>
-        </p:spPr>
-        <p:style>
-          <a:lnRef idx="2">
-            <a:schemeClr val="accent1">
-              <a:shade val="50000"/>
-            </a:schemeClr>
-          </a:lnRef>
-          <a:fillRef idx="1">
-            <a:schemeClr val="accent1"/>
-          </a:fillRef>
-          <a:effectRef idx="0">
-            <a:schemeClr val="accent1"/>
-          </a:effectRef>
-          <a:fontRef idx="minor">
-            <a:schemeClr val="lt1"/>
-          </a:fontRef>
-        </p:style>
-        <p:txBody>
-          <a:bodyPr rtlCol="0" anchor="ctr"/>
-          <a:lstStyle/>
-          <a:p>
-            <a:pPr algn="ctr"/>
-            <a:r>
-              <a:rPr lang="ko-KR" altLang="en-US" sz="1100" b="1" dirty="0" smtClean="0">
-                <a:solidFill>
-                  <a:schemeClr val="tx1"/>
-                </a:solidFill>
-              </a:rPr>
-              <a:t>빈칸을 채워주세요 </a:t>
-            </a:r>
-            <a:r>
-              <a:rPr lang="en-US" altLang="ko-KR" sz="1100" b="1" dirty="0" smtClean="0">
-                <a:solidFill>
-                  <a:schemeClr val="tx1"/>
-                </a:solidFill>
-              </a:rPr>
-              <a:t>!</a:t>
-            </a:r>
-            <a:endParaRPr lang="ko-KR" altLang="en-US" sz="1100" b="1" dirty="0">
-              <a:solidFill>
-                <a:schemeClr val="tx1"/>
-              </a:solidFill>
-            </a:endParaRPr>
-          </a:p>
-        </p:txBody>
-      </p:sp>
-      <p:sp>
-        <p:nvSpPr>
-          <p:cNvPr id="25" name="오른쪽 중괄호 24"/>
-          <p:cNvSpPr/>
-          <p:nvPr/>
-        </p:nvSpPr>
-        <p:spPr>
-          <a:xfrm>
-            <a:off x="7409359" y="2782706"/>
-            <a:ext cx="1225685" cy="1398770"/>
-          </a:xfrm>
-          <a:prstGeom prst="rightBrace">
-            <a:avLst>
-              <a:gd name="adj1" fmla="val 0"/>
-              <a:gd name="adj2" fmla="val 50000"/>
-            </a:avLst>
-          </a:prstGeom>
-          <a:ln w="22225">
-            <a:solidFill>
-              <a:srgbClr val="002060"/>
-            </a:solidFill>
-          </a:ln>
-        </p:spPr>
-        <p:style>
-          <a:lnRef idx="1">
-            <a:schemeClr val="accent1"/>
-          </a:lnRef>
-          <a:fillRef idx="0">
-            <a:schemeClr val="accent1"/>
-          </a:fillRef>
-          <a:effectRef idx="0">
-            <a:schemeClr val="accent1"/>
-          </a:effectRef>
-          <a:fontRef idx="minor">
-            <a:schemeClr val="tx1"/>
-          </a:fontRef>
-        </p:style>
-        <p:txBody>
-          <a:bodyPr rtlCol="0" anchor="ctr"/>
-          <a:lstStyle/>
-          <a:p>
-            <a:pPr algn="ctr"/>
-            <a:endParaRPr lang="ko-KR" altLang="en-US"/>
-          </a:p>
-        </p:txBody>
-      </p:sp>
-      <p:sp>
-        <p:nvSpPr>
-          <p:cNvPr id="28" name="TextBox 27"/>
-          <p:cNvSpPr txBox="1"/>
-          <p:nvPr/>
-        </p:nvSpPr>
-        <p:spPr>
-          <a:xfrm>
-            <a:off x="8766114" y="3275880"/>
-            <a:ext cx="2425023" cy="412421"/>
-          </a:xfrm>
-          <a:prstGeom prst="rect">
-            <a:avLst/>
-          </a:prstGeom>
-          <a:noFill/>
-        </p:spPr>
-        <p:txBody>
-          <a:bodyPr wrap="none" rtlCol="0">
-            <a:spAutoFit/>
-          </a:bodyPr>
-          <a:lstStyle/>
-          <a:p>
-            <a:pPr>
-              <a:lnSpc>
-                <a:spcPct val="130000"/>
-              </a:lnSpc>
-            </a:pPr>
-            <a:r>
-              <a:rPr lang="en-US" altLang="ko-KR" sz="1600" dirty="0" smtClean="0"/>
-              <a:t>Prepare DESeq2 dataset</a:t>
-            </a:r>
-            <a:endParaRPr lang="en-US" altLang="ko-KR" sz="1600" dirty="0"/>
-          </a:p>
-        </p:txBody>
-      </p:sp>
-    </p:spTree>
-    <p:extLst>
-      <p:ext uri="{BB962C8B-B14F-4D97-AF65-F5344CB8AC3E}">
-        <p14:creationId xmlns:p14="http://schemas.microsoft.com/office/powerpoint/2010/main" val="2435942277"/>
       </p:ext>
     </p:extLst>
   </p:cSld>
@@ -9693,201 +11497,196 @@
       </p:sp>
       <p:sp>
         <p:nvSpPr>
-          <p:cNvPr id="20" name="내용 개체 틀 1">
+          <p:cNvPr id="10" name="오른쪽 중괄호 9"/>
+          <p:cNvSpPr/>
+          <p:nvPr/>
+        </p:nvSpPr>
+        <p:spPr>
+          <a:xfrm>
+            <a:off x="5953327" y="2386295"/>
+            <a:ext cx="1225685" cy="1238648"/>
+          </a:xfrm>
+          <a:prstGeom prst="rightBrace">
+            <a:avLst>
+              <a:gd name="adj1" fmla="val 0"/>
+              <a:gd name="adj2" fmla="val 50000"/>
+            </a:avLst>
+          </a:prstGeom>
+          <a:ln w="22225">
+            <a:solidFill>
+              <a:srgbClr val="002060"/>
+            </a:solidFill>
+          </a:ln>
+        </p:spPr>
+        <p:style>
+          <a:lnRef idx="1">
+            <a:schemeClr val="accent1"/>
+          </a:lnRef>
+          <a:fillRef idx="0">
+            <a:schemeClr val="accent1"/>
+          </a:fillRef>
+          <a:effectRef idx="0">
+            <a:schemeClr val="accent1"/>
+          </a:effectRef>
+          <a:fontRef idx="minor">
+            <a:schemeClr val="tx1"/>
+          </a:fontRef>
+        </p:style>
+        <p:txBody>
+          <a:bodyPr rtlCol="0" anchor="ctr"/>
+          <a:lstStyle/>
+          <a:p>
+            <a:pPr algn="ctr"/>
+            <a:endParaRPr lang="ko-KR" altLang="en-US"/>
+          </a:p>
+        </p:txBody>
+      </p:sp>
+      <p:sp>
+        <p:nvSpPr>
+          <p:cNvPr id="22" name="오른쪽 중괄호 21"/>
+          <p:cNvSpPr/>
+          <p:nvPr/>
+        </p:nvSpPr>
+        <p:spPr>
+          <a:xfrm>
+            <a:off x="5953570" y="3756567"/>
+            <a:ext cx="1225198" cy="910639"/>
+          </a:xfrm>
+          <a:prstGeom prst="rightBrace">
+            <a:avLst>
+              <a:gd name="adj1" fmla="val 0"/>
+              <a:gd name="adj2" fmla="val 50000"/>
+            </a:avLst>
+          </a:prstGeom>
+          <a:ln w="22225">
+            <a:solidFill>
+              <a:srgbClr val="002060"/>
+            </a:solidFill>
+          </a:ln>
+        </p:spPr>
+        <p:style>
+          <a:lnRef idx="1">
+            <a:schemeClr val="accent1"/>
+          </a:lnRef>
+          <a:fillRef idx="0">
+            <a:schemeClr val="accent1"/>
+          </a:fillRef>
+          <a:effectRef idx="0">
+            <a:schemeClr val="accent1"/>
+          </a:effectRef>
+          <a:fontRef idx="minor">
+            <a:schemeClr val="tx1"/>
+          </a:fontRef>
+        </p:style>
+        <p:txBody>
+          <a:bodyPr rtlCol="0" anchor="ctr"/>
+          <a:lstStyle/>
+          <a:p>
+            <a:pPr algn="ctr"/>
+            <a:endParaRPr lang="ko-KR" altLang="en-US"/>
+          </a:p>
+        </p:txBody>
+      </p:sp>
+      <p:sp>
+        <p:nvSpPr>
+          <p:cNvPr id="23" name="TextBox 22"/>
+          <p:cNvSpPr txBox="1"/>
+          <p:nvPr/>
+        </p:nvSpPr>
+        <p:spPr>
+          <a:xfrm>
+            <a:off x="7298469" y="2799772"/>
+            <a:ext cx="1468672" cy="377091"/>
+          </a:xfrm>
+          <a:prstGeom prst="rect">
+            <a:avLst/>
+          </a:prstGeom>
+          <a:noFill/>
+        </p:spPr>
+        <p:txBody>
+          <a:bodyPr wrap="none" rtlCol="0">
+            <a:spAutoFit/>
+          </a:bodyPr>
+          <a:lstStyle/>
+          <a:p>
+            <a:pPr>
+              <a:lnSpc>
+                <a:spcPct val="130000"/>
+              </a:lnSpc>
+            </a:pPr>
+            <a:r>
+              <a:rPr lang="en-US" altLang="ko-KR" sz="1600" dirty="0"/>
+              <a:t>Divide by day</a:t>
+            </a:r>
+          </a:p>
+        </p:txBody>
+      </p:sp>
+      <p:sp>
+        <p:nvSpPr>
+          <p:cNvPr id="29" name="TextBox 28"/>
+          <p:cNvSpPr txBox="1"/>
+          <p:nvPr/>
+        </p:nvSpPr>
+        <p:spPr>
+          <a:xfrm>
+            <a:off x="7298469" y="4027894"/>
+            <a:ext cx="2215607" cy="377091"/>
+          </a:xfrm>
+          <a:prstGeom prst="rect">
+            <a:avLst/>
+          </a:prstGeom>
+          <a:noFill/>
+        </p:spPr>
+        <p:txBody>
+          <a:bodyPr wrap="none" rtlCol="0">
+            <a:spAutoFit/>
+          </a:bodyPr>
+          <a:lstStyle/>
+          <a:p>
+            <a:pPr>
+              <a:lnSpc>
+                <a:spcPct val="130000"/>
+              </a:lnSpc>
+            </a:pPr>
+            <a:r>
+              <a:rPr lang="en-US" altLang="ko-KR" sz="1600" dirty="0"/>
+              <a:t>To-do before for loop</a:t>
+            </a:r>
+          </a:p>
+        </p:txBody>
+      </p:sp>
+      <p:sp>
+        <p:nvSpPr>
+          <p:cNvPr id="27" name="내용 개체 틀 1">
             <a:extLst>
               <a:ext uri="{FF2B5EF4-FFF2-40B4-BE49-F238E27FC236}">
-                <a16:creationId xmlns:a16="http://schemas.microsoft.com/office/drawing/2014/main" xmlns="" id="{F64DB2F0-0A18-4CE1-9734-3B587EE8E81B}"/>
+                <a16:creationId xmlns="" xmlns:a16="http://schemas.microsoft.com/office/drawing/2014/main" id="{11F41BDF-05A9-49F8-909D-4D4DB6ADC8FC}"/>
               </a:ext>
             </a:extLst>
           </p:cNvPr>
-          <p:cNvSpPr txBox="1">
-            <a:spLocks/>
+          <p:cNvSpPr>
+            <a:spLocks noGrp="1"/>
           </p:cNvSpPr>
-          <p:nvPr/>
+          <p:nvPr>
+            <p:ph idx="1"/>
+          </p:nvPr>
         </p:nvSpPr>
         <p:spPr>
           <a:xfrm>
             <a:off x="186599" y="1203717"/>
             <a:ext cx="10515600" cy="4351338"/>
           </a:xfrm>
-          <a:prstGeom prst="rect">
-            <a:avLst/>
-          </a:prstGeom>
-        </p:spPr>
-        <p:txBody>
-          <a:bodyPr vert="horz" lIns="91440" tIns="45720" rIns="91440" bIns="45720" rtlCol="0">
+        </p:spPr>
+        <p:txBody>
+          <a:bodyPr>
             <a:normAutofit/>
           </a:bodyPr>
-          <a:lstStyle>
-            <a:lvl1pPr marL="228600" indent="-228600" algn="l" defTabSz="914400" rtl="0" eaLnBrk="1" latinLnBrk="1" hangingPunct="1">
-              <a:lnSpc>
-                <a:spcPct val="90000"/>
-              </a:lnSpc>
-              <a:spcBef>
-                <a:spcPts val="1000"/>
-              </a:spcBef>
-              <a:buFont typeface="Arial" panose="020B0604020202020204" pitchFamily="34" charset="0"/>
-              <a:buChar char="•"/>
-              <a:defRPr sz="2800" kern="1200">
-                <a:solidFill>
-                  <a:schemeClr val="tx1"/>
-                </a:solidFill>
-                <a:latin typeface="+mn-lt"/>
-                <a:ea typeface="+mn-ea"/>
-                <a:cs typeface="+mn-cs"/>
-              </a:defRPr>
-            </a:lvl1pPr>
-            <a:lvl2pPr marL="685800" indent="-228600" algn="l" defTabSz="914400" rtl="0" eaLnBrk="1" latinLnBrk="1" hangingPunct="1">
-              <a:lnSpc>
-                <a:spcPct val="90000"/>
-              </a:lnSpc>
-              <a:spcBef>
-                <a:spcPts val="500"/>
-              </a:spcBef>
-              <a:buFont typeface="Arial" panose="020B0604020202020204" pitchFamily="34" charset="0"/>
-              <a:buChar char="•"/>
-              <a:defRPr sz="2400" kern="1200">
-                <a:solidFill>
-                  <a:schemeClr val="tx1"/>
-                </a:solidFill>
-                <a:latin typeface="+mn-lt"/>
-                <a:ea typeface="+mn-ea"/>
-                <a:cs typeface="+mn-cs"/>
-              </a:defRPr>
-            </a:lvl2pPr>
-            <a:lvl3pPr marL="1143000" indent="-228600" algn="l" defTabSz="914400" rtl="0" eaLnBrk="1" latinLnBrk="1" hangingPunct="1">
-              <a:lnSpc>
-                <a:spcPct val="90000"/>
-              </a:lnSpc>
-              <a:spcBef>
-                <a:spcPts val="500"/>
-              </a:spcBef>
-              <a:buFont typeface="Arial" panose="020B0604020202020204" pitchFamily="34" charset="0"/>
-              <a:buChar char="•"/>
-              <a:defRPr sz="2000" kern="1200">
-                <a:solidFill>
-                  <a:schemeClr val="tx1"/>
-                </a:solidFill>
-                <a:latin typeface="+mn-lt"/>
-                <a:ea typeface="+mn-ea"/>
-                <a:cs typeface="+mn-cs"/>
-              </a:defRPr>
-            </a:lvl3pPr>
-            <a:lvl4pPr marL="1600200" indent="-228600" algn="l" defTabSz="914400" rtl="0" eaLnBrk="1" latinLnBrk="1" hangingPunct="1">
-              <a:lnSpc>
-                <a:spcPct val="90000"/>
-              </a:lnSpc>
-              <a:spcBef>
-                <a:spcPts val="500"/>
-              </a:spcBef>
-              <a:buFont typeface="Arial" panose="020B0604020202020204" pitchFamily="34" charset="0"/>
-              <a:buChar char="•"/>
-              <a:defRPr sz="1800" kern="1200">
-                <a:solidFill>
-                  <a:schemeClr val="tx1"/>
-                </a:solidFill>
-                <a:latin typeface="+mn-lt"/>
-                <a:ea typeface="+mn-ea"/>
-                <a:cs typeface="+mn-cs"/>
-              </a:defRPr>
-            </a:lvl4pPr>
-            <a:lvl5pPr marL="2057400" indent="-228600" algn="l" defTabSz="914400" rtl="0" eaLnBrk="1" latinLnBrk="1" hangingPunct="1">
-              <a:lnSpc>
-                <a:spcPct val="90000"/>
-              </a:lnSpc>
-              <a:spcBef>
-                <a:spcPts val="500"/>
-              </a:spcBef>
-              <a:buFont typeface="Arial" panose="020B0604020202020204" pitchFamily="34" charset="0"/>
-              <a:buChar char="•"/>
-              <a:defRPr sz="1800" kern="1200">
-                <a:solidFill>
-                  <a:schemeClr val="tx1"/>
-                </a:solidFill>
-                <a:latin typeface="+mn-lt"/>
-                <a:ea typeface="+mn-ea"/>
-                <a:cs typeface="+mn-cs"/>
-              </a:defRPr>
-            </a:lvl5pPr>
-            <a:lvl6pPr marL="2514600" indent="-228600" algn="l" defTabSz="914400" rtl="0" eaLnBrk="1" latinLnBrk="1" hangingPunct="1">
-              <a:lnSpc>
-                <a:spcPct val="90000"/>
-              </a:lnSpc>
-              <a:spcBef>
-                <a:spcPts val="500"/>
-              </a:spcBef>
-              <a:buFont typeface="Arial" panose="020B0604020202020204" pitchFamily="34" charset="0"/>
-              <a:buChar char="•"/>
-              <a:defRPr sz="1800" kern="1200">
-                <a:solidFill>
-                  <a:schemeClr val="tx1"/>
-                </a:solidFill>
-                <a:latin typeface="+mn-lt"/>
-                <a:ea typeface="+mn-ea"/>
-                <a:cs typeface="+mn-cs"/>
-              </a:defRPr>
-            </a:lvl6pPr>
-            <a:lvl7pPr marL="2971800" indent="-228600" algn="l" defTabSz="914400" rtl="0" eaLnBrk="1" latinLnBrk="1" hangingPunct="1">
-              <a:lnSpc>
-                <a:spcPct val="90000"/>
-              </a:lnSpc>
-              <a:spcBef>
-                <a:spcPts val="500"/>
-              </a:spcBef>
-              <a:buFont typeface="Arial" panose="020B0604020202020204" pitchFamily="34" charset="0"/>
-              <a:buChar char="•"/>
-              <a:defRPr sz="1800" kern="1200">
-                <a:solidFill>
-                  <a:schemeClr val="tx1"/>
-                </a:solidFill>
-                <a:latin typeface="+mn-lt"/>
-                <a:ea typeface="+mn-ea"/>
-                <a:cs typeface="+mn-cs"/>
-              </a:defRPr>
-            </a:lvl7pPr>
-            <a:lvl8pPr marL="3429000" indent="-228600" algn="l" defTabSz="914400" rtl="0" eaLnBrk="1" latinLnBrk="1" hangingPunct="1">
-              <a:lnSpc>
-                <a:spcPct val="90000"/>
-              </a:lnSpc>
-              <a:spcBef>
-                <a:spcPts val="500"/>
-              </a:spcBef>
-              <a:buFont typeface="Arial" panose="020B0604020202020204" pitchFamily="34" charset="0"/>
-              <a:buChar char="•"/>
-              <a:defRPr sz="1800" kern="1200">
-                <a:solidFill>
-                  <a:schemeClr val="tx1"/>
-                </a:solidFill>
-                <a:latin typeface="+mn-lt"/>
-                <a:ea typeface="+mn-ea"/>
-                <a:cs typeface="+mn-cs"/>
-              </a:defRPr>
-            </a:lvl8pPr>
-            <a:lvl9pPr marL="3886200" indent="-228600" algn="l" defTabSz="914400" rtl="0" eaLnBrk="1" latinLnBrk="1" hangingPunct="1">
-              <a:lnSpc>
-                <a:spcPct val="90000"/>
-              </a:lnSpc>
-              <a:spcBef>
-                <a:spcPts val="500"/>
-              </a:spcBef>
-              <a:buFont typeface="Arial" panose="020B0604020202020204" pitchFamily="34" charset="0"/>
-              <a:buChar char="•"/>
-              <a:defRPr sz="1800" kern="1200">
-                <a:solidFill>
-                  <a:schemeClr val="tx1"/>
-                </a:solidFill>
-                <a:latin typeface="+mn-lt"/>
-                <a:ea typeface="+mn-ea"/>
-                <a:cs typeface="+mn-cs"/>
-              </a:defRPr>
-            </a:lvl9pPr>
-          </a:lstStyle>
+          <a:lstStyle/>
           <a:p>
             <a:pPr marL="0" indent="0">
               <a:lnSpc>
                 <a:spcPct val="130000"/>
               </a:lnSpc>
-              <a:buFont typeface="Arial" panose="020B0604020202020204" pitchFamily="34" charset="0"/>
               <a:buNone/>
             </a:pPr>
             <a:r>
@@ -9912,7 +11711,6 @@
               <a:lnSpc>
                 <a:spcPct val="130000"/>
               </a:lnSpc>
-              <a:buFont typeface="Arial" panose="020B0604020202020204" pitchFamily="34" charset="0"/>
               <a:buNone/>
             </a:pPr>
             <a:r>
@@ -9960,10 +11758,10 @@
       </p:sp>
       <p:sp>
         <p:nvSpPr>
-          <p:cNvPr id="16" name="TextBox 15">
+          <p:cNvPr id="11" name="TextBox 10">
             <a:extLst>
               <a:ext uri="{FF2B5EF4-FFF2-40B4-BE49-F238E27FC236}">
-                <a16:creationId xmlns:a16="http://schemas.microsoft.com/office/drawing/2014/main" xmlns="" id="{C96035E7-3CA4-4C37-8196-8CE49D5A7C8F}"/>
+                <a16:creationId xmlns="" xmlns:a16="http://schemas.microsoft.com/office/drawing/2014/main" id="{87742C6C-1726-654D-8215-AB2C2688D3C8}"/>
               </a:ext>
             </a:extLst>
           </p:cNvPr>
@@ -9972,8 +11770,8 @@
         </p:nvSpPr>
         <p:spPr>
           <a:xfrm>
-            <a:off x="186599" y="2146417"/>
-            <a:ext cx="780150" cy="377091"/>
+            <a:off x="7345854" y="3329387"/>
+            <a:ext cx="4336444" cy="545983"/>
           </a:xfrm>
           <a:prstGeom prst="rect">
             <a:avLst/>
@@ -9981,7 +11779,7 @@
           <a:noFill/>
         </p:spPr>
         <p:txBody>
-          <a:bodyPr wrap="square" rtlCol="0">
+          <a:bodyPr wrap="none" rtlCol="0">
             <a:spAutoFit/>
           </a:bodyPr>
           <a:lstStyle/>
@@ -9992,409 +11790,180 @@
               </a:lnSpc>
             </a:pPr>
             <a:r>
-              <a:rPr lang="en-US" altLang="ko-KR" sz="1600" b="1" dirty="0"/>
-              <a:t>Result</a:t>
-            </a:r>
-            <a:endParaRPr lang="en-US" altLang="ko-KR" sz="1600" dirty="0"/>
-          </a:p>
-        </p:txBody>
-      </p:sp>
-      <p:pic>
-        <p:nvPicPr>
-          <p:cNvPr id="7" name="그림 6">
+              <a:rPr lang="en-US" altLang="ko-KR" sz="1200" dirty="0"/>
+              <a:t>(</a:t>
+            </a:r>
+            <a:r>
+              <a:rPr lang="ko-KR" altLang="en-US" sz="1200" dirty="0"/>
+              <a:t>각 </a:t>
+            </a:r>
+            <a:r>
+              <a:rPr lang="en-US" altLang="ko-KR" sz="1200" dirty="0"/>
+              <a:t>Day</a:t>
+            </a:r>
+            <a:r>
+              <a:rPr lang="ko-KR" altLang="en-US" sz="1200" dirty="0"/>
+              <a:t>마다 </a:t>
+            </a:r>
+            <a:r>
+              <a:rPr lang="en-US" altLang="ko-KR" sz="1200" dirty="0"/>
+              <a:t>DEG</a:t>
+            </a:r>
+            <a:r>
+              <a:rPr lang="ko-KR" altLang="en-US" sz="1200" dirty="0" err="1"/>
+              <a:t>를</a:t>
+            </a:r>
+            <a:r>
+              <a:rPr lang="ko-KR" altLang="en-US" sz="1200" dirty="0"/>
+              <a:t> 구하기 위해</a:t>
+            </a:r>
+            <a:endParaRPr lang="en-US" altLang="ko-KR" sz="1200" dirty="0"/>
+          </a:p>
+          <a:p>
+            <a:pPr>
+              <a:lnSpc>
+                <a:spcPct val="130000"/>
+              </a:lnSpc>
+            </a:pPr>
+            <a:r>
+              <a:rPr lang="en-US" altLang="ko-KR" sz="1200" dirty="0"/>
+              <a:t>day8, day12, day16, day24</a:t>
+            </a:r>
+            <a:r>
+              <a:rPr lang="ko-KR" altLang="en-US" sz="1200" dirty="0"/>
+              <a:t>로 </a:t>
+            </a:r>
+            <a:r>
+              <a:rPr lang="en-US" altLang="ko-KR" sz="1200" dirty="0"/>
+              <a:t>input data</a:t>
+            </a:r>
+            <a:r>
+              <a:rPr lang="ko-KR" altLang="en-US" sz="1200" dirty="0" err="1"/>
+              <a:t>를</a:t>
+            </a:r>
+            <a:r>
+              <a:rPr lang="ko-KR" altLang="en-US" sz="1200" dirty="0"/>
+              <a:t> 나눠주었습니다</a:t>
+            </a:r>
+            <a:r>
+              <a:rPr lang="en-US" altLang="ko-KR" sz="1200" dirty="0"/>
+              <a:t>.)</a:t>
+            </a:r>
+          </a:p>
+        </p:txBody>
+      </p:sp>
+      <p:sp>
+        <p:nvSpPr>
+          <p:cNvPr id="12" name="TextBox 11">
             <a:extLst>
               <a:ext uri="{FF2B5EF4-FFF2-40B4-BE49-F238E27FC236}">
-                <a16:creationId xmlns:a16="http://schemas.microsoft.com/office/drawing/2014/main" xmlns="" id="{9ED6C723-5108-4686-AAAC-C2C5E5083033}"/>
+                <a16:creationId xmlns="" xmlns:a16="http://schemas.microsoft.com/office/drawing/2014/main" id="{87742C6C-1726-654D-8215-AB2C2688D3C8}"/>
               </a:ext>
             </a:extLst>
           </p:cNvPr>
+          <p:cNvSpPr txBox="1"/>
+          <p:nvPr/>
+        </p:nvSpPr>
+        <p:spPr>
+          <a:xfrm>
+            <a:off x="7345854" y="4557509"/>
+            <a:ext cx="4089581" cy="572464"/>
+          </a:xfrm>
+          <a:prstGeom prst="rect">
+            <a:avLst/>
+          </a:prstGeom>
+          <a:noFill/>
+        </p:spPr>
+        <p:txBody>
+          <a:bodyPr wrap="none" rtlCol="0">
+            <a:spAutoFit/>
+          </a:bodyPr>
+          <a:lstStyle/>
+          <a:p>
+            <a:pPr>
+              <a:lnSpc>
+                <a:spcPct val="130000"/>
+              </a:lnSpc>
+            </a:pPr>
+            <a:r>
+              <a:rPr lang="en-US" altLang="ko-KR" sz="1200" dirty="0" smtClean="0"/>
+              <a:t>(Day</a:t>
+            </a:r>
+            <a:r>
+              <a:rPr lang="ko-KR" altLang="en-US" sz="1200" dirty="0" smtClean="0"/>
+              <a:t>별로 </a:t>
+            </a:r>
+            <a:r>
+              <a:rPr lang="en-US" altLang="ko-KR" sz="1200" dirty="0" smtClean="0"/>
+              <a:t>DEG </a:t>
+            </a:r>
+            <a:r>
+              <a:rPr lang="ko-KR" altLang="en-US" sz="1200" dirty="0" smtClean="0"/>
+              <a:t>구하는 것을 한 코드로 실행하기 위해</a:t>
+            </a:r>
+            <a:endParaRPr lang="en-US" altLang="ko-KR" sz="1200" dirty="0"/>
+          </a:p>
+          <a:p>
+            <a:pPr>
+              <a:lnSpc>
+                <a:spcPct val="130000"/>
+              </a:lnSpc>
+            </a:pPr>
+            <a:r>
+              <a:rPr lang="en-US" altLang="ko-KR" sz="1200" dirty="0"/>
+              <a:t>f</a:t>
+            </a:r>
+            <a:r>
+              <a:rPr lang="en-US" altLang="ko-KR" sz="1200" dirty="0" smtClean="0"/>
+              <a:t>or</a:t>
+            </a:r>
+            <a:r>
+              <a:rPr lang="ko-KR" altLang="en-US" sz="1200" dirty="0" smtClean="0"/>
+              <a:t>문을 사용하는데</a:t>
+            </a:r>
+            <a:r>
+              <a:rPr lang="en-US" altLang="ko-KR" sz="1200" dirty="0" smtClean="0"/>
+              <a:t>, </a:t>
+            </a:r>
+            <a:r>
+              <a:rPr lang="ko-KR" altLang="en-US" sz="1200" dirty="0" smtClean="0"/>
+              <a:t>그를 위해 필요한 사전 작업입니다</a:t>
+            </a:r>
+            <a:r>
+              <a:rPr lang="en-US" altLang="ko-KR" sz="1200" dirty="0" smtClean="0"/>
+              <a:t>.)</a:t>
+            </a:r>
+            <a:endParaRPr lang="en-US" altLang="ko-KR" sz="1200" dirty="0"/>
+          </a:p>
+        </p:txBody>
+      </p:sp>
+      <p:pic>
+        <p:nvPicPr>
+          <p:cNvPr id="2" name="그림 1"/>
           <p:cNvPicPr>
             <a:picLocks noChangeAspect="1"/>
           </p:cNvPicPr>
           <p:nvPr/>
         </p:nvPicPr>
-        <p:blipFill>
+        <p:blipFill rotWithShape="1">
           <a:blip r:embed="rId3"/>
-          <a:stretch>
-            <a:fillRect/>
-          </a:stretch>
+          <a:srcRect l="844"/>
+          <a:stretch/>
         </p:blipFill>
         <p:spPr>
           <a:xfrm>
-            <a:off x="2524113" y="2540075"/>
-            <a:ext cx="7019938" cy="1780419"/>
+            <a:off x="302125" y="2143909"/>
+            <a:ext cx="5655870" cy="2523297"/>
           </a:xfrm>
           <a:prstGeom prst="rect">
             <a:avLst/>
           </a:prstGeom>
         </p:spPr>
       </p:pic>
-      <p:sp>
-        <p:nvSpPr>
-          <p:cNvPr id="24" name="TextBox 23">
-            <a:extLst>
-              <a:ext uri="{FF2B5EF4-FFF2-40B4-BE49-F238E27FC236}">
-                <a16:creationId xmlns:a16="http://schemas.microsoft.com/office/drawing/2014/main" xmlns="" id="{12FF4327-490E-4FDA-BFFD-224AC1B5433B}"/>
-              </a:ext>
-            </a:extLst>
-          </p:cNvPr>
-          <p:cNvSpPr txBox="1"/>
-          <p:nvPr/>
-        </p:nvSpPr>
-        <p:spPr>
-          <a:xfrm>
-            <a:off x="1057220" y="2146417"/>
-            <a:ext cx="2426115" cy="377091"/>
-          </a:xfrm>
-          <a:prstGeom prst="rect">
-            <a:avLst/>
-          </a:prstGeom>
-          <a:noFill/>
-        </p:spPr>
-        <p:txBody>
-          <a:bodyPr wrap="square" rtlCol="0">
-            <a:spAutoFit/>
-          </a:bodyPr>
-          <a:lstStyle/>
-          <a:p>
-            <a:pPr>
-              <a:lnSpc>
-                <a:spcPct val="130000"/>
-              </a:lnSpc>
-            </a:pPr>
-            <a:r>
-              <a:rPr lang="en-US" altLang="ko-KR" sz="1600" dirty="0" err="1"/>
-              <a:t>sig_gene</a:t>
-            </a:r>
-            <a:r>
-              <a:rPr lang="en-US" altLang="ko-KR" sz="1600" dirty="0"/>
-              <a:t>[[1]]</a:t>
-            </a:r>
-          </a:p>
-        </p:txBody>
-      </p:sp>
-      <p:sp>
-        <p:nvSpPr>
-          <p:cNvPr id="28" name="TextBox 27">
-            <a:extLst>
-              <a:ext uri="{FF2B5EF4-FFF2-40B4-BE49-F238E27FC236}">
-                <a16:creationId xmlns:a16="http://schemas.microsoft.com/office/drawing/2014/main" xmlns="" id="{2069EB48-536B-4489-B6EB-2AA7403FFA27}"/>
-              </a:ext>
-            </a:extLst>
-          </p:cNvPr>
-          <p:cNvSpPr txBox="1"/>
-          <p:nvPr/>
-        </p:nvSpPr>
-        <p:spPr>
-          <a:xfrm>
-            <a:off x="1057220" y="4337062"/>
-            <a:ext cx="2426115" cy="377091"/>
-          </a:xfrm>
-          <a:prstGeom prst="rect">
-            <a:avLst/>
-          </a:prstGeom>
-          <a:noFill/>
-        </p:spPr>
-        <p:txBody>
-          <a:bodyPr wrap="square" rtlCol="0">
-            <a:spAutoFit/>
-          </a:bodyPr>
-          <a:lstStyle/>
-          <a:p>
-            <a:pPr>
-              <a:lnSpc>
-                <a:spcPct val="130000"/>
-              </a:lnSpc>
-            </a:pPr>
-            <a:r>
-              <a:rPr lang="en-US" altLang="ko-KR" sz="1600" dirty="0" err="1"/>
-              <a:t>sig_gene_bypadj</a:t>
-            </a:r>
-            <a:r>
-              <a:rPr lang="en-US" altLang="ko-KR" sz="1600" dirty="0"/>
-              <a:t>[[1]]</a:t>
-            </a:r>
-          </a:p>
-        </p:txBody>
-      </p:sp>
-      <p:grpSp>
-        <p:nvGrpSpPr>
-          <p:cNvPr id="3" name="그룹 2"/>
-          <p:cNvGrpSpPr/>
-          <p:nvPr/>
-        </p:nvGrpSpPr>
-        <p:grpSpPr>
-          <a:xfrm>
-            <a:off x="3239531" y="4755575"/>
-            <a:ext cx="7185905" cy="2089075"/>
-            <a:chOff x="3129294" y="4456211"/>
-            <a:chExt cx="8224506" cy="2391016"/>
-          </a:xfrm>
-        </p:grpSpPr>
-        <p:pic>
-          <p:nvPicPr>
-            <p:cNvPr id="12" name="그림 11">
-              <a:extLst>
-                <a:ext uri="{FF2B5EF4-FFF2-40B4-BE49-F238E27FC236}">
-                  <a16:creationId xmlns:a16="http://schemas.microsoft.com/office/drawing/2014/main" xmlns="" id="{CD71B739-4E00-4FF1-A197-035D81685BD4}"/>
-                </a:ext>
-              </a:extLst>
-            </p:cNvPr>
-            <p:cNvPicPr>
-              <a:picLocks noChangeAspect="1"/>
-            </p:cNvPicPr>
-            <p:nvPr/>
-          </p:nvPicPr>
-          <p:blipFill>
-            <a:blip r:embed="rId4"/>
-            <a:stretch>
-              <a:fillRect/>
-            </a:stretch>
-          </p:blipFill>
-          <p:spPr>
-            <a:xfrm>
-              <a:off x="3129294" y="4456211"/>
-              <a:ext cx="8224506" cy="2041544"/>
-            </a:xfrm>
-            <a:prstGeom prst="rect">
-              <a:avLst/>
-            </a:prstGeom>
-          </p:spPr>
-        </p:pic>
-        <p:sp>
-          <p:nvSpPr>
-            <p:cNvPr id="18" name="TextBox 17">
-              <a:extLst>
-                <a:ext uri="{FF2B5EF4-FFF2-40B4-BE49-F238E27FC236}">
-                  <a16:creationId xmlns:a16="http://schemas.microsoft.com/office/drawing/2014/main" xmlns="" id="{D4816F92-722E-4FCA-A35A-C4A15513CEA2}"/>
-                </a:ext>
-              </a:extLst>
-            </p:cNvPr>
-            <p:cNvSpPr txBox="1"/>
-            <p:nvPr/>
-          </p:nvSpPr>
-          <p:spPr>
-            <a:xfrm>
-              <a:off x="7838464" y="6570228"/>
-              <a:ext cx="1162498" cy="276999"/>
-            </a:xfrm>
-            <a:prstGeom prst="rect">
-              <a:avLst/>
-            </a:prstGeom>
-            <a:noFill/>
-          </p:spPr>
-          <p:txBody>
-            <a:bodyPr wrap="none" rtlCol="0">
-              <a:spAutoFit/>
-            </a:bodyPr>
-            <a:lstStyle/>
-            <a:p>
-              <a:r>
-                <a:rPr lang="ko-KR" altLang="en-US" sz="1200" b="1" dirty="0">
-                  <a:solidFill>
-                    <a:schemeClr val="accent2"/>
-                  </a:solidFill>
-                </a:rPr>
-                <a:t>오름차순 정렬</a:t>
-              </a:r>
-            </a:p>
-          </p:txBody>
-        </p:sp>
-        <p:sp>
-          <p:nvSpPr>
-            <p:cNvPr id="2" name="화살표: 아래쪽 1">
-              <a:extLst>
-                <a:ext uri="{FF2B5EF4-FFF2-40B4-BE49-F238E27FC236}">
-                  <a16:creationId xmlns:a16="http://schemas.microsoft.com/office/drawing/2014/main" xmlns="" id="{B99038DA-ECD6-4D11-8880-10E49A9A220D}"/>
-                </a:ext>
-              </a:extLst>
-            </p:cNvPr>
-            <p:cNvSpPr/>
-            <p:nvPr/>
-          </p:nvSpPr>
-          <p:spPr>
-            <a:xfrm>
-              <a:off x="7838464" y="4575360"/>
-              <a:ext cx="1162498" cy="2014219"/>
-            </a:xfrm>
-            <a:prstGeom prst="downArrow">
-              <a:avLst>
-                <a:gd name="adj1" fmla="val 81852"/>
-                <a:gd name="adj2" fmla="val 13668"/>
-              </a:avLst>
-            </a:prstGeom>
-            <a:solidFill>
-              <a:schemeClr val="accent2">
-                <a:alpha val="30000"/>
-              </a:schemeClr>
-            </a:solidFill>
-            <a:ln w="19050">
-              <a:solidFill>
-                <a:schemeClr val="accent2"/>
-              </a:solidFill>
-            </a:ln>
-          </p:spPr>
-          <p:style>
-            <a:lnRef idx="2">
-              <a:schemeClr val="accent1">
-                <a:shade val="50000"/>
-              </a:schemeClr>
-            </a:lnRef>
-            <a:fillRef idx="1">
-              <a:schemeClr val="accent1"/>
-            </a:fillRef>
-            <a:effectRef idx="0">
-              <a:schemeClr val="accent1"/>
-            </a:effectRef>
-            <a:fontRef idx="minor">
-              <a:schemeClr val="lt1"/>
-            </a:fontRef>
-          </p:style>
-          <p:txBody>
-            <a:bodyPr rtlCol="0" anchor="ctr"/>
-            <a:lstStyle/>
-            <a:p>
-              <a:pPr algn="ctr"/>
-              <a:endParaRPr lang="ko-KR" altLang="en-US" b="1">
-                <a:ln w="22225">
-                  <a:solidFill>
-                    <a:schemeClr val="accent2"/>
-                  </a:solidFill>
-                  <a:prstDash val="solid"/>
-                </a:ln>
-                <a:solidFill>
-                  <a:schemeClr val="accent2">
-                    <a:lumMod val="40000"/>
-                    <a:lumOff val="60000"/>
-                  </a:schemeClr>
-                </a:solidFill>
-              </a:endParaRPr>
-            </a:p>
-          </p:txBody>
-        </p:sp>
-      </p:grpSp>
-      <p:sp>
-        <p:nvSpPr>
-          <p:cNvPr id="13" name="TextBox 12">
-            <a:extLst>
-              <a:ext uri="{FF2B5EF4-FFF2-40B4-BE49-F238E27FC236}">
-                <a16:creationId xmlns:a16="http://schemas.microsoft.com/office/drawing/2014/main" xmlns="" id="{87742C6C-1726-654D-8215-AB2C2688D3C8}"/>
-              </a:ext>
-            </a:extLst>
-          </p:cNvPr>
-          <p:cNvSpPr txBox="1"/>
-          <p:nvPr/>
-        </p:nvSpPr>
-        <p:spPr>
-          <a:xfrm>
-            <a:off x="2524113" y="2166254"/>
-            <a:ext cx="2308645" cy="332399"/>
-          </a:xfrm>
-          <a:prstGeom prst="rect">
-            <a:avLst/>
-          </a:prstGeom>
-          <a:noFill/>
-        </p:spPr>
-        <p:txBody>
-          <a:bodyPr wrap="none" rtlCol="0">
-            <a:spAutoFit/>
-          </a:bodyPr>
-          <a:lstStyle/>
-          <a:p>
-            <a:pPr>
-              <a:lnSpc>
-                <a:spcPct val="130000"/>
-              </a:lnSpc>
-            </a:pPr>
-            <a:r>
-              <a:rPr lang="en-US" altLang="ko-KR" sz="1200" dirty="0" smtClean="0"/>
-              <a:t>(Day8</a:t>
-            </a:r>
-            <a:r>
-              <a:rPr lang="ko-KR" altLang="en-US" sz="1200" dirty="0" smtClean="0"/>
-              <a:t>에서의 </a:t>
-            </a:r>
-            <a:r>
-              <a:rPr lang="en-US" altLang="ko-KR" sz="1200" dirty="0" smtClean="0"/>
-              <a:t>significant gene</a:t>
-            </a:r>
-            <a:r>
-              <a:rPr lang="en-US" altLang="ko-KR" sz="1200" dirty="0" smtClean="0"/>
-              <a:t>)</a:t>
-            </a:r>
-            <a:endParaRPr lang="en-US" altLang="ko-KR" sz="1200" dirty="0"/>
-          </a:p>
-        </p:txBody>
-      </p:sp>
-      <p:sp>
-        <p:nvSpPr>
-          <p:cNvPr id="14" name="TextBox 13">
-            <a:extLst>
-              <a:ext uri="{FF2B5EF4-FFF2-40B4-BE49-F238E27FC236}">
-                <a16:creationId xmlns:a16="http://schemas.microsoft.com/office/drawing/2014/main" xmlns="" id="{87742C6C-1726-654D-8215-AB2C2688D3C8}"/>
-              </a:ext>
-            </a:extLst>
-          </p:cNvPr>
-          <p:cNvSpPr txBox="1"/>
-          <p:nvPr/>
-        </p:nvSpPr>
-        <p:spPr>
-          <a:xfrm>
-            <a:off x="3239531" y="4353082"/>
-            <a:ext cx="5071132" cy="332399"/>
-          </a:xfrm>
-          <a:prstGeom prst="rect">
-            <a:avLst/>
-          </a:prstGeom>
-          <a:noFill/>
-        </p:spPr>
-        <p:txBody>
-          <a:bodyPr wrap="none" rtlCol="0">
-            <a:spAutoFit/>
-          </a:bodyPr>
-          <a:lstStyle/>
-          <a:p>
-            <a:pPr>
-              <a:lnSpc>
-                <a:spcPct val="130000"/>
-              </a:lnSpc>
-            </a:pPr>
-            <a:r>
-              <a:rPr lang="en-US" altLang="ko-KR" sz="1200" dirty="0" smtClean="0"/>
-              <a:t>(Day8</a:t>
-            </a:r>
-            <a:r>
-              <a:rPr lang="ko-KR" altLang="en-US" sz="1200" dirty="0" smtClean="0"/>
-              <a:t>에서의 </a:t>
-            </a:r>
-            <a:r>
-              <a:rPr lang="en-US" altLang="ko-KR" sz="1200" dirty="0" smtClean="0"/>
-              <a:t>significant gene</a:t>
-            </a:r>
-            <a:r>
-              <a:rPr lang="ko-KR" altLang="en-US" sz="1200" dirty="0" smtClean="0"/>
-              <a:t>을 </a:t>
-            </a:r>
-            <a:r>
-              <a:rPr lang="en-US" altLang="ko-KR" sz="1200" dirty="0" smtClean="0"/>
-              <a:t>adjusted p value </a:t>
-            </a:r>
-            <a:r>
-              <a:rPr lang="ko-KR" altLang="en-US" sz="1200" dirty="0" smtClean="0"/>
-              <a:t>기준 오름차순 정렬</a:t>
-            </a:r>
-            <a:r>
-              <a:rPr lang="en-US" altLang="ko-KR" sz="1200" dirty="0" smtClean="0"/>
-              <a:t>)</a:t>
-            </a:r>
-            <a:endParaRPr lang="en-US" altLang="ko-KR" sz="1200" dirty="0"/>
-          </a:p>
-        </p:txBody>
-      </p:sp>
     </p:spTree>
     <p:extLst>
       <p:ext uri="{BB962C8B-B14F-4D97-AF65-F5344CB8AC3E}">
-        <p14:creationId xmlns:p14="http://schemas.microsoft.com/office/powerpoint/2010/main" val="2478841255"/>
+        <p14:creationId xmlns:p14="http://schemas.microsoft.com/office/powerpoint/2010/main" val="2274255950"/>
       </p:ext>
     </p:extLst>
   </p:cSld>

--- a/Presentation/2. DESeq2.pptx
+++ b/Presentation/2. DESeq2.pptx
@@ -5,7 +5,7 @@
     <p:sldMasterId id="2147483648" r:id="rId1"/>
   </p:sldMasterIdLst>
   <p:notesMasterIdLst>
-    <p:notesMasterId r:id="rId13"/>
+    <p:notesMasterId r:id="rId14"/>
   </p:notesMasterIdLst>
   <p:sldIdLst>
     <p:sldId id="256" r:id="rId2"/>
@@ -15,10 +15,11 @@
     <p:sldId id="268" r:id="rId6"/>
     <p:sldId id="258" r:id="rId7"/>
     <p:sldId id="259" r:id="rId8"/>
-    <p:sldId id="261" r:id="rId9"/>
-    <p:sldId id="263" r:id="rId10"/>
-    <p:sldId id="264" r:id="rId11"/>
-    <p:sldId id="265" r:id="rId12"/>
+    <p:sldId id="270" r:id="rId9"/>
+    <p:sldId id="269" r:id="rId10"/>
+    <p:sldId id="263" r:id="rId11"/>
+    <p:sldId id="264" r:id="rId12"/>
+    <p:sldId id="265" r:id="rId13"/>
   </p:sldIdLst>
   <p:sldSz cx="12192000" cy="6858000"/>
   <p:notesSz cx="6858000" cy="9144000"/>
@@ -141,7 +142,8 @@
         </p14:section>
         <p14:section name="DEG Analysis" id="{4F77AA2C-0102-4A80-B521-A02B612C450F}">
           <p14:sldIdLst>
-            <p14:sldId id="261"/>
+            <p14:sldId id="270"/>
+            <p14:sldId id="269"/>
             <p14:sldId id="263"/>
             <p14:sldId id="264"/>
             <p14:sldId id="265"/>
@@ -663,6 +665,90 @@
     </p:spTree>
     <p:extLst>
       <p:ext uri="{BB962C8B-B14F-4D97-AF65-F5344CB8AC3E}">
+        <p14:creationId xmlns:p14="http://schemas.microsoft.com/office/powerpoint/2010/main" val="346111772"/>
+      </p:ext>
+    </p:extLst>
+  </p:cSld>
+  <p:clrMapOvr>
+    <a:masterClrMapping/>
+  </p:clrMapOvr>
+</p:notes>
+</file>
+
+<file path=ppt/notesSlides/notesSlide11.xml><?xml version="1.0" encoding="utf-8"?>
+<p:notes xmlns:a="http://schemas.openxmlformats.org/drawingml/2006/main" xmlns:r="http://schemas.openxmlformats.org/officeDocument/2006/relationships" xmlns:p="http://schemas.openxmlformats.org/presentationml/2006/main">
+  <p:cSld>
+    <p:spTree>
+      <p:nvGrpSpPr>
+        <p:cNvPr id="1" name=""/>
+        <p:cNvGrpSpPr/>
+        <p:nvPr/>
+      </p:nvGrpSpPr>
+      <p:grpSpPr>
+        <a:xfrm>
+          <a:off x="0" y="0"/>
+          <a:ext cx="0" cy="0"/>
+          <a:chOff x="0" y="0"/>
+          <a:chExt cx="0" cy="0"/>
+        </a:xfrm>
+      </p:grpSpPr>
+      <p:sp>
+        <p:nvSpPr>
+          <p:cNvPr id="2" name="슬라이드 이미지 개체 틀 1"/>
+          <p:cNvSpPr>
+            <a:spLocks noGrp="1" noRot="1" noChangeAspect="1"/>
+          </p:cNvSpPr>
+          <p:nvPr>
+            <p:ph type="sldImg"/>
+          </p:nvPr>
+        </p:nvSpPr>
+        <p:spPr/>
+      </p:sp>
+      <p:sp>
+        <p:nvSpPr>
+          <p:cNvPr id="3" name="슬라이드 노트 개체 틀 2"/>
+          <p:cNvSpPr>
+            <a:spLocks noGrp="1"/>
+          </p:cNvSpPr>
+          <p:nvPr>
+            <p:ph type="body" idx="1"/>
+          </p:nvPr>
+        </p:nvSpPr>
+        <p:spPr/>
+        <p:txBody>
+          <a:bodyPr/>
+          <a:lstStyle/>
+          <a:p>
+            <a:endParaRPr lang="en-US" altLang="ko-KR" dirty="0"/>
+          </a:p>
+        </p:txBody>
+      </p:sp>
+      <p:sp>
+        <p:nvSpPr>
+          <p:cNvPr id="4" name="슬라이드 번호 개체 틀 3"/>
+          <p:cNvSpPr>
+            <a:spLocks noGrp="1"/>
+          </p:cNvSpPr>
+          <p:nvPr>
+            <p:ph type="sldNum" sz="quarter" idx="10"/>
+          </p:nvPr>
+        </p:nvSpPr>
+        <p:spPr/>
+        <p:txBody>
+          <a:bodyPr/>
+          <a:lstStyle/>
+          <a:p>
+            <a:fld id="{C3394D38-E1FA-4CE4-9394-BB6C6AC66CC0}" type="slidenum">
+              <a:rPr lang="ko-KR" altLang="en-US" smtClean="0"/>
+              <a:t>12</a:t>
+            </a:fld>
+            <a:endParaRPr lang="ko-KR" altLang="en-US"/>
+          </a:p>
+        </p:txBody>
+      </p:sp>
+    </p:spTree>
+    <p:extLst>
+      <p:ext uri="{BB962C8B-B14F-4D97-AF65-F5344CB8AC3E}">
         <p14:creationId xmlns:p14="http://schemas.microsoft.com/office/powerpoint/2010/main" val="2602947142"/>
       </p:ext>
     </p:extLst>
@@ -1331,7 +1417,7 @@
     </p:spTree>
     <p:extLst>
       <p:ext uri="{BB962C8B-B14F-4D97-AF65-F5344CB8AC3E}">
-        <p14:creationId xmlns:p14="http://schemas.microsoft.com/office/powerpoint/2010/main" val="2548953570"/>
+        <p14:creationId xmlns:p14="http://schemas.microsoft.com/office/powerpoint/2010/main" val="3937322687"/>
       </p:ext>
     </p:extLst>
   </p:cSld>
@@ -1385,7 +1471,11 @@
           <a:bodyPr/>
           <a:lstStyle/>
           <a:p>
-            <a:endParaRPr lang="en-US" altLang="ko-KR" dirty="0"/>
+            <a:pPr marL="171450" indent="-171450">
+              <a:buFontTx/>
+              <a:buChar char="-"/>
+            </a:pPr>
+            <a:endParaRPr lang="ko-KR" altLang="en-US" dirty="0"/>
           </a:p>
         </p:txBody>
       </p:sp>
@@ -1415,7 +1505,7 @@
     </p:spTree>
     <p:extLst>
       <p:ext uri="{BB962C8B-B14F-4D97-AF65-F5344CB8AC3E}">
-        <p14:creationId xmlns:p14="http://schemas.microsoft.com/office/powerpoint/2010/main" val="2442369945"/>
+        <p14:creationId xmlns:p14="http://schemas.microsoft.com/office/powerpoint/2010/main" val="4019410264"/>
       </p:ext>
     </p:extLst>
   </p:cSld>
@@ -1499,7 +1589,7 @@
     </p:spTree>
     <p:extLst>
       <p:ext uri="{BB962C8B-B14F-4D97-AF65-F5344CB8AC3E}">
-        <p14:creationId xmlns:p14="http://schemas.microsoft.com/office/powerpoint/2010/main" val="346111772"/>
+        <p14:creationId xmlns:p14="http://schemas.microsoft.com/office/powerpoint/2010/main" val="2442369945"/>
       </p:ext>
     </p:extLst>
   </p:cSld>
@@ -5047,7 +5137,7 @@
           <p:cNvPr id="2" name="TextBox 1">
             <a:extLst>
               <a:ext uri="{FF2B5EF4-FFF2-40B4-BE49-F238E27FC236}">
-                <a16:creationId xmlns="" xmlns:a16="http://schemas.microsoft.com/office/drawing/2014/main" id="{B57D1D50-C100-4846-B8D3-0AF4330013E4}"/>
+                <a16:creationId xmlns:a16="http://schemas.microsoft.com/office/drawing/2014/main" xmlns="" id="{B57D1D50-C100-4846-B8D3-0AF4330013E4}"/>
               </a:ext>
             </a:extLst>
           </p:cNvPr>
@@ -5083,7 +5173,7 @@
           <p:cNvPr id="16" name="TextBox 15">
             <a:extLst>
               <a:ext uri="{FF2B5EF4-FFF2-40B4-BE49-F238E27FC236}">
-                <a16:creationId xmlns="" xmlns:a16="http://schemas.microsoft.com/office/drawing/2014/main" id="{185F3932-CD6A-EE4C-BEA6-A1830EE377A8}"/>
+                <a16:creationId xmlns:a16="http://schemas.microsoft.com/office/drawing/2014/main" xmlns="" id="{185F3932-CD6A-EE4C-BEA6-A1830EE377A8}"/>
               </a:ext>
             </a:extLst>
           </p:cNvPr>
@@ -5441,14 +5531,106 @@
       </p:sp>
       <p:sp>
         <p:nvSpPr>
+          <p:cNvPr id="10" name="오른쪽 중괄호 9"/>
+          <p:cNvSpPr/>
+          <p:nvPr/>
+        </p:nvSpPr>
+        <p:spPr>
+          <a:xfrm>
+            <a:off x="5953327" y="2386295"/>
+            <a:ext cx="1225685" cy="1238648"/>
+          </a:xfrm>
+          <a:prstGeom prst="rightBrace">
+            <a:avLst>
+              <a:gd name="adj1" fmla="val 0"/>
+              <a:gd name="adj2" fmla="val 50000"/>
+            </a:avLst>
+          </a:prstGeom>
+          <a:ln w="22225">
+            <a:solidFill>
+              <a:srgbClr val="002060"/>
+            </a:solidFill>
+          </a:ln>
+        </p:spPr>
+        <p:style>
+          <a:lnRef idx="1">
+            <a:schemeClr val="accent1"/>
+          </a:lnRef>
+          <a:fillRef idx="0">
+            <a:schemeClr val="accent1"/>
+          </a:fillRef>
+          <a:effectRef idx="0">
+            <a:schemeClr val="accent1"/>
+          </a:effectRef>
+          <a:fontRef idx="minor">
+            <a:schemeClr val="tx1"/>
+          </a:fontRef>
+        </p:style>
+        <p:txBody>
+          <a:bodyPr rtlCol="0" anchor="ctr"/>
+          <a:lstStyle/>
+          <a:p>
+            <a:pPr algn="ctr"/>
+            <a:endParaRPr lang="ko-KR" altLang="en-US"/>
+          </a:p>
+        </p:txBody>
+      </p:sp>
+      <p:sp>
+        <p:nvSpPr>
+          <p:cNvPr id="22" name="오른쪽 중괄호 21"/>
+          <p:cNvSpPr/>
+          <p:nvPr/>
+        </p:nvSpPr>
+        <p:spPr>
+          <a:xfrm>
+            <a:off x="5953570" y="3756567"/>
+            <a:ext cx="1225198" cy="910639"/>
+          </a:xfrm>
+          <a:prstGeom prst="rightBrace">
+            <a:avLst>
+              <a:gd name="adj1" fmla="val 0"/>
+              <a:gd name="adj2" fmla="val 50000"/>
+            </a:avLst>
+          </a:prstGeom>
+          <a:ln w="22225">
+            <a:solidFill>
+              <a:srgbClr val="002060"/>
+            </a:solidFill>
+          </a:ln>
+        </p:spPr>
+        <p:style>
+          <a:lnRef idx="1">
+            <a:schemeClr val="accent1"/>
+          </a:lnRef>
+          <a:fillRef idx="0">
+            <a:schemeClr val="accent1"/>
+          </a:fillRef>
+          <a:effectRef idx="0">
+            <a:schemeClr val="accent1"/>
+          </a:effectRef>
+          <a:fontRef idx="minor">
+            <a:schemeClr val="tx1"/>
+          </a:fontRef>
+        </p:style>
+        <p:txBody>
+          <a:bodyPr rtlCol="0" anchor="ctr"/>
+          <a:lstStyle/>
+          <a:p>
+            <a:pPr algn="ctr"/>
+            <a:endParaRPr lang="ko-KR" altLang="en-US"/>
+          </a:p>
+        </p:txBody>
+      </p:sp>
+      <p:sp>
+        <p:nvSpPr>
           <p:cNvPr id="23" name="TextBox 22"/>
           <p:cNvSpPr txBox="1"/>
           <p:nvPr/>
         </p:nvSpPr>
         <p:spPr>
           <a:xfrm>
-            <a:off x="8747389" y="4309060"/>
-            <a:ext cx="2956259" cy="377091"/>
+            <a:off x="7298469" y="2799772"/>
+            <a:ext cx="1468672" cy="377091"/>
           </a:xfrm>
           <a:prstGeom prst="rect">
             <a:avLst/>
@@ -5468,7 +5650,7 @@
             </a:pPr>
             <a:r>
               <a:rPr lang="en-US" altLang="ko-KR" sz="1600" dirty="0"/>
-              <a:t>Run DEG analysis by DESeq2</a:t>
+              <a:t>Divide by day</a:t>
             </a:r>
           </a:p>
         </p:txBody>
@@ -5481,8 +5663,8 @@
         </p:nvSpPr>
         <p:spPr>
           <a:xfrm>
-            <a:off x="8747389" y="6195955"/>
-            <a:ext cx="1420902" cy="377091"/>
+            <a:off x="7298469" y="4027894"/>
+            <a:ext cx="2215607" cy="377091"/>
           </a:xfrm>
           <a:prstGeom prst="rect">
             <a:avLst/>
@@ -5502,6 +5684,475 @@
             </a:pPr>
             <a:r>
               <a:rPr lang="en-US" altLang="ko-KR" sz="1600" dirty="0"/>
+              <a:t>To-do before for loop</a:t>
+            </a:r>
+          </a:p>
+        </p:txBody>
+      </p:sp>
+      <p:sp>
+        <p:nvSpPr>
+          <p:cNvPr id="27" name="내용 개체 틀 1">
+            <a:extLst>
+              <a:ext uri="{FF2B5EF4-FFF2-40B4-BE49-F238E27FC236}">
+                <a16:creationId xmlns:a16="http://schemas.microsoft.com/office/drawing/2014/main" xmlns="" id="{11F41BDF-05A9-49F8-909D-4D4DB6ADC8FC}"/>
+              </a:ext>
+            </a:extLst>
+          </p:cNvPr>
+          <p:cNvSpPr>
+            <a:spLocks noGrp="1"/>
+          </p:cNvSpPr>
+          <p:nvPr>
+            <p:ph idx="1"/>
+          </p:nvPr>
+        </p:nvSpPr>
+        <p:spPr>
+          <a:xfrm>
+            <a:off x="186599" y="1203717"/>
+            <a:ext cx="10515600" cy="4351338"/>
+          </a:xfrm>
+        </p:spPr>
+        <p:txBody>
+          <a:bodyPr>
+            <a:normAutofit/>
+          </a:bodyPr>
+          <a:lstStyle/>
+          <a:p>
+            <a:pPr marL="0" indent="0">
+              <a:lnSpc>
+                <a:spcPct val="130000"/>
+              </a:lnSpc>
+              <a:buNone/>
+            </a:pPr>
+            <a:r>
+              <a:rPr lang="en-US" altLang="ko-KR" sz="1800" b="1" dirty="0"/>
+              <a:t>&gt;DEG </a:t>
+            </a:r>
+            <a:r>
+              <a:rPr lang="en-US" altLang="ko-KR" sz="1800" dirty="0"/>
+              <a:t>(Differentially Expressed Gene, </a:t>
+            </a:r>
+            <a:r>
+              <a:rPr lang="ko-KR" altLang="en-US" sz="1800" dirty="0"/>
+              <a:t>차등 발현 유전자 분석</a:t>
+            </a:r>
+            <a:r>
+              <a:rPr lang="en-US" altLang="ko-KR" sz="1800" dirty="0"/>
+              <a:t>)</a:t>
+            </a:r>
+          </a:p>
+          <a:p>
+            <a:pPr marL="0" indent="0">
+              <a:lnSpc>
+                <a:spcPct val="130000"/>
+              </a:lnSpc>
+              <a:buNone/>
+            </a:pPr>
+            <a:r>
+              <a:rPr lang="en-US" altLang="ko-KR" sz="1600" b="1" dirty="0">
+                <a:solidFill>
+                  <a:srgbClr val="FF0000"/>
+                </a:solidFill>
+              </a:rPr>
+              <a:t>* package </a:t>
+            </a:r>
+            <a:r>
+              <a:rPr lang="ko-KR" altLang="en-US" sz="1600" b="1" dirty="0">
+                <a:solidFill>
+                  <a:srgbClr val="FF0000"/>
+                </a:solidFill>
+              </a:rPr>
+              <a:t>및 </a:t>
+            </a:r>
+            <a:r>
+              <a:rPr lang="en-US" altLang="ko-KR" sz="1600" b="1" dirty="0">
+                <a:solidFill>
+                  <a:srgbClr val="FF0000"/>
+                </a:solidFill>
+              </a:rPr>
+              <a:t>input data </a:t>
+            </a:r>
+            <a:r>
+              <a:rPr lang="ko-KR" altLang="en-US" sz="1600" b="1" dirty="0">
+                <a:solidFill>
+                  <a:srgbClr val="FF0000"/>
+                </a:solidFill>
+              </a:rPr>
+              <a:t>불러오는 코드 먼저 실행 후 진행해주세요</a:t>
+            </a:r>
+            <a:r>
+              <a:rPr lang="en-US" altLang="ko-KR" sz="1600" b="1" dirty="0">
+                <a:solidFill>
+                  <a:srgbClr val="FF0000"/>
+                </a:solidFill>
+              </a:rPr>
+              <a:t> *</a:t>
+            </a:r>
+          </a:p>
+        </p:txBody>
+      </p:sp>
+      <p:sp>
+        <p:nvSpPr>
+          <p:cNvPr id="11" name="TextBox 10">
+            <a:extLst>
+              <a:ext uri="{FF2B5EF4-FFF2-40B4-BE49-F238E27FC236}">
+                <a16:creationId xmlns:a16="http://schemas.microsoft.com/office/drawing/2014/main" xmlns="" id="{87742C6C-1726-654D-8215-AB2C2688D3C8}"/>
+              </a:ext>
+            </a:extLst>
+          </p:cNvPr>
+          <p:cNvSpPr txBox="1"/>
+          <p:nvPr/>
+        </p:nvSpPr>
+        <p:spPr>
+          <a:xfrm>
+            <a:off x="7345854" y="3329387"/>
+            <a:ext cx="4336444" cy="545983"/>
+          </a:xfrm>
+          <a:prstGeom prst="rect">
+            <a:avLst/>
+          </a:prstGeom>
+          <a:noFill/>
+        </p:spPr>
+        <p:txBody>
+          <a:bodyPr wrap="none" rtlCol="0">
+            <a:spAutoFit/>
+          </a:bodyPr>
+          <a:lstStyle/>
+          <a:p>
+            <a:pPr>
+              <a:lnSpc>
+                <a:spcPct val="130000"/>
+              </a:lnSpc>
+            </a:pPr>
+            <a:r>
+              <a:rPr lang="en-US" altLang="ko-KR" sz="1200" dirty="0"/>
+              <a:t>(</a:t>
+            </a:r>
+            <a:r>
+              <a:rPr lang="ko-KR" altLang="en-US" sz="1200" dirty="0"/>
+              <a:t>각 </a:t>
+            </a:r>
+            <a:r>
+              <a:rPr lang="en-US" altLang="ko-KR" sz="1200" dirty="0"/>
+              <a:t>Day</a:t>
+            </a:r>
+            <a:r>
+              <a:rPr lang="ko-KR" altLang="en-US" sz="1200" dirty="0"/>
+              <a:t>마다 </a:t>
+            </a:r>
+            <a:r>
+              <a:rPr lang="en-US" altLang="ko-KR" sz="1200" dirty="0"/>
+              <a:t>DEG</a:t>
+            </a:r>
+            <a:r>
+              <a:rPr lang="ko-KR" altLang="en-US" sz="1200" dirty="0" err="1"/>
+              <a:t>를</a:t>
+            </a:r>
+            <a:r>
+              <a:rPr lang="ko-KR" altLang="en-US" sz="1200" dirty="0"/>
+              <a:t> 구하기 위해</a:t>
+            </a:r>
+            <a:endParaRPr lang="en-US" altLang="ko-KR" sz="1200" dirty="0"/>
+          </a:p>
+          <a:p>
+            <a:pPr>
+              <a:lnSpc>
+                <a:spcPct val="130000"/>
+              </a:lnSpc>
+            </a:pPr>
+            <a:r>
+              <a:rPr lang="en-US" altLang="ko-KR" sz="1200" dirty="0"/>
+              <a:t>day8, day12, day16, day24</a:t>
+            </a:r>
+            <a:r>
+              <a:rPr lang="ko-KR" altLang="en-US" sz="1200" dirty="0"/>
+              <a:t>로 </a:t>
+            </a:r>
+            <a:r>
+              <a:rPr lang="en-US" altLang="ko-KR" sz="1200" dirty="0"/>
+              <a:t>input data</a:t>
+            </a:r>
+            <a:r>
+              <a:rPr lang="ko-KR" altLang="en-US" sz="1200" dirty="0" err="1"/>
+              <a:t>를</a:t>
+            </a:r>
+            <a:r>
+              <a:rPr lang="ko-KR" altLang="en-US" sz="1200" dirty="0"/>
+              <a:t> 나눠주었습니다</a:t>
+            </a:r>
+            <a:r>
+              <a:rPr lang="en-US" altLang="ko-KR" sz="1200" dirty="0"/>
+              <a:t>.)</a:t>
+            </a:r>
+          </a:p>
+        </p:txBody>
+      </p:sp>
+      <p:sp>
+        <p:nvSpPr>
+          <p:cNvPr id="12" name="TextBox 11">
+            <a:extLst>
+              <a:ext uri="{FF2B5EF4-FFF2-40B4-BE49-F238E27FC236}">
+                <a16:creationId xmlns:a16="http://schemas.microsoft.com/office/drawing/2014/main" xmlns="" id="{87742C6C-1726-654D-8215-AB2C2688D3C8}"/>
+              </a:ext>
+            </a:extLst>
+          </p:cNvPr>
+          <p:cNvSpPr txBox="1"/>
+          <p:nvPr/>
+        </p:nvSpPr>
+        <p:spPr>
+          <a:xfrm>
+            <a:off x="7345854" y="4557509"/>
+            <a:ext cx="4089581" cy="572464"/>
+          </a:xfrm>
+          <a:prstGeom prst="rect">
+            <a:avLst/>
+          </a:prstGeom>
+          <a:noFill/>
+        </p:spPr>
+        <p:txBody>
+          <a:bodyPr wrap="none" rtlCol="0">
+            <a:spAutoFit/>
+          </a:bodyPr>
+          <a:lstStyle/>
+          <a:p>
+            <a:pPr>
+              <a:lnSpc>
+                <a:spcPct val="130000"/>
+              </a:lnSpc>
+            </a:pPr>
+            <a:r>
+              <a:rPr lang="en-US" altLang="ko-KR" sz="1200" dirty="0" smtClean="0"/>
+              <a:t>(Day</a:t>
+            </a:r>
+            <a:r>
+              <a:rPr lang="ko-KR" altLang="en-US" sz="1200" dirty="0" smtClean="0"/>
+              <a:t>별로 </a:t>
+            </a:r>
+            <a:r>
+              <a:rPr lang="en-US" altLang="ko-KR" sz="1200" dirty="0" smtClean="0"/>
+              <a:t>DEG </a:t>
+            </a:r>
+            <a:r>
+              <a:rPr lang="ko-KR" altLang="en-US" sz="1200" dirty="0" smtClean="0"/>
+              <a:t>구하는 것을 한 코드로 실행하기 위해</a:t>
+            </a:r>
+            <a:endParaRPr lang="en-US" altLang="ko-KR" sz="1200" dirty="0"/>
+          </a:p>
+          <a:p>
+            <a:pPr>
+              <a:lnSpc>
+                <a:spcPct val="130000"/>
+              </a:lnSpc>
+            </a:pPr>
+            <a:r>
+              <a:rPr lang="en-US" altLang="ko-KR" sz="1200" dirty="0"/>
+              <a:t>f</a:t>
+            </a:r>
+            <a:r>
+              <a:rPr lang="en-US" altLang="ko-KR" sz="1200" dirty="0" smtClean="0"/>
+              <a:t>or</a:t>
+            </a:r>
+            <a:r>
+              <a:rPr lang="ko-KR" altLang="en-US" sz="1200" dirty="0" smtClean="0"/>
+              <a:t>문을 사용하는데</a:t>
+            </a:r>
+            <a:r>
+              <a:rPr lang="en-US" altLang="ko-KR" sz="1200" dirty="0" smtClean="0"/>
+              <a:t>, </a:t>
+            </a:r>
+            <a:r>
+              <a:rPr lang="ko-KR" altLang="en-US" sz="1200" dirty="0" smtClean="0"/>
+              <a:t>그를 위해 필요한 사전 작업입니다</a:t>
+            </a:r>
+            <a:r>
+              <a:rPr lang="en-US" altLang="ko-KR" sz="1200" dirty="0" smtClean="0"/>
+              <a:t>.)</a:t>
+            </a:r>
+            <a:endParaRPr lang="en-US" altLang="ko-KR" sz="1200" dirty="0"/>
+          </a:p>
+        </p:txBody>
+      </p:sp>
+      <p:pic>
+        <p:nvPicPr>
+          <p:cNvPr id="2" name="그림 1"/>
+          <p:cNvPicPr>
+            <a:picLocks noChangeAspect="1"/>
+          </p:cNvPicPr>
+          <p:nvPr/>
+        </p:nvPicPr>
+        <p:blipFill rotWithShape="1">
+          <a:blip r:embed="rId3"/>
+          <a:srcRect l="844"/>
+          <a:stretch/>
+        </p:blipFill>
+        <p:spPr>
+          <a:xfrm>
+            <a:off x="302125" y="2143909"/>
+            <a:ext cx="5655870" cy="2523297"/>
+          </a:xfrm>
+          <a:prstGeom prst="rect">
+            <a:avLst/>
+          </a:prstGeom>
+        </p:spPr>
+      </p:pic>
+    </p:spTree>
+    <p:extLst>
+      <p:ext uri="{BB962C8B-B14F-4D97-AF65-F5344CB8AC3E}">
+        <p14:creationId xmlns:p14="http://schemas.microsoft.com/office/powerpoint/2010/main" val="2274255950"/>
+      </p:ext>
+    </p:extLst>
+  </p:cSld>
+  <p:clrMapOvr>
+    <a:masterClrMapping/>
+  </p:clrMapOvr>
+</p:sld>
+</file>
+
+<file path=ppt/slides/slide11.xml><?xml version="1.0" encoding="utf-8"?>
+<p:sld xmlns:a="http://schemas.openxmlformats.org/drawingml/2006/main" xmlns:r="http://schemas.openxmlformats.org/officeDocument/2006/relationships" xmlns:p="http://schemas.openxmlformats.org/presentationml/2006/main">
+  <p:cSld>
+    <p:spTree>
+      <p:nvGrpSpPr>
+        <p:cNvPr id="1" name=""/>
+        <p:cNvGrpSpPr/>
+        <p:nvPr/>
+      </p:nvGrpSpPr>
+      <p:grpSpPr>
+        <a:xfrm>
+          <a:off x="0" y="0"/>
+          <a:ext cx="0" cy="0"/>
+          <a:chOff x="0" y="0"/>
+          <a:chExt cx="0" cy="0"/>
+        </a:xfrm>
+      </p:grpSpPr>
+      <p:sp>
+        <p:nvSpPr>
+          <p:cNvPr id="4" name="제목 3"/>
+          <p:cNvSpPr>
+            <a:spLocks noGrp="1"/>
+          </p:cNvSpPr>
+          <p:nvPr>
+            <p:ph type="title"/>
+          </p:nvPr>
+        </p:nvSpPr>
+        <p:spPr>
+          <a:xfrm>
+            <a:off x="186599" y="161047"/>
+            <a:ext cx="10515600" cy="788172"/>
+          </a:xfrm>
+        </p:spPr>
+        <p:txBody>
+          <a:bodyPr/>
+          <a:lstStyle/>
+          <a:p>
+            <a:r>
+              <a:rPr lang="en-US" altLang="ko-KR" dirty="0"/>
+              <a:t>DEG</a:t>
+            </a:r>
+            <a:r>
+              <a:rPr lang="ko-KR" altLang="en-US" dirty="0"/>
+              <a:t> </a:t>
+            </a:r>
+            <a:r>
+              <a:rPr lang="en-US" altLang="ko-KR" dirty="0"/>
+              <a:t>Analysis</a:t>
+            </a:r>
+            <a:endParaRPr lang="ko-KR" altLang="en-US" dirty="0"/>
+          </a:p>
+        </p:txBody>
+      </p:sp>
+      <p:sp>
+        <p:nvSpPr>
+          <p:cNvPr id="6" name="TextBox 5"/>
+          <p:cNvSpPr txBox="1"/>
+          <p:nvPr/>
+        </p:nvSpPr>
+        <p:spPr>
+          <a:xfrm>
+            <a:off x="10636296" y="45718"/>
+            <a:ext cx="1435008" cy="369332"/>
+          </a:xfrm>
+          <a:prstGeom prst="rect">
+            <a:avLst/>
+          </a:prstGeom>
+          <a:noFill/>
+        </p:spPr>
+        <p:txBody>
+          <a:bodyPr wrap="none" rtlCol="0">
+            <a:spAutoFit/>
+          </a:bodyPr>
+          <a:lstStyle/>
+          <a:p>
+            <a:r>
+              <a:rPr lang="en-US" altLang="ko-KR" dirty="0"/>
+              <a:t>2. DESeq2.R</a:t>
+            </a:r>
+            <a:endParaRPr lang="ko-KR" altLang="en-US" dirty="0"/>
+          </a:p>
+        </p:txBody>
+      </p:sp>
+      <p:sp>
+        <p:nvSpPr>
+          <p:cNvPr id="23" name="TextBox 22"/>
+          <p:cNvSpPr txBox="1"/>
+          <p:nvPr/>
+        </p:nvSpPr>
+        <p:spPr>
+          <a:xfrm>
+            <a:off x="8747389" y="4309060"/>
+            <a:ext cx="2956259" cy="377091"/>
+          </a:xfrm>
+          <a:prstGeom prst="rect">
+            <a:avLst/>
+          </a:prstGeom>
+          <a:noFill/>
+        </p:spPr>
+        <p:txBody>
+          <a:bodyPr wrap="none" rtlCol="0">
+            <a:spAutoFit/>
+          </a:bodyPr>
+          <a:lstStyle/>
+          <a:p>
+            <a:pPr>
+              <a:lnSpc>
+                <a:spcPct val="130000"/>
+              </a:lnSpc>
+            </a:pPr>
+            <a:r>
+              <a:rPr lang="en-US" altLang="ko-KR" sz="1600" dirty="0"/>
+              <a:t>Run DEG analysis by DESeq2</a:t>
+            </a:r>
+          </a:p>
+        </p:txBody>
+      </p:sp>
+      <p:sp>
+        <p:nvSpPr>
+          <p:cNvPr id="29" name="TextBox 28"/>
+          <p:cNvSpPr txBox="1"/>
+          <p:nvPr/>
+        </p:nvSpPr>
+        <p:spPr>
+          <a:xfrm>
+            <a:off x="8747389" y="6195955"/>
+            <a:ext cx="1420902" cy="377091"/>
+          </a:xfrm>
+          <a:prstGeom prst="rect">
+            <a:avLst/>
+          </a:prstGeom>
+          <a:noFill/>
+        </p:spPr>
+        <p:txBody>
+          <a:bodyPr wrap="none" rtlCol="0">
+            <a:spAutoFit/>
+          </a:bodyPr>
+          <a:lstStyle/>
+          <a:p>
+            <a:pPr>
+              <a:lnSpc>
+                <a:spcPct val="130000"/>
+              </a:lnSpc>
+            </a:pPr>
+            <a:r>
+              <a:rPr lang="en-US" altLang="ko-KR" sz="1600" dirty="0"/>
               <a:t>Save RDS file</a:t>
             </a:r>
           </a:p>
@@ -5512,7 +6163,7 @@
           <p:cNvPr id="20" name="내용 개체 틀 1">
             <a:extLst>
               <a:ext uri="{FF2B5EF4-FFF2-40B4-BE49-F238E27FC236}">
-                <a16:creationId xmlns="" xmlns:a16="http://schemas.microsoft.com/office/drawing/2014/main" id="{F64DB2F0-0A18-4CE1-9734-3B587EE8E81B}"/>
+                <a16:creationId xmlns:a16="http://schemas.microsoft.com/office/drawing/2014/main" xmlns="" id="{F64DB2F0-0A18-4CE1-9734-3B587EE8E81B}"/>
               </a:ext>
             </a:extLst>
           </p:cNvPr>
@@ -5779,7 +6430,7 @@
           <p:cNvPr id="36" name="TextBox 35">
             <a:extLst>
               <a:ext uri="{FF2B5EF4-FFF2-40B4-BE49-F238E27FC236}">
-                <a16:creationId xmlns="" xmlns:a16="http://schemas.microsoft.com/office/drawing/2014/main" id="{53267BF0-69BF-4118-B5E7-BB1D5B46579C}"/>
+                <a16:creationId xmlns:a16="http://schemas.microsoft.com/office/drawing/2014/main" xmlns="" id="{53267BF0-69BF-4118-B5E7-BB1D5B46579C}"/>
               </a:ext>
             </a:extLst>
           </p:cNvPr>
@@ -5854,7 +6505,7 @@
           <p:cNvPr id="26" name="직사각형 25">
             <a:extLst>
               <a:ext uri="{FF2B5EF4-FFF2-40B4-BE49-F238E27FC236}">
-                <a16:creationId xmlns="" xmlns:a16="http://schemas.microsoft.com/office/drawing/2014/main" id="{488448E0-BF06-4638-95D8-94BA51B62AB6}"/>
+                <a16:creationId xmlns:a16="http://schemas.microsoft.com/office/drawing/2014/main" xmlns="" id="{488448E0-BF06-4638-95D8-94BA51B62AB6}"/>
               </a:ext>
             </a:extLst>
           </p:cNvPr>
@@ -5910,7 +6561,7 @@
           <p:cNvPr id="27" name="직사각형 26">
             <a:extLst>
               <a:ext uri="{FF2B5EF4-FFF2-40B4-BE49-F238E27FC236}">
-                <a16:creationId xmlns="" xmlns:a16="http://schemas.microsoft.com/office/drawing/2014/main" id="{0C03803D-B15C-4391-AA0A-1D58055E475B}"/>
+                <a16:creationId xmlns:a16="http://schemas.microsoft.com/office/drawing/2014/main" xmlns="" id="{0C03803D-B15C-4391-AA0A-1D58055E475B}"/>
               </a:ext>
             </a:extLst>
           </p:cNvPr>
@@ -5966,7 +6617,7 @@
           <p:cNvPr id="33" name="직사각형 32">
             <a:extLst>
               <a:ext uri="{FF2B5EF4-FFF2-40B4-BE49-F238E27FC236}">
-                <a16:creationId xmlns="" xmlns:a16="http://schemas.microsoft.com/office/drawing/2014/main" id="{0E733A80-DF78-4A25-901B-8D2A2CFEF47B}"/>
+                <a16:creationId xmlns:a16="http://schemas.microsoft.com/office/drawing/2014/main" xmlns="" id="{0E733A80-DF78-4A25-901B-8D2A2CFEF47B}"/>
               </a:ext>
             </a:extLst>
           </p:cNvPr>
@@ -6022,7 +6673,7 @@
           <p:cNvPr id="35" name="오른쪽 중괄호 34">
             <a:extLst>
               <a:ext uri="{FF2B5EF4-FFF2-40B4-BE49-F238E27FC236}">
-                <a16:creationId xmlns="" xmlns:a16="http://schemas.microsoft.com/office/drawing/2014/main" id="{12797CB4-F5BA-44A2-84C7-5F83F160E6C2}"/>
+                <a16:creationId xmlns:a16="http://schemas.microsoft.com/office/drawing/2014/main" xmlns="" id="{12797CB4-F5BA-44A2-84C7-5F83F160E6C2}"/>
               </a:ext>
             </a:extLst>
           </p:cNvPr>
@@ -6120,7 +6771,7 @@
           <p:cNvPr id="34" name="오른쪽 중괄호 33">
             <a:extLst>
               <a:ext uri="{FF2B5EF4-FFF2-40B4-BE49-F238E27FC236}">
-                <a16:creationId xmlns="" xmlns:a16="http://schemas.microsoft.com/office/drawing/2014/main" id="{EED46B05-E63D-4629-A2AD-FC182835B08E}"/>
+                <a16:creationId xmlns:a16="http://schemas.microsoft.com/office/drawing/2014/main" xmlns="" id="{EED46B05-E63D-4629-A2AD-FC182835B08E}"/>
               </a:ext>
             </a:extLst>
           </p:cNvPr>
@@ -6331,7 +6982,7 @@
 </p:sld>
 </file>
 
-<file path=ppt/slides/slide11.xml><?xml version="1.0" encoding="utf-8"?>
+<file path=ppt/slides/slide12.xml><?xml version="1.0" encoding="utf-8"?>
 <p:sld xmlns:a="http://schemas.openxmlformats.org/drawingml/2006/main" xmlns:r="http://schemas.openxmlformats.org/officeDocument/2006/relationships" xmlns:p="http://schemas.openxmlformats.org/presentationml/2006/main">
   <p:cSld>
     <p:spTree>
@@ -6419,7 +7070,7 @@
           <p:cNvPr id="20" name="내용 개체 틀 1">
             <a:extLst>
               <a:ext uri="{FF2B5EF4-FFF2-40B4-BE49-F238E27FC236}">
-                <a16:creationId xmlns="" xmlns:a16="http://schemas.microsoft.com/office/drawing/2014/main" id="{F64DB2F0-0A18-4CE1-9734-3B587EE8E81B}"/>
+                <a16:creationId xmlns:a16="http://schemas.microsoft.com/office/drawing/2014/main" xmlns="" id="{F64DB2F0-0A18-4CE1-9734-3B587EE8E81B}"/>
               </a:ext>
             </a:extLst>
           </p:cNvPr>
@@ -6686,7 +7337,7 @@
           <p:cNvPr id="16" name="TextBox 15">
             <a:extLst>
               <a:ext uri="{FF2B5EF4-FFF2-40B4-BE49-F238E27FC236}">
-                <a16:creationId xmlns="" xmlns:a16="http://schemas.microsoft.com/office/drawing/2014/main" id="{C96035E7-3CA4-4C37-8196-8CE49D5A7C8F}"/>
+                <a16:creationId xmlns:a16="http://schemas.microsoft.com/office/drawing/2014/main" xmlns="" id="{C96035E7-3CA4-4C37-8196-8CE49D5A7C8F}"/>
               </a:ext>
             </a:extLst>
           </p:cNvPr>
@@ -6727,7 +7378,7 @@
           <p:cNvPr id="7" name="그림 6">
             <a:extLst>
               <a:ext uri="{FF2B5EF4-FFF2-40B4-BE49-F238E27FC236}">
-                <a16:creationId xmlns="" xmlns:a16="http://schemas.microsoft.com/office/drawing/2014/main" id="{9ED6C723-5108-4686-AAAC-C2C5E5083033}"/>
+                <a16:creationId xmlns:a16="http://schemas.microsoft.com/office/drawing/2014/main" xmlns="" id="{9ED6C723-5108-4686-AAAC-C2C5E5083033}"/>
               </a:ext>
             </a:extLst>
           </p:cNvPr>
@@ -6757,7 +7408,7 @@
           <p:cNvPr id="24" name="TextBox 23">
             <a:extLst>
               <a:ext uri="{FF2B5EF4-FFF2-40B4-BE49-F238E27FC236}">
-                <a16:creationId xmlns="" xmlns:a16="http://schemas.microsoft.com/office/drawing/2014/main" id="{12FF4327-490E-4FDA-BFFD-224AC1B5433B}"/>
+                <a16:creationId xmlns:a16="http://schemas.microsoft.com/office/drawing/2014/main" xmlns="" id="{12FF4327-490E-4FDA-BFFD-224AC1B5433B}"/>
               </a:ext>
             </a:extLst>
           </p:cNvPr>
@@ -6801,7 +7452,7 @@
           <p:cNvPr id="28" name="TextBox 27">
             <a:extLst>
               <a:ext uri="{FF2B5EF4-FFF2-40B4-BE49-F238E27FC236}">
-                <a16:creationId xmlns="" xmlns:a16="http://schemas.microsoft.com/office/drawing/2014/main" id="{2069EB48-536B-4489-B6EB-2AA7403FFA27}"/>
+                <a16:creationId xmlns:a16="http://schemas.microsoft.com/office/drawing/2014/main" xmlns="" id="{2069EB48-536B-4489-B6EB-2AA7403FFA27}"/>
               </a:ext>
             </a:extLst>
           </p:cNvPr>
@@ -6859,7 +7510,7 @@
             <p:cNvPr id="12" name="그림 11">
               <a:extLst>
                 <a:ext uri="{FF2B5EF4-FFF2-40B4-BE49-F238E27FC236}">
-                  <a16:creationId xmlns="" xmlns:a16="http://schemas.microsoft.com/office/drawing/2014/main" id="{CD71B739-4E00-4FF1-A197-035D81685BD4}"/>
+                  <a16:creationId xmlns:a16="http://schemas.microsoft.com/office/drawing/2014/main" xmlns="" id="{CD71B739-4E00-4FF1-A197-035D81685BD4}"/>
                 </a:ext>
               </a:extLst>
             </p:cNvPr>
@@ -6889,7 +7540,7 @@
             <p:cNvPr id="18" name="TextBox 17">
               <a:extLst>
                 <a:ext uri="{FF2B5EF4-FFF2-40B4-BE49-F238E27FC236}">
-                  <a16:creationId xmlns="" xmlns:a16="http://schemas.microsoft.com/office/drawing/2014/main" id="{D4816F92-722E-4FCA-A35A-C4A15513CEA2}"/>
+                  <a16:creationId xmlns:a16="http://schemas.microsoft.com/office/drawing/2014/main" xmlns="" id="{D4816F92-722E-4FCA-A35A-C4A15513CEA2}"/>
                 </a:ext>
               </a:extLst>
             </p:cNvPr>
@@ -6928,7 +7579,7 @@
             <p:cNvPr id="2" name="화살표: 아래쪽 1">
               <a:extLst>
                 <a:ext uri="{FF2B5EF4-FFF2-40B4-BE49-F238E27FC236}">
-                  <a16:creationId xmlns="" xmlns:a16="http://schemas.microsoft.com/office/drawing/2014/main" id="{B99038DA-ECD6-4D11-8880-10E49A9A220D}"/>
+                  <a16:creationId xmlns:a16="http://schemas.microsoft.com/office/drawing/2014/main" xmlns="" id="{B99038DA-ECD6-4D11-8880-10E49A9A220D}"/>
                 </a:ext>
               </a:extLst>
             </p:cNvPr>
@@ -7001,7 +7652,7 @@
           <p:cNvPr id="13" name="TextBox 12">
             <a:extLst>
               <a:ext uri="{FF2B5EF4-FFF2-40B4-BE49-F238E27FC236}">
-                <a16:creationId xmlns="" xmlns:a16="http://schemas.microsoft.com/office/drawing/2014/main" id="{87742C6C-1726-654D-8215-AB2C2688D3C8}"/>
+                <a16:creationId xmlns:a16="http://schemas.microsoft.com/office/drawing/2014/main" xmlns="" id="{87742C6C-1726-654D-8215-AB2C2688D3C8}"/>
               </a:ext>
             </a:extLst>
           </p:cNvPr>
@@ -7050,7 +7701,7 @@
           <p:cNvPr id="14" name="TextBox 13">
             <a:extLst>
               <a:ext uri="{FF2B5EF4-FFF2-40B4-BE49-F238E27FC236}">
-                <a16:creationId xmlns="" xmlns:a16="http://schemas.microsoft.com/office/drawing/2014/main" id="{87742C6C-1726-654D-8215-AB2C2688D3C8}"/>
+                <a16:creationId xmlns:a16="http://schemas.microsoft.com/office/drawing/2014/main" xmlns="" id="{87742C6C-1726-654D-8215-AB2C2688D3C8}"/>
               </a:ext>
             </a:extLst>
           </p:cNvPr>
@@ -7367,7 +8018,7 @@
           <p:cNvPr id="25" name="TextBox 24">
             <a:extLst>
               <a:ext uri="{FF2B5EF4-FFF2-40B4-BE49-F238E27FC236}">
-                <a16:creationId xmlns="" xmlns:a16="http://schemas.microsoft.com/office/drawing/2014/main" id="{4C272A49-C224-48B5-B713-8706FA2575D4}"/>
+                <a16:creationId xmlns:a16="http://schemas.microsoft.com/office/drawing/2014/main" xmlns="" id="{4C272A49-C224-48B5-B713-8706FA2575D4}"/>
               </a:ext>
             </a:extLst>
           </p:cNvPr>
@@ -7408,7 +8059,7 @@
           <p:cNvPr id="33" name="TextBox 32">
             <a:extLst>
               <a:ext uri="{FF2B5EF4-FFF2-40B4-BE49-F238E27FC236}">
-                <a16:creationId xmlns="" xmlns:a16="http://schemas.microsoft.com/office/drawing/2014/main" id="{44810605-476E-44E7-B91D-FD2C1D17C0AB}"/>
+                <a16:creationId xmlns:a16="http://schemas.microsoft.com/office/drawing/2014/main" xmlns="" id="{44810605-476E-44E7-B91D-FD2C1D17C0AB}"/>
               </a:ext>
             </a:extLst>
           </p:cNvPr>
@@ -7448,7 +8099,7 @@
           <p:cNvPr id="34" name="TextBox 33">
             <a:extLst>
               <a:ext uri="{FF2B5EF4-FFF2-40B4-BE49-F238E27FC236}">
-                <a16:creationId xmlns="" xmlns:a16="http://schemas.microsoft.com/office/drawing/2014/main" id="{F1C8DEA7-C173-4B9F-9C99-AAF914F713A9}"/>
+                <a16:creationId xmlns:a16="http://schemas.microsoft.com/office/drawing/2014/main" xmlns="" id="{F1C8DEA7-C173-4B9F-9C99-AAF914F713A9}"/>
               </a:ext>
             </a:extLst>
           </p:cNvPr>
@@ -7941,15 +8592,7 @@
             </a:pPr>
             <a:r>
               <a:rPr lang="en-US" altLang="ko-KR" sz="1600" b="1" dirty="0" smtClean="0"/>
-              <a:t>&lt;</a:t>
-            </a:r>
-            <a:r>
-              <a:rPr lang="en-US" altLang="ko-KR" sz="1600" b="1" dirty="0" smtClean="0"/>
-              <a:t>PCA plot</a:t>
-            </a:r>
-            <a:r>
-              <a:rPr lang="en-US" altLang="ko-KR" sz="1600" b="1" dirty="0" smtClean="0"/>
-              <a:t>&gt;</a:t>
+              <a:t>&lt;PCA plot&gt;</a:t>
             </a:r>
             <a:endParaRPr lang="en-US" altLang="ko-KR" sz="1600" dirty="0"/>
           </a:p>
@@ -7984,15 +8627,7 @@
             </a:pPr>
             <a:r>
               <a:rPr lang="en-US" altLang="ko-KR" sz="1600" b="1" dirty="0" smtClean="0"/>
-              <a:t>&lt;</a:t>
-            </a:r>
-            <a:r>
-              <a:rPr lang="en-US" altLang="ko-KR" sz="1600" b="1" dirty="0" smtClean="0"/>
-              <a:t>Correlation plot</a:t>
-            </a:r>
-            <a:r>
-              <a:rPr lang="en-US" altLang="ko-KR" sz="1600" b="1" dirty="0" smtClean="0"/>
-              <a:t>&gt;</a:t>
+              <a:t>&lt;Correlation plot&gt;</a:t>
             </a:r>
             <a:endParaRPr lang="en-US" altLang="ko-KR" sz="1600" dirty="0"/>
           </a:p>
@@ -8122,15 +8757,7 @@
             </a:pPr>
             <a:r>
               <a:rPr lang="en-US" altLang="ko-KR" sz="1800" b="1" dirty="0" smtClean="0"/>
-              <a:t>PCA (</a:t>
-            </a:r>
-            <a:r>
-              <a:rPr lang="en-US" altLang="ko-KR" sz="1800" b="1" dirty="0" smtClean="0"/>
-              <a:t>Principal Component Analysis</a:t>
-            </a:r>
-            <a:r>
-              <a:rPr lang="en-US" altLang="ko-KR" sz="1800" b="1" dirty="0" smtClean="0"/>
-              <a:t>) </a:t>
+              <a:t>PCA (Principal Component Analysis) </a:t>
             </a:r>
             <a:r>
               <a:rPr lang="ko-KR" altLang="en-US" sz="1800" b="1" dirty="0" smtClean="0"/>
@@ -8157,11 +8784,7 @@
             </a:r>
             <a:r>
               <a:rPr lang="ko-KR" altLang="en-US" sz="1800" dirty="0" smtClean="0"/>
-              <a:t> 변환시키는 </a:t>
-            </a:r>
-            <a:r>
-              <a:rPr lang="ko-KR" altLang="en-US" sz="1800" dirty="0" smtClean="0"/>
-              <a:t>기법 중의 하나</a:t>
+              <a:t> 변환시키는 기법 중의 하나</a:t>
             </a:r>
             <a:r>
               <a:rPr lang="en-US" altLang="ko-KR" sz="1800" dirty="0" smtClean="0"/>
@@ -8424,15 +9047,7 @@
             </a:pPr>
             <a:r>
               <a:rPr lang="en-US" altLang="ko-KR" sz="1600" dirty="0" smtClean="0"/>
-              <a:t>Day8</a:t>
-            </a:r>
-            <a:r>
-              <a:rPr lang="en-US" altLang="ko-KR" sz="1600" dirty="0" smtClean="0"/>
-              <a:t>, </a:t>
-            </a:r>
-            <a:r>
-              <a:rPr lang="en-US" altLang="ko-KR" sz="1600" dirty="0" smtClean="0"/>
-              <a:t>12</a:t>
+              <a:t>Day8, 12</a:t>
             </a:r>
             <a:br>
               <a:rPr lang="en-US" altLang="ko-KR" sz="1600" dirty="0" smtClean="0"/>
@@ -8791,11 +9406,7 @@
             </a:br>
             <a:r>
               <a:rPr lang="en-US" altLang="ko-KR" sz="1800" dirty="0" smtClean="0"/>
-              <a:t>- </a:t>
-            </a:r>
-            <a:r>
-              <a:rPr lang="en-US" altLang="ko-KR" sz="1800" dirty="0" smtClean="0"/>
-              <a:t>Hierarchical clustering : </a:t>
+              <a:t>- Hierarchical clustering : </a:t>
             </a:r>
             <a:r>
               <a:rPr lang="ko-KR" altLang="en-US" sz="1800" dirty="0" smtClean="0"/>
@@ -10266,11 +10877,7 @@
             </a:pPr>
             <a:r>
               <a:rPr lang="en-US" altLang="ko-KR" sz="1800" b="1" dirty="0"/>
-              <a:t>&gt;Correlation </a:t>
-            </a:r>
-            <a:r>
-              <a:rPr lang="en-US" altLang="ko-KR" sz="1800" b="1" dirty="0"/>
-              <a:t>p</a:t>
+              <a:t>&gt;Correlation p</a:t>
             </a:r>
             <a:r>
               <a:rPr lang="en-US" altLang="ko-KR" sz="1800" b="1" dirty="0" smtClean="0"/>
@@ -10984,7 +11591,7 @@
         <p:spPr>
           <a:xfrm>
             <a:off x="186599" y="1203054"/>
-            <a:ext cx="10515600" cy="4351338"/>
+            <a:ext cx="11671572" cy="4351338"/>
           </a:xfrm>
         </p:spPr>
         <p:txBody>
@@ -11043,75 +11650,38 @@
               <a:t>주로 </a:t>
             </a:r>
             <a:r>
-              <a:rPr lang="en-US" altLang="ko-KR" sz="1800" dirty="0"/>
-              <a:t>Fold change </a:t>
+              <a:rPr lang="en-US" altLang="ko-KR" sz="1800" b="1" dirty="0"/>
+              <a:t>Fold </a:t>
+            </a:r>
+            <a:r>
+              <a:rPr lang="en-US" altLang="ko-KR" sz="1800" b="1" dirty="0" smtClean="0"/>
+              <a:t>change</a:t>
+            </a:r>
+            <a:r>
+              <a:rPr lang="ko-KR" altLang="en-US" sz="1800" dirty="0" smtClean="0"/>
+              <a:t>와 </a:t>
+            </a:r>
+            <a:r>
+              <a:rPr lang="en-US" altLang="ko-KR" sz="1800" b="1" dirty="0" smtClean="0"/>
+              <a:t>(adjusted)</a:t>
+            </a:r>
+            <a:r>
+              <a:rPr lang="en-US" altLang="ko-KR" sz="1800" dirty="0" smtClean="0"/>
+              <a:t> </a:t>
+            </a:r>
+            <a:r>
+              <a:rPr lang="en-US" altLang="ko-KR" sz="1800" b="1" dirty="0" smtClean="0"/>
+              <a:t>p value</a:t>
+            </a:r>
+            <a:r>
+              <a:rPr lang="ko-KR" altLang="en-US" sz="1800" dirty="0" smtClean="0"/>
+              <a:t>를 </a:t>
             </a:r>
             <a:r>
               <a:rPr lang="ko-KR" altLang="en-US" sz="1800" dirty="0"/>
-              <a:t>값과 </a:t>
-            </a:r>
-            <a:r>
-              <a:rPr lang="en-US" altLang="ko-KR" sz="1800" dirty="0"/>
-              <a:t>p value</a:t>
-            </a:r>
-            <a:r>
-              <a:rPr lang="ko-KR" altLang="en-US" sz="1800" dirty="0"/>
-              <a:t>를 이용해 유의미함을 판단함</a:t>
+              <a:t>이용해 유의미함을 판단함</a:t>
             </a:r>
             <a:endParaRPr lang="en-US" altLang="ko-KR" sz="1800" dirty="0"/>
-          </a:p>
-          <a:p>
-            <a:pPr>
-              <a:lnSpc>
-                <a:spcPct val="130000"/>
-              </a:lnSpc>
-              <a:buFontTx/>
-              <a:buChar char="-"/>
-            </a:pPr>
-            <a:r>
-              <a:rPr lang="ko-KR" altLang="en-US" sz="1800" dirty="0"/>
-              <a:t>대조군 대비 비교군의 </a:t>
-            </a:r>
-            <a:r>
-              <a:rPr lang="en-US" altLang="ko-KR" sz="1800" dirty="0"/>
-              <a:t>log2(Fold Change)</a:t>
-            </a:r>
-            <a:r>
-              <a:rPr lang="ko-KR" altLang="en-US" sz="1800" dirty="0"/>
-              <a:t> </a:t>
-            </a:r>
-            <a:r>
-              <a:rPr lang="en-US" altLang="ko-KR" sz="1800" dirty="0"/>
-              <a:t>= log2(</a:t>
-            </a:r>
-            <a:r>
-              <a:rPr lang="ko-KR" altLang="en-US" sz="1800" dirty="0"/>
-              <a:t>비교군 유전자 </a:t>
-            </a:r>
-            <a:r>
-              <a:rPr lang="ko-KR" altLang="en-US" sz="1800" dirty="0" err="1"/>
-              <a:t>발현량</a:t>
-            </a:r>
-            <a:r>
-              <a:rPr lang="ko-KR" altLang="en-US" sz="1800" dirty="0"/>
-              <a:t> </a:t>
-            </a:r>
-            <a:r>
-              <a:rPr lang="en-US" altLang="ko-KR" sz="1800" dirty="0"/>
-              <a:t>/ </a:t>
-            </a:r>
-            <a:r>
-              <a:rPr lang="ko-KR" altLang="en-US" sz="1800" dirty="0"/>
-              <a:t>대조군 유전자 </a:t>
-            </a:r>
-            <a:r>
-              <a:rPr lang="ko-KR" altLang="en-US" sz="1800" dirty="0" err="1"/>
-              <a:t>발현량</a:t>
-            </a:r>
-            <a:r>
-              <a:rPr lang="en-US" altLang="ko-KR" sz="1800" dirty="0"/>
-              <a:t>)</a:t>
-            </a:r>
           </a:p>
           <a:p>
             <a:pPr marL="0" indent="0">
@@ -11145,7 +11715,7 @@
         </p:blipFill>
         <p:spPr>
           <a:xfrm>
-            <a:off x="276247" y="3616188"/>
+            <a:off x="186599" y="3576030"/>
             <a:ext cx="11729154" cy="1684369"/>
           </a:xfrm>
           <a:prstGeom prst="rect">
@@ -11153,210 +11723,424 @@
           </a:prstGeom>
         </p:spPr>
       </p:pic>
-      <mc:AlternateContent xmlns:mc="http://schemas.openxmlformats.org/markup-compatibility/2006" xmlns:a14="http://schemas.microsoft.com/office/drawing/2010/main">
-        <mc:Choice Requires="a14">
-          <p:sp>
-            <p:nvSpPr>
-              <p:cNvPr id="3" name="TextBox 2">
-                <a:extLst>
-                  <a:ext uri="{FF2B5EF4-FFF2-40B4-BE49-F238E27FC236}">
-                    <a16:creationId xmlns="" xmlns:a16="http://schemas.microsoft.com/office/drawing/2014/main" id="{1BDDA2C1-03DA-41F1-A879-7E20D290242E}"/>
-                  </a:ext>
-                </a:extLst>
-              </p:cNvPr>
-              <p:cNvSpPr txBox="1"/>
-              <p:nvPr/>
-            </p:nvSpPr>
-            <p:spPr>
-              <a:xfrm>
-                <a:off x="3983628" y="5850421"/>
-                <a:ext cx="6358344" cy="584775"/>
-              </a:xfrm>
-              <a:prstGeom prst="rect">
-                <a:avLst/>
-              </a:prstGeom>
-              <a:noFill/>
-            </p:spPr>
-            <p:txBody>
-              <a:bodyPr wrap="none" rtlCol="0">
-                <a:spAutoFit/>
-              </a:bodyPr>
-              <a:lstStyle/>
-              <a:p>
-                <a:r>
-                  <a:rPr lang="en-US" altLang="ko-KR" sz="1600" dirty="0"/>
-                  <a:t>Cdc45</a:t>
-                </a:r>
-                <a:r>
-                  <a:rPr lang="ko-KR" altLang="en-US" sz="1600" dirty="0"/>
-                  <a:t>의 </a:t>
-                </a:r>
-                <a:r>
-                  <a:rPr lang="ko-KR" altLang="en-US" sz="1600" dirty="0" err="1"/>
-                  <a:t>발현량이</a:t>
-                </a:r>
-                <a:r>
-                  <a:rPr lang="ko-KR" altLang="en-US" sz="1600" dirty="0"/>
-                  <a:t> 비교군 대비 대조군에서 </a:t>
-                </a:r>
-                <a14:m>
-                  <m:oMath xmlns:m="http://schemas.openxmlformats.org/officeDocument/2006/math">
-                    <m:sSup>
-                      <m:sSupPr>
-                        <m:ctrlPr>
-                          <a:rPr lang="en-US" altLang="ko-KR" sz="1600" i="1" smtClean="0">
-                            <a:latin typeface="Cambria Math" panose="02040503050406030204" pitchFamily="18" charset="0"/>
-                          </a:rPr>
-                        </m:ctrlPr>
-                      </m:sSupPr>
-                      <m:e>
-                        <m:r>
-                          <a:rPr lang="en-US" altLang="ko-KR" sz="1600" b="0" i="1" smtClean="0">
-                            <a:latin typeface="Cambria Math" panose="02040503050406030204" pitchFamily="18" charset="0"/>
-                          </a:rPr>
-                          <m:t>2</m:t>
-                        </m:r>
-                      </m:e>
-                      <m:sup>
-                        <m:r>
-                          <a:rPr lang="en-US" altLang="ko-KR" sz="1600" b="0" i="1" smtClean="0">
-                            <a:latin typeface="Cambria Math" panose="02040503050406030204" pitchFamily="18" charset="0"/>
-                          </a:rPr>
-                          <m:t>−1.31483</m:t>
-                        </m:r>
-                      </m:sup>
-                    </m:sSup>
-                  </m:oMath>
-                </a14:m>
-                <a:r>
-                  <a:rPr lang="ko-KR" altLang="en-US" sz="1600" dirty="0"/>
-                  <a:t>배 감소하였고 </a:t>
-                </a:r>
-                <a:endParaRPr lang="en-US" altLang="ko-KR" sz="1600" dirty="0"/>
-              </a:p>
-              <a:p>
-                <a:r>
-                  <a:rPr lang="en-US" altLang="ko-KR" sz="1600" dirty="0"/>
-                  <a:t>adjusted p value (</a:t>
-                </a:r>
-                <a:r>
-                  <a:rPr lang="en-US" altLang="ko-KR" sz="1600" dirty="0" err="1"/>
-                  <a:t>padj</a:t>
-                </a:r>
-                <a:r>
-                  <a:rPr lang="en-US" altLang="ko-KR" sz="1600" dirty="0"/>
-                  <a:t>) </a:t>
-                </a:r>
-                <a:r>
-                  <a:rPr lang="ko-KR" altLang="en-US" sz="1600" dirty="0"/>
-                  <a:t>가 </a:t>
-                </a:r>
-                <a14:m>
-                  <m:oMath xmlns:m="http://schemas.openxmlformats.org/officeDocument/2006/math">
-                    <m:r>
-                      <a:rPr lang="en-US" altLang="ko-KR" sz="1600" b="0" i="1" smtClean="0">
-                        <a:latin typeface="Cambria Math" panose="02040503050406030204" pitchFamily="18" charset="0"/>
-                      </a:rPr>
-                      <m:t>2.90373</m:t>
-                    </m:r>
-                    <m:r>
-                      <a:rPr lang="en-US" altLang="ko-KR" sz="1600" b="0" i="1" smtClean="0">
-                        <a:latin typeface="Cambria Math" panose="02040503050406030204" pitchFamily="18" charset="0"/>
-                        <a:ea typeface="Cambria Math" panose="02040503050406030204" pitchFamily="18" charset="0"/>
-                      </a:rPr>
-                      <m:t>×</m:t>
-                    </m:r>
-                    <m:sSup>
-                      <m:sSupPr>
-                        <m:ctrlPr>
-                          <a:rPr lang="en-US" altLang="ko-KR" sz="1600" b="0" i="1" smtClean="0">
-                            <a:latin typeface="Cambria Math" panose="02040503050406030204" pitchFamily="18" charset="0"/>
-                            <a:ea typeface="Cambria Math" panose="02040503050406030204" pitchFamily="18" charset="0"/>
-                          </a:rPr>
-                        </m:ctrlPr>
-                      </m:sSupPr>
-                      <m:e>
-                        <m:r>
-                          <a:rPr lang="en-US" altLang="ko-KR" sz="1600" b="0" i="1" smtClean="0">
-                            <a:latin typeface="Cambria Math" panose="02040503050406030204" pitchFamily="18" charset="0"/>
-                            <a:ea typeface="Cambria Math" panose="02040503050406030204" pitchFamily="18" charset="0"/>
-                          </a:rPr>
-                          <m:t>10</m:t>
-                        </m:r>
-                      </m:e>
-                      <m:sup>
-                        <m:r>
-                          <a:rPr lang="en-US" altLang="ko-KR" sz="1600" b="0" i="1" smtClean="0">
-                            <a:latin typeface="Cambria Math" panose="02040503050406030204" pitchFamily="18" charset="0"/>
-                            <a:ea typeface="Cambria Math" panose="02040503050406030204" pitchFamily="18" charset="0"/>
-                          </a:rPr>
-                          <m:t>−7</m:t>
-                        </m:r>
-                      </m:sup>
-                    </m:sSup>
-                  </m:oMath>
-                </a14:m>
-                <a:r>
-                  <a:rPr lang="ko-KR" altLang="en-US" sz="1600" dirty="0"/>
-                  <a:t>로 차이가 유의미하다</a:t>
-                </a:r>
-                <a:r>
-                  <a:rPr lang="en-US" altLang="ko-KR" sz="1600" dirty="0"/>
-                  <a:t>.</a:t>
-                </a:r>
-                <a:endParaRPr lang="ko-KR" altLang="en-US" sz="1600" dirty="0"/>
-              </a:p>
-            </p:txBody>
-          </p:sp>
-        </mc:Choice>
-        <mc:Fallback xmlns="">
-          <p:sp>
-            <p:nvSpPr>
-              <p:cNvPr id="3" name="TextBox 2">
-                <a:extLst>
-                  <a:ext uri="{FF2B5EF4-FFF2-40B4-BE49-F238E27FC236}">
-                    <a16:creationId xmlns:a16="http://schemas.microsoft.com/office/drawing/2014/main" id="{1BDDA2C1-03DA-41F1-A879-7E20D290242E}"/>
-                  </a:ext>
-                </a:extLst>
-              </p:cNvPr>
-              <p:cNvSpPr txBox="1">
-                <a:spLocks noRot="1" noChangeAspect="1" noMove="1" noResize="1" noEditPoints="1" noAdjustHandles="1" noChangeArrowheads="1" noChangeShapeType="1" noTextEdit="1"/>
-              </p:cNvSpPr>
-              <p:nvPr/>
-            </p:nvSpPr>
-            <p:spPr>
-              <a:xfrm>
-                <a:off x="3983628" y="5850421"/>
-                <a:ext cx="6358344" cy="584775"/>
-              </a:xfrm>
-              <a:prstGeom prst="rect">
-                <a:avLst/>
-              </a:prstGeom>
-              <a:blipFill>
-                <a:blip r:embed="rId4"/>
-                <a:stretch>
-                  <a:fillRect l="-479" t="-3125" b="-12500"/>
-                </a:stretch>
-              </a:blipFill>
-            </p:spPr>
-            <p:txBody>
-              <a:bodyPr/>
-              <a:lstStyle/>
-              <a:p>
-                <a:r>
-                  <a:rPr lang="ko-KR" altLang="en-US">
-                    <a:noFill/>
-                  </a:rPr>
-                  <a:t> </a:t>
-                </a:r>
-              </a:p>
-            </p:txBody>
-          </p:sp>
-        </mc:Fallback>
-      </mc:AlternateContent>
-      <p:sp>
-        <p:nvSpPr>
-          <p:cNvPr id="9" name="TextBox 8">
+      <p:grpSp>
+        <p:nvGrpSpPr>
+          <p:cNvPr id="5" name="그룹 4"/>
+          <p:cNvGrpSpPr/>
+          <p:nvPr/>
+        </p:nvGrpSpPr>
+        <p:grpSpPr>
+          <a:xfrm>
+            <a:off x="2141169" y="5667824"/>
+            <a:ext cx="7762431" cy="586380"/>
+            <a:chOff x="2168995" y="6007814"/>
+            <a:chExt cx="7762431" cy="586380"/>
+          </a:xfrm>
+        </p:grpSpPr>
+        <mc:AlternateContent xmlns:mc="http://schemas.openxmlformats.org/markup-compatibility/2006">
+          <mc:Choice xmlns:a14="http://schemas.microsoft.com/office/drawing/2010/main" Requires="a14">
+            <p:sp>
+              <p:nvSpPr>
+                <p:cNvPr id="3" name="TextBox 2">
+                  <a:extLst>
+                    <a:ext uri="{FF2B5EF4-FFF2-40B4-BE49-F238E27FC236}">
+                      <a16:creationId xmlns="" xmlns:a16="http://schemas.microsoft.com/office/drawing/2014/main" id="{1BDDA2C1-03DA-41F1-A879-7E20D290242E}"/>
+                    </a:ext>
+                  </a:extLst>
+                </p:cNvPr>
+                <p:cNvSpPr txBox="1"/>
+                <p:nvPr/>
+              </p:nvSpPr>
+              <p:spPr>
+                <a:xfrm>
+                  <a:off x="3573082" y="6009419"/>
+                  <a:ext cx="6358344" cy="584775"/>
+                </a:xfrm>
+                <a:prstGeom prst="rect">
+                  <a:avLst/>
+                </a:prstGeom>
+                <a:noFill/>
+              </p:spPr>
+              <p:txBody>
+                <a:bodyPr wrap="none" rtlCol="0">
+                  <a:spAutoFit/>
+                </a:bodyPr>
+                <a:lstStyle/>
+                <a:p>
+                  <a:r>
+                    <a:rPr lang="en-US" altLang="ko-KR" sz="1600" dirty="0"/>
+                    <a:t>Cdc45</a:t>
+                  </a:r>
+                  <a:r>
+                    <a:rPr lang="ko-KR" altLang="en-US" sz="1600" dirty="0"/>
+                    <a:t>의 </a:t>
+                  </a:r>
+                  <a:r>
+                    <a:rPr lang="ko-KR" altLang="en-US" sz="1600" dirty="0" err="1"/>
+                    <a:t>발현량이</a:t>
+                  </a:r>
+                  <a:r>
+                    <a:rPr lang="ko-KR" altLang="en-US" sz="1600" dirty="0"/>
+                    <a:t> 비교군 대비 대조군에서 </a:t>
+                  </a:r>
+                  <a14:m>
+                    <m:oMath xmlns:m="http://schemas.openxmlformats.org/officeDocument/2006/math">
+                      <m:sSup>
+                        <m:sSupPr>
+                          <m:ctrlPr>
+                            <a:rPr lang="en-US" altLang="ko-KR" sz="1600" i="1" smtClean="0">
+                              <a:latin typeface="Cambria Math" panose="02040503050406030204" pitchFamily="18" charset="0"/>
+                            </a:rPr>
+                          </m:ctrlPr>
+                        </m:sSupPr>
+                        <m:e>
+                          <m:r>
+                            <a:rPr lang="en-US" altLang="ko-KR" sz="1600" b="0" i="1" smtClean="0">
+                              <a:latin typeface="Cambria Math" panose="02040503050406030204" pitchFamily="18" charset="0"/>
+                            </a:rPr>
+                            <m:t>2</m:t>
+                          </m:r>
+                        </m:e>
+                        <m:sup>
+                          <m:r>
+                            <a:rPr lang="en-US" altLang="ko-KR" sz="1600" b="0" i="1" smtClean="0">
+                              <a:latin typeface="Cambria Math" panose="02040503050406030204" pitchFamily="18" charset="0"/>
+                            </a:rPr>
+                            <m:t>−1.31483</m:t>
+                          </m:r>
+                        </m:sup>
+                      </m:sSup>
+                    </m:oMath>
+                  </a14:m>
+                  <a:r>
+                    <a:rPr lang="ko-KR" altLang="en-US" sz="1600" dirty="0"/>
+                    <a:t>배 감소하였고 </a:t>
+                  </a:r>
+                  <a:endParaRPr lang="en-US" altLang="ko-KR" sz="1600" dirty="0"/>
+                </a:p>
+                <a:p>
+                  <a:r>
+                    <a:rPr lang="en-US" altLang="ko-KR" sz="1600" dirty="0"/>
+                    <a:t>adjusted p value (</a:t>
+                  </a:r>
+                  <a:r>
+                    <a:rPr lang="en-US" altLang="ko-KR" sz="1600" dirty="0" err="1"/>
+                    <a:t>padj</a:t>
+                  </a:r>
+                  <a:r>
+                    <a:rPr lang="en-US" altLang="ko-KR" sz="1600" dirty="0"/>
+                    <a:t>) </a:t>
+                  </a:r>
+                  <a:r>
+                    <a:rPr lang="ko-KR" altLang="en-US" sz="1600" dirty="0"/>
+                    <a:t>가 </a:t>
+                  </a:r>
+                  <a14:m>
+                    <m:oMath xmlns:m="http://schemas.openxmlformats.org/officeDocument/2006/math">
+                      <m:r>
+                        <a:rPr lang="en-US" altLang="ko-KR" sz="1600" b="0" i="1" smtClean="0">
+                          <a:latin typeface="Cambria Math" panose="02040503050406030204" pitchFamily="18" charset="0"/>
+                        </a:rPr>
+                        <m:t>2.90373</m:t>
+                      </m:r>
+                      <m:r>
+                        <a:rPr lang="en-US" altLang="ko-KR" sz="1600" b="0" i="1" smtClean="0">
+                          <a:latin typeface="Cambria Math" panose="02040503050406030204" pitchFamily="18" charset="0"/>
+                          <a:ea typeface="Cambria Math" panose="02040503050406030204" pitchFamily="18" charset="0"/>
+                        </a:rPr>
+                        <m:t>×</m:t>
+                      </m:r>
+                      <m:sSup>
+                        <m:sSupPr>
+                          <m:ctrlPr>
+                            <a:rPr lang="en-US" altLang="ko-KR" sz="1600" b="0" i="1" smtClean="0">
+                              <a:latin typeface="Cambria Math" panose="02040503050406030204" pitchFamily="18" charset="0"/>
+                              <a:ea typeface="Cambria Math" panose="02040503050406030204" pitchFamily="18" charset="0"/>
+                            </a:rPr>
+                          </m:ctrlPr>
+                        </m:sSupPr>
+                        <m:e>
+                          <m:r>
+                            <a:rPr lang="en-US" altLang="ko-KR" sz="1600" b="0" i="1" smtClean="0">
+                              <a:latin typeface="Cambria Math" panose="02040503050406030204" pitchFamily="18" charset="0"/>
+                              <a:ea typeface="Cambria Math" panose="02040503050406030204" pitchFamily="18" charset="0"/>
+                            </a:rPr>
+                            <m:t>10</m:t>
+                          </m:r>
+                        </m:e>
+                        <m:sup>
+                          <m:r>
+                            <a:rPr lang="en-US" altLang="ko-KR" sz="1600" b="0" i="1" smtClean="0">
+                              <a:latin typeface="Cambria Math" panose="02040503050406030204" pitchFamily="18" charset="0"/>
+                              <a:ea typeface="Cambria Math" panose="02040503050406030204" pitchFamily="18" charset="0"/>
+                            </a:rPr>
+                            <m:t>−7</m:t>
+                          </m:r>
+                        </m:sup>
+                      </m:sSup>
+                    </m:oMath>
+                  </a14:m>
+                  <a:r>
+                    <a:rPr lang="ko-KR" altLang="en-US" sz="1600" dirty="0"/>
+                    <a:t>로 차이가 유의미하다</a:t>
+                  </a:r>
+                  <a:r>
+                    <a:rPr lang="en-US" altLang="ko-KR" sz="1600" dirty="0"/>
+                    <a:t>.</a:t>
+                  </a:r>
+                  <a:endParaRPr lang="ko-KR" altLang="en-US" sz="1600" dirty="0"/>
+                </a:p>
+              </p:txBody>
+            </p:sp>
+          </mc:Choice>
+          <mc:Fallback>
+            <p:sp>
+              <p:nvSpPr>
+                <p:cNvPr id="3" name="TextBox 2">
+                  <a:extLst>
+                    <a:ext uri="{FF2B5EF4-FFF2-40B4-BE49-F238E27FC236}">
+                      <a16:creationId xmlns="" xmlns:a16="http://schemas.microsoft.com/office/drawing/2014/main" xmlns:a14="http://schemas.microsoft.com/office/drawing/2010/main" id="{1BDDA2C1-03DA-41F1-A879-7E20D290242E}"/>
+                    </a:ext>
+                  </a:extLst>
+                </p:cNvPr>
+                <p:cNvSpPr txBox="1">
+                  <a:spLocks noRot="1" noChangeAspect="1" noMove="1" noResize="1" noEditPoints="1" noAdjustHandles="1" noChangeArrowheads="1" noChangeShapeType="1" noTextEdit="1"/>
+                </p:cNvSpPr>
+                <p:nvPr/>
+              </p:nvSpPr>
+              <p:spPr>
+                <a:xfrm>
+                  <a:off x="3573082" y="6009419"/>
+                  <a:ext cx="6358344" cy="584775"/>
+                </a:xfrm>
+                <a:prstGeom prst="rect">
+                  <a:avLst/>
+                </a:prstGeom>
+                <a:blipFill rotWithShape="0">
+                  <a:blip r:embed="rId4"/>
+                  <a:stretch>
+                    <a:fillRect l="-575" t="-3125" b="-12500"/>
+                  </a:stretch>
+                </a:blipFill>
+              </p:spPr>
+              <p:txBody>
+                <a:bodyPr/>
+                <a:lstStyle/>
+                <a:p>
+                  <a:r>
+                    <a:rPr lang="ko-KR" altLang="en-US">
+                      <a:noFill/>
+                    </a:rPr>
+                    <a:t> </a:t>
+                  </a:r>
+                </a:p>
+              </p:txBody>
+            </p:sp>
+          </mc:Fallback>
+        </mc:AlternateContent>
+        <p:sp>
+          <p:nvSpPr>
+            <p:cNvPr id="9" name="TextBox 8">
+              <a:extLst>
+                <a:ext uri="{FF2B5EF4-FFF2-40B4-BE49-F238E27FC236}">
+                  <a16:creationId xmlns="" xmlns:a16="http://schemas.microsoft.com/office/drawing/2014/main" id="{74EAE6DD-6600-4783-BA14-E6F3368EF3C5}"/>
+                </a:ext>
+              </a:extLst>
+            </p:cNvPr>
+            <p:cNvSpPr txBox="1"/>
+            <p:nvPr/>
+          </p:nvSpPr>
+          <p:spPr>
+            <a:xfrm>
+              <a:off x="2168995" y="6007814"/>
+              <a:ext cx="1814633" cy="377091"/>
+            </a:xfrm>
+            <a:prstGeom prst="rect">
+              <a:avLst/>
+            </a:prstGeom>
+            <a:noFill/>
+          </p:spPr>
+          <p:txBody>
+            <a:bodyPr wrap="square" rtlCol="0">
+              <a:spAutoFit/>
+            </a:bodyPr>
+            <a:lstStyle/>
+            <a:p>
+              <a:pPr>
+                <a:lnSpc>
+                  <a:spcPct val="130000"/>
+                </a:lnSpc>
+              </a:pPr>
+              <a:r>
+                <a:rPr lang="ko-KR" altLang="en-US" sz="1600" b="1" dirty="0"/>
+                <a:t>결과 </a:t>
+              </a:r>
+              <a:r>
+                <a:rPr lang="ko-KR" altLang="en-US" sz="1600" b="1" dirty="0" smtClean="0"/>
+                <a:t>해석 </a:t>
+              </a:r>
+              <a:r>
+                <a:rPr lang="en-US" altLang="ko-KR" sz="1600" b="1" dirty="0" smtClean="0"/>
+                <a:t>]</a:t>
+              </a:r>
+              <a:endParaRPr lang="en-US" altLang="ko-KR" sz="1600" dirty="0"/>
+            </a:p>
+          </p:txBody>
+        </p:sp>
+      </p:grpSp>
+      <p:sp>
+        <p:nvSpPr>
+          <p:cNvPr id="10" name="직사각형 9"/>
+          <p:cNvSpPr/>
+          <p:nvPr/>
+        </p:nvSpPr>
+        <p:spPr>
+          <a:xfrm>
+            <a:off x="1964687" y="3778898"/>
+            <a:ext cx="1552954" cy="223935"/>
+          </a:xfrm>
+          <a:prstGeom prst="rect">
+            <a:avLst/>
+          </a:prstGeom>
+          <a:solidFill>
+            <a:srgbClr val="FFFF00">
+              <a:alpha val="20000"/>
+            </a:srgbClr>
+          </a:solidFill>
+          <a:ln>
+            <a:solidFill>
+              <a:srgbClr val="FFFF00"/>
+            </a:solidFill>
+          </a:ln>
+        </p:spPr>
+        <p:style>
+          <a:lnRef idx="2">
+            <a:schemeClr val="accent1">
+              <a:shade val="50000"/>
+            </a:schemeClr>
+          </a:lnRef>
+          <a:fillRef idx="1">
+            <a:schemeClr val="accent1"/>
+          </a:fillRef>
+          <a:effectRef idx="0">
+            <a:schemeClr val="accent1"/>
+          </a:effectRef>
+          <a:fontRef idx="minor">
+            <a:schemeClr val="lt1"/>
+          </a:fontRef>
+        </p:style>
+        <p:txBody>
+          <a:bodyPr rtlCol="0" anchor="ctr"/>
+          <a:lstStyle/>
+          <a:p>
+            <a:pPr algn="ctr"/>
+            <a:endParaRPr lang="ko-KR" altLang="en-US"/>
+          </a:p>
+        </p:txBody>
+      </p:sp>
+      <p:sp>
+        <p:nvSpPr>
+          <p:cNvPr id="12" name="직사각형 11"/>
+          <p:cNvSpPr/>
+          <p:nvPr/>
+        </p:nvSpPr>
+        <p:spPr>
+          <a:xfrm>
+            <a:off x="6182015" y="3778897"/>
+            <a:ext cx="918581" cy="223935"/>
+          </a:xfrm>
+          <a:prstGeom prst="rect">
+            <a:avLst/>
+          </a:prstGeom>
+          <a:solidFill>
+            <a:srgbClr val="FFFF00">
+              <a:alpha val="20000"/>
+            </a:srgbClr>
+          </a:solidFill>
+          <a:ln>
+            <a:solidFill>
+              <a:srgbClr val="FFFF00"/>
+            </a:solidFill>
+          </a:ln>
+        </p:spPr>
+        <p:style>
+          <a:lnRef idx="2">
+            <a:schemeClr val="accent1">
+              <a:shade val="50000"/>
+            </a:schemeClr>
+          </a:lnRef>
+          <a:fillRef idx="1">
+            <a:schemeClr val="accent1"/>
+          </a:fillRef>
+          <a:effectRef idx="0">
+            <a:schemeClr val="accent1"/>
+          </a:effectRef>
+          <a:fontRef idx="minor">
+            <a:schemeClr val="lt1"/>
+          </a:fontRef>
+        </p:style>
+        <p:txBody>
+          <a:bodyPr rtlCol="0" anchor="ctr"/>
+          <a:lstStyle/>
+          <a:p>
+            <a:pPr algn="ctr"/>
+            <a:endParaRPr lang="ko-KR" altLang="en-US"/>
+          </a:p>
+        </p:txBody>
+      </p:sp>
+      <p:sp>
+        <p:nvSpPr>
+          <p:cNvPr id="13" name="직사각형 12"/>
+          <p:cNvSpPr/>
+          <p:nvPr/>
+        </p:nvSpPr>
+        <p:spPr>
+          <a:xfrm>
+            <a:off x="7743339" y="3778897"/>
+            <a:ext cx="635552" cy="223935"/>
+          </a:xfrm>
+          <a:prstGeom prst="rect">
+            <a:avLst/>
+          </a:prstGeom>
+          <a:solidFill>
+            <a:srgbClr val="FFFF00">
+              <a:alpha val="20000"/>
+            </a:srgbClr>
+          </a:solidFill>
+          <a:ln>
+            <a:solidFill>
+              <a:srgbClr val="FFFF00"/>
+            </a:solidFill>
+          </a:ln>
+        </p:spPr>
+        <p:style>
+          <a:lnRef idx="2">
+            <a:schemeClr val="accent1">
+              <a:shade val="50000"/>
+            </a:schemeClr>
+          </a:lnRef>
+          <a:fillRef idx="1">
+            <a:schemeClr val="accent1"/>
+          </a:fillRef>
+          <a:effectRef idx="0">
+            <a:schemeClr val="accent1"/>
+          </a:effectRef>
+          <a:fontRef idx="minor">
+            <a:schemeClr val="lt1"/>
+          </a:fontRef>
+        </p:style>
+        <p:txBody>
+          <a:bodyPr rtlCol="0" anchor="ctr"/>
+          <a:lstStyle/>
+          <a:p>
+            <a:pPr algn="ctr"/>
+            <a:endParaRPr lang="ko-KR" altLang="en-US"/>
+          </a:p>
+        </p:txBody>
+      </p:sp>
+      <p:sp>
+        <p:nvSpPr>
+          <p:cNvPr id="14" name="TextBox 13">
             <a:extLst>
               <a:ext uri="{FF2B5EF4-FFF2-40B4-BE49-F238E27FC236}">
                 <a16:creationId xmlns="" xmlns:a16="http://schemas.microsoft.com/office/drawing/2014/main" id="{74EAE6DD-6600-4783-BA14-E6F3368EF3C5}"/>
@@ -11368,8 +12152,8 @@
         </p:nvSpPr>
         <p:spPr>
           <a:xfrm>
-            <a:off x="2168995" y="5808227"/>
-            <a:ext cx="1814633" cy="377091"/>
+            <a:off x="129017" y="3173937"/>
+            <a:ext cx="2380918" cy="412421"/>
           </a:xfrm>
           <a:prstGeom prst="rect">
             <a:avLst/>
@@ -11388,12 +12172,24 @@
               </a:lnSpc>
             </a:pPr>
             <a:r>
-              <a:rPr lang="ko-KR" altLang="en-US" sz="1600" b="1" dirty="0"/>
-              <a:t>결과 해석 예시 </a:t>
-            </a:r>
-            <a:r>
-              <a:rPr lang="en-US" altLang="ko-KR" sz="1600" b="1" dirty="0"/>
-              <a:t>]</a:t>
+              <a:rPr lang="en-US" altLang="ko-KR" sz="1600" b="1" dirty="0" smtClean="0"/>
+              <a:t>&lt; DESeq2 </a:t>
+            </a:r>
+            <a:r>
+              <a:rPr lang="ko-KR" altLang="en-US" sz="1600" b="1" dirty="0" smtClean="0"/>
+              <a:t>결과</a:t>
+            </a:r>
+            <a:r>
+              <a:rPr lang="en-US" altLang="ko-KR" sz="1600" b="1" dirty="0" smtClean="0"/>
+              <a:t> </a:t>
+            </a:r>
+            <a:r>
+              <a:rPr lang="ko-KR" altLang="en-US" sz="1600" b="1" dirty="0" smtClean="0"/>
+              <a:t>예시 </a:t>
+            </a:r>
+            <a:r>
+              <a:rPr lang="en-US" altLang="ko-KR" sz="1600" b="1" dirty="0" smtClean="0"/>
+              <a:t>&gt;</a:t>
             </a:r>
             <a:endParaRPr lang="en-US" altLang="ko-KR" sz="1600" dirty="0"/>
           </a:p>
@@ -11402,7 +12198,7 @@
     </p:spTree>
     <p:extLst>
       <p:ext uri="{BB962C8B-B14F-4D97-AF65-F5344CB8AC3E}">
-        <p14:creationId xmlns:p14="http://schemas.microsoft.com/office/powerpoint/2010/main" val="3155933757"/>
+        <p14:creationId xmlns:p14="http://schemas.microsoft.com/office/powerpoint/2010/main" val="961450628"/>
       </p:ext>
     </p:extLst>
   </p:cSld>
@@ -11451,15 +12247,7 @@
           <a:p>
             <a:r>
               <a:rPr lang="en-US" altLang="ko-KR" dirty="0"/>
-              <a:t>DEG</a:t>
-            </a:r>
-            <a:r>
-              <a:rPr lang="ko-KR" altLang="en-US" dirty="0"/>
-              <a:t> </a:t>
-            </a:r>
-            <a:r>
-              <a:rPr lang="en-US" altLang="ko-KR" dirty="0"/>
-              <a:t>Analysis</a:t>
+              <a:t>DEG Analysis</a:t>
             </a:r>
             <a:endParaRPr lang="ko-KR" altLang="en-US" dirty="0"/>
           </a:p>
@@ -11495,475 +12283,486 @@
           </a:p>
         </p:txBody>
       </p:sp>
-      <p:sp>
-        <p:nvSpPr>
-          <p:cNvPr id="10" name="오른쪽 중괄호 9"/>
-          <p:cNvSpPr/>
-          <p:nvPr/>
-        </p:nvSpPr>
-        <p:spPr>
-          <a:xfrm>
-            <a:off x="5953327" y="2386295"/>
-            <a:ext cx="1225685" cy="1238648"/>
-          </a:xfrm>
-          <a:prstGeom prst="rightBrace">
-            <a:avLst>
-              <a:gd name="adj1" fmla="val 0"/>
-              <a:gd name="adj2" fmla="val 50000"/>
-            </a:avLst>
-          </a:prstGeom>
-          <a:ln w="22225">
-            <a:solidFill>
-              <a:srgbClr val="002060"/>
-            </a:solidFill>
-          </a:ln>
-        </p:spPr>
-        <p:style>
-          <a:lnRef idx="1">
-            <a:schemeClr val="accent1"/>
-          </a:lnRef>
-          <a:fillRef idx="0">
-            <a:schemeClr val="accent1"/>
-          </a:fillRef>
-          <a:effectRef idx="0">
-            <a:schemeClr val="accent1"/>
-          </a:effectRef>
-          <a:fontRef idx="minor">
-            <a:schemeClr val="tx1"/>
-          </a:fontRef>
-        </p:style>
-        <p:txBody>
-          <a:bodyPr rtlCol="0" anchor="ctr"/>
-          <a:lstStyle/>
-          <a:p>
-            <a:pPr algn="ctr"/>
-            <a:endParaRPr lang="ko-KR" altLang="en-US"/>
-          </a:p>
-        </p:txBody>
-      </p:sp>
-      <p:sp>
-        <p:nvSpPr>
-          <p:cNvPr id="22" name="오른쪽 중괄호 21"/>
-          <p:cNvSpPr/>
-          <p:nvPr/>
-        </p:nvSpPr>
-        <p:spPr>
-          <a:xfrm>
-            <a:off x="5953570" y="3756567"/>
-            <a:ext cx="1225198" cy="910639"/>
-          </a:xfrm>
-          <a:prstGeom prst="rightBrace">
-            <a:avLst>
-              <a:gd name="adj1" fmla="val 0"/>
-              <a:gd name="adj2" fmla="val 50000"/>
-            </a:avLst>
-          </a:prstGeom>
-          <a:ln w="22225">
-            <a:solidFill>
-              <a:srgbClr val="002060"/>
-            </a:solidFill>
-          </a:ln>
-        </p:spPr>
-        <p:style>
-          <a:lnRef idx="1">
-            <a:schemeClr val="accent1"/>
-          </a:lnRef>
-          <a:fillRef idx="0">
-            <a:schemeClr val="accent1"/>
-          </a:fillRef>
-          <a:effectRef idx="0">
-            <a:schemeClr val="accent1"/>
-          </a:effectRef>
-          <a:fontRef idx="minor">
-            <a:schemeClr val="tx1"/>
-          </a:fontRef>
-        </p:style>
-        <p:txBody>
-          <a:bodyPr rtlCol="0" anchor="ctr"/>
-          <a:lstStyle/>
-          <a:p>
-            <a:pPr algn="ctr"/>
-            <a:endParaRPr lang="ko-KR" altLang="en-US"/>
-          </a:p>
-        </p:txBody>
-      </p:sp>
-      <p:sp>
-        <p:nvSpPr>
-          <p:cNvPr id="23" name="TextBox 22"/>
-          <p:cNvSpPr txBox="1"/>
-          <p:nvPr/>
-        </p:nvSpPr>
-        <p:spPr>
-          <a:xfrm>
-            <a:off x="7298469" y="2799772"/>
-            <a:ext cx="1468672" cy="377091"/>
-          </a:xfrm>
-          <a:prstGeom prst="rect">
-            <a:avLst/>
-          </a:prstGeom>
-          <a:noFill/>
-        </p:spPr>
-        <p:txBody>
-          <a:bodyPr wrap="none" rtlCol="0">
-            <a:spAutoFit/>
-          </a:bodyPr>
-          <a:lstStyle/>
-          <a:p>
-            <a:pPr>
-              <a:lnSpc>
-                <a:spcPct val="130000"/>
-              </a:lnSpc>
-            </a:pPr>
-            <a:r>
-              <a:rPr lang="en-US" altLang="ko-KR" sz="1600" dirty="0"/>
-              <a:t>Divide by day</a:t>
-            </a:r>
-          </a:p>
-        </p:txBody>
-      </p:sp>
-      <p:sp>
-        <p:nvSpPr>
-          <p:cNvPr id="29" name="TextBox 28"/>
-          <p:cNvSpPr txBox="1"/>
-          <p:nvPr/>
-        </p:nvSpPr>
-        <p:spPr>
-          <a:xfrm>
-            <a:off x="7298469" y="4027894"/>
-            <a:ext cx="2215607" cy="377091"/>
-          </a:xfrm>
-          <a:prstGeom prst="rect">
-            <a:avLst/>
-          </a:prstGeom>
-          <a:noFill/>
-        </p:spPr>
-        <p:txBody>
-          <a:bodyPr wrap="none" rtlCol="0">
-            <a:spAutoFit/>
-          </a:bodyPr>
-          <a:lstStyle/>
-          <a:p>
-            <a:pPr>
-              <a:lnSpc>
-                <a:spcPct val="130000"/>
-              </a:lnSpc>
-            </a:pPr>
-            <a:r>
-              <a:rPr lang="en-US" altLang="ko-KR" sz="1600" dirty="0"/>
-              <a:t>To-do before for loop</a:t>
-            </a:r>
-          </a:p>
-        </p:txBody>
-      </p:sp>
-      <p:sp>
-        <p:nvSpPr>
-          <p:cNvPr id="27" name="내용 개체 틀 1">
-            <a:extLst>
-              <a:ext uri="{FF2B5EF4-FFF2-40B4-BE49-F238E27FC236}">
-                <a16:creationId xmlns="" xmlns:a16="http://schemas.microsoft.com/office/drawing/2014/main" id="{11F41BDF-05A9-49F8-909D-4D4DB6ADC8FC}"/>
-              </a:ext>
-            </a:extLst>
-          </p:cNvPr>
-          <p:cNvSpPr>
-            <a:spLocks noGrp="1"/>
-          </p:cNvSpPr>
-          <p:nvPr>
-            <p:ph idx="1"/>
-          </p:nvPr>
-        </p:nvSpPr>
-        <p:spPr>
-          <a:xfrm>
-            <a:off x="186599" y="1203717"/>
-            <a:ext cx="10515600" cy="4351338"/>
-          </a:xfrm>
-        </p:spPr>
-        <p:txBody>
-          <a:bodyPr>
-            <a:normAutofit/>
-          </a:bodyPr>
-          <a:lstStyle/>
-          <a:p>
-            <a:pPr marL="0" indent="0">
-              <a:lnSpc>
-                <a:spcPct val="130000"/>
-              </a:lnSpc>
-              <a:buNone/>
-            </a:pPr>
-            <a:r>
-              <a:rPr lang="en-US" altLang="ko-KR" sz="1800" b="1" dirty="0"/>
-              <a:t>&gt;DEG </a:t>
-            </a:r>
-            <a:r>
-              <a:rPr lang="en-US" altLang="ko-KR" sz="1800" dirty="0"/>
-              <a:t>(Differentially Expressed Gene, </a:t>
-            </a:r>
-            <a:r>
-              <a:rPr lang="ko-KR" altLang="en-US" sz="1800" dirty="0"/>
-              <a:t>차등 발현 유전자 분석</a:t>
-            </a:r>
-            <a:r>
-              <a:rPr lang="en-US" altLang="ko-KR" sz="1800" dirty="0"/>
-              <a:t>)</a:t>
-            </a:r>
-          </a:p>
-          <a:p>
-            <a:pPr marL="0" indent="0">
-              <a:lnSpc>
-                <a:spcPct val="130000"/>
-              </a:lnSpc>
-              <a:buNone/>
-            </a:pPr>
-            <a:r>
-              <a:rPr lang="en-US" altLang="ko-KR" sz="1600" b="1" dirty="0">
-                <a:solidFill>
-                  <a:srgbClr val="FF0000"/>
-                </a:solidFill>
-              </a:rPr>
-              <a:t>* package </a:t>
-            </a:r>
-            <a:r>
-              <a:rPr lang="ko-KR" altLang="en-US" sz="1600" b="1" dirty="0">
-                <a:solidFill>
-                  <a:srgbClr val="FF0000"/>
-                </a:solidFill>
-              </a:rPr>
-              <a:t>및 </a:t>
-            </a:r>
-            <a:r>
-              <a:rPr lang="en-US" altLang="ko-KR" sz="1600" b="1" dirty="0">
-                <a:solidFill>
-                  <a:srgbClr val="FF0000"/>
-                </a:solidFill>
-              </a:rPr>
-              <a:t>input data </a:t>
-            </a:r>
-            <a:r>
-              <a:rPr lang="ko-KR" altLang="en-US" sz="1600" b="1" dirty="0">
-                <a:solidFill>
-                  <a:srgbClr val="FF0000"/>
-                </a:solidFill>
-              </a:rPr>
-              <a:t>불러오는 코드 먼저 실행 후 진행해주세요</a:t>
-            </a:r>
-            <a:r>
-              <a:rPr lang="en-US" altLang="ko-KR" sz="1600" b="1" dirty="0">
-                <a:solidFill>
-                  <a:srgbClr val="FF0000"/>
-                </a:solidFill>
-              </a:rPr>
-              <a:t> *</a:t>
-            </a:r>
-          </a:p>
-        </p:txBody>
-      </p:sp>
-      <p:sp>
-        <p:nvSpPr>
-          <p:cNvPr id="11" name="TextBox 10">
-            <a:extLst>
-              <a:ext uri="{FF2B5EF4-FFF2-40B4-BE49-F238E27FC236}">
-                <a16:creationId xmlns="" xmlns:a16="http://schemas.microsoft.com/office/drawing/2014/main" id="{87742C6C-1726-654D-8215-AB2C2688D3C8}"/>
-              </a:ext>
-            </a:extLst>
-          </p:cNvPr>
-          <p:cNvSpPr txBox="1"/>
-          <p:nvPr/>
-        </p:nvSpPr>
-        <p:spPr>
-          <a:xfrm>
-            <a:off x="7345854" y="3329387"/>
-            <a:ext cx="4336444" cy="545983"/>
-          </a:xfrm>
-          <a:prstGeom prst="rect">
-            <a:avLst/>
-          </a:prstGeom>
-          <a:noFill/>
-        </p:spPr>
-        <p:txBody>
-          <a:bodyPr wrap="none" rtlCol="0">
-            <a:spAutoFit/>
-          </a:bodyPr>
-          <a:lstStyle/>
-          <a:p>
-            <a:pPr>
-              <a:lnSpc>
-                <a:spcPct val="130000"/>
-              </a:lnSpc>
-            </a:pPr>
-            <a:r>
-              <a:rPr lang="en-US" altLang="ko-KR" sz="1200" dirty="0"/>
-              <a:t>(</a:t>
-            </a:r>
-            <a:r>
-              <a:rPr lang="ko-KR" altLang="en-US" sz="1200" dirty="0"/>
-              <a:t>각 </a:t>
-            </a:r>
-            <a:r>
-              <a:rPr lang="en-US" altLang="ko-KR" sz="1200" dirty="0"/>
-              <a:t>Day</a:t>
-            </a:r>
-            <a:r>
-              <a:rPr lang="ko-KR" altLang="en-US" sz="1200" dirty="0"/>
-              <a:t>마다 </a:t>
-            </a:r>
-            <a:r>
-              <a:rPr lang="en-US" altLang="ko-KR" sz="1200" dirty="0"/>
-              <a:t>DEG</a:t>
-            </a:r>
-            <a:r>
-              <a:rPr lang="ko-KR" altLang="en-US" sz="1200" dirty="0" err="1"/>
-              <a:t>를</a:t>
-            </a:r>
-            <a:r>
-              <a:rPr lang="ko-KR" altLang="en-US" sz="1200" dirty="0"/>
-              <a:t> 구하기 위해</a:t>
-            </a:r>
-            <a:endParaRPr lang="en-US" altLang="ko-KR" sz="1200" dirty="0"/>
-          </a:p>
-          <a:p>
-            <a:pPr>
-              <a:lnSpc>
-                <a:spcPct val="130000"/>
-              </a:lnSpc>
-            </a:pPr>
-            <a:r>
-              <a:rPr lang="en-US" altLang="ko-KR" sz="1200" dirty="0"/>
-              <a:t>day8, day12, day16, day24</a:t>
-            </a:r>
-            <a:r>
-              <a:rPr lang="ko-KR" altLang="en-US" sz="1200" dirty="0"/>
-              <a:t>로 </a:t>
-            </a:r>
-            <a:r>
-              <a:rPr lang="en-US" altLang="ko-KR" sz="1200" dirty="0"/>
-              <a:t>input data</a:t>
-            </a:r>
-            <a:r>
-              <a:rPr lang="ko-KR" altLang="en-US" sz="1200" dirty="0" err="1"/>
-              <a:t>를</a:t>
-            </a:r>
-            <a:r>
-              <a:rPr lang="ko-KR" altLang="en-US" sz="1200" dirty="0"/>
-              <a:t> 나눠주었습니다</a:t>
-            </a:r>
-            <a:r>
-              <a:rPr lang="en-US" altLang="ko-KR" sz="1200" dirty="0"/>
-              <a:t>.)</a:t>
-            </a:r>
-          </a:p>
-        </p:txBody>
-      </p:sp>
-      <p:sp>
-        <p:nvSpPr>
-          <p:cNvPr id="12" name="TextBox 11">
-            <a:extLst>
-              <a:ext uri="{FF2B5EF4-FFF2-40B4-BE49-F238E27FC236}">
-                <a16:creationId xmlns="" xmlns:a16="http://schemas.microsoft.com/office/drawing/2014/main" id="{87742C6C-1726-654D-8215-AB2C2688D3C8}"/>
-              </a:ext>
-            </a:extLst>
-          </p:cNvPr>
-          <p:cNvSpPr txBox="1"/>
-          <p:nvPr/>
-        </p:nvSpPr>
-        <p:spPr>
-          <a:xfrm>
-            <a:off x="7345854" y="4557509"/>
-            <a:ext cx="4089581" cy="572464"/>
-          </a:xfrm>
-          <a:prstGeom prst="rect">
-            <a:avLst/>
-          </a:prstGeom>
-          <a:noFill/>
-        </p:spPr>
-        <p:txBody>
-          <a:bodyPr wrap="none" rtlCol="0">
-            <a:spAutoFit/>
-          </a:bodyPr>
-          <a:lstStyle/>
-          <a:p>
-            <a:pPr>
-              <a:lnSpc>
-                <a:spcPct val="130000"/>
-              </a:lnSpc>
-            </a:pPr>
-            <a:r>
-              <a:rPr lang="en-US" altLang="ko-KR" sz="1200" dirty="0" smtClean="0"/>
-              <a:t>(Day</a:t>
-            </a:r>
-            <a:r>
-              <a:rPr lang="ko-KR" altLang="en-US" sz="1200" dirty="0" smtClean="0"/>
-              <a:t>별로 </a:t>
-            </a:r>
-            <a:r>
-              <a:rPr lang="en-US" altLang="ko-KR" sz="1200" dirty="0" smtClean="0"/>
-              <a:t>DEG </a:t>
-            </a:r>
-            <a:r>
-              <a:rPr lang="ko-KR" altLang="en-US" sz="1200" dirty="0" smtClean="0"/>
-              <a:t>구하는 것을 한 코드로 실행하기 위해</a:t>
-            </a:r>
-            <a:endParaRPr lang="en-US" altLang="ko-KR" sz="1200" dirty="0"/>
-          </a:p>
-          <a:p>
-            <a:pPr>
-              <a:lnSpc>
-                <a:spcPct val="130000"/>
-              </a:lnSpc>
-            </a:pPr>
-            <a:r>
-              <a:rPr lang="en-US" altLang="ko-KR" sz="1200" dirty="0"/>
-              <a:t>f</a:t>
-            </a:r>
-            <a:r>
-              <a:rPr lang="en-US" altLang="ko-KR" sz="1200" dirty="0" smtClean="0"/>
-              <a:t>or</a:t>
-            </a:r>
-            <a:r>
-              <a:rPr lang="ko-KR" altLang="en-US" sz="1200" dirty="0" smtClean="0"/>
-              <a:t>문을 사용하는데</a:t>
-            </a:r>
-            <a:r>
-              <a:rPr lang="en-US" altLang="ko-KR" sz="1200" dirty="0" smtClean="0"/>
-              <a:t>, </a:t>
-            </a:r>
-            <a:r>
-              <a:rPr lang="ko-KR" altLang="en-US" sz="1200" dirty="0" smtClean="0"/>
-              <a:t>그를 위해 필요한 사전 작업입니다</a:t>
-            </a:r>
-            <a:r>
-              <a:rPr lang="en-US" altLang="ko-KR" sz="1200" dirty="0" smtClean="0"/>
-              <a:t>.)</a:t>
-            </a:r>
-            <a:endParaRPr lang="en-US" altLang="ko-KR" sz="1200" dirty="0"/>
-          </a:p>
-        </p:txBody>
-      </p:sp>
-      <p:pic>
-        <p:nvPicPr>
-          <p:cNvPr id="2" name="그림 1"/>
-          <p:cNvPicPr>
-            <a:picLocks noChangeAspect="1"/>
-          </p:cNvPicPr>
-          <p:nvPr/>
-        </p:nvPicPr>
-        <p:blipFill rotWithShape="1">
-          <a:blip r:embed="rId3"/>
-          <a:srcRect l="844"/>
-          <a:stretch/>
-        </p:blipFill>
-        <p:spPr>
-          <a:xfrm>
-            <a:off x="302125" y="2143909"/>
-            <a:ext cx="5655870" cy="2523297"/>
-          </a:xfrm>
-          <a:prstGeom prst="rect">
-            <a:avLst/>
-          </a:prstGeom>
-        </p:spPr>
-      </p:pic>
+      <mc:AlternateContent xmlns:mc="http://schemas.openxmlformats.org/markup-compatibility/2006">
+        <mc:Choice xmlns:a14="http://schemas.microsoft.com/office/drawing/2010/main" Requires="a14">
+          <p:sp>
+            <p:nvSpPr>
+              <p:cNvPr id="2" name="내용 개체 틀 1"/>
+              <p:cNvSpPr>
+                <a:spLocks noGrp="1"/>
+              </p:cNvSpPr>
+              <p:nvPr>
+                <p:ph idx="1"/>
+              </p:nvPr>
+            </p:nvSpPr>
+            <p:spPr>
+              <a:xfrm>
+                <a:off x="186599" y="1203053"/>
+                <a:ext cx="11671572" cy="5300383"/>
+              </a:xfrm>
+            </p:spPr>
+            <p:txBody>
+              <a:bodyPr>
+                <a:normAutofit fontScale="92500" lnSpcReduction="10000"/>
+              </a:bodyPr>
+              <a:lstStyle/>
+              <a:p>
+                <a:pPr marL="0" indent="0">
+                  <a:lnSpc>
+                    <a:spcPct val="130000"/>
+                  </a:lnSpc>
+                  <a:buNone/>
+                </a:pPr>
+                <a:r>
+                  <a:rPr lang="en-US" altLang="ko-KR" sz="1800" u="sng" dirty="0" smtClean="0"/>
+                  <a:t>1. </a:t>
+                </a:r>
+                <a:r>
+                  <a:rPr lang="en-US" altLang="ko-KR" sz="1800" b="1" u="sng" dirty="0" smtClean="0"/>
+                  <a:t>Fold change</a:t>
+                </a:r>
+                <a:r>
+                  <a:rPr lang="ko-KR" altLang="en-US" sz="1800" b="1" u="sng" dirty="0"/>
+                  <a:t> </a:t>
+                </a:r>
+                <a:r>
+                  <a:rPr lang="ko-KR" altLang="en-US" sz="1800" u="sng" dirty="0" smtClean="0"/>
+                  <a:t>란 </a:t>
+                </a:r>
+                <a:r>
+                  <a:rPr lang="en-US" altLang="ko-KR" sz="1800" u="sng" dirty="0" smtClean="0"/>
+                  <a:t>?</a:t>
+                </a:r>
+              </a:p>
+              <a:p>
+                <a:pPr marL="0" indent="0">
+                  <a:lnSpc>
+                    <a:spcPct val="130000"/>
+                  </a:lnSpc>
+                  <a:buNone/>
+                </a:pPr>
+                <a:r>
+                  <a:rPr lang="ko-KR" altLang="en-US" sz="1800" dirty="0"/>
+                  <a:t>두 집단 간 유전자 </a:t>
+                </a:r>
+                <a:r>
+                  <a:rPr lang="ko-KR" altLang="en-US" sz="1800" dirty="0" err="1"/>
+                  <a:t>발현량</a:t>
+                </a:r>
+                <a:r>
+                  <a:rPr lang="ko-KR" altLang="en-US" sz="1800" dirty="0"/>
+                  <a:t> 배수 </a:t>
+                </a:r>
+                <a:r>
+                  <a:rPr lang="ko-KR" altLang="en-US" sz="1800" dirty="0" smtClean="0"/>
+                  <a:t>차이</a:t>
+                </a:r>
+                <a:endParaRPr lang="en-US" altLang="ko-KR" sz="1800" dirty="0" smtClean="0"/>
+              </a:p>
+              <a:p>
+                <a:pPr marL="0" indent="0">
+                  <a:lnSpc>
+                    <a:spcPct val="130000"/>
+                  </a:lnSpc>
+                  <a:buNone/>
+                </a:pPr>
+                <a:r>
+                  <a:rPr lang="en-US" altLang="ko-KR" sz="1800" dirty="0" smtClean="0"/>
+                  <a:t>ex. </a:t>
+                </a:r>
+                <a:r>
+                  <a:rPr lang="ko-KR" altLang="en-US" sz="1800" dirty="0" smtClean="0"/>
+                  <a:t>대조군 </a:t>
+                </a:r>
+                <a:r>
+                  <a:rPr lang="ko-KR" altLang="en-US" sz="1800" dirty="0"/>
+                  <a:t>대비 비교군의 </a:t>
+                </a:r>
+                <a:r>
+                  <a:rPr lang="en-US" altLang="ko-KR" sz="1800" dirty="0"/>
+                  <a:t>log2(Fold Change)</a:t>
+                </a:r>
+                <a:r>
+                  <a:rPr lang="ko-KR" altLang="en-US" sz="1800" dirty="0"/>
+                  <a:t> </a:t>
+                </a:r>
+                <a:r>
+                  <a:rPr lang="en-US" altLang="ko-KR" sz="1800" dirty="0"/>
+                  <a:t>= log2(</a:t>
+                </a:r>
+                <a:r>
+                  <a:rPr lang="ko-KR" altLang="en-US" sz="1800" dirty="0"/>
+                  <a:t>비교군 유전자 </a:t>
+                </a:r>
+                <a:r>
+                  <a:rPr lang="ko-KR" altLang="en-US" sz="1800" dirty="0" err="1"/>
+                  <a:t>발현량</a:t>
+                </a:r>
+                <a:r>
+                  <a:rPr lang="ko-KR" altLang="en-US" sz="1800" dirty="0"/>
+                  <a:t> </a:t>
+                </a:r>
+                <a:r>
+                  <a:rPr lang="en-US" altLang="ko-KR" sz="1800" dirty="0"/>
+                  <a:t>/ </a:t>
+                </a:r>
+                <a:r>
+                  <a:rPr lang="ko-KR" altLang="en-US" sz="1800" dirty="0"/>
+                  <a:t>대조군 유전자 </a:t>
+                </a:r>
+                <a:r>
+                  <a:rPr lang="ko-KR" altLang="en-US" sz="1800" dirty="0" err="1"/>
+                  <a:t>발현량</a:t>
+                </a:r>
+                <a:r>
+                  <a:rPr lang="en-US" altLang="ko-KR" sz="1800" dirty="0" smtClean="0"/>
+                  <a:t>)</a:t>
+                </a:r>
+              </a:p>
+              <a:p>
+                <a:pPr marL="0" indent="0">
+                  <a:lnSpc>
+                    <a:spcPct val="130000"/>
+                  </a:lnSpc>
+                  <a:buNone/>
+                </a:pPr>
+                <a:endParaRPr lang="en-US" altLang="ko-KR" sz="1800" dirty="0" smtClean="0"/>
+              </a:p>
+              <a:p>
+                <a:pPr marL="0" indent="0">
+                  <a:lnSpc>
+                    <a:spcPct val="130000"/>
+                  </a:lnSpc>
+                  <a:buNone/>
+                </a:pPr>
+                <a:r>
+                  <a:rPr lang="en-US" altLang="ko-KR" sz="1800" u="sng" dirty="0" smtClean="0"/>
+                  <a:t>2. </a:t>
+                </a:r>
+                <a:r>
+                  <a:rPr lang="en-US" altLang="ko-KR" sz="1800" b="1" u="sng" dirty="0" smtClean="0"/>
+                  <a:t>P value </a:t>
+                </a:r>
+                <a:r>
+                  <a:rPr lang="ko-KR" altLang="en-US" sz="1800" u="sng" dirty="0" smtClean="0"/>
+                  <a:t>란 </a:t>
+                </a:r>
+                <a:r>
+                  <a:rPr lang="en-US" altLang="ko-KR" sz="1800" u="sng" dirty="0" smtClean="0"/>
+                  <a:t>?</a:t>
+                </a:r>
+                <a:r>
+                  <a:rPr lang="en-US" altLang="ko-KR" sz="1800" b="1" u="sng" dirty="0" smtClean="0"/>
+                  <a:t> </a:t>
+                </a:r>
+              </a:p>
+              <a:p>
+                <a:pPr marL="0" indent="0">
+                  <a:lnSpc>
+                    <a:spcPct val="130000"/>
+                  </a:lnSpc>
+                  <a:buNone/>
+                </a:pPr>
+                <a:r>
+                  <a:rPr lang="ko-KR" altLang="en-US" sz="1800" dirty="0" smtClean="0"/>
+                  <a:t>두 집단의 값들이 유의한 차이를 보이는지 </a:t>
+                </a:r>
+                <a:r>
+                  <a:rPr lang="ko-KR" altLang="en-US" sz="1800" dirty="0" smtClean="0"/>
+                  <a:t>검정한 통계량보다 크거나 같은 값을 얻을 수 있는 확률</a:t>
+                </a:r>
+                <a:r>
+                  <a:rPr lang="en-US" altLang="ko-KR" sz="1800" dirty="0" smtClean="0"/>
+                  <a:t>.</a:t>
+                </a:r>
+              </a:p>
+              <a:p>
+                <a:pPr>
+                  <a:lnSpc>
+                    <a:spcPct val="130000"/>
+                  </a:lnSpc>
+                  <a:buFont typeface="Wingdings" panose="05000000000000000000" pitchFamily="2" charset="2"/>
+                  <a:buChar char="à"/>
+                </a:pPr>
+                <a:r>
+                  <a:rPr lang="en-US" altLang="ko-KR" sz="1800" dirty="0" smtClean="0">
+                    <a:sym typeface="Wingdings" panose="05000000000000000000" pitchFamily="2" charset="2"/>
+                  </a:rPr>
+                  <a:t> p value &lt; 0.05 </a:t>
+                </a:r>
+                <a:r>
+                  <a:rPr lang="ko-KR" altLang="en-US" sz="1800" dirty="0" smtClean="0">
+                    <a:sym typeface="Wingdings" panose="05000000000000000000" pitchFamily="2" charset="2"/>
+                  </a:rPr>
+                  <a:t>라는 것은 이보다 차이가 나는 값이 나올 확률이 </a:t>
+                </a:r>
+                <a:r>
+                  <a:rPr lang="en-US" altLang="ko-KR" sz="1800" dirty="0" smtClean="0">
+                    <a:sym typeface="Wingdings" panose="05000000000000000000" pitchFamily="2" charset="2"/>
+                  </a:rPr>
+                  <a:t>100</a:t>
+                </a:r>
+                <a:r>
+                  <a:rPr lang="ko-KR" altLang="en-US" sz="1800" dirty="0" smtClean="0">
+                    <a:sym typeface="Wingdings" panose="05000000000000000000" pitchFamily="2" charset="2"/>
+                  </a:rPr>
+                  <a:t>번 중 </a:t>
+                </a:r>
+                <a:r>
+                  <a:rPr lang="en-US" altLang="ko-KR" sz="1800" dirty="0" smtClean="0">
+                    <a:sym typeface="Wingdings" panose="05000000000000000000" pitchFamily="2" charset="2"/>
+                  </a:rPr>
+                  <a:t>5</a:t>
+                </a:r>
+                <a:r>
+                  <a:rPr lang="ko-KR" altLang="en-US" sz="1800" dirty="0" smtClean="0">
+                    <a:sym typeface="Wingdings" panose="05000000000000000000" pitchFamily="2" charset="2"/>
+                  </a:rPr>
+                  <a:t>번 이하라는 것 </a:t>
+                </a:r>
+                <a:r>
+                  <a:rPr lang="en-US" altLang="ko-KR" sz="1800" dirty="0" smtClean="0">
+                    <a:sym typeface="Wingdings" panose="05000000000000000000" pitchFamily="2" charset="2"/>
+                  </a:rPr>
+                  <a:t>!</a:t>
+                </a:r>
+              </a:p>
+              <a:p>
+                <a:pPr marL="0" indent="0">
+                  <a:lnSpc>
+                    <a:spcPct val="130000"/>
+                  </a:lnSpc>
+                  <a:buNone/>
+                </a:pPr>
+                <a:endParaRPr lang="en-US" altLang="ko-KR" sz="1800" dirty="0" smtClean="0">
+                  <a:sym typeface="Wingdings" panose="05000000000000000000" pitchFamily="2" charset="2"/>
+                </a:endParaRPr>
+              </a:p>
+              <a:p>
+                <a:pPr marL="0" indent="0">
+                  <a:lnSpc>
+                    <a:spcPct val="130000"/>
+                  </a:lnSpc>
+                  <a:buNone/>
+                </a:pPr>
+                <a:r>
+                  <a:rPr lang="en-US" altLang="ko-KR" sz="1800" u="sng" dirty="0" smtClean="0"/>
+                  <a:t>3. </a:t>
+                </a:r>
+                <a:r>
+                  <a:rPr lang="en-US" altLang="ko-KR" sz="1800" b="1" u="sng" dirty="0" smtClean="0"/>
+                  <a:t>Adjusted p value </a:t>
+                </a:r>
+                <a:r>
+                  <a:rPr lang="ko-KR" altLang="en-US" sz="1800" u="sng" dirty="0" smtClean="0"/>
+                  <a:t>란 </a:t>
+                </a:r>
+                <a:r>
+                  <a:rPr lang="en-US" altLang="ko-KR" sz="1800" u="sng" dirty="0" smtClean="0"/>
+                  <a:t>?</a:t>
+                </a:r>
+              </a:p>
+              <a:p>
+                <a:pPr marL="0" indent="0">
+                  <a:lnSpc>
+                    <a:spcPct val="130000"/>
+                  </a:lnSpc>
+                  <a:buNone/>
+                </a:pPr>
+                <a:r>
+                  <a:rPr lang="ko-KR" altLang="en-US" sz="1800" dirty="0" smtClean="0"/>
+                  <a:t>두 집단 간 유의한 유전자를 </a:t>
+                </a:r>
+                <a:r>
+                  <a:rPr lang="ko-KR" altLang="en-US" sz="1800" dirty="0" smtClean="0"/>
+                  <a:t>뽑기 위해 유전자마다 가설 검정 진행</a:t>
+                </a:r>
+                <a:endParaRPr lang="en-US" altLang="ko-KR" sz="1800" dirty="0" smtClean="0"/>
+              </a:p>
+              <a:p>
+                <a:pPr>
+                  <a:lnSpc>
+                    <a:spcPct val="130000"/>
+                  </a:lnSpc>
+                  <a:buFont typeface="Wingdings" panose="05000000000000000000" pitchFamily="2" charset="2"/>
+                  <a:buChar char="à"/>
+                </a:pPr>
+                <a:r>
+                  <a:rPr lang="ko-KR" altLang="en-US" sz="1800" dirty="0" smtClean="0">
+                    <a:sym typeface="Wingdings" panose="05000000000000000000" pitchFamily="2" charset="2"/>
+                  </a:rPr>
+                  <a:t>한 가설 </a:t>
+                </a:r>
+                <a:r>
+                  <a:rPr lang="en-US" altLang="ko-KR" sz="1800" dirty="0" smtClean="0">
+                    <a:sym typeface="Wingdings" panose="05000000000000000000" pitchFamily="2" charset="2"/>
+                  </a:rPr>
+                  <a:t>(</a:t>
+                </a:r>
+                <a:r>
+                  <a:rPr lang="ko-KR" altLang="en-US" sz="1800" dirty="0" smtClean="0">
+                    <a:sym typeface="Wingdings" panose="05000000000000000000" pitchFamily="2" charset="2"/>
+                  </a:rPr>
+                  <a:t>유전자</a:t>
+                </a:r>
+                <a:r>
+                  <a:rPr lang="en-US" altLang="ko-KR" sz="1800" dirty="0" smtClean="0">
+                    <a:sym typeface="Wingdings" panose="05000000000000000000" pitchFamily="2" charset="2"/>
+                  </a:rPr>
+                  <a:t>) </a:t>
+                </a:r>
+                <a:r>
+                  <a:rPr lang="ko-KR" altLang="en-US" sz="1800" dirty="0" smtClean="0">
+                    <a:sym typeface="Wingdings" panose="05000000000000000000" pitchFamily="2" charset="2"/>
+                  </a:rPr>
+                  <a:t>당 유의미함을 </a:t>
+                </a:r>
+                <a:r>
+                  <a:rPr lang="ko-KR" altLang="en-US" sz="1800" dirty="0" smtClean="0">
+                    <a:sym typeface="Wingdings" panose="05000000000000000000" pitchFamily="2" charset="2"/>
+                  </a:rPr>
+                  <a:t>올바르게 판단하지 않을 확률 </a:t>
+                </a:r>
+                <a:r>
+                  <a:rPr lang="en-US" altLang="ko-KR" sz="1800" dirty="0" smtClean="0">
+                    <a:sym typeface="Wingdings" panose="05000000000000000000" pitchFamily="2" charset="2"/>
+                  </a:rPr>
+                  <a:t>1-0.05=0.95</a:t>
+                </a:r>
+              </a:p>
+              <a:p>
+                <a:pPr>
+                  <a:lnSpc>
+                    <a:spcPct val="130000"/>
+                  </a:lnSpc>
+                  <a:buFont typeface="Wingdings" panose="05000000000000000000" pitchFamily="2" charset="2"/>
+                  <a:buChar char="à"/>
+                </a:pPr>
+                <a:r>
+                  <a:rPr lang="ko-KR" altLang="en-US" sz="1800" dirty="0" smtClean="0">
+                    <a:sym typeface="Wingdings" panose="05000000000000000000" pitchFamily="2" charset="2"/>
+                  </a:rPr>
+                  <a:t>유전자가 </a:t>
+                </a:r>
+                <a:r>
+                  <a:rPr lang="en-US" altLang="ko-KR" sz="1800" dirty="0" smtClean="0">
+                    <a:sym typeface="Wingdings" panose="05000000000000000000" pitchFamily="2" charset="2"/>
+                  </a:rPr>
+                  <a:t>3</a:t>
+                </a:r>
+                <a:r>
+                  <a:rPr lang="ko-KR" altLang="en-US" sz="1800" dirty="0" smtClean="0">
+                    <a:sym typeface="Wingdings" panose="05000000000000000000" pitchFamily="2" charset="2"/>
+                  </a:rPr>
+                  <a:t>개만 있어도 </a:t>
+                </a:r>
+                <a14:m>
+                  <m:oMath xmlns:m="http://schemas.openxmlformats.org/officeDocument/2006/math">
+                    <m:sSup>
+                      <m:sSupPr>
+                        <m:ctrlPr>
+                          <a:rPr lang="en-US" altLang="ko-KR" sz="1800" b="0" i="1" smtClean="0">
+                            <a:latin typeface="Cambria Math" panose="02040503050406030204" pitchFamily="18" charset="0"/>
+                            <a:sym typeface="Wingdings" panose="05000000000000000000" pitchFamily="2" charset="2"/>
+                          </a:rPr>
+                        </m:ctrlPr>
+                      </m:sSupPr>
+                      <m:e>
+                        <m:r>
+                          <a:rPr lang="en-US" altLang="ko-KR" sz="1800" b="0" i="1" smtClean="0">
+                            <a:latin typeface="Cambria Math" panose="02040503050406030204" pitchFamily="18" charset="0"/>
+                            <a:sym typeface="Wingdings" panose="05000000000000000000" pitchFamily="2" charset="2"/>
+                          </a:rPr>
+                          <m:t>0.95</m:t>
+                        </m:r>
+                      </m:e>
+                      <m:sup>
+                        <m:r>
+                          <a:rPr lang="en-US" altLang="ko-KR" sz="1800" b="0" i="1" smtClean="0">
+                            <a:latin typeface="Cambria Math" panose="02040503050406030204" pitchFamily="18" charset="0"/>
+                            <a:sym typeface="Wingdings" panose="05000000000000000000" pitchFamily="2" charset="2"/>
+                          </a:rPr>
+                          <m:t>3</m:t>
+                        </m:r>
+                      </m:sup>
+                    </m:sSup>
+                    <m:r>
+                      <a:rPr lang="en-US" altLang="ko-KR" sz="1800" b="0" i="1" smtClean="0">
+                        <a:latin typeface="Cambria Math" panose="02040503050406030204" pitchFamily="18" charset="0"/>
+                        <a:sym typeface="Wingdings" panose="05000000000000000000" pitchFamily="2" charset="2"/>
+                      </a:rPr>
+                      <m:t>=0.857</m:t>
+                    </m:r>
+                  </m:oMath>
+                </a14:m>
+                <a:r>
+                  <a:rPr lang="ko-KR" altLang="en-US" sz="1800" dirty="0" smtClean="0"/>
+                  <a:t>로 확률이 매우 증가하기 때문에 이를 보정해주는 </a:t>
+                </a:r>
+                <a:r>
+                  <a:rPr lang="ko-KR" altLang="en-US" sz="1800" dirty="0" smtClean="0"/>
+                  <a:t>값</a:t>
+                </a:r>
+                <a:r>
+                  <a:rPr lang="en-US" altLang="ko-KR" sz="1800" dirty="0" smtClean="0"/>
+                  <a:t>.</a:t>
+                </a:r>
+                <a:endParaRPr lang="en-US" altLang="ko-KR" sz="1800" dirty="0"/>
+              </a:p>
+              <a:p>
+                <a:pPr marL="0" indent="0">
+                  <a:lnSpc>
+                    <a:spcPct val="130000"/>
+                  </a:lnSpc>
+                  <a:buNone/>
+                </a:pPr>
+                <a:endParaRPr lang="en-US" altLang="ko-KR" sz="1800" dirty="0"/>
+              </a:p>
+            </p:txBody>
+          </p:sp>
+        </mc:Choice>
+        <mc:Fallback>
+          <p:sp>
+            <p:nvSpPr>
+              <p:cNvPr id="2" name="내용 개체 틀 1"/>
+              <p:cNvSpPr>
+                <a:spLocks noGrp="1" noRot="1" noChangeAspect="1" noMove="1" noResize="1" noEditPoints="1" noAdjustHandles="1" noChangeArrowheads="1" noChangeShapeType="1" noTextEdit="1"/>
+              </p:cNvSpPr>
+              <p:nvPr>
+                <p:ph idx="1"/>
+              </p:nvPr>
+            </p:nvSpPr>
+            <p:spPr>
+              <a:xfrm>
+                <a:off x="186599" y="1203053"/>
+                <a:ext cx="11671572" cy="5300383"/>
+              </a:xfrm>
+              <a:blipFill rotWithShape="0">
+                <a:blip r:embed="rId3"/>
+                <a:stretch>
+                  <a:fillRect l="-366"/>
+                </a:stretch>
+              </a:blipFill>
+            </p:spPr>
+            <p:txBody>
+              <a:bodyPr/>
+              <a:lstStyle/>
+              <a:p>
+                <a:r>
+                  <a:rPr lang="ko-KR" altLang="en-US">
+                    <a:noFill/>
+                  </a:rPr>
+                  <a:t> </a:t>
+                </a:r>
+              </a:p>
+            </p:txBody>
+          </p:sp>
+        </mc:Fallback>
+      </mc:AlternateContent>
     </p:spTree>
     <p:extLst>
       <p:ext uri="{BB962C8B-B14F-4D97-AF65-F5344CB8AC3E}">
-        <p14:creationId xmlns:p14="http://schemas.microsoft.com/office/powerpoint/2010/main" val="2274255950"/>
+        <p14:creationId xmlns:p14="http://schemas.microsoft.com/office/powerpoint/2010/main" val="2863553818"/>
       </p:ext>
     </p:extLst>
   </p:cSld>

--- a/Presentation/2. DESeq2.pptx
+++ b/Presentation/2. DESeq2.pptx
@@ -5,7 +5,7 @@
     <p:sldMasterId id="2147483648" r:id="rId1"/>
   </p:sldMasterIdLst>
   <p:notesMasterIdLst>
-    <p:notesMasterId r:id="rId14"/>
+    <p:notesMasterId r:id="rId15"/>
   </p:notesMasterIdLst>
   <p:sldIdLst>
     <p:sldId id="256" r:id="rId2"/>
@@ -14,12 +14,13 @@
     <p:sldId id="267" r:id="rId5"/>
     <p:sldId id="268" r:id="rId6"/>
     <p:sldId id="258" r:id="rId7"/>
-    <p:sldId id="259" r:id="rId8"/>
-    <p:sldId id="270" r:id="rId9"/>
-    <p:sldId id="269" r:id="rId10"/>
-    <p:sldId id="263" r:id="rId11"/>
-    <p:sldId id="264" r:id="rId12"/>
-    <p:sldId id="265" r:id="rId13"/>
+    <p:sldId id="271" r:id="rId8"/>
+    <p:sldId id="259" r:id="rId9"/>
+    <p:sldId id="270" r:id="rId10"/>
+    <p:sldId id="269" r:id="rId11"/>
+    <p:sldId id="263" r:id="rId12"/>
+    <p:sldId id="264" r:id="rId13"/>
+    <p:sldId id="265" r:id="rId14"/>
   </p:sldIdLst>
   <p:sldSz cx="12192000" cy="6858000"/>
   <p:notesSz cx="6858000" cy="9144000"/>
@@ -137,6 +138,7 @@
             <p14:sldId id="267"/>
             <p14:sldId id="268"/>
             <p14:sldId id="258"/>
+            <p14:sldId id="271"/>
             <p14:sldId id="259"/>
           </p14:sldIdLst>
         </p14:section>
@@ -240,7 +242,7 @@
           <a:p>
             <a:fld id="{0011AB03-70E4-4BB8-A505-8BA1517E37CF}" type="datetimeFigureOut">
               <a:rPr lang="ko-KR" altLang="en-US" smtClean="0"/>
-              <a:t>2022-04-06</a:t>
+              <a:t>2022. 4. 11.</a:t>
             </a:fld>
             <a:endParaRPr lang="ko-KR" altLang="en-US"/>
           </a:p>
@@ -665,7 +667,7 @@
     </p:spTree>
     <p:extLst>
       <p:ext uri="{BB962C8B-B14F-4D97-AF65-F5344CB8AC3E}">
-        <p14:creationId xmlns:p14="http://schemas.microsoft.com/office/powerpoint/2010/main" val="346111772"/>
+        <p14:creationId xmlns:p14="http://schemas.microsoft.com/office/powerpoint/2010/main" val="2442369945"/>
       </p:ext>
     </p:extLst>
   </p:cSld>
@@ -741,6 +743,90 @@
             <a:fld id="{C3394D38-E1FA-4CE4-9394-BB6C6AC66CC0}" type="slidenum">
               <a:rPr lang="ko-KR" altLang="en-US" smtClean="0"/>
               <a:t>12</a:t>
+            </a:fld>
+            <a:endParaRPr lang="ko-KR" altLang="en-US"/>
+          </a:p>
+        </p:txBody>
+      </p:sp>
+    </p:spTree>
+    <p:extLst>
+      <p:ext uri="{BB962C8B-B14F-4D97-AF65-F5344CB8AC3E}">
+        <p14:creationId xmlns:p14="http://schemas.microsoft.com/office/powerpoint/2010/main" val="346111772"/>
+      </p:ext>
+    </p:extLst>
+  </p:cSld>
+  <p:clrMapOvr>
+    <a:masterClrMapping/>
+  </p:clrMapOvr>
+</p:notes>
+</file>
+
+<file path=ppt/notesSlides/notesSlide12.xml><?xml version="1.0" encoding="utf-8"?>
+<p:notes xmlns:a="http://schemas.openxmlformats.org/drawingml/2006/main" xmlns:r="http://schemas.openxmlformats.org/officeDocument/2006/relationships" xmlns:p="http://schemas.openxmlformats.org/presentationml/2006/main">
+  <p:cSld>
+    <p:spTree>
+      <p:nvGrpSpPr>
+        <p:cNvPr id="1" name=""/>
+        <p:cNvGrpSpPr/>
+        <p:nvPr/>
+      </p:nvGrpSpPr>
+      <p:grpSpPr>
+        <a:xfrm>
+          <a:off x="0" y="0"/>
+          <a:ext cx="0" cy="0"/>
+          <a:chOff x="0" y="0"/>
+          <a:chExt cx="0" cy="0"/>
+        </a:xfrm>
+      </p:grpSpPr>
+      <p:sp>
+        <p:nvSpPr>
+          <p:cNvPr id="2" name="슬라이드 이미지 개체 틀 1"/>
+          <p:cNvSpPr>
+            <a:spLocks noGrp="1" noRot="1" noChangeAspect="1"/>
+          </p:cNvSpPr>
+          <p:nvPr>
+            <p:ph type="sldImg"/>
+          </p:nvPr>
+        </p:nvSpPr>
+        <p:spPr/>
+      </p:sp>
+      <p:sp>
+        <p:nvSpPr>
+          <p:cNvPr id="3" name="슬라이드 노트 개체 틀 2"/>
+          <p:cNvSpPr>
+            <a:spLocks noGrp="1"/>
+          </p:cNvSpPr>
+          <p:nvPr>
+            <p:ph type="body" idx="1"/>
+          </p:nvPr>
+        </p:nvSpPr>
+        <p:spPr/>
+        <p:txBody>
+          <a:bodyPr/>
+          <a:lstStyle/>
+          <a:p>
+            <a:endParaRPr lang="en-US" altLang="ko-KR" dirty="0"/>
+          </a:p>
+        </p:txBody>
+      </p:sp>
+      <p:sp>
+        <p:nvSpPr>
+          <p:cNvPr id="4" name="슬라이드 번호 개체 틀 3"/>
+          <p:cNvSpPr>
+            <a:spLocks noGrp="1"/>
+          </p:cNvSpPr>
+          <p:nvPr>
+            <p:ph type="sldNum" sz="quarter" idx="10"/>
+          </p:nvPr>
+        </p:nvSpPr>
+        <p:spPr/>
+        <p:txBody>
+          <a:bodyPr/>
+          <a:lstStyle/>
+          <a:p>
+            <a:fld id="{C3394D38-E1FA-4CE4-9394-BB6C6AC66CC0}" type="slidenum">
+              <a:rPr lang="ko-KR" altLang="en-US" smtClean="0"/>
+              <a:t>13</a:t>
             </a:fld>
             <a:endParaRPr lang="ko-KR" altLang="en-US"/>
           </a:p>
@@ -803,40 +889,6 @@
           <a:bodyPr/>
           <a:lstStyle/>
           <a:p>
-            <a:r>
-              <a:rPr lang="en-US" altLang="ko-KR" dirty="0"/>
-              <a:t>PCA</a:t>
-            </a:r>
-            <a:r>
-              <a:rPr lang="ko-KR" altLang="en-US" dirty="0"/>
-              <a:t>란</a:t>
-            </a:r>
-            <a:r>
-              <a:rPr lang="en-US" altLang="ko-KR" dirty="0"/>
-              <a:t>?</a:t>
-            </a:r>
-          </a:p>
-          <a:p>
-            <a:pPr marL="171450" indent="-171450">
-              <a:buFontTx/>
-              <a:buChar char="-"/>
-            </a:pPr>
-            <a:r>
-              <a:rPr lang="en-US" altLang="ko-KR" dirty="0"/>
-              <a:t>https://ko.wikipedia.org/wiki/%EC%A3%BC%EC%84%B1%EB%B6%84_%EB%B6%84%EC%84%9D</a:t>
-            </a:r>
-          </a:p>
-          <a:p>
-            <a:pPr marL="171450" indent="-171450">
-              <a:buFontTx/>
-              <a:buChar char="-"/>
-            </a:pPr>
-            <a:r>
-              <a:rPr lang="en-US" altLang="ko-KR" dirty="0"/>
-              <a:t>https://angeloyeo.github.io/2019/07/27/PCA.html</a:t>
-            </a:r>
-          </a:p>
-          <a:p>
             <a:pPr marL="171450" indent="-171450">
               <a:buFontTx/>
               <a:buChar char="-"/>
@@ -1047,40 +1099,6 @@
           <a:bodyPr/>
           <a:lstStyle/>
           <a:p>
-            <a:r>
-              <a:rPr lang="en-US" altLang="ko-KR" dirty="0"/>
-              <a:t>PCA</a:t>
-            </a:r>
-            <a:r>
-              <a:rPr lang="ko-KR" altLang="en-US" dirty="0"/>
-              <a:t>란</a:t>
-            </a:r>
-            <a:r>
-              <a:rPr lang="en-US" altLang="ko-KR" dirty="0"/>
-              <a:t>?</a:t>
-            </a:r>
-          </a:p>
-          <a:p>
-            <a:pPr marL="171450" indent="-171450">
-              <a:buFontTx/>
-              <a:buChar char="-"/>
-            </a:pPr>
-            <a:r>
-              <a:rPr lang="en-US" altLang="ko-KR" dirty="0"/>
-              <a:t>https://ko.wikipedia.org/wiki/%EC%A3%BC%EC%84%B1%EB%B6%84_%EB%B6%84%EC%84%9D</a:t>
-            </a:r>
-          </a:p>
-          <a:p>
-            <a:pPr marL="171450" indent="-171450">
-              <a:buFontTx/>
-              <a:buChar char="-"/>
-            </a:pPr>
-            <a:r>
-              <a:rPr lang="en-US" altLang="ko-KR" dirty="0"/>
-              <a:t>https://angeloyeo.github.io/2019/07/27/PCA.html</a:t>
-            </a:r>
-          </a:p>
-          <a:p>
             <a:pPr marL="171450" indent="-171450">
               <a:buFontTx/>
               <a:buChar char="-"/>
@@ -1169,30 +1187,7 @@
           <a:bodyPr/>
           <a:lstStyle/>
           <a:p>
-            <a:r>
-              <a:rPr lang="en-US" altLang="ko-KR" dirty="0"/>
-              <a:t>ggplot2</a:t>
-            </a:r>
-          </a:p>
-          <a:p>
-            <a:r>
-              <a:rPr lang="en-US" altLang="ko-KR" dirty="0"/>
-              <a:t>-</a:t>
-            </a:r>
-            <a:r>
-              <a:rPr lang="en-US" altLang="ko-KR" baseline="0" dirty="0"/>
-              <a:t> </a:t>
-            </a:r>
-            <a:r>
-              <a:rPr lang="en-US" altLang="ko-KR" dirty="0"/>
-              <a:t>https://ggplot2.tidyverse.org/reference/index.html</a:t>
-            </a:r>
-          </a:p>
-          <a:p>
-            <a:r>
-              <a:rPr lang="en-US" altLang="ko-KR" dirty="0"/>
-              <a:t>- </a:t>
-            </a:r>
+            <a:endParaRPr lang="en-US" altLang="ko-KR" dirty="0"/>
           </a:p>
         </p:txBody>
       </p:sp>
@@ -1276,30 +1271,7 @@
           <a:bodyPr/>
           <a:lstStyle/>
           <a:p>
-            <a:r>
-              <a:rPr lang="en-US" altLang="ko-KR" dirty="0"/>
-              <a:t>ggplot2</a:t>
-            </a:r>
-          </a:p>
-          <a:p>
-            <a:r>
-              <a:rPr lang="en-US" altLang="ko-KR" dirty="0"/>
-              <a:t>-</a:t>
-            </a:r>
-            <a:r>
-              <a:rPr lang="en-US" altLang="ko-KR" baseline="0" dirty="0"/>
-              <a:t> </a:t>
-            </a:r>
-            <a:r>
-              <a:rPr lang="en-US" altLang="ko-KR" dirty="0"/>
-              <a:t>https://ggplot2.tidyverse.org/reference/index.html</a:t>
-            </a:r>
-          </a:p>
-          <a:p>
-            <a:r>
-              <a:rPr lang="en-US" altLang="ko-KR" dirty="0"/>
-              <a:t>- </a:t>
-            </a:r>
+            <a:endParaRPr lang="en-US" altLang="ko-KR" dirty="0"/>
           </a:p>
         </p:txBody>
       </p:sp>
@@ -1329,7 +1301,7 @@
     </p:spTree>
     <p:extLst>
       <p:ext uri="{BB962C8B-B14F-4D97-AF65-F5344CB8AC3E}">
-        <p14:creationId xmlns:p14="http://schemas.microsoft.com/office/powerpoint/2010/main" val="1323983432"/>
+        <p14:creationId xmlns:p14="http://schemas.microsoft.com/office/powerpoint/2010/main" val="10983203"/>
       </p:ext>
     </p:extLst>
   </p:cSld>
@@ -1383,11 +1355,7 @@
           <a:bodyPr/>
           <a:lstStyle/>
           <a:p>
-            <a:pPr marL="171450" indent="-171450">
-              <a:buFontTx/>
-              <a:buChar char="-"/>
-            </a:pPr>
-            <a:endParaRPr lang="ko-KR" altLang="en-US" dirty="0"/>
+            <a:endParaRPr lang="en-US" altLang="ko-KR" dirty="0"/>
           </a:p>
         </p:txBody>
       </p:sp>
@@ -1417,7 +1385,7 @@
     </p:spTree>
     <p:extLst>
       <p:ext uri="{BB962C8B-B14F-4D97-AF65-F5344CB8AC3E}">
-        <p14:creationId xmlns:p14="http://schemas.microsoft.com/office/powerpoint/2010/main" val="3937322687"/>
+        <p14:creationId xmlns:p14="http://schemas.microsoft.com/office/powerpoint/2010/main" val="1323983432"/>
       </p:ext>
     </p:extLst>
   </p:cSld>
@@ -1505,7 +1473,7 @@
     </p:spTree>
     <p:extLst>
       <p:ext uri="{BB962C8B-B14F-4D97-AF65-F5344CB8AC3E}">
-        <p14:creationId xmlns:p14="http://schemas.microsoft.com/office/powerpoint/2010/main" val="4019410264"/>
+        <p14:creationId xmlns:p14="http://schemas.microsoft.com/office/powerpoint/2010/main" val="3937322687"/>
       </p:ext>
     </p:extLst>
   </p:cSld>
@@ -1559,7 +1527,11 @@
           <a:bodyPr/>
           <a:lstStyle/>
           <a:p>
-            <a:endParaRPr lang="en-US" altLang="ko-KR" dirty="0"/>
+            <a:pPr marL="171450" indent="-171450">
+              <a:buFontTx/>
+              <a:buChar char="-"/>
+            </a:pPr>
+            <a:endParaRPr lang="ko-KR" altLang="en-US" dirty="0"/>
           </a:p>
         </p:txBody>
       </p:sp>
@@ -1589,7 +1561,7 @@
     </p:spTree>
     <p:extLst>
       <p:ext uri="{BB962C8B-B14F-4D97-AF65-F5344CB8AC3E}">
-        <p14:creationId xmlns:p14="http://schemas.microsoft.com/office/powerpoint/2010/main" val="2442369945"/>
+        <p14:creationId xmlns:p14="http://schemas.microsoft.com/office/powerpoint/2010/main" val="4019410264"/>
       </p:ext>
     </p:extLst>
   </p:cSld>
@@ -1728,7 +1700,7 @@
           <a:p>
             <a:fld id="{C37DB50E-FB59-4255-8EC4-78AF5CE9A269}" type="datetimeFigureOut">
               <a:rPr lang="ko-KR" altLang="en-US" smtClean="0"/>
-              <a:t>2022-04-06</a:t>
+              <a:t>2022. 4. 11.</a:t>
             </a:fld>
             <a:endParaRPr lang="ko-KR" altLang="en-US"/>
           </a:p>
@@ -1896,7 +1868,7 @@
           <a:p>
             <a:fld id="{C37DB50E-FB59-4255-8EC4-78AF5CE9A269}" type="datetimeFigureOut">
               <a:rPr lang="ko-KR" altLang="en-US" smtClean="0"/>
-              <a:t>2022-04-06</a:t>
+              <a:t>2022. 4. 11.</a:t>
             </a:fld>
             <a:endParaRPr lang="ko-KR" altLang="en-US"/>
           </a:p>
@@ -2074,7 +2046,7 @@
           <a:p>
             <a:fld id="{C37DB50E-FB59-4255-8EC4-78AF5CE9A269}" type="datetimeFigureOut">
               <a:rPr lang="ko-KR" altLang="en-US" smtClean="0"/>
-              <a:t>2022-04-06</a:t>
+              <a:t>2022. 4. 11.</a:t>
             </a:fld>
             <a:endParaRPr lang="ko-KR" altLang="en-US"/>
           </a:p>
@@ -2242,7 +2214,7 @@
           <a:p>
             <a:fld id="{C37DB50E-FB59-4255-8EC4-78AF5CE9A269}" type="datetimeFigureOut">
               <a:rPr lang="ko-KR" altLang="en-US" smtClean="0"/>
-              <a:t>2022-04-06</a:t>
+              <a:t>2022. 4. 11.</a:t>
             </a:fld>
             <a:endParaRPr lang="ko-KR" altLang="en-US"/>
           </a:p>
@@ -2487,7 +2459,7 @@
           <a:p>
             <a:fld id="{C37DB50E-FB59-4255-8EC4-78AF5CE9A269}" type="datetimeFigureOut">
               <a:rPr lang="ko-KR" altLang="en-US" smtClean="0"/>
-              <a:t>2022-04-06</a:t>
+              <a:t>2022. 4. 11.</a:t>
             </a:fld>
             <a:endParaRPr lang="ko-KR" altLang="en-US"/>
           </a:p>
@@ -2716,7 +2688,7 @@
           <a:p>
             <a:fld id="{C37DB50E-FB59-4255-8EC4-78AF5CE9A269}" type="datetimeFigureOut">
               <a:rPr lang="ko-KR" altLang="en-US" smtClean="0"/>
-              <a:t>2022-04-06</a:t>
+              <a:t>2022. 4. 11.</a:t>
             </a:fld>
             <a:endParaRPr lang="ko-KR" altLang="en-US"/>
           </a:p>
@@ -3080,7 +3052,7 @@
           <a:p>
             <a:fld id="{C37DB50E-FB59-4255-8EC4-78AF5CE9A269}" type="datetimeFigureOut">
               <a:rPr lang="ko-KR" altLang="en-US" smtClean="0"/>
-              <a:t>2022-04-06</a:t>
+              <a:t>2022. 4. 11.</a:t>
             </a:fld>
             <a:endParaRPr lang="ko-KR" altLang="en-US"/>
           </a:p>
@@ -3197,7 +3169,7 @@
           <a:p>
             <a:fld id="{C37DB50E-FB59-4255-8EC4-78AF5CE9A269}" type="datetimeFigureOut">
               <a:rPr lang="ko-KR" altLang="en-US" smtClean="0"/>
-              <a:t>2022-04-06</a:t>
+              <a:t>2022. 4. 11.</a:t>
             </a:fld>
             <a:endParaRPr lang="ko-KR" altLang="en-US"/>
           </a:p>
@@ -3292,7 +3264,7 @@
           <a:p>
             <a:fld id="{C37DB50E-FB59-4255-8EC4-78AF5CE9A269}" type="datetimeFigureOut">
               <a:rPr lang="ko-KR" altLang="en-US" smtClean="0"/>
-              <a:t>2022-04-06</a:t>
+              <a:t>2022. 4. 11.</a:t>
             </a:fld>
             <a:endParaRPr lang="ko-KR" altLang="en-US"/>
           </a:p>
@@ -3567,7 +3539,7 @@
           <a:p>
             <a:fld id="{C37DB50E-FB59-4255-8EC4-78AF5CE9A269}" type="datetimeFigureOut">
               <a:rPr lang="ko-KR" altLang="en-US" smtClean="0"/>
-              <a:t>2022-04-06</a:t>
+              <a:t>2022. 4. 11.</a:t>
             </a:fld>
             <a:endParaRPr lang="ko-KR" altLang="en-US"/>
           </a:p>
@@ -3819,7 +3791,7 @@
           <a:p>
             <a:fld id="{C37DB50E-FB59-4255-8EC4-78AF5CE9A269}" type="datetimeFigureOut">
               <a:rPr lang="ko-KR" altLang="en-US" smtClean="0"/>
-              <a:t>2022-04-06</a:t>
+              <a:t>2022. 4. 11.</a:t>
             </a:fld>
             <a:endParaRPr lang="ko-KR" altLang="en-US"/>
           </a:p>
@@ -4030,7 +4002,7 @@
           <a:p>
             <a:fld id="{C37DB50E-FB59-4255-8EC4-78AF5CE9A269}" type="datetimeFigureOut">
               <a:rPr lang="ko-KR" altLang="en-US" smtClean="0"/>
-              <a:t>2022-04-06</a:t>
+              <a:t>2022. 4. 11.</a:t>
             </a:fld>
             <a:endParaRPr lang="ko-KR" altLang="en-US"/>
           </a:p>
@@ -5137,7 +5109,7 @@
           <p:cNvPr id="2" name="TextBox 1">
             <a:extLst>
               <a:ext uri="{FF2B5EF4-FFF2-40B4-BE49-F238E27FC236}">
-                <a16:creationId xmlns:a16="http://schemas.microsoft.com/office/drawing/2014/main" xmlns="" id="{B57D1D50-C100-4846-B8D3-0AF4330013E4}"/>
+                <a16:creationId xmlns:a16="http://schemas.microsoft.com/office/drawing/2014/main" id="{B57D1D50-C100-4846-B8D3-0AF4330013E4}"/>
               </a:ext>
             </a:extLst>
           </p:cNvPr>
@@ -5173,7 +5145,7 @@
           <p:cNvPr id="16" name="TextBox 15">
             <a:extLst>
               <a:ext uri="{FF2B5EF4-FFF2-40B4-BE49-F238E27FC236}">
-                <a16:creationId xmlns:a16="http://schemas.microsoft.com/office/drawing/2014/main" xmlns="" id="{185F3932-CD6A-EE4C-BEA6-A1830EE377A8}"/>
+                <a16:creationId xmlns:a16="http://schemas.microsoft.com/office/drawing/2014/main" id="{185F3932-CD6A-EE4C-BEA6-A1830EE377A8}"/>
               </a:ext>
             </a:extLst>
           </p:cNvPr>
@@ -5197,7 +5169,7 @@
           <a:lstStyle/>
           <a:p>
             <a:r>
-              <a:rPr kumimoji="1" lang="en-US" altLang="ko-KR" sz="2000" b="1" dirty="0" smtClean="0"/>
+              <a:rPr kumimoji="1" lang="en-US" altLang="ko-KR" sz="2000" b="1" dirty="0"/>
               <a:t>&lt; Statistical Testing &gt;</a:t>
             </a:r>
             <a:endParaRPr kumimoji="1" lang="ko-KR" altLang="en-US" sz="2000" b="1" dirty="0"/>
@@ -5485,15 +5457,7 @@
           <a:p>
             <a:r>
               <a:rPr lang="en-US" altLang="ko-KR" dirty="0"/>
-              <a:t>DEG</a:t>
-            </a:r>
-            <a:r>
-              <a:rPr lang="ko-KR" altLang="en-US" dirty="0"/>
-              <a:t> </a:t>
-            </a:r>
-            <a:r>
-              <a:rPr lang="en-US" altLang="ko-KR" dirty="0"/>
-              <a:t>Analysis</a:t>
+              <a:t>DEG Analysis</a:t>
             </a:r>
             <a:endParaRPr lang="ko-KR" altLang="en-US" dirty="0"/>
           </a:p>
@@ -5529,475 +5493,459 @@
           </a:p>
         </p:txBody>
       </p:sp>
-      <p:sp>
-        <p:nvSpPr>
-          <p:cNvPr id="10" name="오른쪽 중괄호 9"/>
-          <p:cNvSpPr/>
-          <p:nvPr/>
-        </p:nvSpPr>
-        <p:spPr>
-          <a:xfrm>
-            <a:off x="5953327" y="2386295"/>
-            <a:ext cx="1225685" cy="1238648"/>
-          </a:xfrm>
-          <a:prstGeom prst="rightBrace">
-            <a:avLst>
-              <a:gd name="adj1" fmla="val 0"/>
-              <a:gd name="adj2" fmla="val 50000"/>
-            </a:avLst>
-          </a:prstGeom>
-          <a:ln w="22225">
-            <a:solidFill>
-              <a:srgbClr val="002060"/>
-            </a:solidFill>
-          </a:ln>
-        </p:spPr>
-        <p:style>
-          <a:lnRef idx="1">
-            <a:schemeClr val="accent1"/>
-          </a:lnRef>
-          <a:fillRef idx="0">
-            <a:schemeClr val="accent1"/>
-          </a:fillRef>
-          <a:effectRef idx="0">
-            <a:schemeClr val="accent1"/>
-          </a:effectRef>
-          <a:fontRef idx="minor">
-            <a:schemeClr val="tx1"/>
-          </a:fontRef>
-        </p:style>
-        <p:txBody>
-          <a:bodyPr rtlCol="0" anchor="ctr"/>
-          <a:lstStyle/>
-          <a:p>
-            <a:pPr algn="ctr"/>
-            <a:endParaRPr lang="ko-KR" altLang="en-US"/>
-          </a:p>
-        </p:txBody>
-      </p:sp>
-      <p:sp>
-        <p:nvSpPr>
-          <p:cNvPr id="22" name="오른쪽 중괄호 21"/>
-          <p:cNvSpPr/>
-          <p:nvPr/>
-        </p:nvSpPr>
-        <p:spPr>
-          <a:xfrm>
-            <a:off x="5953570" y="3756567"/>
-            <a:ext cx="1225198" cy="910639"/>
-          </a:xfrm>
-          <a:prstGeom prst="rightBrace">
-            <a:avLst>
-              <a:gd name="adj1" fmla="val 0"/>
-              <a:gd name="adj2" fmla="val 50000"/>
-            </a:avLst>
-          </a:prstGeom>
-          <a:ln w="22225">
-            <a:solidFill>
-              <a:srgbClr val="002060"/>
-            </a:solidFill>
-          </a:ln>
-        </p:spPr>
-        <p:style>
-          <a:lnRef idx="1">
-            <a:schemeClr val="accent1"/>
-          </a:lnRef>
-          <a:fillRef idx="0">
-            <a:schemeClr val="accent1"/>
-          </a:fillRef>
-          <a:effectRef idx="0">
-            <a:schemeClr val="accent1"/>
-          </a:effectRef>
-          <a:fontRef idx="minor">
-            <a:schemeClr val="tx1"/>
-          </a:fontRef>
-        </p:style>
-        <p:txBody>
-          <a:bodyPr rtlCol="0" anchor="ctr"/>
-          <a:lstStyle/>
-          <a:p>
-            <a:pPr algn="ctr"/>
-            <a:endParaRPr lang="ko-KR" altLang="en-US"/>
-          </a:p>
-        </p:txBody>
-      </p:sp>
-      <p:sp>
-        <p:nvSpPr>
-          <p:cNvPr id="23" name="TextBox 22"/>
-          <p:cNvSpPr txBox="1"/>
-          <p:nvPr/>
-        </p:nvSpPr>
-        <p:spPr>
-          <a:xfrm>
-            <a:off x="7298469" y="2799772"/>
-            <a:ext cx="1468672" cy="377091"/>
-          </a:xfrm>
-          <a:prstGeom prst="rect">
-            <a:avLst/>
-          </a:prstGeom>
-          <a:noFill/>
-        </p:spPr>
-        <p:txBody>
-          <a:bodyPr wrap="none" rtlCol="0">
-            <a:spAutoFit/>
-          </a:bodyPr>
-          <a:lstStyle/>
-          <a:p>
-            <a:pPr>
-              <a:lnSpc>
-                <a:spcPct val="130000"/>
-              </a:lnSpc>
-            </a:pPr>
-            <a:r>
-              <a:rPr lang="en-US" altLang="ko-KR" sz="1600" dirty="0"/>
-              <a:t>Divide by day</a:t>
-            </a:r>
-          </a:p>
-        </p:txBody>
-      </p:sp>
-      <p:sp>
-        <p:nvSpPr>
-          <p:cNvPr id="29" name="TextBox 28"/>
-          <p:cNvSpPr txBox="1"/>
-          <p:nvPr/>
-        </p:nvSpPr>
-        <p:spPr>
-          <a:xfrm>
-            <a:off x="7298469" y="4027894"/>
-            <a:ext cx="2215607" cy="377091"/>
-          </a:xfrm>
-          <a:prstGeom prst="rect">
-            <a:avLst/>
-          </a:prstGeom>
-          <a:noFill/>
-        </p:spPr>
-        <p:txBody>
-          <a:bodyPr wrap="none" rtlCol="0">
-            <a:spAutoFit/>
-          </a:bodyPr>
-          <a:lstStyle/>
-          <a:p>
-            <a:pPr>
-              <a:lnSpc>
-                <a:spcPct val="130000"/>
-              </a:lnSpc>
-            </a:pPr>
-            <a:r>
-              <a:rPr lang="en-US" altLang="ko-KR" sz="1600" dirty="0"/>
-              <a:t>To-do before for loop</a:t>
-            </a:r>
-          </a:p>
-        </p:txBody>
-      </p:sp>
-      <p:sp>
-        <p:nvSpPr>
-          <p:cNvPr id="27" name="내용 개체 틀 1">
-            <a:extLst>
-              <a:ext uri="{FF2B5EF4-FFF2-40B4-BE49-F238E27FC236}">
-                <a16:creationId xmlns:a16="http://schemas.microsoft.com/office/drawing/2014/main" xmlns="" id="{11F41BDF-05A9-49F8-909D-4D4DB6ADC8FC}"/>
-              </a:ext>
-            </a:extLst>
-          </p:cNvPr>
-          <p:cNvSpPr>
-            <a:spLocks noGrp="1"/>
-          </p:cNvSpPr>
-          <p:nvPr>
-            <p:ph idx="1"/>
-          </p:nvPr>
-        </p:nvSpPr>
-        <p:spPr>
-          <a:xfrm>
-            <a:off x="186599" y="1203717"/>
-            <a:ext cx="10515600" cy="4351338"/>
-          </a:xfrm>
-        </p:spPr>
-        <p:txBody>
-          <a:bodyPr>
-            <a:normAutofit/>
-          </a:bodyPr>
-          <a:lstStyle/>
-          <a:p>
-            <a:pPr marL="0" indent="0">
-              <a:lnSpc>
-                <a:spcPct val="130000"/>
-              </a:lnSpc>
-              <a:buNone/>
-            </a:pPr>
-            <a:r>
-              <a:rPr lang="en-US" altLang="ko-KR" sz="1800" b="1" dirty="0"/>
-              <a:t>&gt;DEG </a:t>
-            </a:r>
-            <a:r>
-              <a:rPr lang="en-US" altLang="ko-KR" sz="1800" dirty="0"/>
-              <a:t>(Differentially Expressed Gene, </a:t>
-            </a:r>
-            <a:r>
-              <a:rPr lang="ko-KR" altLang="en-US" sz="1800" dirty="0"/>
-              <a:t>차등 발현 유전자 분석</a:t>
-            </a:r>
-            <a:r>
-              <a:rPr lang="en-US" altLang="ko-KR" sz="1800" dirty="0"/>
-              <a:t>)</a:t>
-            </a:r>
-          </a:p>
-          <a:p>
-            <a:pPr marL="0" indent="0">
-              <a:lnSpc>
-                <a:spcPct val="130000"/>
-              </a:lnSpc>
-              <a:buNone/>
-            </a:pPr>
-            <a:r>
-              <a:rPr lang="en-US" altLang="ko-KR" sz="1600" b="1" dirty="0">
-                <a:solidFill>
-                  <a:srgbClr val="FF0000"/>
-                </a:solidFill>
-              </a:rPr>
-              <a:t>* package </a:t>
-            </a:r>
-            <a:r>
-              <a:rPr lang="ko-KR" altLang="en-US" sz="1600" b="1" dirty="0">
-                <a:solidFill>
-                  <a:srgbClr val="FF0000"/>
-                </a:solidFill>
-              </a:rPr>
-              <a:t>및 </a:t>
-            </a:r>
-            <a:r>
-              <a:rPr lang="en-US" altLang="ko-KR" sz="1600" b="1" dirty="0">
-                <a:solidFill>
-                  <a:srgbClr val="FF0000"/>
-                </a:solidFill>
-              </a:rPr>
-              <a:t>input data </a:t>
-            </a:r>
-            <a:r>
-              <a:rPr lang="ko-KR" altLang="en-US" sz="1600" b="1" dirty="0">
-                <a:solidFill>
-                  <a:srgbClr val="FF0000"/>
-                </a:solidFill>
-              </a:rPr>
-              <a:t>불러오는 코드 먼저 실행 후 진행해주세요</a:t>
-            </a:r>
-            <a:r>
-              <a:rPr lang="en-US" altLang="ko-KR" sz="1600" b="1" dirty="0">
-                <a:solidFill>
-                  <a:srgbClr val="FF0000"/>
-                </a:solidFill>
-              </a:rPr>
-              <a:t> *</a:t>
-            </a:r>
-          </a:p>
-        </p:txBody>
-      </p:sp>
-      <p:sp>
-        <p:nvSpPr>
-          <p:cNvPr id="11" name="TextBox 10">
-            <a:extLst>
-              <a:ext uri="{FF2B5EF4-FFF2-40B4-BE49-F238E27FC236}">
-                <a16:creationId xmlns:a16="http://schemas.microsoft.com/office/drawing/2014/main" xmlns="" id="{87742C6C-1726-654D-8215-AB2C2688D3C8}"/>
-              </a:ext>
-            </a:extLst>
-          </p:cNvPr>
-          <p:cNvSpPr txBox="1"/>
-          <p:nvPr/>
-        </p:nvSpPr>
-        <p:spPr>
-          <a:xfrm>
-            <a:off x="7345854" y="3329387"/>
-            <a:ext cx="4336444" cy="545983"/>
-          </a:xfrm>
-          <a:prstGeom prst="rect">
-            <a:avLst/>
-          </a:prstGeom>
-          <a:noFill/>
-        </p:spPr>
-        <p:txBody>
-          <a:bodyPr wrap="none" rtlCol="0">
-            <a:spAutoFit/>
-          </a:bodyPr>
-          <a:lstStyle/>
-          <a:p>
-            <a:pPr>
-              <a:lnSpc>
-                <a:spcPct val="130000"/>
-              </a:lnSpc>
-            </a:pPr>
-            <a:r>
-              <a:rPr lang="en-US" altLang="ko-KR" sz="1200" dirty="0"/>
-              <a:t>(</a:t>
-            </a:r>
-            <a:r>
-              <a:rPr lang="ko-KR" altLang="en-US" sz="1200" dirty="0"/>
-              <a:t>각 </a:t>
-            </a:r>
-            <a:r>
-              <a:rPr lang="en-US" altLang="ko-KR" sz="1200" dirty="0"/>
-              <a:t>Day</a:t>
-            </a:r>
-            <a:r>
-              <a:rPr lang="ko-KR" altLang="en-US" sz="1200" dirty="0"/>
-              <a:t>마다 </a:t>
-            </a:r>
-            <a:r>
-              <a:rPr lang="en-US" altLang="ko-KR" sz="1200" dirty="0"/>
-              <a:t>DEG</a:t>
-            </a:r>
-            <a:r>
-              <a:rPr lang="ko-KR" altLang="en-US" sz="1200" dirty="0" err="1"/>
-              <a:t>를</a:t>
-            </a:r>
-            <a:r>
-              <a:rPr lang="ko-KR" altLang="en-US" sz="1200" dirty="0"/>
-              <a:t> 구하기 위해</a:t>
-            </a:r>
-            <a:endParaRPr lang="en-US" altLang="ko-KR" sz="1200" dirty="0"/>
-          </a:p>
-          <a:p>
-            <a:pPr>
-              <a:lnSpc>
-                <a:spcPct val="130000"/>
-              </a:lnSpc>
-            </a:pPr>
-            <a:r>
-              <a:rPr lang="en-US" altLang="ko-KR" sz="1200" dirty="0"/>
-              <a:t>day8, day12, day16, day24</a:t>
-            </a:r>
-            <a:r>
-              <a:rPr lang="ko-KR" altLang="en-US" sz="1200" dirty="0"/>
-              <a:t>로 </a:t>
-            </a:r>
-            <a:r>
-              <a:rPr lang="en-US" altLang="ko-KR" sz="1200" dirty="0"/>
-              <a:t>input data</a:t>
-            </a:r>
-            <a:r>
-              <a:rPr lang="ko-KR" altLang="en-US" sz="1200" dirty="0" err="1"/>
-              <a:t>를</a:t>
-            </a:r>
-            <a:r>
-              <a:rPr lang="ko-KR" altLang="en-US" sz="1200" dirty="0"/>
-              <a:t> 나눠주었습니다</a:t>
-            </a:r>
-            <a:r>
-              <a:rPr lang="en-US" altLang="ko-KR" sz="1200" dirty="0"/>
-              <a:t>.)</a:t>
-            </a:r>
-          </a:p>
-        </p:txBody>
-      </p:sp>
-      <p:sp>
-        <p:nvSpPr>
-          <p:cNvPr id="12" name="TextBox 11">
-            <a:extLst>
-              <a:ext uri="{FF2B5EF4-FFF2-40B4-BE49-F238E27FC236}">
-                <a16:creationId xmlns:a16="http://schemas.microsoft.com/office/drawing/2014/main" xmlns="" id="{87742C6C-1726-654D-8215-AB2C2688D3C8}"/>
-              </a:ext>
-            </a:extLst>
-          </p:cNvPr>
-          <p:cNvSpPr txBox="1"/>
-          <p:nvPr/>
-        </p:nvSpPr>
-        <p:spPr>
-          <a:xfrm>
-            <a:off x="7345854" y="4557509"/>
-            <a:ext cx="4089581" cy="572464"/>
-          </a:xfrm>
-          <a:prstGeom prst="rect">
-            <a:avLst/>
-          </a:prstGeom>
-          <a:noFill/>
-        </p:spPr>
-        <p:txBody>
-          <a:bodyPr wrap="none" rtlCol="0">
-            <a:spAutoFit/>
-          </a:bodyPr>
-          <a:lstStyle/>
-          <a:p>
-            <a:pPr>
-              <a:lnSpc>
-                <a:spcPct val="130000"/>
-              </a:lnSpc>
-            </a:pPr>
-            <a:r>
-              <a:rPr lang="en-US" altLang="ko-KR" sz="1200" dirty="0" smtClean="0"/>
-              <a:t>(Day</a:t>
-            </a:r>
-            <a:r>
-              <a:rPr lang="ko-KR" altLang="en-US" sz="1200" dirty="0" smtClean="0"/>
-              <a:t>별로 </a:t>
-            </a:r>
-            <a:r>
-              <a:rPr lang="en-US" altLang="ko-KR" sz="1200" dirty="0" smtClean="0"/>
-              <a:t>DEG </a:t>
-            </a:r>
-            <a:r>
-              <a:rPr lang="ko-KR" altLang="en-US" sz="1200" dirty="0" smtClean="0"/>
-              <a:t>구하는 것을 한 코드로 실행하기 위해</a:t>
-            </a:r>
-            <a:endParaRPr lang="en-US" altLang="ko-KR" sz="1200" dirty="0"/>
-          </a:p>
-          <a:p>
-            <a:pPr>
-              <a:lnSpc>
-                <a:spcPct val="130000"/>
-              </a:lnSpc>
-            </a:pPr>
-            <a:r>
-              <a:rPr lang="en-US" altLang="ko-KR" sz="1200" dirty="0"/>
-              <a:t>f</a:t>
-            </a:r>
-            <a:r>
-              <a:rPr lang="en-US" altLang="ko-KR" sz="1200" dirty="0" smtClean="0"/>
-              <a:t>or</a:t>
-            </a:r>
-            <a:r>
-              <a:rPr lang="ko-KR" altLang="en-US" sz="1200" dirty="0" smtClean="0"/>
-              <a:t>문을 사용하는데</a:t>
-            </a:r>
-            <a:r>
-              <a:rPr lang="en-US" altLang="ko-KR" sz="1200" dirty="0" smtClean="0"/>
-              <a:t>, </a:t>
-            </a:r>
-            <a:r>
-              <a:rPr lang="ko-KR" altLang="en-US" sz="1200" dirty="0" smtClean="0"/>
-              <a:t>그를 위해 필요한 사전 작업입니다</a:t>
-            </a:r>
-            <a:r>
-              <a:rPr lang="en-US" altLang="ko-KR" sz="1200" dirty="0" smtClean="0"/>
-              <a:t>.)</a:t>
-            </a:r>
-            <a:endParaRPr lang="en-US" altLang="ko-KR" sz="1200" dirty="0"/>
-          </a:p>
-        </p:txBody>
-      </p:sp>
-      <p:pic>
-        <p:nvPicPr>
-          <p:cNvPr id="2" name="그림 1"/>
-          <p:cNvPicPr>
-            <a:picLocks noChangeAspect="1"/>
-          </p:cNvPicPr>
-          <p:nvPr/>
-        </p:nvPicPr>
-        <p:blipFill rotWithShape="1">
-          <a:blip r:embed="rId3"/>
-          <a:srcRect l="844"/>
-          <a:stretch/>
-        </p:blipFill>
-        <p:spPr>
-          <a:xfrm>
-            <a:off x="302125" y="2143909"/>
-            <a:ext cx="5655870" cy="2523297"/>
-          </a:xfrm>
-          <a:prstGeom prst="rect">
-            <a:avLst/>
-          </a:prstGeom>
-        </p:spPr>
-      </p:pic>
+      <mc:AlternateContent xmlns:mc="http://schemas.openxmlformats.org/markup-compatibility/2006" xmlns:a14="http://schemas.microsoft.com/office/drawing/2010/main">
+        <mc:Choice Requires="a14">
+          <p:sp>
+            <p:nvSpPr>
+              <p:cNvPr id="2" name="내용 개체 틀 1"/>
+              <p:cNvSpPr>
+                <a:spLocks noGrp="1"/>
+              </p:cNvSpPr>
+              <p:nvPr>
+                <p:ph idx="1"/>
+              </p:nvPr>
+            </p:nvSpPr>
+            <p:spPr>
+              <a:xfrm>
+                <a:off x="186599" y="1203053"/>
+                <a:ext cx="11671572" cy="5300383"/>
+              </a:xfrm>
+            </p:spPr>
+            <p:txBody>
+              <a:bodyPr>
+                <a:normAutofit fontScale="92500" lnSpcReduction="10000"/>
+              </a:bodyPr>
+              <a:lstStyle/>
+              <a:p>
+                <a:pPr marL="0" indent="0">
+                  <a:lnSpc>
+                    <a:spcPct val="130000"/>
+                  </a:lnSpc>
+                  <a:buNone/>
+                </a:pPr>
+                <a:r>
+                  <a:rPr lang="en-US" altLang="ko-KR" sz="1800" u="sng" dirty="0"/>
+                  <a:t>1. </a:t>
+                </a:r>
+                <a:r>
+                  <a:rPr lang="en-US" altLang="ko-KR" sz="1800" b="1" u="sng" dirty="0"/>
+                  <a:t>Fold change</a:t>
+                </a:r>
+                <a:r>
+                  <a:rPr lang="ko-KR" altLang="en-US" sz="1800" b="1" u="sng" dirty="0"/>
+                  <a:t> </a:t>
+                </a:r>
+                <a:r>
+                  <a:rPr lang="ko-KR" altLang="en-US" sz="1800" u="sng" dirty="0"/>
+                  <a:t>란 </a:t>
+                </a:r>
+                <a:r>
+                  <a:rPr lang="en-US" altLang="ko-KR" sz="1800" u="sng" dirty="0"/>
+                  <a:t>?</a:t>
+                </a:r>
+              </a:p>
+              <a:p>
+                <a:pPr marL="0" indent="0">
+                  <a:lnSpc>
+                    <a:spcPct val="130000"/>
+                  </a:lnSpc>
+                  <a:buNone/>
+                </a:pPr>
+                <a:r>
+                  <a:rPr lang="ko-KR" altLang="en-US" sz="1800" dirty="0"/>
+                  <a:t>두 집단 간 유전자 </a:t>
+                </a:r>
+                <a:r>
+                  <a:rPr lang="ko-KR" altLang="en-US" sz="1800" dirty="0" err="1"/>
+                  <a:t>발현량</a:t>
+                </a:r>
+                <a:r>
+                  <a:rPr lang="ko-KR" altLang="en-US" sz="1800" dirty="0"/>
+                  <a:t> 배수 차이</a:t>
+                </a:r>
+                <a:endParaRPr lang="en-US" altLang="ko-KR" sz="1800" dirty="0"/>
+              </a:p>
+              <a:p>
+                <a:pPr marL="0" indent="0">
+                  <a:lnSpc>
+                    <a:spcPct val="130000"/>
+                  </a:lnSpc>
+                  <a:buNone/>
+                </a:pPr>
+                <a:r>
+                  <a:rPr lang="en-US" altLang="ko-KR" sz="1800" dirty="0"/>
+                  <a:t>ex. </a:t>
+                </a:r>
+                <a:r>
+                  <a:rPr lang="ko-KR" altLang="en-US" sz="1800" dirty="0"/>
+                  <a:t>대조군 대비 비교군의 </a:t>
+                </a:r>
+                <a:r>
+                  <a:rPr lang="en-US" altLang="ko-KR" sz="1800" dirty="0"/>
+                  <a:t>log2(Fold Change)</a:t>
+                </a:r>
+                <a:r>
+                  <a:rPr lang="ko-KR" altLang="en-US" sz="1800" dirty="0"/>
+                  <a:t> </a:t>
+                </a:r>
+                <a:r>
+                  <a:rPr lang="en-US" altLang="ko-KR" sz="1800" dirty="0"/>
+                  <a:t>= log2(</a:t>
+                </a:r>
+                <a:r>
+                  <a:rPr lang="ko-KR" altLang="en-US" sz="1800" dirty="0"/>
+                  <a:t>비교군 유전자 </a:t>
+                </a:r>
+                <a:r>
+                  <a:rPr lang="ko-KR" altLang="en-US" sz="1800" dirty="0" err="1"/>
+                  <a:t>발현량</a:t>
+                </a:r>
+                <a:r>
+                  <a:rPr lang="ko-KR" altLang="en-US" sz="1800" dirty="0"/>
+                  <a:t> </a:t>
+                </a:r>
+                <a:r>
+                  <a:rPr lang="en-US" altLang="ko-KR" sz="1800" dirty="0"/>
+                  <a:t>/ </a:t>
+                </a:r>
+                <a:r>
+                  <a:rPr lang="ko-KR" altLang="en-US" sz="1800" dirty="0"/>
+                  <a:t>대조군 유전자 </a:t>
+                </a:r>
+                <a:r>
+                  <a:rPr lang="ko-KR" altLang="en-US" sz="1800" dirty="0" err="1"/>
+                  <a:t>발현량</a:t>
+                </a:r>
+                <a:r>
+                  <a:rPr lang="en-US" altLang="ko-KR" sz="1800" dirty="0"/>
+                  <a:t>)</a:t>
+                </a:r>
+              </a:p>
+              <a:p>
+                <a:pPr marL="0" indent="0">
+                  <a:lnSpc>
+                    <a:spcPct val="130000"/>
+                  </a:lnSpc>
+                  <a:buNone/>
+                </a:pPr>
+                <a:endParaRPr lang="en-US" altLang="ko-KR" sz="1800" dirty="0"/>
+              </a:p>
+              <a:p>
+                <a:pPr marL="0" indent="0">
+                  <a:lnSpc>
+                    <a:spcPct val="130000"/>
+                  </a:lnSpc>
+                  <a:buNone/>
+                </a:pPr>
+                <a:r>
+                  <a:rPr lang="en-US" altLang="ko-KR" sz="1800" u="sng" dirty="0"/>
+                  <a:t>2. </a:t>
+                </a:r>
+                <a:r>
+                  <a:rPr lang="en-US" altLang="ko-KR" sz="1800" b="1" u="sng" dirty="0"/>
+                  <a:t>P value </a:t>
+                </a:r>
+                <a:r>
+                  <a:rPr lang="ko-KR" altLang="en-US" sz="1800" u="sng" dirty="0"/>
+                  <a:t>란 </a:t>
+                </a:r>
+                <a:r>
+                  <a:rPr lang="en-US" altLang="ko-KR" sz="1800" u="sng" dirty="0"/>
+                  <a:t>?</a:t>
+                </a:r>
+                <a:r>
+                  <a:rPr lang="en-US" altLang="ko-KR" sz="1800" b="1" u="sng" dirty="0"/>
+                  <a:t> </a:t>
+                </a:r>
+              </a:p>
+              <a:p>
+                <a:pPr marL="0" indent="0">
+                  <a:lnSpc>
+                    <a:spcPct val="130000"/>
+                  </a:lnSpc>
+                  <a:buNone/>
+                </a:pPr>
+                <a:r>
+                  <a:rPr lang="ko-KR" altLang="en-US" sz="1800" dirty="0"/>
+                  <a:t>두 집단의 값들이 유의한 차이를 보이는지 검정한 통계량보다 크거나 같은 값을 얻을 수 있는 확률</a:t>
+                </a:r>
+                <a:r>
+                  <a:rPr lang="en-US" altLang="ko-KR" sz="1800" dirty="0"/>
+                  <a:t>.</a:t>
+                </a:r>
+              </a:p>
+              <a:p>
+                <a:pPr>
+                  <a:lnSpc>
+                    <a:spcPct val="130000"/>
+                  </a:lnSpc>
+                  <a:buFont typeface="Wingdings" panose="05000000000000000000" pitchFamily="2" charset="2"/>
+                  <a:buChar char="à"/>
+                </a:pPr>
+                <a:r>
+                  <a:rPr lang="en-US" altLang="ko-KR" sz="1800" dirty="0">
+                    <a:sym typeface="Wingdings" panose="05000000000000000000" pitchFamily="2" charset="2"/>
+                  </a:rPr>
+                  <a:t> p value &lt; 0.05 </a:t>
+                </a:r>
+                <a:r>
+                  <a:rPr lang="ko-KR" altLang="en-US" sz="1800" dirty="0">
+                    <a:sym typeface="Wingdings" panose="05000000000000000000" pitchFamily="2" charset="2"/>
+                  </a:rPr>
+                  <a:t>라는 것은 이보다 차이가 나는 값이 나올 확률이 </a:t>
+                </a:r>
+                <a:r>
+                  <a:rPr lang="en-US" altLang="ko-KR" sz="1800" dirty="0">
+                    <a:sym typeface="Wingdings" panose="05000000000000000000" pitchFamily="2" charset="2"/>
+                  </a:rPr>
+                  <a:t>100</a:t>
+                </a:r>
+                <a:r>
+                  <a:rPr lang="ko-KR" altLang="en-US" sz="1800" dirty="0">
+                    <a:sym typeface="Wingdings" panose="05000000000000000000" pitchFamily="2" charset="2"/>
+                  </a:rPr>
+                  <a:t>번 중 </a:t>
+                </a:r>
+                <a:r>
+                  <a:rPr lang="en-US" altLang="ko-KR" sz="1800" dirty="0">
+                    <a:sym typeface="Wingdings" panose="05000000000000000000" pitchFamily="2" charset="2"/>
+                  </a:rPr>
+                  <a:t>5</a:t>
+                </a:r>
+                <a:r>
+                  <a:rPr lang="ko-KR" altLang="en-US" sz="1800" dirty="0">
+                    <a:sym typeface="Wingdings" panose="05000000000000000000" pitchFamily="2" charset="2"/>
+                  </a:rPr>
+                  <a:t>번 이하라는 것 </a:t>
+                </a:r>
+                <a:r>
+                  <a:rPr lang="en-US" altLang="ko-KR" sz="1800" dirty="0">
+                    <a:sym typeface="Wingdings" panose="05000000000000000000" pitchFamily="2" charset="2"/>
+                  </a:rPr>
+                  <a:t>!</a:t>
+                </a:r>
+              </a:p>
+              <a:p>
+                <a:pPr marL="0" indent="0">
+                  <a:lnSpc>
+                    <a:spcPct val="130000"/>
+                  </a:lnSpc>
+                  <a:buNone/>
+                </a:pPr>
+                <a:endParaRPr lang="en-US" altLang="ko-KR" sz="1800" dirty="0">
+                  <a:sym typeface="Wingdings" panose="05000000000000000000" pitchFamily="2" charset="2"/>
+                </a:endParaRPr>
+              </a:p>
+              <a:p>
+                <a:pPr marL="0" indent="0">
+                  <a:lnSpc>
+                    <a:spcPct val="130000"/>
+                  </a:lnSpc>
+                  <a:buNone/>
+                </a:pPr>
+                <a:r>
+                  <a:rPr lang="en-US" altLang="ko-KR" sz="1800" u="sng" dirty="0"/>
+                  <a:t>3. </a:t>
+                </a:r>
+                <a:r>
+                  <a:rPr lang="en-US" altLang="ko-KR" sz="1800" b="1" u="sng" dirty="0"/>
+                  <a:t>Adjusted p value </a:t>
+                </a:r>
+                <a:r>
+                  <a:rPr lang="ko-KR" altLang="en-US" sz="1800" u="sng" dirty="0"/>
+                  <a:t>란 </a:t>
+                </a:r>
+                <a:r>
+                  <a:rPr lang="en-US" altLang="ko-KR" sz="1800" u="sng" dirty="0"/>
+                  <a:t>?</a:t>
+                </a:r>
+              </a:p>
+              <a:p>
+                <a:pPr marL="0" indent="0">
+                  <a:lnSpc>
+                    <a:spcPct val="130000"/>
+                  </a:lnSpc>
+                  <a:buNone/>
+                </a:pPr>
+                <a:r>
+                  <a:rPr lang="ko-KR" altLang="en-US" sz="1800" dirty="0"/>
+                  <a:t>두 집단 간 유의한 유전자를 뽑기 위해 유전자마다 가설 검정 진행</a:t>
+                </a:r>
+                <a:endParaRPr lang="en-US" altLang="ko-KR" sz="1800" dirty="0"/>
+              </a:p>
+              <a:p>
+                <a:pPr>
+                  <a:lnSpc>
+                    <a:spcPct val="130000"/>
+                  </a:lnSpc>
+                  <a:buFont typeface="Wingdings" panose="05000000000000000000" pitchFamily="2" charset="2"/>
+                  <a:buChar char="à"/>
+                </a:pPr>
+                <a:r>
+                  <a:rPr lang="ko-KR" altLang="en-US" sz="1800" dirty="0">
+                    <a:sym typeface="Wingdings" panose="05000000000000000000" pitchFamily="2" charset="2"/>
+                  </a:rPr>
+                  <a:t>한 가설 </a:t>
+                </a:r>
+                <a:r>
+                  <a:rPr lang="en-US" altLang="ko-KR" sz="1800" dirty="0">
+                    <a:sym typeface="Wingdings" panose="05000000000000000000" pitchFamily="2" charset="2"/>
+                  </a:rPr>
+                  <a:t>(</a:t>
+                </a:r>
+                <a:r>
+                  <a:rPr lang="ko-KR" altLang="en-US" sz="1800" dirty="0">
+                    <a:sym typeface="Wingdings" panose="05000000000000000000" pitchFamily="2" charset="2"/>
+                  </a:rPr>
+                  <a:t>유전자</a:t>
+                </a:r>
+                <a:r>
+                  <a:rPr lang="en-US" altLang="ko-KR" sz="1800" dirty="0">
+                    <a:sym typeface="Wingdings" panose="05000000000000000000" pitchFamily="2" charset="2"/>
+                  </a:rPr>
+                  <a:t>) </a:t>
+                </a:r>
+                <a:r>
+                  <a:rPr lang="ko-KR" altLang="en-US" sz="1800" dirty="0">
+                    <a:sym typeface="Wingdings" panose="05000000000000000000" pitchFamily="2" charset="2"/>
+                  </a:rPr>
+                  <a:t>당 유의미함을 올바르게 판단하지 않을 확률 </a:t>
+                </a:r>
+                <a:r>
+                  <a:rPr lang="en-US" altLang="ko-KR" sz="1800" dirty="0">
+                    <a:sym typeface="Wingdings" panose="05000000000000000000" pitchFamily="2" charset="2"/>
+                  </a:rPr>
+                  <a:t>1-0.05=0.95</a:t>
+                </a:r>
+              </a:p>
+              <a:p>
+                <a:pPr>
+                  <a:lnSpc>
+                    <a:spcPct val="130000"/>
+                  </a:lnSpc>
+                  <a:buFont typeface="Wingdings" panose="05000000000000000000" pitchFamily="2" charset="2"/>
+                  <a:buChar char="à"/>
+                </a:pPr>
+                <a:r>
+                  <a:rPr lang="ko-KR" altLang="en-US" sz="1800" dirty="0">
+                    <a:sym typeface="Wingdings" panose="05000000000000000000" pitchFamily="2" charset="2"/>
+                  </a:rPr>
+                  <a:t>유전자가 </a:t>
+                </a:r>
+                <a:r>
+                  <a:rPr lang="en-US" altLang="ko-KR" sz="1800" dirty="0">
+                    <a:sym typeface="Wingdings" panose="05000000000000000000" pitchFamily="2" charset="2"/>
+                  </a:rPr>
+                  <a:t>3</a:t>
+                </a:r>
+                <a:r>
+                  <a:rPr lang="ko-KR" altLang="en-US" sz="1800" dirty="0">
+                    <a:sym typeface="Wingdings" panose="05000000000000000000" pitchFamily="2" charset="2"/>
+                  </a:rPr>
+                  <a:t>개만 있어도 </a:t>
+                </a:r>
+                <a14:m>
+                  <m:oMath xmlns:m="http://schemas.openxmlformats.org/officeDocument/2006/math">
+                    <m:sSup>
+                      <m:sSupPr>
+                        <m:ctrlPr>
+                          <a:rPr lang="en-US" altLang="ko-KR" sz="1800" b="0" i="1" smtClean="0">
+                            <a:latin typeface="Cambria Math" panose="02040503050406030204" pitchFamily="18" charset="0"/>
+                            <a:sym typeface="Wingdings" panose="05000000000000000000" pitchFamily="2" charset="2"/>
+                          </a:rPr>
+                        </m:ctrlPr>
+                      </m:sSupPr>
+                      <m:e>
+                        <m:r>
+                          <a:rPr lang="en-US" altLang="ko-KR" sz="1800" b="0" i="1" smtClean="0">
+                            <a:latin typeface="Cambria Math" panose="02040503050406030204" pitchFamily="18" charset="0"/>
+                            <a:sym typeface="Wingdings" panose="05000000000000000000" pitchFamily="2" charset="2"/>
+                          </a:rPr>
+                          <m:t>0.95</m:t>
+                        </m:r>
+                      </m:e>
+                      <m:sup>
+                        <m:r>
+                          <a:rPr lang="en-US" altLang="ko-KR" sz="1800" b="0" i="1" smtClean="0">
+                            <a:latin typeface="Cambria Math" panose="02040503050406030204" pitchFamily="18" charset="0"/>
+                            <a:sym typeface="Wingdings" panose="05000000000000000000" pitchFamily="2" charset="2"/>
+                          </a:rPr>
+                          <m:t>3</m:t>
+                        </m:r>
+                      </m:sup>
+                    </m:sSup>
+                    <m:r>
+                      <a:rPr lang="en-US" altLang="ko-KR" sz="1800" b="0" i="1" smtClean="0">
+                        <a:latin typeface="Cambria Math" panose="02040503050406030204" pitchFamily="18" charset="0"/>
+                        <a:sym typeface="Wingdings" panose="05000000000000000000" pitchFamily="2" charset="2"/>
+                      </a:rPr>
+                      <m:t>=0.857</m:t>
+                    </m:r>
+                  </m:oMath>
+                </a14:m>
+                <a:r>
+                  <a:rPr lang="ko-KR" altLang="en-US" sz="1800" dirty="0"/>
+                  <a:t>로 확률이 매우 증가하기 때문에 이를 보정해주는 값</a:t>
+                </a:r>
+                <a:r>
+                  <a:rPr lang="en-US" altLang="ko-KR" sz="1800" dirty="0"/>
+                  <a:t>.</a:t>
+                </a:r>
+              </a:p>
+              <a:p>
+                <a:pPr marL="0" indent="0">
+                  <a:lnSpc>
+                    <a:spcPct val="130000"/>
+                  </a:lnSpc>
+                  <a:buNone/>
+                </a:pPr>
+                <a:endParaRPr lang="en-US" altLang="ko-KR" sz="1800" dirty="0"/>
+              </a:p>
+            </p:txBody>
+          </p:sp>
+        </mc:Choice>
+        <mc:Fallback xmlns="">
+          <p:sp>
+            <p:nvSpPr>
+              <p:cNvPr id="2" name="내용 개체 틀 1"/>
+              <p:cNvSpPr>
+                <a:spLocks noGrp="1" noRot="1" noChangeAspect="1" noMove="1" noResize="1" noEditPoints="1" noAdjustHandles="1" noChangeArrowheads="1" noChangeShapeType="1" noTextEdit="1"/>
+              </p:cNvSpPr>
+              <p:nvPr>
+                <p:ph idx="1"/>
+              </p:nvPr>
+            </p:nvSpPr>
+            <p:spPr>
+              <a:xfrm>
+                <a:off x="186599" y="1203053"/>
+                <a:ext cx="11671572" cy="5300383"/>
+              </a:xfrm>
+              <a:blipFill rotWithShape="0">
+                <a:blip r:embed="rId3"/>
+                <a:stretch>
+                  <a:fillRect l="-366"/>
+                </a:stretch>
+              </a:blipFill>
+            </p:spPr>
+            <p:txBody>
+              <a:bodyPr/>
+              <a:lstStyle/>
+              <a:p>
+                <a:r>
+                  <a:rPr lang="ko-KR" altLang="en-US">
+                    <a:noFill/>
+                  </a:rPr>
+                  <a:t> </a:t>
+                </a:r>
+              </a:p>
+            </p:txBody>
+          </p:sp>
+        </mc:Fallback>
+      </mc:AlternateContent>
     </p:spTree>
     <p:extLst>
       <p:ext uri="{BB962C8B-B14F-4D97-AF65-F5344CB8AC3E}">
-        <p14:creationId xmlns:p14="http://schemas.microsoft.com/office/powerpoint/2010/main" val="2274255950"/>
+        <p14:creationId xmlns:p14="http://schemas.microsoft.com/office/powerpoint/2010/main" val="2863553818"/>
       </p:ext>
     </p:extLst>
   </p:cSld>
@@ -6092,14 +6040,106 @@
       </p:sp>
       <p:sp>
         <p:nvSpPr>
+          <p:cNvPr id="10" name="오른쪽 중괄호 9"/>
+          <p:cNvSpPr/>
+          <p:nvPr/>
+        </p:nvSpPr>
+        <p:spPr>
+          <a:xfrm>
+            <a:off x="5953327" y="2386295"/>
+            <a:ext cx="1225685" cy="1238648"/>
+          </a:xfrm>
+          <a:prstGeom prst="rightBrace">
+            <a:avLst>
+              <a:gd name="adj1" fmla="val 0"/>
+              <a:gd name="adj2" fmla="val 50000"/>
+            </a:avLst>
+          </a:prstGeom>
+          <a:ln w="22225">
+            <a:solidFill>
+              <a:srgbClr val="002060"/>
+            </a:solidFill>
+          </a:ln>
+        </p:spPr>
+        <p:style>
+          <a:lnRef idx="1">
+            <a:schemeClr val="accent1"/>
+          </a:lnRef>
+          <a:fillRef idx="0">
+            <a:schemeClr val="accent1"/>
+          </a:fillRef>
+          <a:effectRef idx="0">
+            <a:schemeClr val="accent1"/>
+          </a:effectRef>
+          <a:fontRef idx="minor">
+            <a:schemeClr val="tx1"/>
+          </a:fontRef>
+        </p:style>
+        <p:txBody>
+          <a:bodyPr rtlCol="0" anchor="ctr"/>
+          <a:lstStyle/>
+          <a:p>
+            <a:pPr algn="ctr"/>
+            <a:endParaRPr lang="ko-KR" altLang="en-US"/>
+          </a:p>
+        </p:txBody>
+      </p:sp>
+      <p:sp>
+        <p:nvSpPr>
+          <p:cNvPr id="22" name="오른쪽 중괄호 21"/>
+          <p:cNvSpPr/>
+          <p:nvPr/>
+        </p:nvSpPr>
+        <p:spPr>
+          <a:xfrm>
+            <a:off x="5953570" y="3756567"/>
+            <a:ext cx="1225198" cy="910639"/>
+          </a:xfrm>
+          <a:prstGeom prst="rightBrace">
+            <a:avLst>
+              <a:gd name="adj1" fmla="val 0"/>
+              <a:gd name="adj2" fmla="val 50000"/>
+            </a:avLst>
+          </a:prstGeom>
+          <a:ln w="22225">
+            <a:solidFill>
+              <a:srgbClr val="002060"/>
+            </a:solidFill>
+          </a:ln>
+        </p:spPr>
+        <p:style>
+          <a:lnRef idx="1">
+            <a:schemeClr val="accent1"/>
+          </a:lnRef>
+          <a:fillRef idx="0">
+            <a:schemeClr val="accent1"/>
+          </a:fillRef>
+          <a:effectRef idx="0">
+            <a:schemeClr val="accent1"/>
+          </a:effectRef>
+          <a:fontRef idx="minor">
+            <a:schemeClr val="tx1"/>
+          </a:fontRef>
+        </p:style>
+        <p:txBody>
+          <a:bodyPr rtlCol="0" anchor="ctr"/>
+          <a:lstStyle/>
+          <a:p>
+            <a:pPr algn="ctr"/>
+            <a:endParaRPr lang="ko-KR" altLang="en-US"/>
+          </a:p>
+        </p:txBody>
+      </p:sp>
+      <p:sp>
+        <p:nvSpPr>
           <p:cNvPr id="23" name="TextBox 22"/>
           <p:cNvSpPr txBox="1"/>
           <p:nvPr/>
         </p:nvSpPr>
         <p:spPr>
           <a:xfrm>
-            <a:off x="8747389" y="4309060"/>
-            <a:ext cx="2956259" cy="377091"/>
+            <a:off x="7298469" y="2799772"/>
+            <a:ext cx="1468672" cy="377091"/>
           </a:xfrm>
           <a:prstGeom prst="rect">
             <a:avLst/>
@@ -6119,7 +6159,7 @@
             </a:pPr>
             <a:r>
               <a:rPr lang="en-US" altLang="ko-KR" sz="1600" dirty="0"/>
-              <a:t>Run DEG analysis by DESeq2</a:t>
+              <a:t>Divide by day</a:t>
             </a:r>
           </a:p>
         </p:txBody>
@@ -6132,8 +6172,8 @@
         </p:nvSpPr>
         <p:spPr>
           <a:xfrm>
-            <a:off x="8747389" y="6195955"/>
-            <a:ext cx="1420902" cy="377091"/>
+            <a:off x="7298469" y="4027894"/>
+            <a:ext cx="2215607" cy="377091"/>
           </a:xfrm>
           <a:prstGeom prst="rect">
             <a:avLst/>
@@ -6153,6 +6193,470 @@
             </a:pPr>
             <a:r>
               <a:rPr lang="en-US" altLang="ko-KR" sz="1600" dirty="0"/>
+              <a:t>To-do before for loop</a:t>
+            </a:r>
+          </a:p>
+        </p:txBody>
+      </p:sp>
+      <p:sp>
+        <p:nvSpPr>
+          <p:cNvPr id="27" name="내용 개체 틀 1">
+            <a:extLst>
+              <a:ext uri="{FF2B5EF4-FFF2-40B4-BE49-F238E27FC236}">
+                <a16:creationId xmlns:a16="http://schemas.microsoft.com/office/drawing/2014/main" id="{11F41BDF-05A9-49F8-909D-4D4DB6ADC8FC}"/>
+              </a:ext>
+            </a:extLst>
+          </p:cNvPr>
+          <p:cNvSpPr>
+            <a:spLocks noGrp="1"/>
+          </p:cNvSpPr>
+          <p:nvPr>
+            <p:ph idx="1"/>
+          </p:nvPr>
+        </p:nvSpPr>
+        <p:spPr>
+          <a:xfrm>
+            <a:off x="186599" y="1203717"/>
+            <a:ext cx="10515600" cy="4351338"/>
+          </a:xfrm>
+        </p:spPr>
+        <p:txBody>
+          <a:bodyPr>
+            <a:normAutofit/>
+          </a:bodyPr>
+          <a:lstStyle/>
+          <a:p>
+            <a:pPr marL="0" indent="0">
+              <a:lnSpc>
+                <a:spcPct val="130000"/>
+              </a:lnSpc>
+              <a:buNone/>
+            </a:pPr>
+            <a:r>
+              <a:rPr lang="en-US" altLang="ko-KR" sz="1800" b="1" dirty="0"/>
+              <a:t>&gt;DEG </a:t>
+            </a:r>
+            <a:r>
+              <a:rPr lang="en-US" altLang="ko-KR" sz="1800" dirty="0"/>
+              <a:t>(Differentially Expressed Gene, </a:t>
+            </a:r>
+            <a:r>
+              <a:rPr lang="ko-KR" altLang="en-US" sz="1800" dirty="0"/>
+              <a:t>차등 발현 유전자 분석</a:t>
+            </a:r>
+            <a:r>
+              <a:rPr lang="en-US" altLang="ko-KR" sz="1800" dirty="0"/>
+              <a:t>)</a:t>
+            </a:r>
+          </a:p>
+          <a:p>
+            <a:pPr marL="0" indent="0">
+              <a:lnSpc>
+                <a:spcPct val="130000"/>
+              </a:lnSpc>
+              <a:buNone/>
+            </a:pPr>
+            <a:r>
+              <a:rPr lang="en-US" altLang="ko-KR" sz="1600" b="1" dirty="0">
+                <a:solidFill>
+                  <a:srgbClr val="FF0000"/>
+                </a:solidFill>
+              </a:rPr>
+              <a:t>* package </a:t>
+            </a:r>
+            <a:r>
+              <a:rPr lang="ko-KR" altLang="en-US" sz="1600" b="1" dirty="0">
+                <a:solidFill>
+                  <a:srgbClr val="FF0000"/>
+                </a:solidFill>
+              </a:rPr>
+              <a:t>및 </a:t>
+            </a:r>
+            <a:r>
+              <a:rPr lang="en-US" altLang="ko-KR" sz="1600" b="1" dirty="0">
+                <a:solidFill>
+                  <a:srgbClr val="FF0000"/>
+                </a:solidFill>
+              </a:rPr>
+              <a:t>input data </a:t>
+            </a:r>
+            <a:r>
+              <a:rPr lang="ko-KR" altLang="en-US" sz="1600" b="1" dirty="0">
+                <a:solidFill>
+                  <a:srgbClr val="FF0000"/>
+                </a:solidFill>
+              </a:rPr>
+              <a:t>불러오는 코드 먼저 실행 후 진행해주세요</a:t>
+            </a:r>
+            <a:r>
+              <a:rPr lang="en-US" altLang="ko-KR" sz="1600" b="1" dirty="0">
+                <a:solidFill>
+                  <a:srgbClr val="FF0000"/>
+                </a:solidFill>
+              </a:rPr>
+              <a:t> *</a:t>
+            </a:r>
+          </a:p>
+        </p:txBody>
+      </p:sp>
+      <p:sp>
+        <p:nvSpPr>
+          <p:cNvPr id="11" name="TextBox 10">
+            <a:extLst>
+              <a:ext uri="{FF2B5EF4-FFF2-40B4-BE49-F238E27FC236}">
+                <a16:creationId xmlns:a16="http://schemas.microsoft.com/office/drawing/2014/main" id="{87742C6C-1726-654D-8215-AB2C2688D3C8}"/>
+              </a:ext>
+            </a:extLst>
+          </p:cNvPr>
+          <p:cNvSpPr txBox="1"/>
+          <p:nvPr/>
+        </p:nvSpPr>
+        <p:spPr>
+          <a:xfrm>
+            <a:off x="7345854" y="3329387"/>
+            <a:ext cx="4336444" cy="545983"/>
+          </a:xfrm>
+          <a:prstGeom prst="rect">
+            <a:avLst/>
+          </a:prstGeom>
+          <a:noFill/>
+        </p:spPr>
+        <p:txBody>
+          <a:bodyPr wrap="none" rtlCol="0">
+            <a:spAutoFit/>
+          </a:bodyPr>
+          <a:lstStyle/>
+          <a:p>
+            <a:pPr>
+              <a:lnSpc>
+                <a:spcPct val="130000"/>
+              </a:lnSpc>
+            </a:pPr>
+            <a:r>
+              <a:rPr lang="en-US" altLang="ko-KR" sz="1200" dirty="0"/>
+              <a:t>(</a:t>
+            </a:r>
+            <a:r>
+              <a:rPr lang="ko-KR" altLang="en-US" sz="1200" dirty="0"/>
+              <a:t>각 </a:t>
+            </a:r>
+            <a:r>
+              <a:rPr lang="en-US" altLang="ko-KR" sz="1200" dirty="0"/>
+              <a:t>Day</a:t>
+            </a:r>
+            <a:r>
+              <a:rPr lang="ko-KR" altLang="en-US" sz="1200" dirty="0"/>
+              <a:t>마다 </a:t>
+            </a:r>
+            <a:r>
+              <a:rPr lang="en-US" altLang="ko-KR" sz="1200" dirty="0"/>
+              <a:t>DEG</a:t>
+            </a:r>
+            <a:r>
+              <a:rPr lang="ko-KR" altLang="en-US" sz="1200" dirty="0" err="1"/>
+              <a:t>를</a:t>
+            </a:r>
+            <a:r>
+              <a:rPr lang="ko-KR" altLang="en-US" sz="1200" dirty="0"/>
+              <a:t> 구하기 위해</a:t>
+            </a:r>
+            <a:endParaRPr lang="en-US" altLang="ko-KR" sz="1200" dirty="0"/>
+          </a:p>
+          <a:p>
+            <a:pPr>
+              <a:lnSpc>
+                <a:spcPct val="130000"/>
+              </a:lnSpc>
+            </a:pPr>
+            <a:r>
+              <a:rPr lang="en-US" altLang="ko-KR" sz="1200" dirty="0"/>
+              <a:t>day8, day12, day16, day24</a:t>
+            </a:r>
+            <a:r>
+              <a:rPr lang="ko-KR" altLang="en-US" sz="1200" dirty="0"/>
+              <a:t>로 </a:t>
+            </a:r>
+            <a:r>
+              <a:rPr lang="en-US" altLang="ko-KR" sz="1200" dirty="0"/>
+              <a:t>input data</a:t>
+            </a:r>
+            <a:r>
+              <a:rPr lang="ko-KR" altLang="en-US" sz="1200" dirty="0" err="1"/>
+              <a:t>를</a:t>
+            </a:r>
+            <a:r>
+              <a:rPr lang="ko-KR" altLang="en-US" sz="1200" dirty="0"/>
+              <a:t> 나눠주었습니다</a:t>
+            </a:r>
+            <a:r>
+              <a:rPr lang="en-US" altLang="ko-KR" sz="1200" dirty="0"/>
+              <a:t>.)</a:t>
+            </a:r>
+          </a:p>
+        </p:txBody>
+      </p:sp>
+      <p:sp>
+        <p:nvSpPr>
+          <p:cNvPr id="12" name="TextBox 11">
+            <a:extLst>
+              <a:ext uri="{FF2B5EF4-FFF2-40B4-BE49-F238E27FC236}">
+                <a16:creationId xmlns:a16="http://schemas.microsoft.com/office/drawing/2014/main" id="{87742C6C-1726-654D-8215-AB2C2688D3C8}"/>
+              </a:ext>
+            </a:extLst>
+          </p:cNvPr>
+          <p:cNvSpPr txBox="1"/>
+          <p:nvPr/>
+        </p:nvSpPr>
+        <p:spPr>
+          <a:xfrm>
+            <a:off x="7345854" y="4557509"/>
+            <a:ext cx="4089581" cy="572464"/>
+          </a:xfrm>
+          <a:prstGeom prst="rect">
+            <a:avLst/>
+          </a:prstGeom>
+          <a:noFill/>
+        </p:spPr>
+        <p:txBody>
+          <a:bodyPr wrap="none" rtlCol="0">
+            <a:spAutoFit/>
+          </a:bodyPr>
+          <a:lstStyle/>
+          <a:p>
+            <a:pPr>
+              <a:lnSpc>
+                <a:spcPct val="130000"/>
+              </a:lnSpc>
+            </a:pPr>
+            <a:r>
+              <a:rPr lang="en-US" altLang="ko-KR" sz="1200" dirty="0"/>
+              <a:t>(Day</a:t>
+            </a:r>
+            <a:r>
+              <a:rPr lang="ko-KR" altLang="en-US" sz="1200" dirty="0"/>
+              <a:t>별로 </a:t>
+            </a:r>
+            <a:r>
+              <a:rPr lang="en-US" altLang="ko-KR" sz="1200" dirty="0"/>
+              <a:t>DEG </a:t>
+            </a:r>
+            <a:r>
+              <a:rPr lang="ko-KR" altLang="en-US" sz="1200" dirty="0"/>
+              <a:t>구하는 것을 한 코드로 실행하기 위해</a:t>
+            </a:r>
+            <a:endParaRPr lang="en-US" altLang="ko-KR" sz="1200" dirty="0"/>
+          </a:p>
+          <a:p>
+            <a:pPr>
+              <a:lnSpc>
+                <a:spcPct val="130000"/>
+              </a:lnSpc>
+            </a:pPr>
+            <a:r>
+              <a:rPr lang="en-US" altLang="ko-KR" sz="1200" dirty="0"/>
+              <a:t>for</a:t>
+            </a:r>
+            <a:r>
+              <a:rPr lang="ko-KR" altLang="en-US" sz="1200" dirty="0"/>
+              <a:t>문을 사용하는데</a:t>
+            </a:r>
+            <a:r>
+              <a:rPr lang="en-US" altLang="ko-KR" sz="1200" dirty="0"/>
+              <a:t>, </a:t>
+            </a:r>
+            <a:r>
+              <a:rPr lang="ko-KR" altLang="en-US" sz="1200" dirty="0"/>
+              <a:t>그를 위해 필요한 사전 작업입니다</a:t>
+            </a:r>
+            <a:r>
+              <a:rPr lang="en-US" altLang="ko-KR" sz="1200" dirty="0"/>
+              <a:t>.)</a:t>
+            </a:r>
+          </a:p>
+        </p:txBody>
+      </p:sp>
+      <p:pic>
+        <p:nvPicPr>
+          <p:cNvPr id="2" name="그림 1"/>
+          <p:cNvPicPr>
+            <a:picLocks noChangeAspect="1"/>
+          </p:cNvPicPr>
+          <p:nvPr/>
+        </p:nvPicPr>
+        <p:blipFill rotWithShape="1">
+          <a:blip r:embed="rId3"/>
+          <a:srcRect l="844"/>
+          <a:stretch/>
+        </p:blipFill>
+        <p:spPr>
+          <a:xfrm>
+            <a:off x="302125" y="2143909"/>
+            <a:ext cx="5655870" cy="2523297"/>
+          </a:xfrm>
+          <a:prstGeom prst="rect">
+            <a:avLst/>
+          </a:prstGeom>
+        </p:spPr>
+      </p:pic>
+    </p:spTree>
+    <p:extLst>
+      <p:ext uri="{BB962C8B-B14F-4D97-AF65-F5344CB8AC3E}">
+        <p14:creationId xmlns:p14="http://schemas.microsoft.com/office/powerpoint/2010/main" val="2274255950"/>
+      </p:ext>
+    </p:extLst>
+  </p:cSld>
+  <p:clrMapOvr>
+    <a:masterClrMapping/>
+  </p:clrMapOvr>
+</p:sld>
+</file>
+
+<file path=ppt/slides/slide12.xml><?xml version="1.0" encoding="utf-8"?>
+<p:sld xmlns:a="http://schemas.openxmlformats.org/drawingml/2006/main" xmlns:r="http://schemas.openxmlformats.org/officeDocument/2006/relationships" xmlns:p="http://schemas.openxmlformats.org/presentationml/2006/main">
+  <p:cSld>
+    <p:spTree>
+      <p:nvGrpSpPr>
+        <p:cNvPr id="1" name=""/>
+        <p:cNvGrpSpPr/>
+        <p:nvPr/>
+      </p:nvGrpSpPr>
+      <p:grpSpPr>
+        <a:xfrm>
+          <a:off x="0" y="0"/>
+          <a:ext cx="0" cy="0"/>
+          <a:chOff x="0" y="0"/>
+          <a:chExt cx="0" cy="0"/>
+        </a:xfrm>
+      </p:grpSpPr>
+      <p:sp>
+        <p:nvSpPr>
+          <p:cNvPr id="4" name="제목 3"/>
+          <p:cNvSpPr>
+            <a:spLocks noGrp="1"/>
+          </p:cNvSpPr>
+          <p:nvPr>
+            <p:ph type="title"/>
+          </p:nvPr>
+        </p:nvSpPr>
+        <p:spPr>
+          <a:xfrm>
+            <a:off x="186599" y="161047"/>
+            <a:ext cx="10515600" cy="788172"/>
+          </a:xfrm>
+        </p:spPr>
+        <p:txBody>
+          <a:bodyPr/>
+          <a:lstStyle/>
+          <a:p>
+            <a:r>
+              <a:rPr lang="en-US" altLang="ko-KR" dirty="0"/>
+              <a:t>DEG</a:t>
+            </a:r>
+            <a:r>
+              <a:rPr lang="ko-KR" altLang="en-US" dirty="0"/>
+              <a:t> </a:t>
+            </a:r>
+            <a:r>
+              <a:rPr lang="en-US" altLang="ko-KR" dirty="0"/>
+              <a:t>Analysis</a:t>
+            </a:r>
+            <a:endParaRPr lang="ko-KR" altLang="en-US" dirty="0"/>
+          </a:p>
+        </p:txBody>
+      </p:sp>
+      <p:sp>
+        <p:nvSpPr>
+          <p:cNvPr id="6" name="TextBox 5"/>
+          <p:cNvSpPr txBox="1"/>
+          <p:nvPr/>
+        </p:nvSpPr>
+        <p:spPr>
+          <a:xfrm>
+            <a:off x="10636296" y="45718"/>
+            <a:ext cx="1435008" cy="369332"/>
+          </a:xfrm>
+          <a:prstGeom prst="rect">
+            <a:avLst/>
+          </a:prstGeom>
+          <a:noFill/>
+        </p:spPr>
+        <p:txBody>
+          <a:bodyPr wrap="none" rtlCol="0">
+            <a:spAutoFit/>
+          </a:bodyPr>
+          <a:lstStyle/>
+          <a:p>
+            <a:r>
+              <a:rPr lang="en-US" altLang="ko-KR" dirty="0"/>
+              <a:t>2. DESeq2.R</a:t>
+            </a:r>
+            <a:endParaRPr lang="ko-KR" altLang="en-US" dirty="0"/>
+          </a:p>
+        </p:txBody>
+      </p:sp>
+      <p:sp>
+        <p:nvSpPr>
+          <p:cNvPr id="23" name="TextBox 22"/>
+          <p:cNvSpPr txBox="1"/>
+          <p:nvPr/>
+        </p:nvSpPr>
+        <p:spPr>
+          <a:xfrm>
+            <a:off x="8747389" y="4309060"/>
+            <a:ext cx="2956259" cy="377091"/>
+          </a:xfrm>
+          <a:prstGeom prst="rect">
+            <a:avLst/>
+          </a:prstGeom>
+          <a:noFill/>
+        </p:spPr>
+        <p:txBody>
+          <a:bodyPr wrap="none" rtlCol="0">
+            <a:spAutoFit/>
+          </a:bodyPr>
+          <a:lstStyle/>
+          <a:p>
+            <a:pPr>
+              <a:lnSpc>
+                <a:spcPct val="130000"/>
+              </a:lnSpc>
+            </a:pPr>
+            <a:r>
+              <a:rPr lang="en-US" altLang="ko-KR" sz="1600" dirty="0"/>
+              <a:t>Run DEG analysis by DESeq2</a:t>
+            </a:r>
+          </a:p>
+        </p:txBody>
+      </p:sp>
+      <p:sp>
+        <p:nvSpPr>
+          <p:cNvPr id="29" name="TextBox 28"/>
+          <p:cNvSpPr txBox="1"/>
+          <p:nvPr/>
+        </p:nvSpPr>
+        <p:spPr>
+          <a:xfrm>
+            <a:off x="8747389" y="6195955"/>
+            <a:ext cx="1420902" cy="377091"/>
+          </a:xfrm>
+          <a:prstGeom prst="rect">
+            <a:avLst/>
+          </a:prstGeom>
+          <a:noFill/>
+        </p:spPr>
+        <p:txBody>
+          <a:bodyPr wrap="none" rtlCol="0">
+            <a:spAutoFit/>
+          </a:bodyPr>
+          <a:lstStyle/>
+          <a:p>
+            <a:pPr>
+              <a:lnSpc>
+                <a:spcPct val="130000"/>
+              </a:lnSpc>
+            </a:pPr>
+            <a:r>
+              <a:rPr lang="en-US" altLang="ko-KR" sz="1600" dirty="0"/>
               <a:t>Save RDS file</a:t>
             </a:r>
           </a:p>
@@ -6163,7 +6667,7 @@
           <p:cNvPr id="20" name="내용 개체 틀 1">
             <a:extLst>
               <a:ext uri="{FF2B5EF4-FFF2-40B4-BE49-F238E27FC236}">
-                <a16:creationId xmlns:a16="http://schemas.microsoft.com/office/drawing/2014/main" xmlns="" id="{F64DB2F0-0A18-4CE1-9734-3B587EE8E81B}"/>
+                <a16:creationId xmlns:a16="http://schemas.microsoft.com/office/drawing/2014/main" id="{F64DB2F0-0A18-4CE1-9734-3B587EE8E81B}"/>
               </a:ext>
             </a:extLst>
           </p:cNvPr>
@@ -6430,7 +6934,7 @@
           <p:cNvPr id="36" name="TextBox 35">
             <a:extLst>
               <a:ext uri="{FF2B5EF4-FFF2-40B4-BE49-F238E27FC236}">
-                <a16:creationId xmlns:a16="http://schemas.microsoft.com/office/drawing/2014/main" xmlns="" id="{53267BF0-69BF-4118-B5E7-BB1D5B46579C}"/>
+                <a16:creationId xmlns:a16="http://schemas.microsoft.com/office/drawing/2014/main" id="{53267BF0-69BF-4118-B5E7-BB1D5B46579C}"/>
               </a:ext>
             </a:extLst>
           </p:cNvPr>
@@ -6505,7 +7009,7 @@
           <p:cNvPr id="26" name="직사각형 25">
             <a:extLst>
               <a:ext uri="{FF2B5EF4-FFF2-40B4-BE49-F238E27FC236}">
-                <a16:creationId xmlns:a16="http://schemas.microsoft.com/office/drawing/2014/main" xmlns="" id="{488448E0-BF06-4638-95D8-94BA51B62AB6}"/>
+                <a16:creationId xmlns:a16="http://schemas.microsoft.com/office/drawing/2014/main" id="{488448E0-BF06-4638-95D8-94BA51B62AB6}"/>
               </a:ext>
             </a:extLst>
           </p:cNvPr>
@@ -6561,7 +7065,7 @@
           <p:cNvPr id="27" name="직사각형 26">
             <a:extLst>
               <a:ext uri="{FF2B5EF4-FFF2-40B4-BE49-F238E27FC236}">
-                <a16:creationId xmlns:a16="http://schemas.microsoft.com/office/drawing/2014/main" xmlns="" id="{0C03803D-B15C-4391-AA0A-1D58055E475B}"/>
+                <a16:creationId xmlns:a16="http://schemas.microsoft.com/office/drawing/2014/main" id="{0C03803D-B15C-4391-AA0A-1D58055E475B}"/>
               </a:ext>
             </a:extLst>
           </p:cNvPr>
@@ -6617,7 +7121,7 @@
           <p:cNvPr id="33" name="직사각형 32">
             <a:extLst>
               <a:ext uri="{FF2B5EF4-FFF2-40B4-BE49-F238E27FC236}">
-                <a16:creationId xmlns:a16="http://schemas.microsoft.com/office/drawing/2014/main" xmlns="" id="{0E733A80-DF78-4A25-901B-8D2A2CFEF47B}"/>
+                <a16:creationId xmlns:a16="http://schemas.microsoft.com/office/drawing/2014/main" id="{0E733A80-DF78-4A25-901B-8D2A2CFEF47B}"/>
               </a:ext>
             </a:extLst>
           </p:cNvPr>
@@ -6673,7 +7177,7 @@
           <p:cNvPr id="35" name="오른쪽 중괄호 34">
             <a:extLst>
               <a:ext uri="{FF2B5EF4-FFF2-40B4-BE49-F238E27FC236}">
-                <a16:creationId xmlns:a16="http://schemas.microsoft.com/office/drawing/2014/main" xmlns="" id="{12797CB4-F5BA-44A2-84C7-5F83F160E6C2}"/>
+                <a16:creationId xmlns:a16="http://schemas.microsoft.com/office/drawing/2014/main" id="{12797CB4-F5BA-44A2-84C7-5F83F160E6C2}"/>
               </a:ext>
             </a:extLst>
           </p:cNvPr>
@@ -6771,7 +7275,7 @@
           <p:cNvPr id="34" name="오른쪽 중괄호 33">
             <a:extLst>
               <a:ext uri="{FF2B5EF4-FFF2-40B4-BE49-F238E27FC236}">
-                <a16:creationId xmlns:a16="http://schemas.microsoft.com/office/drawing/2014/main" xmlns="" id="{EED46B05-E63D-4629-A2AD-FC182835B08E}"/>
+                <a16:creationId xmlns:a16="http://schemas.microsoft.com/office/drawing/2014/main" id="{EED46B05-E63D-4629-A2AD-FC182835B08E}"/>
               </a:ext>
             </a:extLst>
           </p:cNvPr>
@@ -6865,7 +7369,7 @@
           <a:p>
             <a:pPr algn="ctr"/>
             <a:r>
-              <a:rPr lang="ko-KR" altLang="en-US" sz="1100" b="1" dirty="0" smtClean="0">
+              <a:rPr lang="ko-KR" altLang="en-US" sz="1100" b="1" dirty="0">
                 <a:solidFill>
                   <a:schemeClr val="tx1"/>
                 </a:solidFill>
@@ -6873,7 +7377,7 @@
               <a:t>빈칸을 채워주세요 </a:t>
             </a:r>
             <a:r>
-              <a:rPr lang="en-US" altLang="ko-KR" sz="1100" b="1" dirty="0" smtClean="0">
+              <a:rPr lang="en-US" altLang="ko-KR" sz="1100" b="1" dirty="0">
                 <a:solidFill>
                   <a:schemeClr val="tx1"/>
                 </a:solidFill>
@@ -6962,10 +7466,9 @@
               </a:lnSpc>
             </a:pPr>
             <a:r>
-              <a:rPr lang="en-US" altLang="ko-KR" sz="1600" dirty="0" smtClean="0"/>
+              <a:rPr lang="en-US" altLang="ko-KR" sz="1600" dirty="0"/>
               <a:t>Prepare DESeq2 dataset</a:t>
             </a:r>
-            <a:endParaRPr lang="en-US" altLang="ko-KR" sz="1600" dirty="0"/>
           </a:p>
         </p:txBody>
       </p:sp>
@@ -6982,7 +7485,7 @@
 </p:sld>
 </file>
 
-<file path=ppt/slides/slide12.xml><?xml version="1.0" encoding="utf-8"?>
+<file path=ppt/slides/slide13.xml><?xml version="1.0" encoding="utf-8"?>
 <p:sld xmlns:a="http://schemas.openxmlformats.org/drawingml/2006/main" xmlns:r="http://schemas.openxmlformats.org/officeDocument/2006/relationships" xmlns:p="http://schemas.openxmlformats.org/presentationml/2006/main">
   <p:cSld>
     <p:spTree>
@@ -7070,7 +7573,7 @@
           <p:cNvPr id="20" name="내용 개체 틀 1">
             <a:extLst>
               <a:ext uri="{FF2B5EF4-FFF2-40B4-BE49-F238E27FC236}">
-                <a16:creationId xmlns:a16="http://schemas.microsoft.com/office/drawing/2014/main" xmlns="" id="{F64DB2F0-0A18-4CE1-9734-3B587EE8E81B}"/>
+                <a16:creationId xmlns:a16="http://schemas.microsoft.com/office/drawing/2014/main" id="{F64DB2F0-0A18-4CE1-9734-3B587EE8E81B}"/>
               </a:ext>
             </a:extLst>
           </p:cNvPr>
@@ -7337,7 +7840,7 @@
           <p:cNvPr id="16" name="TextBox 15">
             <a:extLst>
               <a:ext uri="{FF2B5EF4-FFF2-40B4-BE49-F238E27FC236}">
-                <a16:creationId xmlns:a16="http://schemas.microsoft.com/office/drawing/2014/main" xmlns="" id="{C96035E7-3CA4-4C37-8196-8CE49D5A7C8F}"/>
+                <a16:creationId xmlns:a16="http://schemas.microsoft.com/office/drawing/2014/main" id="{C96035E7-3CA4-4C37-8196-8CE49D5A7C8F}"/>
               </a:ext>
             </a:extLst>
           </p:cNvPr>
@@ -7378,7 +7881,7 @@
           <p:cNvPr id="7" name="그림 6">
             <a:extLst>
               <a:ext uri="{FF2B5EF4-FFF2-40B4-BE49-F238E27FC236}">
-                <a16:creationId xmlns:a16="http://schemas.microsoft.com/office/drawing/2014/main" xmlns="" id="{9ED6C723-5108-4686-AAAC-C2C5E5083033}"/>
+                <a16:creationId xmlns:a16="http://schemas.microsoft.com/office/drawing/2014/main" id="{9ED6C723-5108-4686-AAAC-C2C5E5083033}"/>
               </a:ext>
             </a:extLst>
           </p:cNvPr>
@@ -7408,7 +7911,7 @@
           <p:cNvPr id="24" name="TextBox 23">
             <a:extLst>
               <a:ext uri="{FF2B5EF4-FFF2-40B4-BE49-F238E27FC236}">
-                <a16:creationId xmlns:a16="http://schemas.microsoft.com/office/drawing/2014/main" xmlns="" id="{12FF4327-490E-4FDA-BFFD-224AC1B5433B}"/>
+                <a16:creationId xmlns:a16="http://schemas.microsoft.com/office/drawing/2014/main" id="{12FF4327-490E-4FDA-BFFD-224AC1B5433B}"/>
               </a:ext>
             </a:extLst>
           </p:cNvPr>
@@ -7452,7 +7955,7 @@
           <p:cNvPr id="28" name="TextBox 27">
             <a:extLst>
               <a:ext uri="{FF2B5EF4-FFF2-40B4-BE49-F238E27FC236}">
-                <a16:creationId xmlns:a16="http://schemas.microsoft.com/office/drawing/2014/main" xmlns="" id="{2069EB48-536B-4489-B6EB-2AA7403FFA27}"/>
+                <a16:creationId xmlns:a16="http://schemas.microsoft.com/office/drawing/2014/main" id="{2069EB48-536B-4489-B6EB-2AA7403FFA27}"/>
               </a:ext>
             </a:extLst>
           </p:cNvPr>
@@ -7510,7 +8013,7 @@
             <p:cNvPr id="12" name="그림 11">
               <a:extLst>
                 <a:ext uri="{FF2B5EF4-FFF2-40B4-BE49-F238E27FC236}">
-                  <a16:creationId xmlns:a16="http://schemas.microsoft.com/office/drawing/2014/main" xmlns="" id="{CD71B739-4E00-4FF1-A197-035D81685BD4}"/>
+                  <a16:creationId xmlns:a16="http://schemas.microsoft.com/office/drawing/2014/main" id="{CD71B739-4E00-4FF1-A197-035D81685BD4}"/>
                 </a:ext>
               </a:extLst>
             </p:cNvPr>
@@ -7540,7 +8043,7 @@
             <p:cNvPr id="18" name="TextBox 17">
               <a:extLst>
                 <a:ext uri="{FF2B5EF4-FFF2-40B4-BE49-F238E27FC236}">
-                  <a16:creationId xmlns:a16="http://schemas.microsoft.com/office/drawing/2014/main" xmlns="" id="{D4816F92-722E-4FCA-A35A-C4A15513CEA2}"/>
+                  <a16:creationId xmlns:a16="http://schemas.microsoft.com/office/drawing/2014/main" id="{D4816F92-722E-4FCA-A35A-C4A15513CEA2}"/>
                 </a:ext>
               </a:extLst>
             </p:cNvPr>
@@ -7579,7 +8082,7 @@
             <p:cNvPr id="2" name="화살표: 아래쪽 1">
               <a:extLst>
                 <a:ext uri="{FF2B5EF4-FFF2-40B4-BE49-F238E27FC236}">
-                  <a16:creationId xmlns:a16="http://schemas.microsoft.com/office/drawing/2014/main" xmlns="" id="{B99038DA-ECD6-4D11-8880-10E49A9A220D}"/>
+                  <a16:creationId xmlns:a16="http://schemas.microsoft.com/office/drawing/2014/main" id="{B99038DA-ECD6-4D11-8880-10E49A9A220D}"/>
                 </a:ext>
               </a:extLst>
             </p:cNvPr>
@@ -7652,7 +8155,7 @@
           <p:cNvPr id="13" name="TextBox 12">
             <a:extLst>
               <a:ext uri="{FF2B5EF4-FFF2-40B4-BE49-F238E27FC236}">
-                <a16:creationId xmlns:a16="http://schemas.microsoft.com/office/drawing/2014/main" xmlns="" id="{87742C6C-1726-654D-8215-AB2C2688D3C8}"/>
+                <a16:creationId xmlns:a16="http://schemas.microsoft.com/office/drawing/2014/main" id="{87742C6C-1726-654D-8215-AB2C2688D3C8}"/>
               </a:ext>
             </a:extLst>
           </p:cNvPr>
@@ -7681,18 +8184,17 @@
               </a:lnSpc>
             </a:pPr>
             <a:r>
-              <a:rPr lang="en-US" altLang="ko-KR" sz="1200" dirty="0" smtClean="0"/>
+              <a:rPr lang="en-US" altLang="ko-KR" sz="1200" dirty="0"/>
               <a:t>(Day8</a:t>
             </a:r>
             <a:r>
-              <a:rPr lang="ko-KR" altLang="en-US" sz="1200" dirty="0" smtClean="0"/>
+              <a:rPr lang="ko-KR" altLang="en-US" sz="1200" dirty="0"/>
               <a:t>에서의 </a:t>
             </a:r>
             <a:r>
-              <a:rPr lang="en-US" altLang="ko-KR" sz="1200" dirty="0" smtClean="0"/>
+              <a:rPr lang="en-US" altLang="ko-KR" sz="1200" dirty="0"/>
               <a:t>significant gene)</a:t>
             </a:r>
-            <a:endParaRPr lang="en-US" altLang="ko-KR" sz="1200" dirty="0"/>
           </a:p>
         </p:txBody>
       </p:sp>
@@ -7701,7 +8203,7 @@
           <p:cNvPr id="14" name="TextBox 13">
             <a:extLst>
               <a:ext uri="{FF2B5EF4-FFF2-40B4-BE49-F238E27FC236}">
-                <a16:creationId xmlns:a16="http://schemas.microsoft.com/office/drawing/2014/main" xmlns="" id="{87742C6C-1726-654D-8215-AB2C2688D3C8}"/>
+                <a16:creationId xmlns:a16="http://schemas.microsoft.com/office/drawing/2014/main" id="{87742C6C-1726-654D-8215-AB2C2688D3C8}"/>
               </a:ext>
             </a:extLst>
           </p:cNvPr>
@@ -7730,34 +8232,33 @@
               </a:lnSpc>
             </a:pPr>
             <a:r>
-              <a:rPr lang="en-US" altLang="ko-KR" sz="1200" dirty="0" smtClean="0"/>
+              <a:rPr lang="en-US" altLang="ko-KR" sz="1200" dirty="0"/>
               <a:t>(Day8</a:t>
             </a:r>
             <a:r>
-              <a:rPr lang="ko-KR" altLang="en-US" sz="1200" dirty="0" smtClean="0"/>
+              <a:rPr lang="ko-KR" altLang="en-US" sz="1200" dirty="0"/>
               <a:t>에서의 </a:t>
             </a:r>
             <a:r>
-              <a:rPr lang="en-US" altLang="ko-KR" sz="1200" dirty="0" smtClean="0"/>
+              <a:rPr lang="en-US" altLang="ko-KR" sz="1200" dirty="0"/>
               <a:t>significant gene</a:t>
             </a:r>
             <a:r>
-              <a:rPr lang="ko-KR" altLang="en-US" sz="1200" dirty="0" smtClean="0"/>
+              <a:rPr lang="ko-KR" altLang="en-US" sz="1200" dirty="0"/>
               <a:t>을 </a:t>
             </a:r>
             <a:r>
-              <a:rPr lang="en-US" altLang="ko-KR" sz="1200" dirty="0" smtClean="0"/>
+              <a:rPr lang="en-US" altLang="ko-KR" sz="1200" dirty="0"/>
               <a:t>adjusted p value </a:t>
             </a:r>
             <a:r>
-              <a:rPr lang="ko-KR" altLang="en-US" sz="1200" dirty="0" smtClean="0"/>
+              <a:rPr lang="ko-KR" altLang="en-US" sz="1200" dirty="0"/>
               <a:t>기준 오름차순 정렬</a:t>
             </a:r>
             <a:r>
-              <a:rPr lang="en-US" altLang="ko-KR" sz="1200" dirty="0" smtClean="0"/>
+              <a:rPr lang="en-US" altLang="ko-KR" sz="1200" dirty="0"/>
               <a:t>)</a:t>
             </a:r>
-            <a:endParaRPr lang="en-US" altLang="ko-KR" sz="1200" dirty="0"/>
           </a:p>
         </p:txBody>
       </p:sp>
@@ -7886,10 +8387,9 @@
               <a:t> </a:t>
             </a:r>
             <a:r>
-              <a:rPr lang="en-US" altLang="ko-KR" sz="1800" b="1" dirty="0" smtClean="0"/>
+              <a:rPr lang="en-US" altLang="ko-KR" sz="1800" b="1" dirty="0"/>
               <a:t>Preprocessing &amp; Overview</a:t>
             </a:r>
-            <a:endParaRPr lang="en-US" altLang="ko-KR" sz="1800" b="1" dirty="0"/>
           </a:p>
         </p:txBody>
       </p:sp>
@@ -7925,11 +8425,11 @@
               <a:t>Preprocess 1. </a:t>
             </a:r>
             <a:r>
-              <a:rPr lang="en-US" altLang="ko-KR" sz="1600" dirty="0" err="1" smtClean="0"/>
+              <a:rPr lang="en-US" altLang="ko-KR" sz="1600" dirty="0" err="1"/>
               <a:t>cts</a:t>
             </a:r>
             <a:r>
-              <a:rPr lang="en-US" altLang="ko-KR" sz="1600" dirty="0" smtClean="0"/>
+              <a:rPr lang="en-US" altLang="ko-KR" sz="1600" dirty="0"/>
               <a:t> </a:t>
             </a:r>
           </a:p>
@@ -7941,11 +8441,7 @@
             </a:pPr>
             <a:r>
               <a:rPr lang="en-US" altLang="ko-KR" sz="1600" dirty="0"/>
-              <a:t>	</a:t>
-            </a:r>
-            <a:r>
-              <a:rPr lang="en-US" altLang="ko-KR" sz="1600" dirty="0" smtClean="0"/>
-              <a:t>     - counts: Raw count table</a:t>
+              <a:t>	     - counts: Raw count table</a:t>
             </a:r>
           </a:p>
           <a:p>
@@ -7956,21 +8452,16 @@
             </a:pPr>
             <a:r>
               <a:rPr lang="en-US" altLang="ko-KR" sz="1600" dirty="0"/>
-              <a:t>	</a:t>
-            </a:r>
-            <a:r>
-              <a:rPr lang="en-US" altLang="ko-KR" sz="1600" dirty="0" smtClean="0"/>
-              <a:t>     - </a:t>
-            </a:r>
-            <a:r>
-              <a:rPr lang="en-US" altLang="ko-KR" sz="1600" dirty="0" err="1" smtClean="0"/>
+              <a:t>	     - </a:t>
+            </a:r>
+            <a:r>
+              <a:rPr lang="en-US" altLang="ko-KR" sz="1600" dirty="0" err="1"/>
               <a:t>featuredata</a:t>
             </a:r>
             <a:r>
-              <a:rPr lang="en-US" altLang="ko-KR" sz="1600" dirty="0" smtClean="0"/>
+              <a:rPr lang="en-US" altLang="ko-KR" sz="1600" dirty="0"/>
               <a:t>: Gene ID / symbol</a:t>
             </a:r>
-            <a:endParaRPr lang="en-US" altLang="ko-KR" sz="1600" dirty="0"/>
           </a:p>
         </p:txBody>
       </p:sp>
@@ -8018,7 +8509,7 @@
           <p:cNvPr id="25" name="TextBox 24">
             <a:extLst>
               <a:ext uri="{FF2B5EF4-FFF2-40B4-BE49-F238E27FC236}">
-                <a16:creationId xmlns:a16="http://schemas.microsoft.com/office/drawing/2014/main" xmlns="" id="{4C272A49-C224-48B5-B713-8706FA2575D4}"/>
+                <a16:creationId xmlns:a16="http://schemas.microsoft.com/office/drawing/2014/main" id="{4C272A49-C224-48B5-B713-8706FA2575D4}"/>
               </a:ext>
             </a:extLst>
           </p:cNvPr>
@@ -8059,7 +8550,7 @@
           <p:cNvPr id="33" name="TextBox 32">
             <a:extLst>
               <a:ext uri="{FF2B5EF4-FFF2-40B4-BE49-F238E27FC236}">
-                <a16:creationId xmlns:a16="http://schemas.microsoft.com/office/drawing/2014/main" xmlns="" id="{44810605-476E-44E7-B91D-FD2C1D17C0AB}"/>
+                <a16:creationId xmlns:a16="http://schemas.microsoft.com/office/drawing/2014/main" id="{44810605-476E-44E7-B91D-FD2C1D17C0AB}"/>
               </a:ext>
             </a:extLst>
           </p:cNvPr>
@@ -8099,7 +8590,7 @@
           <p:cNvPr id="34" name="TextBox 33">
             <a:extLst>
               <a:ext uri="{FF2B5EF4-FFF2-40B4-BE49-F238E27FC236}">
-                <a16:creationId xmlns:a16="http://schemas.microsoft.com/office/drawing/2014/main" xmlns="" id="{F1C8DEA7-C173-4B9F-9C99-AAF914F713A9}"/>
+                <a16:creationId xmlns:a16="http://schemas.microsoft.com/office/drawing/2014/main" id="{F1C8DEA7-C173-4B9F-9C99-AAF914F713A9}"/>
               </a:ext>
             </a:extLst>
           </p:cNvPr>
@@ -8421,26 +8912,26 @@
               </a:lnSpc>
             </a:pPr>
             <a:r>
-              <a:rPr lang="ko-KR" altLang="en-US" sz="1800" dirty="0" smtClean="0"/>
+              <a:rPr lang="ko-KR" altLang="en-US" sz="1800" dirty="0"/>
               <a:t>같은 조건을 가진 </a:t>
             </a:r>
             <a:r>
-              <a:rPr lang="en-US" altLang="ko-KR" sz="1800" dirty="0" smtClean="0"/>
+              <a:rPr lang="en-US" altLang="ko-KR" sz="1800" dirty="0"/>
               <a:t>Sample</a:t>
             </a:r>
             <a:r>
-              <a:rPr lang="ko-KR" altLang="en-US" sz="1800" dirty="0" smtClean="0"/>
+              <a:rPr lang="ko-KR" altLang="en-US" sz="1800" dirty="0"/>
               <a:t>은 유사한 </a:t>
             </a:r>
             <a:r>
-              <a:rPr lang="en-US" altLang="ko-KR" sz="1800" dirty="0" smtClean="0"/>
+              <a:rPr lang="en-US" altLang="ko-KR" sz="1800" dirty="0"/>
               <a:t>Gene expression </a:t>
             </a:r>
             <a:r>
-              <a:rPr lang="ko-KR" altLang="en-US" sz="1800" dirty="0" smtClean="0"/>
+              <a:rPr lang="ko-KR" altLang="en-US" sz="1800" dirty="0"/>
               <a:t>을 가질 것으로 예상할 수 있음</a:t>
             </a:r>
-            <a:endParaRPr lang="en-US" altLang="ko-KR" sz="1800" dirty="0" smtClean="0"/>
+            <a:endParaRPr lang="en-US" altLang="ko-KR" sz="1800" dirty="0"/>
           </a:p>
           <a:p>
             <a:pPr>
@@ -8449,37 +8940,33 @@
               </a:lnSpc>
             </a:pPr>
             <a:r>
-              <a:rPr lang="en-US" altLang="ko-KR" sz="1800" dirty="0" smtClean="0"/>
+              <a:rPr lang="en-US" altLang="ko-KR" sz="1800" dirty="0"/>
               <a:t>Sample </a:t>
             </a:r>
             <a:r>
-              <a:rPr lang="ko-KR" altLang="en-US" sz="1800" dirty="0" smtClean="0"/>
+              <a:rPr lang="ko-KR" altLang="en-US" sz="1800" dirty="0"/>
               <a:t>간 유사한 정도를 시각화하여 확인하는 두 가지 방법</a:t>
             </a:r>
-            <a:r>
-              <a:rPr lang="en-US" altLang="ko-KR" sz="1800" dirty="0" smtClean="0"/>
-              <a:t/>
-            </a:r>
             <a:br>
-              <a:rPr lang="en-US" altLang="ko-KR" sz="1800" dirty="0" smtClean="0"/>
+              <a:rPr lang="en-US" altLang="ko-KR" sz="1800" dirty="0"/>
             </a:br>
             <a:r>
-              <a:rPr lang="en-US" altLang="ko-KR" sz="1800" b="1" dirty="0" smtClean="0"/>
+              <a:rPr lang="en-US" altLang="ko-KR" sz="1800" b="1" dirty="0"/>
               <a:t>1) PCA </a:t>
             </a:r>
             <a:r>
-              <a:rPr lang="ko-KR" altLang="en-US" sz="1800" b="1" dirty="0" smtClean="0"/>
+              <a:rPr lang="ko-KR" altLang="en-US" sz="1800" b="1" dirty="0"/>
               <a:t>분석 </a:t>
             </a:r>
             <a:r>
-              <a:rPr lang="en-US" altLang="ko-KR" sz="1800" b="1" dirty="0" smtClean="0"/>
+              <a:rPr lang="en-US" altLang="ko-KR" sz="1800" b="1" dirty="0"/>
               <a:t>2) Correlation </a:t>
             </a:r>
             <a:r>
-              <a:rPr lang="ko-KR" altLang="en-US" sz="1800" b="1" dirty="0" smtClean="0"/>
+              <a:rPr lang="ko-KR" altLang="en-US" sz="1800" b="1" dirty="0"/>
               <a:t>분석</a:t>
             </a:r>
-            <a:endParaRPr lang="en-US" altLang="ko-KR" sz="1800" b="1" dirty="0" smtClean="0"/>
+            <a:endParaRPr lang="en-US" altLang="ko-KR" sz="1800" b="1" dirty="0"/>
           </a:p>
           <a:p>
             <a:pPr marL="0" indent="0">
@@ -8488,7 +8975,7 @@
               </a:lnSpc>
               <a:buNone/>
             </a:pPr>
-            <a:endParaRPr lang="en-US" altLang="ko-KR" sz="1800" dirty="0" smtClean="0"/>
+            <a:endParaRPr lang="en-US" altLang="ko-KR" sz="1800" dirty="0"/>
           </a:p>
         </p:txBody>
       </p:sp>
@@ -8591,7 +9078,7 @@
               </a:lnSpc>
             </a:pPr>
             <a:r>
-              <a:rPr lang="en-US" altLang="ko-KR" sz="1600" b="1" dirty="0" smtClean="0"/>
+              <a:rPr lang="en-US" altLang="ko-KR" sz="1600" b="1" dirty="0"/>
               <a:t>&lt;PCA plot&gt;</a:t>
             </a:r>
             <a:endParaRPr lang="en-US" altLang="ko-KR" sz="1600" dirty="0"/>
@@ -8626,7 +9113,7 @@
               </a:lnSpc>
             </a:pPr>
             <a:r>
-              <a:rPr lang="en-US" altLang="ko-KR" sz="1600" b="1" dirty="0" smtClean="0"/>
+              <a:rPr lang="en-US" altLang="ko-KR" sz="1600" b="1" dirty="0"/>
               <a:t>&lt;Correlation plot&gt;</a:t>
             </a:r>
             <a:endParaRPr lang="en-US" altLang="ko-KR" sz="1600" dirty="0"/>
@@ -8643,13 +9130,6 @@
   <p:clrMapOvr>
     <a:masterClrMapping/>
   </p:clrMapOvr>
-  <p:timing>
-    <p:tnLst>
-      <p:par>
-        <p:cTn id="1" dur="indefinite" restart="never" nodeType="tmRoot"/>
-      </p:par>
-    </p:tnLst>
-  </p:timing>
 </p:sld>
 </file>
 
@@ -8756,100 +9236,80 @@
               </a:lnSpc>
             </a:pPr>
             <a:r>
-              <a:rPr lang="en-US" altLang="ko-KR" sz="1800" b="1" dirty="0" smtClean="0"/>
+              <a:rPr lang="en-US" altLang="ko-KR" sz="1800" b="1" dirty="0"/>
               <a:t>PCA (Principal Component Analysis) </a:t>
             </a:r>
             <a:r>
-              <a:rPr lang="ko-KR" altLang="en-US" sz="1800" b="1" dirty="0" smtClean="0"/>
+              <a:rPr lang="ko-KR" altLang="en-US" sz="1800" b="1" dirty="0"/>
               <a:t>분석</a:t>
             </a:r>
-            <a:r>
-              <a:rPr lang="en-US" altLang="ko-KR" sz="1800" dirty="0" smtClean="0"/>
-              <a:t/>
-            </a:r>
             <a:br>
-              <a:rPr lang="en-US" altLang="ko-KR" sz="1800" dirty="0" smtClean="0"/>
+              <a:rPr lang="en-US" altLang="ko-KR" sz="1800" dirty="0"/>
             </a:br>
             <a:r>
-              <a:rPr lang="en-US" altLang="ko-KR" sz="1800" dirty="0" smtClean="0"/>
+              <a:rPr lang="en-US" altLang="ko-KR" sz="1800" dirty="0"/>
               <a:t>- </a:t>
             </a:r>
             <a:r>
-              <a:rPr lang="ko-KR" altLang="en-US" sz="1800" dirty="0" smtClean="0"/>
+              <a:rPr lang="ko-KR" altLang="en-US" sz="1800" dirty="0"/>
               <a:t>고차원의 데이터를 </a:t>
             </a:r>
             <a:r>
-              <a:rPr lang="ko-KR" altLang="en-US" sz="1800" dirty="0" err="1" smtClean="0"/>
+              <a:rPr lang="ko-KR" altLang="en-US" sz="1800" dirty="0" err="1"/>
               <a:t>저차원으로</a:t>
             </a:r>
             <a:r>
-              <a:rPr lang="ko-KR" altLang="en-US" sz="1800" dirty="0" smtClean="0"/>
+              <a:rPr lang="ko-KR" altLang="en-US" sz="1800" dirty="0"/>
               <a:t> 변환시키는 기법 중의 하나</a:t>
             </a:r>
-            <a:r>
-              <a:rPr lang="en-US" altLang="ko-KR" sz="1800" dirty="0" smtClean="0"/>
-              <a:t/>
-            </a:r>
             <a:br>
-              <a:rPr lang="en-US" altLang="ko-KR" sz="1800" dirty="0" smtClean="0"/>
+              <a:rPr lang="en-US" altLang="ko-KR" sz="1800" dirty="0"/>
             </a:br>
             <a:r>
-              <a:rPr lang="en-US" altLang="ko-KR" sz="1800" dirty="0" smtClean="0"/>
-              <a:t>-</a:t>
-            </a:r>
-            <a:r>
               <a:rPr lang="en-US" altLang="ko-KR" sz="1800" dirty="0"/>
-              <a:t> </a:t>
-            </a:r>
-            <a:r>
-              <a:rPr lang="ko-KR" altLang="en-US" sz="1800" dirty="0" smtClean="0"/>
+              <a:t>- </a:t>
+            </a:r>
+            <a:r>
+              <a:rPr lang="ko-KR" altLang="en-US" sz="1800" dirty="0"/>
               <a:t>각 </a:t>
             </a:r>
             <a:r>
-              <a:rPr lang="en-US" altLang="ko-KR" sz="1800" dirty="0" smtClean="0"/>
+              <a:rPr lang="en-US" altLang="ko-KR" sz="1800" dirty="0"/>
               <a:t>Gene</a:t>
             </a:r>
             <a:r>
               <a:rPr lang="ko-KR" altLang="en-US" sz="1800" dirty="0"/>
-              <a:t> </a:t>
-            </a:r>
-            <a:r>
-              <a:rPr lang="ko-KR" altLang="en-US" sz="1800" dirty="0" smtClean="0"/>
-              <a:t>의 </a:t>
-            </a:r>
-            <a:r>
-              <a:rPr lang="en-US" altLang="ko-KR" sz="1800" dirty="0" smtClean="0"/>
+              <a:t> 의 </a:t>
+            </a:r>
+            <a:r>
+              <a:rPr lang="en-US" altLang="ko-KR" sz="1800" dirty="0"/>
               <a:t>expression</a:t>
             </a:r>
             <a:r>
-              <a:rPr lang="ko-KR" altLang="en-US" sz="1800" dirty="0" smtClean="0"/>
+              <a:rPr lang="ko-KR" altLang="en-US" sz="1800" dirty="0"/>
               <a:t>을 하나의 축으로 볼 때</a:t>
             </a:r>
             <a:r>
-              <a:rPr lang="en-US" altLang="ko-KR" sz="1800" dirty="0" smtClean="0"/>
+              <a:rPr lang="en-US" altLang="ko-KR" sz="1800" dirty="0"/>
               <a:t>, Expression matrix</a:t>
             </a:r>
             <a:r>
-              <a:rPr lang="ko-KR" altLang="en-US" sz="1800" dirty="0" smtClean="0"/>
+              <a:rPr lang="ko-KR" altLang="en-US" sz="1800" dirty="0"/>
               <a:t>는 매우 고차원의 데이터</a:t>
             </a:r>
-            <a:r>
-              <a:rPr lang="en-US" altLang="ko-KR" sz="1800" dirty="0" smtClean="0"/>
-              <a:t/>
-            </a:r>
             <a:br>
-              <a:rPr lang="en-US" altLang="ko-KR" sz="1800" dirty="0" smtClean="0"/>
+              <a:rPr lang="en-US" altLang="ko-KR" sz="1800" dirty="0"/>
             </a:br>
             <a:r>
-              <a:rPr lang="en-US" altLang="ko-KR" sz="1800" dirty="0" smtClean="0"/>
+              <a:rPr lang="en-US" altLang="ko-KR" sz="1800" dirty="0"/>
               <a:t>- </a:t>
             </a:r>
             <a:r>
-              <a:rPr lang="ko-KR" altLang="en-US" sz="1800" dirty="0" err="1" smtClean="0"/>
+              <a:rPr lang="ko-KR" altLang="en-US" sz="1800" dirty="0" err="1"/>
               <a:t>저차원으로</a:t>
             </a:r>
             <a:r>
-              <a:rPr lang="ko-KR" altLang="en-US" sz="1800" dirty="0" smtClean="0"/>
+              <a:rPr lang="ko-KR" altLang="en-US" sz="1800" dirty="0"/>
               <a:t> 만든 데이터에서 가장 설명력이 높은 두 개의 축으로 시각화함</a:t>
             </a:r>
             <a:endParaRPr lang="en-US" altLang="ko-KR" sz="1800" dirty="0"/>
@@ -9028,14 +9488,14 @@
               </a:lnSpc>
             </a:pPr>
             <a:r>
-              <a:rPr lang="en-US" altLang="ko-KR" sz="1600" b="1" dirty="0" smtClean="0"/>
+              <a:rPr lang="en-US" altLang="ko-KR" sz="1600" b="1" dirty="0"/>
               <a:t>&gt; PCA </a:t>
             </a:r>
             <a:r>
-              <a:rPr lang="ko-KR" altLang="en-US" sz="1600" b="1" dirty="0" smtClean="0"/>
+              <a:rPr lang="ko-KR" altLang="en-US" sz="1600" b="1" dirty="0"/>
               <a:t>결과 해석 예시</a:t>
             </a:r>
-            <a:endParaRPr lang="en-US" altLang="ko-KR" sz="1600" b="1" dirty="0" smtClean="0"/>
+            <a:endParaRPr lang="en-US" altLang="ko-KR" sz="1600" b="1" dirty="0"/>
           </a:p>
           <a:p>
             <a:pPr marL="285750" indent="-285750">
@@ -9046,44 +9506,40 @@
               <a:buChar char="•"/>
             </a:pPr>
             <a:r>
-              <a:rPr lang="en-US" altLang="ko-KR" sz="1600" dirty="0" smtClean="0"/>
+              <a:rPr lang="en-US" altLang="ko-KR" sz="1600" dirty="0"/>
               <a:t>Day8, 12</a:t>
             </a:r>
             <a:br>
-              <a:rPr lang="en-US" altLang="ko-KR" sz="1600" dirty="0" smtClean="0"/>
+              <a:rPr lang="en-US" altLang="ko-KR" sz="1600" dirty="0"/>
             </a:br>
             <a:r>
-              <a:rPr lang="en-US" altLang="ko-KR" sz="1600" dirty="0" smtClean="0"/>
+              <a:rPr lang="en-US" altLang="ko-KR" sz="1600" dirty="0"/>
               <a:t>- </a:t>
             </a:r>
             <a:r>
-              <a:rPr lang="ko-KR" altLang="en-US" sz="1600" dirty="0" smtClean="0"/>
+              <a:rPr lang="ko-KR" altLang="en-US" sz="1600" dirty="0"/>
               <a:t>측정 날짜에 따른 차이가 주요한 차이로 나타남</a:t>
             </a:r>
-            <a:r>
-              <a:rPr lang="en-US" altLang="ko-KR" sz="1600" dirty="0" smtClean="0"/>
-              <a:t/>
-            </a:r>
             <a:br>
-              <a:rPr lang="en-US" altLang="ko-KR" sz="1600" dirty="0" smtClean="0"/>
+              <a:rPr lang="en-US" altLang="ko-KR" sz="1600" dirty="0"/>
             </a:br>
             <a:r>
-              <a:rPr lang="en-US" altLang="ko-KR" sz="1600" dirty="0" smtClean="0"/>
+              <a:rPr lang="en-US" altLang="ko-KR" sz="1600" dirty="0"/>
               <a:t>- </a:t>
             </a:r>
             <a:r>
-              <a:rPr lang="ko-KR" altLang="en-US" sz="1600" dirty="0" smtClean="0"/>
+              <a:rPr lang="ko-KR" altLang="en-US" sz="1600" dirty="0"/>
               <a:t>같은 날짜 내에서는 </a:t>
             </a:r>
             <a:r>
-              <a:rPr lang="en-US" altLang="ko-KR" sz="1600" dirty="0" smtClean="0"/>
+              <a:rPr lang="en-US" altLang="ko-KR" sz="1600" dirty="0"/>
               <a:t>cell type</a:t>
             </a:r>
             <a:r>
-              <a:rPr lang="ko-KR" altLang="en-US" sz="1600" dirty="0" smtClean="0"/>
+              <a:rPr lang="ko-KR" altLang="en-US" sz="1600" dirty="0"/>
               <a:t>의 차이가 보여짐</a:t>
             </a:r>
-            <a:endParaRPr lang="en-US" altLang="ko-KR" sz="1600" dirty="0" smtClean="0"/>
+            <a:endParaRPr lang="en-US" altLang="ko-KR" sz="1600" dirty="0"/>
           </a:p>
           <a:p>
             <a:pPr marL="285750" indent="-285750">
@@ -9094,26 +9550,26 @@
               <a:buChar char="•"/>
             </a:pPr>
             <a:r>
-              <a:rPr lang="en-US" altLang="ko-KR" sz="1600" dirty="0" smtClean="0"/>
+              <a:rPr lang="en-US" altLang="ko-KR" sz="1600" dirty="0"/>
               <a:t>Day16, 24</a:t>
             </a:r>
             <a:br>
-              <a:rPr lang="en-US" altLang="ko-KR" sz="1600" dirty="0" smtClean="0"/>
+              <a:rPr lang="en-US" altLang="ko-KR" sz="1600" dirty="0"/>
             </a:br>
             <a:r>
-              <a:rPr lang="en-US" altLang="ko-KR" sz="1600" dirty="0" smtClean="0"/>
+              <a:rPr lang="en-US" altLang="ko-KR" sz="1600" dirty="0"/>
               <a:t>- </a:t>
             </a:r>
             <a:r>
-              <a:rPr lang="ko-KR" altLang="en-US" sz="1600" dirty="0" smtClean="0"/>
+              <a:rPr lang="ko-KR" altLang="en-US" sz="1600" dirty="0"/>
               <a:t>측정 날짜보다 </a:t>
             </a:r>
             <a:r>
-              <a:rPr lang="en-US" altLang="ko-KR" sz="1600" dirty="0" smtClean="0"/>
+              <a:rPr lang="en-US" altLang="ko-KR" sz="1600" dirty="0"/>
               <a:t>cell type</a:t>
             </a:r>
             <a:r>
-              <a:rPr lang="ko-KR" altLang="en-US" sz="1600" dirty="0" smtClean="0"/>
+              <a:rPr lang="ko-KR" altLang="en-US" sz="1600" dirty="0"/>
               <a:t>이 주요한 차이를 나타내는 요소로 보임</a:t>
             </a:r>
             <a:endParaRPr lang="en-US" altLang="ko-KR" sz="1600" dirty="0"/>
@@ -9230,13 +9686,6 @@
   <p:clrMapOvr>
     <a:masterClrMapping/>
   </p:clrMapOvr>
-  <p:timing>
-    <p:tnLst>
-      <p:par>
-        <p:cTn id="1" dur="indefinite" restart="never" nodeType="tmRoot"/>
-      </p:par>
-    </p:tnLst>
-  </p:timing>
 </p:sld>
 </file>
 
@@ -9343,108 +9792,96 @@
               </a:lnSpc>
             </a:pPr>
             <a:r>
-              <a:rPr lang="en-US" altLang="ko-KR" sz="1800" b="1" dirty="0" smtClean="0"/>
+              <a:rPr lang="en-US" altLang="ko-KR" sz="1800" b="1" dirty="0"/>
               <a:t>Correlation </a:t>
             </a:r>
             <a:r>
-              <a:rPr lang="ko-KR" altLang="en-US" sz="1800" b="1" dirty="0" smtClean="0"/>
+              <a:rPr lang="ko-KR" altLang="en-US" sz="1800" b="1" dirty="0"/>
               <a:t>분석</a:t>
             </a:r>
-            <a:r>
-              <a:rPr lang="en-US" altLang="ko-KR" sz="1800" dirty="0" smtClean="0"/>
-              <a:t/>
-            </a:r>
             <a:br>
-              <a:rPr lang="en-US" altLang="ko-KR" sz="1800" dirty="0" smtClean="0"/>
+              <a:rPr lang="en-US" altLang="ko-KR" sz="1800" dirty="0"/>
             </a:br>
             <a:r>
-              <a:rPr lang="en-US" altLang="ko-KR" sz="1800" dirty="0" smtClean="0"/>
+              <a:rPr lang="en-US" altLang="ko-KR" sz="1800" dirty="0"/>
               <a:t>- </a:t>
             </a:r>
             <a:r>
-              <a:rPr lang="en-US" altLang="ko-KR" sz="1800" dirty="0" err="1" smtClean="0"/>
+              <a:rPr lang="en-US" altLang="ko-KR" sz="1800" dirty="0" err="1"/>
               <a:t>Heatmap</a:t>
             </a:r>
             <a:r>
-              <a:rPr lang="en-US" altLang="ko-KR" sz="1800" dirty="0" smtClean="0"/>
+              <a:rPr lang="en-US" altLang="ko-KR" sz="1800" dirty="0"/>
               <a:t> : </a:t>
             </a:r>
             <a:r>
-              <a:rPr lang="ko-KR" altLang="en-US" sz="1800" dirty="0" smtClean="0"/>
+              <a:rPr lang="ko-KR" altLang="en-US" sz="1800" dirty="0"/>
               <a:t>각 </a:t>
             </a:r>
             <a:r>
-              <a:rPr lang="en-US" altLang="ko-KR" sz="1800" dirty="0" smtClean="0"/>
+              <a:rPr lang="en-US" altLang="ko-KR" sz="1800" dirty="0"/>
               <a:t>Sample</a:t>
             </a:r>
             <a:r>
-              <a:rPr lang="ko-KR" altLang="en-US" sz="1800" dirty="0" smtClean="0"/>
+              <a:rPr lang="ko-KR" altLang="en-US" sz="1800" dirty="0"/>
               <a:t>의 </a:t>
             </a:r>
             <a:r>
-              <a:rPr lang="en-US" altLang="ko-KR" sz="1800" dirty="0" smtClean="0"/>
+              <a:rPr lang="en-US" altLang="ko-KR" sz="1800" dirty="0"/>
               <a:t>gene expression </a:t>
             </a:r>
             <a:r>
-              <a:rPr lang="ko-KR" altLang="en-US" sz="1800" dirty="0" smtClean="0"/>
+              <a:rPr lang="ko-KR" altLang="en-US" sz="1800" dirty="0"/>
               <a:t>을 기반으로 한 </a:t>
             </a:r>
             <a:r>
-              <a:rPr lang="en-US" altLang="ko-KR" sz="1800" dirty="0" smtClean="0"/>
+              <a:rPr lang="en-US" altLang="ko-KR" sz="1800" dirty="0"/>
               <a:t>correlation</a:t>
             </a:r>
             <a:r>
-              <a:rPr lang="ko-KR" altLang="en-US" sz="1800" dirty="0" smtClean="0"/>
+              <a:rPr lang="ko-KR" altLang="en-US" sz="1800" dirty="0"/>
               <a:t>을 계산</a:t>
             </a:r>
-            <a:r>
-              <a:rPr lang="en-US" altLang="ko-KR" sz="1800" dirty="0" smtClean="0"/>
-              <a:t/>
-            </a:r>
             <a:br>
-              <a:rPr lang="en-US" altLang="ko-KR" sz="1800" dirty="0" smtClean="0"/>
+              <a:rPr lang="en-US" altLang="ko-KR" sz="1800" dirty="0"/>
             </a:br>
             <a:r>
-              <a:rPr lang="en-US" altLang="ko-KR" sz="1800" dirty="0" smtClean="0"/>
+              <a:rPr lang="en-US" altLang="ko-KR" sz="1800" dirty="0"/>
               <a:t>- Hierarchical clustering : </a:t>
             </a:r>
             <a:r>
-              <a:rPr lang="ko-KR" altLang="en-US" sz="1800" dirty="0" smtClean="0"/>
+              <a:rPr lang="ko-KR" altLang="en-US" sz="1800" dirty="0"/>
               <a:t>타</a:t>
             </a:r>
             <a:r>
               <a:rPr lang="en-US" altLang="ko-KR" sz="1800" dirty="0"/>
-              <a:t> </a:t>
-            </a:r>
-            <a:r>
-              <a:rPr lang="en-US" altLang="ko-KR" sz="1800" dirty="0" smtClean="0"/>
-              <a:t>sample </a:t>
-            </a:r>
-            <a:r>
-              <a:rPr lang="ko-KR" altLang="en-US" sz="1800" dirty="0" smtClean="0"/>
+              <a:t> sample </a:t>
+            </a:r>
+            <a:r>
+              <a:rPr lang="ko-KR" altLang="en-US" sz="1800" dirty="0"/>
               <a:t>과의 </a:t>
             </a:r>
             <a:r>
-              <a:rPr lang="en-US" altLang="ko-KR" sz="1800" dirty="0" smtClean="0"/>
+              <a:rPr lang="en-US" altLang="ko-KR" sz="1800" dirty="0"/>
               <a:t>correlation </a:t>
             </a:r>
             <a:r>
-              <a:rPr lang="ko-KR" altLang="en-US" sz="1800" dirty="0" smtClean="0"/>
+              <a:rPr lang="ko-KR" altLang="en-US" sz="1800" dirty="0"/>
               <a:t>값을 기반으로 한 </a:t>
             </a:r>
             <a:r>
-              <a:rPr lang="en-US" altLang="ko-KR" sz="1800" dirty="0" smtClean="0"/>
+              <a:rPr lang="en-US" altLang="ko-KR" sz="1800" dirty="0"/>
               <a:t>clustering </a:t>
             </a:r>
             <a:br>
-              <a:rPr lang="en-US" altLang="ko-KR" sz="1800" dirty="0" smtClean="0"/>
+              <a:rPr lang="en-US" altLang="ko-KR" sz="1800" dirty="0"/>
             </a:br>
             <a:r>
-              <a:rPr lang="en-US" altLang="ko-KR" sz="1800" dirty="0" smtClean="0"/>
+              <a:rPr lang="en-US" altLang="ko-KR" sz="1800" dirty="0"/>
               <a:t>- </a:t>
             </a:r>
             <a:r>
-              <a:rPr lang="ko-KR" altLang="en-US" sz="1800" b="1" dirty="0" smtClean="0">
+              <a:rPr lang="ko-KR" altLang="en-US" sz="1800" b="1" dirty="0">
                 <a:solidFill>
                   <a:srgbClr val="FF0000"/>
                 </a:solidFill>
@@ -9452,43 +9889,39 @@
               <a:t>높은</a:t>
             </a:r>
             <a:r>
-              <a:rPr lang="ko-KR" altLang="en-US" sz="1800" dirty="0" smtClean="0"/>
+              <a:rPr lang="ko-KR" altLang="en-US" sz="1800" dirty="0"/>
               <a:t> </a:t>
             </a:r>
             <a:r>
-              <a:rPr lang="en-US" altLang="ko-KR" sz="1800" dirty="0" smtClean="0"/>
+              <a:rPr lang="en-US" altLang="ko-KR" sz="1800" dirty="0"/>
               <a:t>correlation</a:t>
             </a:r>
             <a:r>
-              <a:rPr lang="ko-KR" altLang="en-US" sz="1800" dirty="0" smtClean="0"/>
+              <a:rPr lang="ko-KR" altLang="en-US" sz="1800" dirty="0"/>
               <a:t> </a:t>
             </a:r>
             <a:r>
-              <a:rPr lang="en-US" altLang="ko-KR" sz="1800" dirty="0" smtClean="0"/>
+              <a:rPr lang="en-US" altLang="ko-KR" sz="1800" dirty="0"/>
               <a:t>= 1</a:t>
             </a:r>
             <a:r>
-              <a:rPr lang="ko-KR" altLang="en-US" sz="1800" dirty="0" smtClean="0"/>
+              <a:rPr lang="ko-KR" altLang="en-US" sz="1800" dirty="0"/>
               <a:t>에</a:t>
-            </a:r>
-            <a:r>
-              <a:rPr lang="en-US" altLang="ko-KR" sz="1800" dirty="0" smtClean="0"/>
-              <a:t> </a:t>
-            </a:r>
-            <a:r>
-              <a:rPr lang="ko-KR" altLang="en-US" sz="1800" dirty="0" smtClean="0"/>
-              <a:t>가까워짐</a:t>
             </a:r>
             <a:r>
               <a:rPr lang="en-US" altLang="ko-KR" sz="1800" dirty="0"/>
               <a:t> </a:t>
             </a:r>
             <a:r>
-              <a:rPr lang="en-US" altLang="ko-KR" sz="1800" dirty="0" smtClean="0"/>
-              <a:t>/ </a:t>
-            </a:r>
-            <a:r>
-              <a:rPr lang="ko-KR" altLang="en-US" sz="1800" b="1" dirty="0" smtClean="0">
+              <a:rPr lang="ko-KR" altLang="en-US" sz="1800" dirty="0"/>
+              <a:t>가까워짐</a:t>
+            </a:r>
+            <a:r>
+              <a:rPr lang="en-US" altLang="ko-KR" sz="1800" dirty="0"/>
+              <a:t> / </a:t>
+            </a:r>
+            <a:r>
+              <a:rPr lang="ko-KR" altLang="en-US" sz="1800" b="1" dirty="0">
                 <a:solidFill>
                   <a:srgbClr val="0070C0"/>
                 </a:solidFill>
@@ -9496,23 +9929,23 @@
               <a:t>낮은</a:t>
             </a:r>
             <a:r>
-              <a:rPr lang="ko-KR" altLang="en-US" sz="1800" dirty="0" smtClean="0"/>
+              <a:rPr lang="ko-KR" altLang="en-US" sz="1800" dirty="0"/>
               <a:t> </a:t>
             </a:r>
             <a:r>
-              <a:rPr lang="en-US" altLang="ko-KR" sz="1800" dirty="0" smtClean="0"/>
+              <a:rPr lang="en-US" altLang="ko-KR" sz="1800" dirty="0"/>
               <a:t>correlation = 0</a:t>
             </a:r>
             <a:r>
-              <a:rPr lang="ko-KR" altLang="en-US" sz="1800" dirty="0" smtClean="0"/>
+              <a:rPr lang="ko-KR" altLang="en-US" sz="1800" dirty="0"/>
               <a:t>에</a:t>
             </a:r>
             <a:r>
-              <a:rPr lang="en-US" altLang="ko-KR" sz="1800" dirty="0" smtClean="0"/>
+              <a:rPr lang="en-US" altLang="ko-KR" sz="1800" dirty="0"/>
               <a:t> </a:t>
             </a:r>
             <a:r>
-              <a:rPr lang="ko-KR" altLang="en-US" sz="1800" dirty="0" smtClean="0"/>
+              <a:rPr lang="ko-KR" altLang="en-US" sz="1800" dirty="0"/>
               <a:t>가까워짐</a:t>
             </a:r>
             <a:endParaRPr lang="en-US" altLang="ko-KR" sz="1800" dirty="0"/>
@@ -9547,14 +9980,14 @@
               </a:lnSpc>
             </a:pPr>
             <a:r>
-              <a:rPr lang="en-US" altLang="ko-KR" sz="1600" b="1" dirty="0" smtClean="0"/>
+              <a:rPr lang="en-US" altLang="ko-KR" sz="1600" b="1" dirty="0"/>
               <a:t>&gt; Correlation </a:t>
             </a:r>
             <a:r>
-              <a:rPr lang="ko-KR" altLang="en-US" sz="1600" b="1" dirty="0" smtClean="0"/>
+              <a:rPr lang="ko-KR" altLang="en-US" sz="1600" b="1" dirty="0"/>
               <a:t>결과 해석 예시</a:t>
             </a:r>
-            <a:endParaRPr lang="en-US" altLang="ko-KR" sz="1600" b="1" dirty="0" smtClean="0"/>
+            <a:endParaRPr lang="en-US" altLang="ko-KR" sz="1600" b="1" dirty="0"/>
           </a:p>
           <a:p>
             <a:pPr marL="285750" indent="-285750">
@@ -9565,7 +9998,7 @@
               <a:buChar char="•"/>
             </a:pPr>
             <a:r>
-              <a:rPr lang="en-US" altLang="ko-KR" sz="1600" dirty="0" smtClean="0">
+              <a:rPr lang="en-US" altLang="ko-KR" sz="1600" dirty="0">
                 <a:solidFill>
                   <a:schemeClr val="accent2"/>
                 </a:solidFill>
@@ -9573,11 +10006,11 @@
               <a:t>Day8</a:t>
             </a:r>
             <a:r>
-              <a:rPr lang="en-US" altLang="ko-KR" sz="1600" dirty="0" smtClean="0"/>
+              <a:rPr lang="en-US" altLang="ko-KR" sz="1600" dirty="0"/>
               <a:t>, </a:t>
             </a:r>
             <a:r>
-              <a:rPr lang="en-US" altLang="ko-KR" sz="1600" dirty="0" smtClean="0">
+              <a:rPr lang="en-US" altLang="ko-KR" sz="1600" dirty="0">
                 <a:solidFill>
                   <a:srgbClr val="00B050"/>
                 </a:solidFill>
@@ -9585,23 +10018,23 @@
               <a:t>Day12</a:t>
             </a:r>
             <a:r>
-              <a:rPr lang="en-US" altLang="ko-KR" sz="1600" dirty="0" smtClean="0"/>
+              <a:rPr lang="en-US" altLang="ko-KR" sz="1600" dirty="0"/>
               <a:t> </a:t>
             </a:r>
             <a:r>
-              <a:rPr lang="ko-KR" altLang="en-US" sz="1600" dirty="0" smtClean="0"/>
+              <a:rPr lang="ko-KR" altLang="en-US" sz="1600" dirty="0"/>
               <a:t>간에 유사하게 묶이는 것이 보여짐 </a:t>
             </a:r>
             <a:r>
-              <a:rPr lang="en-US" altLang="ko-KR" sz="1600" dirty="0" smtClean="0"/>
+              <a:rPr lang="en-US" altLang="ko-KR" sz="1600" dirty="0"/>
               <a:t>(PCA </a:t>
             </a:r>
             <a:r>
-              <a:rPr lang="ko-KR" altLang="en-US" sz="1600" dirty="0" smtClean="0"/>
+              <a:rPr lang="ko-KR" altLang="en-US" sz="1600" dirty="0"/>
               <a:t>결과와 일치</a:t>
             </a:r>
             <a:r>
-              <a:rPr lang="en-US" altLang="ko-KR" sz="1600" dirty="0" smtClean="0"/>
+              <a:rPr lang="en-US" altLang="ko-KR" sz="1600" dirty="0"/>
               <a:t>)</a:t>
             </a:r>
           </a:p>
@@ -9614,46 +10047,42 @@
               <a:buChar char="•"/>
             </a:pPr>
             <a:r>
-              <a:rPr lang="ko-KR" altLang="en-US" sz="1600" dirty="0" smtClean="0"/>
+              <a:rPr lang="ko-KR" altLang="en-US" sz="1600" dirty="0"/>
               <a:t>모든 샘플이 </a:t>
             </a:r>
             <a:r>
-              <a:rPr lang="en-US" altLang="ko-KR" sz="1600" dirty="0" smtClean="0"/>
+              <a:rPr lang="en-US" altLang="ko-KR" sz="1600" dirty="0"/>
               <a:t>0.8 </a:t>
             </a:r>
             <a:r>
-              <a:rPr lang="ko-KR" altLang="en-US" sz="1600" dirty="0" smtClean="0"/>
+              <a:rPr lang="ko-KR" altLang="en-US" sz="1600" dirty="0"/>
               <a:t>이상의 </a:t>
             </a:r>
             <a:r>
-              <a:rPr lang="ko-KR" altLang="en-US" sz="1600" dirty="0" err="1" smtClean="0"/>
+              <a:rPr lang="ko-KR" altLang="en-US" sz="1600" dirty="0" err="1"/>
               <a:t>유사도를</a:t>
             </a:r>
             <a:r>
-              <a:rPr lang="ko-KR" altLang="en-US" sz="1600" dirty="0" smtClean="0"/>
+              <a:rPr lang="ko-KR" altLang="en-US" sz="1600" dirty="0"/>
               <a:t> 보이는데</a:t>
             </a:r>
             <a:r>
-              <a:rPr lang="en-US" altLang="ko-KR" sz="1600" dirty="0" smtClean="0"/>
+              <a:rPr lang="en-US" altLang="ko-KR" sz="1600" dirty="0"/>
               <a:t>, </a:t>
-            </a:r>
-            <a:r>
-              <a:rPr lang="en-US" altLang="ko-KR" sz="1600" dirty="0"/>
-              <a:t/>
             </a:r>
             <a:br>
               <a:rPr lang="en-US" altLang="ko-KR" sz="1600" dirty="0"/>
             </a:br>
             <a:r>
-              <a:rPr lang="ko-KR" altLang="en-US" sz="1600" dirty="0" smtClean="0"/>
+              <a:rPr lang="ko-KR" altLang="en-US" sz="1600" dirty="0"/>
               <a:t>근본적인</a:t>
             </a:r>
             <a:r>
-              <a:rPr lang="en-US" altLang="ko-KR" sz="1600" dirty="0" smtClean="0"/>
+              <a:rPr lang="en-US" altLang="ko-KR" sz="1600" dirty="0"/>
               <a:t> cell</a:t>
             </a:r>
             <a:r>
-              <a:rPr lang="ko-KR" altLang="en-US" sz="1600" dirty="0" smtClean="0"/>
+              <a:rPr lang="ko-KR" altLang="en-US" sz="1600" dirty="0"/>
               <a:t>의 기능이 유사하기 때문에 나타나는 것임</a:t>
             </a:r>
             <a:endParaRPr lang="en-US" altLang="ko-KR" sz="1600" dirty="0"/>
@@ -9667,45 +10096,45 @@
               <a:buChar char="•"/>
             </a:pPr>
             <a:r>
-              <a:rPr lang="ko-KR" altLang="en-US" sz="1600" dirty="0" smtClean="0"/>
+              <a:rPr lang="ko-KR" altLang="en-US" sz="1600" dirty="0"/>
               <a:t>너무 적은 </a:t>
             </a:r>
             <a:r>
-              <a:rPr lang="ko-KR" altLang="en-US" sz="1600" dirty="0" err="1" smtClean="0"/>
+              <a:rPr lang="ko-KR" altLang="en-US" sz="1600" dirty="0" err="1"/>
               <a:t>유사도를</a:t>
             </a:r>
             <a:r>
-              <a:rPr lang="ko-KR" altLang="en-US" sz="1600" dirty="0" smtClean="0"/>
+              <a:rPr lang="ko-KR" altLang="en-US" sz="1600" dirty="0"/>
               <a:t> 보이는 </a:t>
             </a:r>
             <a:r>
-              <a:rPr lang="en-US" altLang="ko-KR" sz="1600" dirty="0" smtClean="0"/>
+              <a:rPr lang="en-US" altLang="ko-KR" sz="1600" dirty="0"/>
               <a:t>data</a:t>
             </a:r>
             <a:r>
-              <a:rPr lang="ko-KR" altLang="en-US" sz="1600" dirty="0" smtClean="0"/>
+              <a:rPr lang="ko-KR" altLang="en-US" sz="1600" dirty="0"/>
               <a:t>의 경우</a:t>
             </a:r>
             <a:r>
-              <a:rPr lang="en-US" altLang="ko-KR" sz="1600" dirty="0" smtClean="0"/>
+              <a:rPr lang="en-US" altLang="ko-KR" sz="1600" dirty="0"/>
               <a:t>,</a:t>
             </a:r>
             <a:br>
-              <a:rPr lang="en-US" altLang="ko-KR" sz="1600" dirty="0" smtClean="0"/>
+              <a:rPr lang="en-US" altLang="ko-KR" sz="1600" dirty="0"/>
             </a:br>
             <a:r>
-              <a:rPr lang="ko-KR" altLang="en-US" sz="1600" dirty="0" smtClean="0"/>
+              <a:rPr lang="ko-KR" altLang="en-US" sz="1600" dirty="0"/>
               <a:t>실험 과정 혹은 </a:t>
             </a:r>
             <a:r>
-              <a:rPr lang="en-US" altLang="ko-KR" sz="1600" dirty="0" smtClean="0"/>
+              <a:rPr lang="en-US" altLang="ko-KR" sz="1600" dirty="0"/>
               <a:t>pre-processing </a:t>
             </a:r>
             <a:r>
-              <a:rPr lang="ko-KR" altLang="en-US" sz="1600" dirty="0" smtClean="0"/>
+              <a:rPr lang="ko-KR" altLang="en-US" sz="1600" dirty="0"/>
               <a:t>과정의 점검이 필요함</a:t>
             </a:r>
-            <a:endParaRPr lang="en-US" altLang="ko-KR" sz="1600" dirty="0" smtClean="0"/>
+            <a:endParaRPr lang="en-US" altLang="ko-KR" sz="1600" dirty="0"/>
           </a:p>
         </p:txBody>
       </p:sp>
@@ -9955,13 +10384,6 @@
   <p:clrMapOvr>
     <a:masterClrMapping/>
   </p:clrMapOvr>
-  <p:timing>
-    <p:tnLst>
-      <p:par>
-        <p:cTn id="1" dur="indefinite" restart="never" nodeType="tmRoot"/>
-      </p:par>
-    </p:tnLst>
-  </p:timing>
 </p:sld>
 </file>
 
@@ -10137,7 +10559,7 @@
       </p:sp>
       <p:pic>
         <p:nvPicPr>
-          <p:cNvPr id="7" name="그림 6"/>
+          <p:cNvPr id="8" name="그림 7"/>
           <p:cNvPicPr>
             <a:picLocks noChangeAspect="1"/>
           </p:cNvPicPr>
@@ -10145,30 +10567,6 @@
         </p:nvPicPr>
         <p:blipFill>
           <a:blip r:embed="rId3"/>
-          <a:stretch>
-            <a:fillRect/>
-          </a:stretch>
-        </p:blipFill>
-        <p:spPr>
-          <a:xfrm>
-            <a:off x="2189720" y="4999967"/>
-            <a:ext cx="3380972" cy="1543707"/>
-          </a:xfrm>
-          <a:prstGeom prst="rect">
-            <a:avLst/>
-          </a:prstGeom>
-        </p:spPr>
-      </p:pic>
-      <p:pic>
-        <p:nvPicPr>
-          <p:cNvPr id="8" name="그림 7"/>
-          <p:cNvPicPr>
-            <a:picLocks noChangeAspect="1"/>
-          </p:cNvPicPr>
-          <p:nvPr/>
-        </p:nvPicPr>
-        <p:blipFill>
-          <a:blip r:embed="rId4"/>
           <a:stretch>
             <a:fillRect/>
           </a:stretch>
@@ -10573,45 +10971,6 @@
           </a:p>
         </p:txBody>
       </p:sp>
-      <p:sp>
-        <p:nvSpPr>
-          <p:cNvPr id="30" name="TextBox 29"/>
-          <p:cNvSpPr txBox="1"/>
-          <p:nvPr/>
-        </p:nvSpPr>
-        <p:spPr>
-          <a:xfrm>
-            <a:off x="286310" y="5002958"/>
-            <a:ext cx="1803699" cy="341568"/>
-          </a:xfrm>
-          <a:prstGeom prst="rect">
-            <a:avLst/>
-          </a:prstGeom>
-          <a:noFill/>
-        </p:spPr>
-        <p:txBody>
-          <a:bodyPr wrap="none" rtlCol="0">
-            <a:spAutoFit/>
-          </a:bodyPr>
-          <a:lstStyle/>
-          <a:p>
-            <a:pPr>
-              <a:lnSpc>
-                <a:spcPct val="130000"/>
-              </a:lnSpc>
-            </a:pPr>
-            <a:r>
-              <a:rPr lang="en-US" altLang="ko-KR" sz="1400" dirty="0"/>
-              <a:t>* ggplot2 </a:t>
-            </a:r>
-            <a:r>
-              <a:rPr lang="ko-KR" altLang="en-US" sz="1400" dirty="0"/>
-              <a:t>형식 예시</a:t>
-            </a:r>
-            <a:endParaRPr lang="en-US" altLang="ko-KR" sz="1400" dirty="0"/>
-          </a:p>
-        </p:txBody>
-      </p:sp>
       <p:pic>
         <p:nvPicPr>
           <p:cNvPr id="31" name="그림 30"/>
@@ -10621,7 +10980,7 @@
           <p:nvPr/>
         </p:nvPicPr>
         <p:blipFill rotWithShape="1">
-          <a:blip r:embed="rId5"/>
+          <a:blip r:embed="rId4"/>
           <a:srcRect t="11144" b="10472"/>
           <a:stretch/>
         </p:blipFill>
@@ -10729,7 +11088,7 @@
           <a:p>
             <a:pPr algn="ctr"/>
             <a:r>
-              <a:rPr lang="ko-KR" altLang="en-US" sz="1100" b="1" dirty="0" smtClean="0">
+              <a:rPr lang="ko-KR" altLang="en-US" sz="1100" b="1" dirty="0">
                 <a:solidFill>
                   <a:schemeClr val="tx1"/>
                 </a:solidFill>
@@ -10737,7 +11096,7 @@
               <a:t>빈칸을 채워주세요 </a:t>
             </a:r>
             <a:r>
-              <a:rPr lang="en-US" altLang="ko-KR" sz="1100" b="1" dirty="0" smtClean="0">
+              <a:rPr lang="en-US" altLang="ko-KR" sz="1100" b="1" dirty="0">
                 <a:solidFill>
                   <a:schemeClr val="tx1"/>
                 </a:solidFill>
@@ -10762,13 +11121,6 @@
   <p:clrMapOvr>
     <a:masterClrMapping/>
   </p:clrMapOvr>
-  <p:timing>
-    <p:tnLst>
-      <p:par>
-        <p:cTn id="1" dur="indefinite" restart="never" nodeType="tmRoot"/>
-      </p:par>
-    </p:tnLst>
-  </p:timing>
 </p:sld>
 </file>
 
@@ -10811,7 +11163,7 @@
           <a:p>
             <a:r>
               <a:rPr lang="en-US" altLang="ko-KR" dirty="0"/>
-              <a:t>PCA &amp; Correlation plot</a:t>
+              <a:t>Packages : ggplot2</a:t>
             </a:r>
             <a:endParaRPr lang="ko-KR" altLang="en-US" dirty="0"/>
           </a:p>
@@ -10847,119 +11199,41 @@
           </a:p>
         </p:txBody>
       </p:sp>
-      <p:sp>
-        <p:nvSpPr>
-          <p:cNvPr id="2" name="내용 개체 틀 1"/>
-          <p:cNvSpPr>
-            <a:spLocks noGrp="1"/>
-          </p:cNvSpPr>
+      <p:pic>
+        <p:nvPicPr>
+          <p:cNvPr id="5" name="내용 개체 틀 4">
+            <a:extLst>
+              <a:ext uri="{FF2B5EF4-FFF2-40B4-BE49-F238E27FC236}">
+                <a16:creationId xmlns:a16="http://schemas.microsoft.com/office/drawing/2014/main" id="{11AC576E-377F-1246-A252-1935B16EF649}"/>
+              </a:ext>
+            </a:extLst>
+          </p:cNvPr>
+          <p:cNvPicPr>
+            <a:picLocks noGrp="1" noChangeAspect="1"/>
+          </p:cNvPicPr>
           <p:nvPr>
             <p:ph idx="1"/>
           </p:nvPr>
-        </p:nvSpPr>
-        <p:spPr>
-          <a:xfrm>
-            <a:off x="186599" y="1203054"/>
-            <a:ext cx="10515600" cy="4351338"/>
-          </a:xfrm>
-        </p:spPr>
-        <p:txBody>
-          <a:bodyPr>
-            <a:normAutofit/>
-          </a:bodyPr>
-          <a:lstStyle/>
-          <a:p>
-            <a:pPr marL="0" indent="0">
-              <a:lnSpc>
-                <a:spcPct val="130000"/>
-              </a:lnSpc>
-              <a:buNone/>
-            </a:pPr>
-            <a:r>
-              <a:rPr lang="en-US" altLang="ko-KR" sz="1800" b="1" dirty="0"/>
-              <a:t>&gt;Correlation p</a:t>
-            </a:r>
-            <a:r>
-              <a:rPr lang="en-US" altLang="ko-KR" sz="1800" b="1" dirty="0" smtClean="0"/>
-              <a:t>lot</a:t>
-            </a:r>
-            <a:endParaRPr lang="en-US" altLang="ko-KR" sz="1800" dirty="0"/>
-          </a:p>
-          <a:p>
-            <a:pPr marL="0" indent="0">
-              <a:lnSpc>
-                <a:spcPct val="130000"/>
-              </a:lnSpc>
-              <a:buNone/>
-            </a:pPr>
-            <a:r>
-              <a:rPr lang="en-US" altLang="ko-KR" sz="1600" b="1" dirty="0">
-                <a:solidFill>
-                  <a:srgbClr val="FF0000"/>
-                </a:solidFill>
-              </a:rPr>
-              <a:t>* package </a:t>
-            </a:r>
-            <a:r>
-              <a:rPr lang="ko-KR" altLang="en-US" sz="1600" b="1" dirty="0">
-                <a:solidFill>
-                  <a:srgbClr val="FF0000"/>
-                </a:solidFill>
-              </a:rPr>
-              <a:t>및 </a:t>
-            </a:r>
-            <a:r>
-              <a:rPr lang="en-US" altLang="ko-KR" sz="1600" b="1" dirty="0">
-                <a:solidFill>
-                  <a:srgbClr val="FF0000"/>
-                </a:solidFill>
-              </a:rPr>
-              <a:t>input data </a:t>
-            </a:r>
-            <a:r>
-              <a:rPr lang="ko-KR" altLang="en-US" sz="1600" b="1" dirty="0">
-                <a:solidFill>
-                  <a:srgbClr val="FF0000"/>
-                </a:solidFill>
-              </a:rPr>
-              <a:t>불러오는 코드 먼저 실행 후 진행해주세요</a:t>
-            </a:r>
-            <a:r>
-              <a:rPr lang="en-US" altLang="ko-KR" sz="1600" b="1" dirty="0">
-                <a:solidFill>
-                  <a:srgbClr val="FF0000"/>
-                </a:solidFill>
-              </a:rPr>
-              <a:t> *</a:t>
-            </a:r>
-          </a:p>
-        </p:txBody>
-      </p:sp>
-      <p:pic>
-        <p:nvPicPr>
-          <p:cNvPr id="5" name="그림 4"/>
-          <p:cNvPicPr>
-            <a:picLocks noChangeAspect="1"/>
-          </p:cNvPicPr>
-          <p:nvPr/>
         </p:nvPicPr>
-        <p:blipFill>
-          <a:blip r:embed="rId3"/>
-          <a:stretch>
-            <a:fillRect/>
-          </a:stretch>
+        <p:blipFill rotWithShape="1">
+          <a:blip r:embed="rId3">
+            <a:extLst>
+              <a:ext uri="{28A0092B-C50C-407E-A947-70E740481C1C}">
+                <a14:useLocalDpi xmlns:a14="http://schemas.microsoft.com/office/drawing/2010/main" val="0"/>
+              </a:ext>
+            </a:extLst>
+          </a:blip>
+          <a:srcRect t="2542" b="1"/>
+          <a:stretch/>
         </p:blipFill>
         <p:spPr>
           <a:xfrm>
-            <a:off x="8935436" y="4066163"/>
-            <a:ext cx="3038592" cy="2568100"/>
-          </a:xfrm>
-          <a:prstGeom prst="rect">
-            <a:avLst/>
-          </a:prstGeom>
+            <a:off x="386058" y="1370544"/>
+            <a:ext cx="5709942" cy="2566041"/>
+          </a:xfrm>
           <a:ln>
             <a:solidFill>
-              <a:schemeClr val="tx1"/>
+              <a:srgbClr val="002060"/>
             </a:solidFill>
           </a:ln>
           <a:effectLst>
@@ -10971,44 +11245,15 @@
           </a:effectLst>
         </p:spPr>
       </p:pic>
-      <p:sp>
-        <p:nvSpPr>
-          <p:cNvPr id="20" name="TextBox 19"/>
-          <p:cNvSpPr txBox="1"/>
-          <p:nvPr/>
-        </p:nvSpPr>
-        <p:spPr>
-          <a:xfrm>
-            <a:off x="9988457" y="3675683"/>
-            <a:ext cx="780150" cy="412421"/>
-          </a:xfrm>
-          <a:prstGeom prst="rect">
-            <a:avLst/>
-          </a:prstGeom>
-          <a:noFill/>
-        </p:spPr>
-        <p:txBody>
-          <a:bodyPr wrap="none" rtlCol="0">
-            <a:spAutoFit/>
-          </a:bodyPr>
-          <a:lstStyle/>
-          <a:p>
-            <a:pPr>
-              <a:lnSpc>
-                <a:spcPct val="130000"/>
-              </a:lnSpc>
-            </a:pPr>
-            <a:r>
-              <a:rPr lang="en-US" altLang="ko-KR" sz="1600" b="1" dirty="0"/>
-              <a:t>Result</a:t>
-            </a:r>
-            <a:endParaRPr lang="en-US" altLang="ko-KR" sz="1600" dirty="0"/>
-          </a:p>
-        </p:txBody>
-      </p:sp>
       <p:pic>
         <p:nvPicPr>
-          <p:cNvPr id="9" name="그림 8"/>
+          <p:cNvPr id="9" name="그림 8">
+            <a:extLst>
+              <a:ext uri="{FF2B5EF4-FFF2-40B4-BE49-F238E27FC236}">
+                <a16:creationId xmlns:a16="http://schemas.microsoft.com/office/drawing/2014/main" id="{7E9B3EEA-8E46-CC45-9B6F-D8A02582833E}"/>
+              </a:ext>
+            </a:extLst>
+          </p:cNvPr>
           <p:cNvPicPr>
             <a:picLocks noChangeAspect="1"/>
           </p:cNvPicPr>
@@ -11022,70 +11267,60 @@
         </p:blipFill>
         <p:spPr>
           <a:xfrm>
-            <a:off x="290973" y="2473055"/>
-            <a:ext cx="6160087" cy="2405906"/>
+            <a:off x="6664664" y="1370544"/>
+            <a:ext cx="5141278" cy="1971318"/>
           </a:xfrm>
           <a:prstGeom prst="rect">
             <a:avLst/>
           </a:prstGeom>
         </p:spPr>
       </p:pic>
-      <p:sp>
-        <p:nvSpPr>
-          <p:cNvPr id="31" name="오른쪽 중괄호 30"/>
-          <p:cNvSpPr/>
+      <p:pic>
+        <p:nvPicPr>
+          <p:cNvPr id="11" name="그림 10">
+            <a:extLst>
+              <a:ext uri="{FF2B5EF4-FFF2-40B4-BE49-F238E27FC236}">
+                <a16:creationId xmlns:a16="http://schemas.microsoft.com/office/drawing/2014/main" id="{1FA6E5D9-817F-614F-909F-A4B75A1365F5}"/>
+              </a:ext>
+            </a:extLst>
+          </p:cNvPr>
+          <p:cNvPicPr>
+            <a:picLocks noChangeAspect="1"/>
+          </p:cNvPicPr>
           <p:nvPr/>
-        </p:nvSpPr>
-        <p:spPr>
-          <a:xfrm>
-            <a:off x="6336024" y="2628599"/>
-            <a:ext cx="1225685" cy="276225"/>
-          </a:xfrm>
-          <a:prstGeom prst="rightBrace">
-            <a:avLst>
-              <a:gd name="adj1" fmla="val 0"/>
-              <a:gd name="adj2" fmla="val 50000"/>
-            </a:avLst>
+        </p:nvPicPr>
+        <p:blipFill>
+          <a:blip r:embed="rId5"/>
+          <a:stretch>
+            <a:fillRect/>
+          </a:stretch>
+        </p:blipFill>
+        <p:spPr>
+          <a:xfrm>
+            <a:off x="6664664" y="3575002"/>
+            <a:ext cx="4230405" cy="2376091"/>
+          </a:xfrm>
+          <a:prstGeom prst="rect">
+            <a:avLst/>
           </a:prstGeom>
-          <a:ln w="22225">
-            <a:solidFill>
-              <a:srgbClr val="002060"/>
-            </a:solidFill>
-          </a:ln>
-        </p:spPr>
-        <p:style>
-          <a:lnRef idx="1">
-            <a:schemeClr val="accent1"/>
-          </a:lnRef>
-          <a:fillRef idx="0">
-            <a:schemeClr val="accent1"/>
-          </a:fillRef>
-          <a:effectRef idx="0">
-            <a:schemeClr val="accent1"/>
-          </a:effectRef>
-          <a:fontRef idx="minor">
-            <a:schemeClr val="tx1"/>
-          </a:fontRef>
-        </p:style>
-        <p:txBody>
-          <a:bodyPr rtlCol="0" anchor="ctr"/>
-          <a:lstStyle/>
-          <a:p>
-            <a:pPr algn="ctr"/>
-            <a:endParaRPr lang="ko-KR" altLang="en-US"/>
-          </a:p>
-        </p:txBody>
-      </p:sp>
-      <p:sp>
-        <p:nvSpPr>
-          <p:cNvPr id="32" name="TextBox 31"/>
+        </p:spPr>
+      </p:pic>
+      <p:sp>
+        <p:nvSpPr>
+          <p:cNvPr id="25" name="TextBox 24">
+            <a:extLst>
+              <a:ext uri="{FF2B5EF4-FFF2-40B4-BE49-F238E27FC236}">
+                <a16:creationId xmlns:a16="http://schemas.microsoft.com/office/drawing/2014/main" id="{00E45B5C-02E5-A847-89EC-E2E242D4E9FD}"/>
+              </a:ext>
+            </a:extLst>
+          </p:cNvPr>
           <p:cNvSpPr txBox="1"/>
           <p:nvPr/>
         </p:nvSpPr>
         <p:spPr>
           <a:xfrm>
-            <a:off x="7632013" y="2578165"/>
-            <a:ext cx="2095638" cy="377091"/>
+            <a:off x="337180" y="4119012"/>
+            <a:ext cx="6130976" cy="369332"/>
           </a:xfrm>
           <a:prstGeom prst="rect">
             <a:avLst/>
@@ -11093,407 +11328,25 @@
           <a:noFill/>
         </p:spPr>
         <p:txBody>
-          <a:bodyPr wrap="none" rtlCol="0">
+          <a:bodyPr wrap="square">
             <a:spAutoFit/>
           </a:bodyPr>
           <a:lstStyle/>
           <a:p>
-            <a:pPr>
-              <a:lnSpc>
-                <a:spcPct val="130000"/>
-              </a:lnSpc>
-            </a:pPr>
-            <a:r>
-              <a:rPr lang="en-US" altLang="ko-KR" sz="1600" dirty="0"/>
-              <a:t>Calculate correlation</a:t>
-            </a:r>
-          </a:p>
-        </p:txBody>
-      </p:sp>
-      <p:sp>
-        <p:nvSpPr>
-          <p:cNvPr id="33" name="오른쪽 중괄호 32"/>
-          <p:cNvSpPr/>
-          <p:nvPr/>
-        </p:nvSpPr>
-        <p:spPr>
-          <a:xfrm>
-            <a:off x="6336024" y="3020547"/>
-            <a:ext cx="1225685" cy="1217066"/>
-          </a:xfrm>
-          <a:prstGeom prst="rightBrace">
-            <a:avLst>
-              <a:gd name="adj1" fmla="val 0"/>
-              <a:gd name="adj2" fmla="val 50000"/>
-            </a:avLst>
-          </a:prstGeom>
-          <a:ln w="22225">
-            <a:solidFill>
-              <a:srgbClr val="002060"/>
-            </a:solidFill>
-          </a:ln>
-        </p:spPr>
-        <p:style>
-          <a:lnRef idx="1">
-            <a:schemeClr val="accent1"/>
-          </a:lnRef>
-          <a:fillRef idx="0">
-            <a:schemeClr val="accent1"/>
-          </a:fillRef>
-          <a:effectRef idx="0">
-            <a:schemeClr val="accent1"/>
-          </a:effectRef>
-          <a:fontRef idx="minor">
-            <a:schemeClr val="tx1"/>
-          </a:fontRef>
-        </p:style>
-        <p:txBody>
-          <a:bodyPr rtlCol="0" anchor="ctr"/>
-          <a:lstStyle/>
-          <a:p>
-            <a:pPr algn="ctr"/>
-            <a:endParaRPr lang="ko-KR" altLang="en-US"/>
-          </a:p>
-        </p:txBody>
-      </p:sp>
-      <p:sp>
-        <p:nvSpPr>
-          <p:cNvPr id="34" name="TextBox 33"/>
-          <p:cNvSpPr txBox="1"/>
-          <p:nvPr/>
-        </p:nvSpPr>
-        <p:spPr>
-          <a:xfrm>
-            <a:off x="7632013" y="3451501"/>
-            <a:ext cx="1103187" cy="377091"/>
-          </a:xfrm>
-          <a:prstGeom prst="rect">
-            <a:avLst/>
-          </a:prstGeom>
-          <a:noFill/>
-        </p:spPr>
-        <p:txBody>
-          <a:bodyPr wrap="none" rtlCol="0">
-            <a:spAutoFit/>
-          </a:bodyPr>
-          <a:lstStyle/>
-          <a:p>
-            <a:pPr>
-              <a:lnSpc>
-                <a:spcPct val="130000"/>
-              </a:lnSpc>
-            </a:pPr>
-            <a:r>
-              <a:rPr lang="en-US" altLang="ko-KR" sz="1600" dirty="0"/>
-              <a:t>Draw plot</a:t>
-            </a:r>
-          </a:p>
-        </p:txBody>
-      </p:sp>
-      <p:sp>
-        <p:nvSpPr>
-          <p:cNvPr id="35" name="오른쪽 중괄호 34"/>
-          <p:cNvSpPr/>
-          <p:nvPr/>
-        </p:nvSpPr>
-        <p:spPr>
-          <a:xfrm>
-            <a:off x="6336023" y="4295887"/>
-            <a:ext cx="1225685" cy="398233"/>
-          </a:xfrm>
-          <a:prstGeom prst="rightBrace">
-            <a:avLst>
-              <a:gd name="adj1" fmla="val 0"/>
-              <a:gd name="adj2" fmla="val 50000"/>
-            </a:avLst>
-          </a:prstGeom>
-          <a:ln w="22225">
-            <a:solidFill>
-              <a:srgbClr val="002060"/>
-            </a:solidFill>
-          </a:ln>
-        </p:spPr>
-        <p:style>
-          <a:lnRef idx="1">
-            <a:schemeClr val="accent1"/>
-          </a:lnRef>
-          <a:fillRef idx="0">
-            <a:schemeClr val="accent1"/>
-          </a:fillRef>
-          <a:effectRef idx="0">
-            <a:schemeClr val="accent1"/>
-          </a:effectRef>
-          <a:fontRef idx="minor">
-            <a:schemeClr val="tx1"/>
-          </a:fontRef>
-        </p:style>
-        <p:txBody>
-          <a:bodyPr rtlCol="0" anchor="ctr"/>
-          <a:lstStyle/>
-          <a:p>
-            <a:pPr algn="ctr"/>
-            <a:endParaRPr lang="ko-KR" altLang="en-US"/>
-          </a:p>
-        </p:txBody>
-      </p:sp>
-      <p:sp>
-        <p:nvSpPr>
-          <p:cNvPr id="36" name="TextBox 35"/>
-          <p:cNvSpPr txBox="1"/>
-          <p:nvPr/>
-        </p:nvSpPr>
-        <p:spPr>
-          <a:xfrm>
-            <a:off x="7632013" y="4317029"/>
-            <a:ext cx="1053815" cy="377091"/>
-          </a:xfrm>
-          <a:prstGeom prst="rect">
-            <a:avLst/>
-          </a:prstGeom>
-          <a:noFill/>
-        </p:spPr>
-        <p:txBody>
-          <a:bodyPr wrap="none" rtlCol="0">
-            <a:spAutoFit/>
-          </a:bodyPr>
-          <a:lstStyle/>
-          <a:p>
-            <a:pPr>
-              <a:lnSpc>
-                <a:spcPct val="130000"/>
-              </a:lnSpc>
-            </a:pPr>
-            <a:r>
-              <a:rPr lang="en-US" altLang="ko-KR" sz="1600" dirty="0"/>
-              <a:t>Save plot</a:t>
-            </a:r>
-          </a:p>
-        </p:txBody>
-      </p:sp>
-      <p:sp>
-        <p:nvSpPr>
-          <p:cNvPr id="37" name="직사각형 36"/>
-          <p:cNvSpPr/>
-          <p:nvPr/>
-        </p:nvSpPr>
-        <p:spPr>
-          <a:xfrm>
-            <a:off x="1201643" y="2649868"/>
-            <a:ext cx="469995" cy="195583"/>
-          </a:xfrm>
-          <a:prstGeom prst="rect">
-            <a:avLst/>
-          </a:prstGeom>
-          <a:solidFill>
-            <a:schemeClr val="accent2">
-              <a:alpha val="20000"/>
-            </a:schemeClr>
-          </a:solidFill>
-          <a:ln w="25400">
-            <a:solidFill>
-              <a:schemeClr val="accent2"/>
-            </a:solidFill>
-          </a:ln>
-        </p:spPr>
-        <p:style>
-          <a:lnRef idx="2">
-            <a:schemeClr val="accent1">
-              <a:shade val="50000"/>
-            </a:schemeClr>
-          </a:lnRef>
-          <a:fillRef idx="1">
-            <a:schemeClr val="accent1"/>
-          </a:fillRef>
-          <a:effectRef idx="0">
-            <a:schemeClr val="accent1"/>
-          </a:effectRef>
-          <a:fontRef idx="minor">
-            <a:schemeClr val="lt1"/>
-          </a:fontRef>
-        </p:style>
-        <p:txBody>
-          <a:bodyPr rtlCol="0" anchor="ctr"/>
-          <a:lstStyle/>
-          <a:p>
-            <a:pPr algn="ctr"/>
-            <a:endParaRPr lang="ko-KR" altLang="en-US"/>
-          </a:p>
-        </p:txBody>
-      </p:sp>
-      <p:sp>
-        <p:nvSpPr>
-          <p:cNvPr id="38" name="직사각형 37"/>
-          <p:cNvSpPr/>
-          <p:nvPr/>
-        </p:nvSpPr>
-        <p:spPr>
-          <a:xfrm>
-            <a:off x="2011269" y="2976385"/>
-            <a:ext cx="515238" cy="195583"/>
-          </a:xfrm>
-          <a:prstGeom prst="rect">
-            <a:avLst/>
-          </a:prstGeom>
-          <a:solidFill>
-            <a:schemeClr val="accent2">
-              <a:alpha val="20000"/>
-            </a:schemeClr>
-          </a:solidFill>
-          <a:ln w="25400">
-            <a:solidFill>
-              <a:schemeClr val="accent2"/>
-            </a:solidFill>
-          </a:ln>
-        </p:spPr>
-        <p:style>
-          <a:lnRef idx="2">
-            <a:schemeClr val="accent1">
-              <a:shade val="50000"/>
-            </a:schemeClr>
-          </a:lnRef>
-          <a:fillRef idx="1">
-            <a:schemeClr val="accent1"/>
-          </a:fillRef>
-          <a:effectRef idx="0">
-            <a:schemeClr val="accent1"/>
-          </a:effectRef>
-          <a:fontRef idx="minor">
-            <a:schemeClr val="lt1"/>
-          </a:fontRef>
-        </p:style>
-        <p:txBody>
-          <a:bodyPr rtlCol="0" anchor="ctr"/>
-          <a:lstStyle/>
-          <a:p>
-            <a:pPr algn="ctr"/>
-            <a:endParaRPr lang="ko-KR" altLang="en-US"/>
-          </a:p>
-        </p:txBody>
-      </p:sp>
-      <p:sp>
-        <p:nvSpPr>
-          <p:cNvPr id="39" name="직사각형 38"/>
-          <p:cNvSpPr/>
-          <p:nvPr/>
-        </p:nvSpPr>
-        <p:spPr>
-          <a:xfrm>
-            <a:off x="611094" y="4467048"/>
-            <a:ext cx="515238" cy="195583"/>
-          </a:xfrm>
-          <a:prstGeom prst="rect">
-            <a:avLst/>
-          </a:prstGeom>
-          <a:solidFill>
-            <a:schemeClr val="accent2">
-              <a:alpha val="20000"/>
-            </a:schemeClr>
-          </a:solidFill>
-          <a:ln w="25400">
-            <a:solidFill>
-              <a:schemeClr val="accent2"/>
-            </a:solidFill>
-          </a:ln>
-        </p:spPr>
-        <p:style>
-          <a:lnRef idx="2">
-            <a:schemeClr val="accent1">
-              <a:shade val="50000"/>
-            </a:schemeClr>
-          </a:lnRef>
-          <a:fillRef idx="1">
-            <a:schemeClr val="accent1"/>
-          </a:fillRef>
-          <a:effectRef idx="0">
-            <a:schemeClr val="accent1"/>
-          </a:effectRef>
-          <a:fontRef idx="minor">
-            <a:schemeClr val="lt1"/>
-          </a:fontRef>
-        </p:style>
-        <p:txBody>
-          <a:bodyPr rtlCol="0" anchor="ctr"/>
-          <a:lstStyle/>
-          <a:p>
-            <a:pPr algn="ctr"/>
-            <a:endParaRPr lang="ko-KR" altLang="en-US"/>
-          </a:p>
-        </p:txBody>
-      </p:sp>
-      <p:sp>
-        <p:nvSpPr>
-          <p:cNvPr id="17" name="직사각형 16"/>
-          <p:cNvSpPr/>
-          <p:nvPr/>
-        </p:nvSpPr>
-        <p:spPr>
-          <a:xfrm>
-            <a:off x="286310" y="2142147"/>
-            <a:ext cx="1481327" cy="195583"/>
-          </a:xfrm>
-          <a:prstGeom prst="rect">
-            <a:avLst/>
-          </a:prstGeom>
-          <a:solidFill>
-            <a:schemeClr val="accent2">
-              <a:alpha val="20000"/>
-            </a:schemeClr>
-          </a:solidFill>
-          <a:ln w="25400">
-            <a:solidFill>
-              <a:schemeClr val="accent2"/>
-            </a:solidFill>
-          </a:ln>
-        </p:spPr>
-        <p:style>
-          <a:lnRef idx="2">
-            <a:schemeClr val="accent1">
-              <a:shade val="50000"/>
-            </a:schemeClr>
-          </a:lnRef>
-          <a:fillRef idx="1">
-            <a:schemeClr val="accent1"/>
-          </a:fillRef>
-          <a:effectRef idx="0">
-            <a:schemeClr val="accent1"/>
-          </a:effectRef>
-          <a:fontRef idx="minor">
-            <a:schemeClr val="lt1"/>
-          </a:fontRef>
-        </p:style>
-        <p:txBody>
-          <a:bodyPr rtlCol="0" anchor="ctr"/>
-          <a:lstStyle/>
-          <a:p>
-            <a:pPr algn="ctr"/>
-            <a:r>
-              <a:rPr lang="ko-KR" altLang="en-US" sz="1100" b="1" dirty="0" smtClean="0">
-                <a:solidFill>
-                  <a:schemeClr val="tx1"/>
-                </a:solidFill>
+            <a:r>
+              <a:rPr lang="ko-Kore-KR" altLang="en-US" dirty="0">
+                <a:hlinkClick r:id="rId6"/>
               </a:rPr>
-              <a:t>빈칸을 채워주세요 </a:t>
-            </a:r>
-            <a:r>
-              <a:rPr lang="en-US" altLang="ko-KR" sz="1100" b="1" dirty="0" smtClean="0">
-                <a:solidFill>
-                  <a:schemeClr val="tx1"/>
-                </a:solidFill>
-              </a:rPr>
-              <a:t>!</a:t>
-            </a:r>
-            <a:endParaRPr lang="ko-KR" altLang="en-US" sz="1100" b="1" dirty="0">
-              <a:solidFill>
-                <a:schemeClr val="tx1"/>
-              </a:solidFill>
-            </a:endParaRPr>
+              <a:t>https://ggplot2.tidyverse.org/reference/index.html</a:t>
+            </a:r>
+            <a:endParaRPr lang="en-US" altLang="ko-Kore-KR" dirty="0"/>
           </a:p>
         </p:txBody>
       </p:sp>
     </p:spTree>
     <p:extLst>
       <p:ext uri="{BB962C8B-B14F-4D97-AF65-F5344CB8AC3E}">
-        <p14:creationId xmlns:p14="http://schemas.microsoft.com/office/powerpoint/2010/main" val="3242692751"/>
+        <p14:creationId xmlns:p14="http://schemas.microsoft.com/office/powerpoint/2010/main" val="4290765934"/>
       </p:ext>
     </p:extLst>
   </p:cSld>
@@ -11542,7 +11395,7 @@
           <a:p>
             <a:r>
               <a:rPr lang="en-US" altLang="ko-KR" dirty="0"/>
-              <a:t>DEG Analysis</a:t>
+              <a:t>PCA &amp; Correlation plot</a:t>
             </a:r>
             <a:endParaRPr lang="ko-KR" altLang="en-US" dirty="0"/>
           </a:p>
@@ -11591,6 +11444,733 @@
         <p:spPr>
           <a:xfrm>
             <a:off x="186599" y="1203054"/>
+            <a:ext cx="10515600" cy="4351338"/>
+          </a:xfrm>
+        </p:spPr>
+        <p:txBody>
+          <a:bodyPr>
+            <a:normAutofit/>
+          </a:bodyPr>
+          <a:lstStyle/>
+          <a:p>
+            <a:pPr marL="0" indent="0">
+              <a:lnSpc>
+                <a:spcPct val="130000"/>
+              </a:lnSpc>
+              <a:buNone/>
+            </a:pPr>
+            <a:r>
+              <a:rPr lang="en-US" altLang="ko-KR" sz="1800" b="1" dirty="0"/>
+              <a:t>&gt;Correlation plot</a:t>
+            </a:r>
+            <a:endParaRPr lang="en-US" altLang="ko-KR" sz="1800" dirty="0"/>
+          </a:p>
+          <a:p>
+            <a:pPr marL="0" indent="0">
+              <a:lnSpc>
+                <a:spcPct val="130000"/>
+              </a:lnSpc>
+              <a:buNone/>
+            </a:pPr>
+            <a:r>
+              <a:rPr lang="en-US" altLang="ko-KR" sz="1600" b="1" dirty="0">
+                <a:solidFill>
+                  <a:srgbClr val="FF0000"/>
+                </a:solidFill>
+              </a:rPr>
+              <a:t>* package </a:t>
+            </a:r>
+            <a:r>
+              <a:rPr lang="ko-KR" altLang="en-US" sz="1600" b="1" dirty="0">
+                <a:solidFill>
+                  <a:srgbClr val="FF0000"/>
+                </a:solidFill>
+              </a:rPr>
+              <a:t>및 </a:t>
+            </a:r>
+            <a:r>
+              <a:rPr lang="en-US" altLang="ko-KR" sz="1600" b="1" dirty="0">
+                <a:solidFill>
+                  <a:srgbClr val="FF0000"/>
+                </a:solidFill>
+              </a:rPr>
+              <a:t>input data </a:t>
+            </a:r>
+            <a:r>
+              <a:rPr lang="ko-KR" altLang="en-US" sz="1600" b="1" dirty="0">
+                <a:solidFill>
+                  <a:srgbClr val="FF0000"/>
+                </a:solidFill>
+              </a:rPr>
+              <a:t>불러오는 코드 먼저 실행 후 진행해주세요</a:t>
+            </a:r>
+            <a:r>
+              <a:rPr lang="en-US" altLang="ko-KR" sz="1600" b="1" dirty="0">
+                <a:solidFill>
+                  <a:srgbClr val="FF0000"/>
+                </a:solidFill>
+              </a:rPr>
+              <a:t> *</a:t>
+            </a:r>
+          </a:p>
+        </p:txBody>
+      </p:sp>
+      <p:pic>
+        <p:nvPicPr>
+          <p:cNvPr id="5" name="그림 4"/>
+          <p:cNvPicPr>
+            <a:picLocks noChangeAspect="1"/>
+          </p:cNvPicPr>
+          <p:nvPr/>
+        </p:nvPicPr>
+        <p:blipFill>
+          <a:blip r:embed="rId3"/>
+          <a:stretch>
+            <a:fillRect/>
+          </a:stretch>
+        </p:blipFill>
+        <p:spPr>
+          <a:xfrm>
+            <a:off x="8935436" y="4066163"/>
+            <a:ext cx="3038592" cy="2568100"/>
+          </a:xfrm>
+          <a:prstGeom prst="rect">
+            <a:avLst/>
+          </a:prstGeom>
+          <a:ln>
+            <a:solidFill>
+              <a:schemeClr val="tx1"/>
+            </a:solidFill>
+          </a:ln>
+          <a:effectLst>
+            <a:outerShdw blurRad="50800" dist="38100" dir="2700000" algn="tl" rotWithShape="0">
+              <a:prstClr val="black">
+                <a:alpha val="40000"/>
+              </a:prstClr>
+            </a:outerShdw>
+          </a:effectLst>
+        </p:spPr>
+      </p:pic>
+      <p:sp>
+        <p:nvSpPr>
+          <p:cNvPr id="20" name="TextBox 19"/>
+          <p:cNvSpPr txBox="1"/>
+          <p:nvPr/>
+        </p:nvSpPr>
+        <p:spPr>
+          <a:xfrm>
+            <a:off x="9988457" y="3675683"/>
+            <a:ext cx="780150" cy="412421"/>
+          </a:xfrm>
+          <a:prstGeom prst="rect">
+            <a:avLst/>
+          </a:prstGeom>
+          <a:noFill/>
+        </p:spPr>
+        <p:txBody>
+          <a:bodyPr wrap="none" rtlCol="0">
+            <a:spAutoFit/>
+          </a:bodyPr>
+          <a:lstStyle/>
+          <a:p>
+            <a:pPr>
+              <a:lnSpc>
+                <a:spcPct val="130000"/>
+              </a:lnSpc>
+            </a:pPr>
+            <a:r>
+              <a:rPr lang="en-US" altLang="ko-KR" sz="1600" b="1" dirty="0"/>
+              <a:t>Result</a:t>
+            </a:r>
+            <a:endParaRPr lang="en-US" altLang="ko-KR" sz="1600" dirty="0"/>
+          </a:p>
+        </p:txBody>
+      </p:sp>
+      <p:pic>
+        <p:nvPicPr>
+          <p:cNvPr id="9" name="그림 8"/>
+          <p:cNvPicPr>
+            <a:picLocks noChangeAspect="1"/>
+          </p:cNvPicPr>
+          <p:nvPr/>
+        </p:nvPicPr>
+        <p:blipFill>
+          <a:blip r:embed="rId4"/>
+          <a:stretch>
+            <a:fillRect/>
+          </a:stretch>
+        </p:blipFill>
+        <p:spPr>
+          <a:xfrm>
+            <a:off x="290973" y="2473055"/>
+            <a:ext cx="6160087" cy="2405906"/>
+          </a:xfrm>
+          <a:prstGeom prst="rect">
+            <a:avLst/>
+          </a:prstGeom>
+        </p:spPr>
+      </p:pic>
+      <p:sp>
+        <p:nvSpPr>
+          <p:cNvPr id="31" name="오른쪽 중괄호 30"/>
+          <p:cNvSpPr/>
+          <p:nvPr/>
+        </p:nvSpPr>
+        <p:spPr>
+          <a:xfrm>
+            <a:off x="6336024" y="2628599"/>
+            <a:ext cx="1225685" cy="276225"/>
+          </a:xfrm>
+          <a:prstGeom prst="rightBrace">
+            <a:avLst>
+              <a:gd name="adj1" fmla="val 0"/>
+              <a:gd name="adj2" fmla="val 50000"/>
+            </a:avLst>
+          </a:prstGeom>
+          <a:ln w="22225">
+            <a:solidFill>
+              <a:srgbClr val="002060"/>
+            </a:solidFill>
+          </a:ln>
+        </p:spPr>
+        <p:style>
+          <a:lnRef idx="1">
+            <a:schemeClr val="accent1"/>
+          </a:lnRef>
+          <a:fillRef idx="0">
+            <a:schemeClr val="accent1"/>
+          </a:fillRef>
+          <a:effectRef idx="0">
+            <a:schemeClr val="accent1"/>
+          </a:effectRef>
+          <a:fontRef idx="minor">
+            <a:schemeClr val="tx1"/>
+          </a:fontRef>
+        </p:style>
+        <p:txBody>
+          <a:bodyPr rtlCol="0" anchor="ctr"/>
+          <a:lstStyle/>
+          <a:p>
+            <a:pPr algn="ctr"/>
+            <a:endParaRPr lang="ko-KR" altLang="en-US"/>
+          </a:p>
+        </p:txBody>
+      </p:sp>
+      <p:sp>
+        <p:nvSpPr>
+          <p:cNvPr id="32" name="TextBox 31"/>
+          <p:cNvSpPr txBox="1"/>
+          <p:nvPr/>
+        </p:nvSpPr>
+        <p:spPr>
+          <a:xfrm>
+            <a:off x="7632013" y="2578165"/>
+            <a:ext cx="2095638" cy="377091"/>
+          </a:xfrm>
+          <a:prstGeom prst="rect">
+            <a:avLst/>
+          </a:prstGeom>
+          <a:noFill/>
+        </p:spPr>
+        <p:txBody>
+          <a:bodyPr wrap="none" rtlCol="0">
+            <a:spAutoFit/>
+          </a:bodyPr>
+          <a:lstStyle/>
+          <a:p>
+            <a:pPr>
+              <a:lnSpc>
+                <a:spcPct val="130000"/>
+              </a:lnSpc>
+            </a:pPr>
+            <a:r>
+              <a:rPr lang="en-US" altLang="ko-KR" sz="1600" dirty="0"/>
+              <a:t>Calculate correlation</a:t>
+            </a:r>
+          </a:p>
+        </p:txBody>
+      </p:sp>
+      <p:sp>
+        <p:nvSpPr>
+          <p:cNvPr id="33" name="오른쪽 중괄호 32"/>
+          <p:cNvSpPr/>
+          <p:nvPr/>
+        </p:nvSpPr>
+        <p:spPr>
+          <a:xfrm>
+            <a:off x="6336024" y="3020547"/>
+            <a:ext cx="1225685" cy="1217066"/>
+          </a:xfrm>
+          <a:prstGeom prst="rightBrace">
+            <a:avLst>
+              <a:gd name="adj1" fmla="val 0"/>
+              <a:gd name="adj2" fmla="val 50000"/>
+            </a:avLst>
+          </a:prstGeom>
+          <a:ln w="22225">
+            <a:solidFill>
+              <a:srgbClr val="002060"/>
+            </a:solidFill>
+          </a:ln>
+        </p:spPr>
+        <p:style>
+          <a:lnRef idx="1">
+            <a:schemeClr val="accent1"/>
+          </a:lnRef>
+          <a:fillRef idx="0">
+            <a:schemeClr val="accent1"/>
+          </a:fillRef>
+          <a:effectRef idx="0">
+            <a:schemeClr val="accent1"/>
+          </a:effectRef>
+          <a:fontRef idx="minor">
+            <a:schemeClr val="tx1"/>
+          </a:fontRef>
+        </p:style>
+        <p:txBody>
+          <a:bodyPr rtlCol="0" anchor="ctr"/>
+          <a:lstStyle/>
+          <a:p>
+            <a:pPr algn="ctr"/>
+            <a:endParaRPr lang="ko-KR" altLang="en-US"/>
+          </a:p>
+        </p:txBody>
+      </p:sp>
+      <p:sp>
+        <p:nvSpPr>
+          <p:cNvPr id="34" name="TextBox 33"/>
+          <p:cNvSpPr txBox="1"/>
+          <p:nvPr/>
+        </p:nvSpPr>
+        <p:spPr>
+          <a:xfrm>
+            <a:off x="7632013" y="3451501"/>
+            <a:ext cx="1103187" cy="377091"/>
+          </a:xfrm>
+          <a:prstGeom prst="rect">
+            <a:avLst/>
+          </a:prstGeom>
+          <a:noFill/>
+        </p:spPr>
+        <p:txBody>
+          <a:bodyPr wrap="none" rtlCol="0">
+            <a:spAutoFit/>
+          </a:bodyPr>
+          <a:lstStyle/>
+          <a:p>
+            <a:pPr>
+              <a:lnSpc>
+                <a:spcPct val="130000"/>
+              </a:lnSpc>
+            </a:pPr>
+            <a:r>
+              <a:rPr lang="en-US" altLang="ko-KR" sz="1600" dirty="0"/>
+              <a:t>Draw plot</a:t>
+            </a:r>
+          </a:p>
+        </p:txBody>
+      </p:sp>
+      <p:sp>
+        <p:nvSpPr>
+          <p:cNvPr id="35" name="오른쪽 중괄호 34"/>
+          <p:cNvSpPr/>
+          <p:nvPr/>
+        </p:nvSpPr>
+        <p:spPr>
+          <a:xfrm>
+            <a:off x="6336023" y="4295887"/>
+            <a:ext cx="1225685" cy="398233"/>
+          </a:xfrm>
+          <a:prstGeom prst="rightBrace">
+            <a:avLst>
+              <a:gd name="adj1" fmla="val 0"/>
+              <a:gd name="adj2" fmla="val 50000"/>
+            </a:avLst>
+          </a:prstGeom>
+          <a:ln w="22225">
+            <a:solidFill>
+              <a:srgbClr val="002060"/>
+            </a:solidFill>
+          </a:ln>
+        </p:spPr>
+        <p:style>
+          <a:lnRef idx="1">
+            <a:schemeClr val="accent1"/>
+          </a:lnRef>
+          <a:fillRef idx="0">
+            <a:schemeClr val="accent1"/>
+          </a:fillRef>
+          <a:effectRef idx="0">
+            <a:schemeClr val="accent1"/>
+          </a:effectRef>
+          <a:fontRef idx="minor">
+            <a:schemeClr val="tx1"/>
+          </a:fontRef>
+        </p:style>
+        <p:txBody>
+          <a:bodyPr rtlCol="0" anchor="ctr"/>
+          <a:lstStyle/>
+          <a:p>
+            <a:pPr algn="ctr"/>
+            <a:endParaRPr lang="ko-KR" altLang="en-US"/>
+          </a:p>
+        </p:txBody>
+      </p:sp>
+      <p:sp>
+        <p:nvSpPr>
+          <p:cNvPr id="36" name="TextBox 35"/>
+          <p:cNvSpPr txBox="1"/>
+          <p:nvPr/>
+        </p:nvSpPr>
+        <p:spPr>
+          <a:xfrm>
+            <a:off x="7632013" y="4317029"/>
+            <a:ext cx="1053815" cy="377091"/>
+          </a:xfrm>
+          <a:prstGeom prst="rect">
+            <a:avLst/>
+          </a:prstGeom>
+          <a:noFill/>
+        </p:spPr>
+        <p:txBody>
+          <a:bodyPr wrap="none" rtlCol="0">
+            <a:spAutoFit/>
+          </a:bodyPr>
+          <a:lstStyle/>
+          <a:p>
+            <a:pPr>
+              <a:lnSpc>
+                <a:spcPct val="130000"/>
+              </a:lnSpc>
+            </a:pPr>
+            <a:r>
+              <a:rPr lang="en-US" altLang="ko-KR" sz="1600" dirty="0"/>
+              <a:t>Save plot</a:t>
+            </a:r>
+          </a:p>
+        </p:txBody>
+      </p:sp>
+      <p:sp>
+        <p:nvSpPr>
+          <p:cNvPr id="37" name="직사각형 36"/>
+          <p:cNvSpPr/>
+          <p:nvPr/>
+        </p:nvSpPr>
+        <p:spPr>
+          <a:xfrm>
+            <a:off x="1201643" y="2649868"/>
+            <a:ext cx="469995" cy="195583"/>
+          </a:xfrm>
+          <a:prstGeom prst="rect">
+            <a:avLst/>
+          </a:prstGeom>
+          <a:solidFill>
+            <a:schemeClr val="accent2">
+              <a:alpha val="20000"/>
+            </a:schemeClr>
+          </a:solidFill>
+          <a:ln w="25400">
+            <a:solidFill>
+              <a:schemeClr val="accent2"/>
+            </a:solidFill>
+          </a:ln>
+        </p:spPr>
+        <p:style>
+          <a:lnRef idx="2">
+            <a:schemeClr val="accent1">
+              <a:shade val="50000"/>
+            </a:schemeClr>
+          </a:lnRef>
+          <a:fillRef idx="1">
+            <a:schemeClr val="accent1"/>
+          </a:fillRef>
+          <a:effectRef idx="0">
+            <a:schemeClr val="accent1"/>
+          </a:effectRef>
+          <a:fontRef idx="minor">
+            <a:schemeClr val="lt1"/>
+          </a:fontRef>
+        </p:style>
+        <p:txBody>
+          <a:bodyPr rtlCol="0" anchor="ctr"/>
+          <a:lstStyle/>
+          <a:p>
+            <a:pPr algn="ctr"/>
+            <a:endParaRPr lang="ko-KR" altLang="en-US"/>
+          </a:p>
+        </p:txBody>
+      </p:sp>
+      <p:sp>
+        <p:nvSpPr>
+          <p:cNvPr id="38" name="직사각형 37"/>
+          <p:cNvSpPr/>
+          <p:nvPr/>
+        </p:nvSpPr>
+        <p:spPr>
+          <a:xfrm>
+            <a:off x="2011269" y="2976385"/>
+            <a:ext cx="515238" cy="195583"/>
+          </a:xfrm>
+          <a:prstGeom prst="rect">
+            <a:avLst/>
+          </a:prstGeom>
+          <a:solidFill>
+            <a:schemeClr val="accent2">
+              <a:alpha val="20000"/>
+            </a:schemeClr>
+          </a:solidFill>
+          <a:ln w="25400">
+            <a:solidFill>
+              <a:schemeClr val="accent2"/>
+            </a:solidFill>
+          </a:ln>
+        </p:spPr>
+        <p:style>
+          <a:lnRef idx="2">
+            <a:schemeClr val="accent1">
+              <a:shade val="50000"/>
+            </a:schemeClr>
+          </a:lnRef>
+          <a:fillRef idx="1">
+            <a:schemeClr val="accent1"/>
+          </a:fillRef>
+          <a:effectRef idx="0">
+            <a:schemeClr val="accent1"/>
+          </a:effectRef>
+          <a:fontRef idx="minor">
+            <a:schemeClr val="lt1"/>
+          </a:fontRef>
+        </p:style>
+        <p:txBody>
+          <a:bodyPr rtlCol="0" anchor="ctr"/>
+          <a:lstStyle/>
+          <a:p>
+            <a:pPr algn="ctr"/>
+            <a:endParaRPr lang="ko-KR" altLang="en-US"/>
+          </a:p>
+        </p:txBody>
+      </p:sp>
+      <p:sp>
+        <p:nvSpPr>
+          <p:cNvPr id="39" name="직사각형 38"/>
+          <p:cNvSpPr/>
+          <p:nvPr/>
+        </p:nvSpPr>
+        <p:spPr>
+          <a:xfrm>
+            <a:off x="611094" y="4467048"/>
+            <a:ext cx="515238" cy="195583"/>
+          </a:xfrm>
+          <a:prstGeom prst="rect">
+            <a:avLst/>
+          </a:prstGeom>
+          <a:solidFill>
+            <a:schemeClr val="accent2">
+              <a:alpha val="20000"/>
+            </a:schemeClr>
+          </a:solidFill>
+          <a:ln w="25400">
+            <a:solidFill>
+              <a:schemeClr val="accent2"/>
+            </a:solidFill>
+          </a:ln>
+        </p:spPr>
+        <p:style>
+          <a:lnRef idx="2">
+            <a:schemeClr val="accent1">
+              <a:shade val="50000"/>
+            </a:schemeClr>
+          </a:lnRef>
+          <a:fillRef idx="1">
+            <a:schemeClr val="accent1"/>
+          </a:fillRef>
+          <a:effectRef idx="0">
+            <a:schemeClr val="accent1"/>
+          </a:effectRef>
+          <a:fontRef idx="minor">
+            <a:schemeClr val="lt1"/>
+          </a:fontRef>
+        </p:style>
+        <p:txBody>
+          <a:bodyPr rtlCol="0" anchor="ctr"/>
+          <a:lstStyle/>
+          <a:p>
+            <a:pPr algn="ctr"/>
+            <a:endParaRPr lang="ko-KR" altLang="en-US"/>
+          </a:p>
+        </p:txBody>
+      </p:sp>
+      <p:sp>
+        <p:nvSpPr>
+          <p:cNvPr id="17" name="직사각형 16"/>
+          <p:cNvSpPr/>
+          <p:nvPr/>
+        </p:nvSpPr>
+        <p:spPr>
+          <a:xfrm>
+            <a:off x="286310" y="2142147"/>
+            <a:ext cx="1481327" cy="195583"/>
+          </a:xfrm>
+          <a:prstGeom prst="rect">
+            <a:avLst/>
+          </a:prstGeom>
+          <a:solidFill>
+            <a:schemeClr val="accent2">
+              <a:alpha val="20000"/>
+            </a:schemeClr>
+          </a:solidFill>
+          <a:ln w="25400">
+            <a:solidFill>
+              <a:schemeClr val="accent2"/>
+            </a:solidFill>
+          </a:ln>
+        </p:spPr>
+        <p:style>
+          <a:lnRef idx="2">
+            <a:schemeClr val="accent1">
+              <a:shade val="50000"/>
+            </a:schemeClr>
+          </a:lnRef>
+          <a:fillRef idx="1">
+            <a:schemeClr val="accent1"/>
+          </a:fillRef>
+          <a:effectRef idx="0">
+            <a:schemeClr val="accent1"/>
+          </a:effectRef>
+          <a:fontRef idx="minor">
+            <a:schemeClr val="lt1"/>
+          </a:fontRef>
+        </p:style>
+        <p:txBody>
+          <a:bodyPr rtlCol="0" anchor="ctr"/>
+          <a:lstStyle/>
+          <a:p>
+            <a:pPr algn="ctr"/>
+            <a:r>
+              <a:rPr lang="ko-KR" altLang="en-US" sz="1100" b="1" dirty="0">
+                <a:solidFill>
+                  <a:schemeClr val="tx1"/>
+                </a:solidFill>
+              </a:rPr>
+              <a:t>빈칸을 채워주세요 </a:t>
+            </a:r>
+            <a:r>
+              <a:rPr lang="en-US" altLang="ko-KR" sz="1100" b="1" dirty="0">
+                <a:solidFill>
+                  <a:schemeClr val="tx1"/>
+                </a:solidFill>
+              </a:rPr>
+              <a:t>!</a:t>
+            </a:r>
+            <a:endParaRPr lang="ko-KR" altLang="en-US" sz="1100" b="1" dirty="0">
+              <a:solidFill>
+                <a:schemeClr val="tx1"/>
+              </a:solidFill>
+            </a:endParaRPr>
+          </a:p>
+        </p:txBody>
+      </p:sp>
+    </p:spTree>
+    <p:extLst>
+      <p:ext uri="{BB962C8B-B14F-4D97-AF65-F5344CB8AC3E}">
+        <p14:creationId xmlns:p14="http://schemas.microsoft.com/office/powerpoint/2010/main" val="3242692751"/>
+      </p:ext>
+    </p:extLst>
+  </p:cSld>
+  <p:clrMapOvr>
+    <a:masterClrMapping/>
+  </p:clrMapOvr>
+</p:sld>
+</file>
+
+<file path=ppt/slides/slide9.xml><?xml version="1.0" encoding="utf-8"?>
+<p:sld xmlns:a="http://schemas.openxmlformats.org/drawingml/2006/main" xmlns:r="http://schemas.openxmlformats.org/officeDocument/2006/relationships" xmlns:p="http://schemas.openxmlformats.org/presentationml/2006/main">
+  <p:cSld>
+    <p:spTree>
+      <p:nvGrpSpPr>
+        <p:cNvPr id="1" name=""/>
+        <p:cNvGrpSpPr/>
+        <p:nvPr/>
+      </p:nvGrpSpPr>
+      <p:grpSpPr>
+        <a:xfrm>
+          <a:off x="0" y="0"/>
+          <a:ext cx="0" cy="0"/>
+          <a:chOff x="0" y="0"/>
+          <a:chExt cx="0" cy="0"/>
+        </a:xfrm>
+      </p:grpSpPr>
+      <p:sp>
+        <p:nvSpPr>
+          <p:cNvPr id="4" name="제목 3"/>
+          <p:cNvSpPr>
+            <a:spLocks noGrp="1"/>
+          </p:cNvSpPr>
+          <p:nvPr>
+            <p:ph type="title"/>
+          </p:nvPr>
+        </p:nvSpPr>
+        <p:spPr>
+          <a:xfrm>
+            <a:off x="186599" y="161047"/>
+            <a:ext cx="10515600" cy="788172"/>
+          </a:xfrm>
+        </p:spPr>
+        <p:txBody>
+          <a:bodyPr/>
+          <a:lstStyle/>
+          <a:p>
+            <a:r>
+              <a:rPr lang="en-US" altLang="ko-KR" dirty="0"/>
+              <a:t>DEG Analysis</a:t>
+            </a:r>
+            <a:endParaRPr lang="ko-KR" altLang="en-US" dirty="0"/>
+          </a:p>
+        </p:txBody>
+      </p:sp>
+      <p:sp>
+        <p:nvSpPr>
+          <p:cNvPr id="6" name="TextBox 5"/>
+          <p:cNvSpPr txBox="1"/>
+          <p:nvPr/>
+        </p:nvSpPr>
+        <p:spPr>
+          <a:xfrm>
+            <a:off x="10636296" y="45718"/>
+            <a:ext cx="1435008" cy="369332"/>
+          </a:xfrm>
+          <a:prstGeom prst="rect">
+            <a:avLst/>
+          </a:prstGeom>
+          <a:noFill/>
+        </p:spPr>
+        <p:txBody>
+          <a:bodyPr wrap="none" rtlCol="0">
+            <a:spAutoFit/>
+          </a:bodyPr>
+          <a:lstStyle/>
+          <a:p>
+            <a:r>
+              <a:rPr lang="en-US" altLang="ko-KR" dirty="0"/>
+              <a:t>2. DESeq2.R</a:t>
+            </a:r>
+            <a:endParaRPr lang="ko-KR" altLang="en-US" dirty="0"/>
+          </a:p>
+        </p:txBody>
+      </p:sp>
+      <p:sp>
+        <p:nvSpPr>
+          <p:cNvPr id="2" name="내용 개체 틀 1"/>
+          <p:cNvSpPr>
+            <a:spLocks noGrp="1"/>
+          </p:cNvSpPr>
+          <p:nvPr>
+            <p:ph idx="1"/>
+          </p:nvPr>
+        </p:nvSpPr>
+        <p:spPr>
+          <a:xfrm>
+            <a:off x="186599" y="1203054"/>
             <a:ext cx="11671572" cy="4351338"/>
           </a:xfrm>
         </p:spPr>
@@ -11651,35 +12231,27 @@
             </a:r>
             <a:r>
               <a:rPr lang="en-US" altLang="ko-KR" sz="1800" b="1" dirty="0"/>
-              <a:t>Fold </a:t>
-            </a:r>
-            <a:r>
-              <a:rPr lang="en-US" altLang="ko-KR" sz="1800" b="1" dirty="0" smtClean="0"/>
-              <a:t>change</a:t>
-            </a:r>
-            <a:r>
-              <a:rPr lang="ko-KR" altLang="en-US" sz="1800" dirty="0" smtClean="0"/>
+              <a:t>Fold change</a:t>
+            </a:r>
+            <a:r>
+              <a:rPr lang="ko-KR" altLang="en-US" sz="1800" dirty="0"/>
               <a:t>와 </a:t>
             </a:r>
             <a:r>
-              <a:rPr lang="en-US" altLang="ko-KR" sz="1800" b="1" dirty="0" smtClean="0"/>
+              <a:rPr lang="en-US" altLang="ko-KR" sz="1800" b="1" dirty="0"/>
               <a:t>(adjusted)</a:t>
             </a:r>
             <a:r>
-              <a:rPr lang="en-US" altLang="ko-KR" sz="1800" dirty="0" smtClean="0"/>
+              <a:rPr lang="en-US" altLang="ko-KR" sz="1800" dirty="0"/>
               <a:t> </a:t>
             </a:r>
             <a:r>
-              <a:rPr lang="en-US" altLang="ko-KR" sz="1800" b="1" dirty="0" smtClean="0"/>
+              <a:rPr lang="en-US" altLang="ko-KR" sz="1800" b="1" dirty="0"/>
               <a:t>p value</a:t>
             </a:r>
             <a:r>
-              <a:rPr lang="ko-KR" altLang="en-US" sz="1800" dirty="0" smtClean="0"/>
-              <a:t>를 </a:t>
-            </a:r>
-            <a:r>
               <a:rPr lang="ko-KR" altLang="en-US" sz="1800" dirty="0"/>
-              <a:t>이용해 유의미함을 판단함</a:t>
+              <a:t>를 이용해 유의미함을 판단함</a:t>
             </a:r>
             <a:endParaRPr lang="en-US" altLang="ko-KR" sz="1800" dirty="0"/>
           </a:p>
@@ -11699,7 +12271,7 @@
           <p:cNvPr id="7" name="그림 6">
             <a:extLst>
               <a:ext uri="{FF2B5EF4-FFF2-40B4-BE49-F238E27FC236}">
-                <a16:creationId xmlns="" xmlns:a16="http://schemas.microsoft.com/office/drawing/2014/main" id="{4CF8583E-FD4B-4ACF-B28E-23B9D3C778AF}"/>
+                <a16:creationId xmlns:a16="http://schemas.microsoft.com/office/drawing/2014/main" id="{4CF8583E-FD4B-4ACF-B28E-23B9D3C778AF}"/>
               </a:ext>
             </a:extLst>
           </p:cNvPr>
@@ -11737,14 +12309,14 @@
             <a:chExt cx="7762431" cy="586380"/>
           </a:xfrm>
         </p:grpSpPr>
-        <mc:AlternateContent xmlns:mc="http://schemas.openxmlformats.org/markup-compatibility/2006">
-          <mc:Choice xmlns:a14="http://schemas.microsoft.com/office/drawing/2010/main" Requires="a14">
+        <mc:AlternateContent xmlns:mc="http://schemas.openxmlformats.org/markup-compatibility/2006" xmlns:a14="http://schemas.microsoft.com/office/drawing/2010/main">
+          <mc:Choice Requires="a14">
             <p:sp>
               <p:nvSpPr>
                 <p:cNvPr id="3" name="TextBox 2">
                   <a:extLst>
                     <a:ext uri="{FF2B5EF4-FFF2-40B4-BE49-F238E27FC236}">
-                      <a16:creationId xmlns="" xmlns:a16="http://schemas.microsoft.com/office/drawing/2014/main" id="{1BDDA2C1-03DA-41F1-A879-7E20D290242E}"/>
+                      <a16:creationId xmlns:a16="http://schemas.microsoft.com/office/drawing/2014/main" id="{1BDDA2C1-03DA-41F1-A879-7E20D290242E}"/>
                     </a:ext>
                   </a:extLst>
                 </p:cNvPr>
@@ -11893,7 +12465,7 @@
               </p:txBody>
             </p:sp>
           </mc:Choice>
-          <mc:Fallback>
+          <mc:Fallback xmlns="">
             <p:sp>
               <p:nvSpPr>
                 <p:cNvPr id="3" name="TextBox 2">
@@ -11943,7 +12515,7 @@
             <p:cNvPr id="9" name="TextBox 8">
               <a:extLst>
                 <a:ext uri="{FF2B5EF4-FFF2-40B4-BE49-F238E27FC236}">
-                  <a16:creationId xmlns="" xmlns:a16="http://schemas.microsoft.com/office/drawing/2014/main" id="{74EAE6DD-6600-4783-BA14-E6F3368EF3C5}"/>
+                  <a16:creationId xmlns:a16="http://schemas.microsoft.com/office/drawing/2014/main" id="{74EAE6DD-6600-4783-BA14-E6F3368EF3C5}"/>
                 </a:ext>
               </a:extLst>
             </p:cNvPr>
@@ -11973,14 +12545,10 @@
               </a:pPr>
               <a:r>
                 <a:rPr lang="ko-KR" altLang="en-US" sz="1600" b="1" dirty="0"/>
-                <a:t>결과 </a:t>
+                <a:t>결과 해석 </a:t>
               </a:r>
               <a:r>
-                <a:rPr lang="ko-KR" altLang="en-US" sz="1600" b="1" dirty="0" smtClean="0"/>
-                <a:t>해석 </a:t>
-              </a:r>
-              <a:r>
-                <a:rPr lang="en-US" altLang="ko-KR" sz="1600" b="1" dirty="0" smtClean="0"/>
+                <a:rPr lang="en-US" altLang="ko-KR" sz="1600" b="1" dirty="0"/>
                 <a:t>]</a:t>
               </a:r>
               <a:endParaRPr lang="en-US" altLang="ko-KR" sz="1600" dirty="0"/>
@@ -12143,7 +12711,7 @@
           <p:cNvPr id="14" name="TextBox 13">
             <a:extLst>
               <a:ext uri="{FF2B5EF4-FFF2-40B4-BE49-F238E27FC236}">
-                <a16:creationId xmlns="" xmlns:a16="http://schemas.microsoft.com/office/drawing/2014/main" id="{74EAE6DD-6600-4783-BA14-E6F3368EF3C5}"/>
+                <a16:creationId xmlns:a16="http://schemas.microsoft.com/office/drawing/2014/main" id="{74EAE6DD-6600-4783-BA14-E6F3368EF3C5}"/>
               </a:ext>
             </a:extLst>
           </p:cNvPr>
@@ -12172,23 +12740,23 @@
               </a:lnSpc>
             </a:pPr>
             <a:r>
-              <a:rPr lang="en-US" altLang="ko-KR" sz="1600" b="1" dirty="0" smtClean="0"/>
+              <a:rPr lang="en-US" altLang="ko-KR" sz="1600" b="1" dirty="0"/>
               <a:t>&lt; DESeq2 </a:t>
             </a:r>
             <a:r>
-              <a:rPr lang="ko-KR" altLang="en-US" sz="1600" b="1" dirty="0" smtClean="0"/>
+              <a:rPr lang="ko-KR" altLang="en-US" sz="1600" b="1" dirty="0"/>
               <a:t>결과</a:t>
             </a:r>
             <a:r>
-              <a:rPr lang="en-US" altLang="ko-KR" sz="1600" b="1" dirty="0" smtClean="0"/>
+              <a:rPr lang="en-US" altLang="ko-KR" sz="1600" b="1" dirty="0"/>
               <a:t> </a:t>
             </a:r>
             <a:r>
-              <a:rPr lang="ko-KR" altLang="en-US" sz="1600" b="1" dirty="0" smtClean="0"/>
+              <a:rPr lang="ko-KR" altLang="en-US" sz="1600" b="1" dirty="0"/>
               <a:t>예시 </a:t>
             </a:r>
             <a:r>
-              <a:rPr lang="en-US" altLang="ko-KR" sz="1600" b="1" dirty="0" smtClean="0"/>
+              <a:rPr lang="en-US" altLang="ko-KR" sz="1600" b="1" dirty="0"/>
               <a:t>&gt;</a:t>
             </a:r>
             <a:endParaRPr lang="en-US" altLang="ko-KR" sz="1600" dirty="0"/>
@@ -12199,570 +12767,6 @@
     <p:extLst>
       <p:ext uri="{BB962C8B-B14F-4D97-AF65-F5344CB8AC3E}">
         <p14:creationId xmlns:p14="http://schemas.microsoft.com/office/powerpoint/2010/main" val="961450628"/>
-      </p:ext>
-    </p:extLst>
-  </p:cSld>
-  <p:clrMapOvr>
-    <a:masterClrMapping/>
-  </p:clrMapOvr>
-</p:sld>
-</file>
-
-<file path=ppt/slides/slide9.xml><?xml version="1.0" encoding="utf-8"?>
-<p:sld xmlns:a="http://schemas.openxmlformats.org/drawingml/2006/main" xmlns:r="http://schemas.openxmlformats.org/officeDocument/2006/relationships" xmlns:p="http://schemas.openxmlformats.org/presentationml/2006/main">
-  <p:cSld>
-    <p:spTree>
-      <p:nvGrpSpPr>
-        <p:cNvPr id="1" name=""/>
-        <p:cNvGrpSpPr/>
-        <p:nvPr/>
-      </p:nvGrpSpPr>
-      <p:grpSpPr>
-        <a:xfrm>
-          <a:off x="0" y="0"/>
-          <a:ext cx="0" cy="0"/>
-          <a:chOff x="0" y="0"/>
-          <a:chExt cx="0" cy="0"/>
-        </a:xfrm>
-      </p:grpSpPr>
-      <p:sp>
-        <p:nvSpPr>
-          <p:cNvPr id="4" name="제목 3"/>
-          <p:cNvSpPr>
-            <a:spLocks noGrp="1"/>
-          </p:cNvSpPr>
-          <p:nvPr>
-            <p:ph type="title"/>
-          </p:nvPr>
-        </p:nvSpPr>
-        <p:spPr>
-          <a:xfrm>
-            <a:off x="186599" y="161047"/>
-            <a:ext cx="10515600" cy="788172"/>
-          </a:xfrm>
-        </p:spPr>
-        <p:txBody>
-          <a:bodyPr/>
-          <a:lstStyle/>
-          <a:p>
-            <a:r>
-              <a:rPr lang="en-US" altLang="ko-KR" dirty="0"/>
-              <a:t>DEG Analysis</a:t>
-            </a:r>
-            <a:endParaRPr lang="ko-KR" altLang="en-US" dirty="0"/>
-          </a:p>
-        </p:txBody>
-      </p:sp>
-      <p:sp>
-        <p:nvSpPr>
-          <p:cNvPr id="6" name="TextBox 5"/>
-          <p:cNvSpPr txBox="1"/>
-          <p:nvPr/>
-        </p:nvSpPr>
-        <p:spPr>
-          <a:xfrm>
-            <a:off x="10636296" y="45718"/>
-            <a:ext cx="1435008" cy="369332"/>
-          </a:xfrm>
-          <a:prstGeom prst="rect">
-            <a:avLst/>
-          </a:prstGeom>
-          <a:noFill/>
-        </p:spPr>
-        <p:txBody>
-          <a:bodyPr wrap="none" rtlCol="0">
-            <a:spAutoFit/>
-          </a:bodyPr>
-          <a:lstStyle/>
-          <a:p>
-            <a:r>
-              <a:rPr lang="en-US" altLang="ko-KR" dirty="0"/>
-              <a:t>2. DESeq2.R</a:t>
-            </a:r>
-            <a:endParaRPr lang="ko-KR" altLang="en-US" dirty="0"/>
-          </a:p>
-        </p:txBody>
-      </p:sp>
-      <mc:AlternateContent xmlns:mc="http://schemas.openxmlformats.org/markup-compatibility/2006">
-        <mc:Choice xmlns:a14="http://schemas.microsoft.com/office/drawing/2010/main" Requires="a14">
-          <p:sp>
-            <p:nvSpPr>
-              <p:cNvPr id="2" name="내용 개체 틀 1"/>
-              <p:cNvSpPr>
-                <a:spLocks noGrp="1"/>
-              </p:cNvSpPr>
-              <p:nvPr>
-                <p:ph idx="1"/>
-              </p:nvPr>
-            </p:nvSpPr>
-            <p:spPr>
-              <a:xfrm>
-                <a:off x="186599" y="1203053"/>
-                <a:ext cx="11671572" cy="5300383"/>
-              </a:xfrm>
-            </p:spPr>
-            <p:txBody>
-              <a:bodyPr>
-                <a:normAutofit fontScale="92500" lnSpcReduction="10000"/>
-              </a:bodyPr>
-              <a:lstStyle/>
-              <a:p>
-                <a:pPr marL="0" indent="0">
-                  <a:lnSpc>
-                    <a:spcPct val="130000"/>
-                  </a:lnSpc>
-                  <a:buNone/>
-                </a:pPr>
-                <a:r>
-                  <a:rPr lang="en-US" altLang="ko-KR" sz="1800" u="sng" dirty="0" smtClean="0"/>
-                  <a:t>1. </a:t>
-                </a:r>
-                <a:r>
-                  <a:rPr lang="en-US" altLang="ko-KR" sz="1800" b="1" u="sng" dirty="0" smtClean="0"/>
-                  <a:t>Fold change</a:t>
-                </a:r>
-                <a:r>
-                  <a:rPr lang="ko-KR" altLang="en-US" sz="1800" b="1" u="sng" dirty="0"/>
-                  <a:t> </a:t>
-                </a:r>
-                <a:r>
-                  <a:rPr lang="ko-KR" altLang="en-US" sz="1800" u="sng" dirty="0" smtClean="0"/>
-                  <a:t>란 </a:t>
-                </a:r>
-                <a:r>
-                  <a:rPr lang="en-US" altLang="ko-KR" sz="1800" u="sng" dirty="0" smtClean="0"/>
-                  <a:t>?</a:t>
-                </a:r>
-              </a:p>
-              <a:p>
-                <a:pPr marL="0" indent="0">
-                  <a:lnSpc>
-                    <a:spcPct val="130000"/>
-                  </a:lnSpc>
-                  <a:buNone/>
-                </a:pPr>
-                <a:r>
-                  <a:rPr lang="ko-KR" altLang="en-US" sz="1800" dirty="0"/>
-                  <a:t>두 집단 간 유전자 </a:t>
-                </a:r>
-                <a:r>
-                  <a:rPr lang="ko-KR" altLang="en-US" sz="1800" dirty="0" err="1"/>
-                  <a:t>발현량</a:t>
-                </a:r>
-                <a:r>
-                  <a:rPr lang="ko-KR" altLang="en-US" sz="1800" dirty="0"/>
-                  <a:t> 배수 </a:t>
-                </a:r>
-                <a:r>
-                  <a:rPr lang="ko-KR" altLang="en-US" sz="1800" dirty="0" smtClean="0"/>
-                  <a:t>차이</a:t>
-                </a:r>
-                <a:endParaRPr lang="en-US" altLang="ko-KR" sz="1800" dirty="0" smtClean="0"/>
-              </a:p>
-              <a:p>
-                <a:pPr marL="0" indent="0">
-                  <a:lnSpc>
-                    <a:spcPct val="130000"/>
-                  </a:lnSpc>
-                  <a:buNone/>
-                </a:pPr>
-                <a:r>
-                  <a:rPr lang="en-US" altLang="ko-KR" sz="1800" dirty="0" smtClean="0"/>
-                  <a:t>ex. </a:t>
-                </a:r>
-                <a:r>
-                  <a:rPr lang="ko-KR" altLang="en-US" sz="1800" dirty="0" smtClean="0"/>
-                  <a:t>대조군 </a:t>
-                </a:r>
-                <a:r>
-                  <a:rPr lang="ko-KR" altLang="en-US" sz="1800" dirty="0"/>
-                  <a:t>대비 비교군의 </a:t>
-                </a:r>
-                <a:r>
-                  <a:rPr lang="en-US" altLang="ko-KR" sz="1800" dirty="0"/>
-                  <a:t>log2(Fold Change)</a:t>
-                </a:r>
-                <a:r>
-                  <a:rPr lang="ko-KR" altLang="en-US" sz="1800" dirty="0"/>
-                  <a:t> </a:t>
-                </a:r>
-                <a:r>
-                  <a:rPr lang="en-US" altLang="ko-KR" sz="1800" dirty="0"/>
-                  <a:t>= log2(</a:t>
-                </a:r>
-                <a:r>
-                  <a:rPr lang="ko-KR" altLang="en-US" sz="1800" dirty="0"/>
-                  <a:t>비교군 유전자 </a:t>
-                </a:r>
-                <a:r>
-                  <a:rPr lang="ko-KR" altLang="en-US" sz="1800" dirty="0" err="1"/>
-                  <a:t>발현량</a:t>
-                </a:r>
-                <a:r>
-                  <a:rPr lang="ko-KR" altLang="en-US" sz="1800" dirty="0"/>
-                  <a:t> </a:t>
-                </a:r>
-                <a:r>
-                  <a:rPr lang="en-US" altLang="ko-KR" sz="1800" dirty="0"/>
-                  <a:t>/ </a:t>
-                </a:r>
-                <a:r>
-                  <a:rPr lang="ko-KR" altLang="en-US" sz="1800" dirty="0"/>
-                  <a:t>대조군 유전자 </a:t>
-                </a:r>
-                <a:r>
-                  <a:rPr lang="ko-KR" altLang="en-US" sz="1800" dirty="0" err="1"/>
-                  <a:t>발현량</a:t>
-                </a:r>
-                <a:r>
-                  <a:rPr lang="en-US" altLang="ko-KR" sz="1800" dirty="0" smtClean="0"/>
-                  <a:t>)</a:t>
-                </a:r>
-              </a:p>
-              <a:p>
-                <a:pPr marL="0" indent="0">
-                  <a:lnSpc>
-                    <a:spcPct val="130000"/>
-                  </a:lnSpc>
-                  <a:buNone/>
-                </a:pPr>
-                <a:endParaRPr lang="en-US" altLang="ko-KR" sz="1800" dirty="0" smtClean="0"/>
-              </a:p>
-              <a:p>
-                <a:pPr marL="0" indent="0">
-                  <a:lnSpc>
-                    <a:spcPct val="130000"/>
-                  </a:lnSpc>
-                  <a:buNone/>
-                </a:pPr>
-                <a:r>
-                  <a:rPr lang="en-US" altLang="ko-KR" sz="1800" u="sng" dirty="0" smtClean="0"/>
-                  <a:t>2. </a:t>
-                </a:r>
-                <a:r>
-                  <a:rPr lang="en-US" altLang="ko-KR" sz="1800" b="1" u="sng" dirty="0" smtClean="0"/>
-                  <a:t>P value </a:t>
-                </a:r>
-                <a:r>
-                  <a:rPr lang="ko-KR" altLang="en-US" sz="1800" u="sng" dirty="0" smtClean="0"/>
-                  <a:t>란 </a:t>
-                </a:r>
-                <a:r>
-                  <a:rPr lang="en-US" altLang="ko-KR" sz="1800" u="sng" dirty="0" smtClean="0"/>
-                  <a:t>?</a:t>
-                </a:r>
-                <a:r>
-                  <a:rPr lang="en-US" altLang="ko-KR" sz="1800" b="1" u="sng" dirty="0" smtClean="0"/>
-                  <a:t> </a:t>
-                </a:r>
-              </a:p>
-              <a:p>
-                <a:pPr marL="0" indent="0">
-                  <a:lnSpc>
-                    <a:spcPct val="130000"/>
-                  </a:lnSpc>
-                  <a:buNone/>
-                </a:pPr>
-                <a:r>
-                  <a:rPr lang="ko-KR" altLang="en-US" sz="1800" dirty="0" smtClean="0"/>
-                  <a:t>두 집단의 값들이 유의한 차이를 보이는지 </a:t>
-                </a:r>
-                <a:r>
-                  <a:rPr lang="ko-KR" altLang="en-US" sz="1800" dirty="0" smtClean="0"/>
-                  <a:t>검정한 통계량보다 크거나 같은 값을 얻을 수 있는 확률</a:t>
-                </a:r>
-                <a:r>
-                  <a:rPr lang="en-US" altLang="ko-KR" sz="1800" dirty="0" smtClean="0"/>
-                  <a:t>.</a:t>
-                </a:r>
-              </a:p>
-              <a:p>
-                <a:pPr>
-                  <a:lnSpc>
-                    <a:spcPct val="130000"/>
-                  </a:lnSpc>
-                  <a:buFont typeface="Wingdings" panose="05000000000000000000" pitchFamily="2" charset="2"/>
-                  <a:buChar char="à"/>
-                </a:pPr>
-                <a:r>
-                  <a:rPr lang="en-US" altLang="ko-KR" sz="1800" dirty="0" smtClean="0">
-                    <a:sym typeface="Wingdings" panose="05000000000000000000" pitchFamily="2" charset="2"/>
-                  </a:rPr>
-                  <a:t> p value &lt; 0.05 </a:t>
-                </a:r>
-                <a:r>
-                  <a:rPr lang="ko-KR" altLang="en-US" sz="1800" dirty="0" smtClean="0">
-                    <a:sym typeface="Wingdings" panose="05000000000000000000" pitchFamily="2" charset="2"/>
-                  </a:rPr>
-                  <a:t>라는 것은 이보다 차이가 나는 값이 나올 확률이 </a:t>
-                </a:r>
-                <a:r>
-                  <a:rPr lang="en-US" altLang="ko-KR" sz="1800" dirty="0" smtClean="0">
-                    <a:sym typeface="Wingdings" panose="05000000000000000000" pitchFamily="2" charset="2"/>
-                  </a:rPr>
-                  <a:t>100</a:t>
-                </a:r>
-                <a:r>
-                  <a:rPr lang="ko-KR" altLang="en-US" sz="1800" dirty="0" smtClean="0">
-                    <a:sym typeface="Wingdings" panose="05000000000000000000" pitchFamily="2" charset="2"/>
-                  </a:rPr>
-                  <a:t>번 중 </a:t>
-                </a:r>
-                <a:r>
-                  <a:rPr lang="en-US" altLang="ko-KR" sz="1800" dirty="0" smtClean="0">
-                    <a:sym typeface="Wingdings" panose="05000000000000000000" pitchFamily="2" charset="2"/>
-                  </a:rPr>
-                  <a:t>5</a:t>
-                </a:r>
-                <a:r>
-                  <a:rPr lang="ko-KR" altLang="en-US" sz="1800" dirty="0" smtClean="0">
-                    <a:sym typeface="Wingdings" panose="05000000000000000000" pitchFamily="2" charset="2"/>
-                  </a:rPr>
-                  <a:t>번 이하라는 것 </a:t>
-                </a:r>
-                <a:r>
-                  <a:rPr lang="en-US" altLang="ko-KR" sz="1800" dirty="0" smtClean="0">
-                    <a:sym typeface="Wingdings" panose="05000000000000000000" pitchFamily="2" charset="2"/>
-                  </a:rPr>
-                  <a:t>!</a:t>
-                </a:r>
-              </a:p>
-              <a:p>
-                <a:pPr marL="0" indent="0">
-                  <a:lnSpc>
-                    <a:spcPct val="130000"/>
-                  </a:lnSpc>
-                  <a:buNone/>
-                </a:pPr>
-                <a:endParaRPr lang="en-US" altLang="ko-KR" sz="1800" dirty="0" smtClean="0">
-                  <a:sym typeface="Wingdings" panose="05000000000000000000" pitchFamily="2" charset="2"/>
-                </a:endParaRPr>
-              </a:p>
-              <a:p>
-                <a:pPr marL="0" indent="0">
-                  <a:lnSpc>
-                    <a:spcPct val="130000"/>
-                  </a:lnSpc>
-                  <a:buNone/>
-                </a:pPr>
-                <a:r>
-                  <a:rPr lang="en-US" altLang="ko-KR" sz="1800" u="sng" dirty="0" smtClean="0"/>
-                  <a:t>3. </a:t>
-                </a:r>
-                <a:r>
-                  <a:rPr lang="en-US" altLang="ko-KR" sz="1800" b="1" u="sng" dirty="0" smtClean="0"/>
-                  <a:t>Adjusted p value </a:t>
-                </a:r>
-                <a:r>
-                  <a:rPr lang="ko-KR" altLang="en-US" sz="1800" u="sng" dirty="0" smtClean="0"/>
-                  <a:t>란 </a:t>
-                </a:r>
-                <a:r>
-                  <a:rPr lang="en-US" altLang="ko-KR" sz="1800" u="sng" dirty="0" smtClean="0"/>
-                  <a:t>?</a:t>
-                </a:r>
-              </a:p>
-              <a:p>
-                <a:pPr marL="0" indent="0">
-                  <a:lnSpc>
-                    <a:spcPct val="130000"/>
-                  </a:lnSpc>
-                  <a:buNone/>
-                </a:pPr>
-                <a:r>
-                  <a:rPr lang="ko-KR" altLang="en-US" sz="1800" dirty="0" smtClean="0"/>
-                  <a:t>두 집단 간 유의한 유전자를 </a:t>
-                </a:r>
-                <a:r>
-                  <a:rPr lang="ko-KR" altLang="en-US" sz="1800" dirty="0" smtClean="0"/>
-                  <a:t>뽑기 위해 유전자마다 가설 검정 진행</a:t>
-                </a:r>
-                <a:endParaRPr lang="en-US" altLang="ko-KR" sz="1800" dirty="0" smtClean="0"/>
-              </a:p>
-              <a:p>
-                <a:pPr>
-                  <a:lnSpc>
-                    <a:spcPct val="130000"/>
-                  </a:lnSpc>
-                  <a:buFont typeface="Wingdings" panose="05000000000000000000" pitchFamily="2" charset="2"/>
-                  <a:buChar char="à"/>
-                </a:pPr>
-                <a:r>
-                  <a:rPr lang="ko-KR" altLang="en-US" sz="1800" dirty="0" smtClean="0">
-                    <a:sym typeface="Wingdings" panose="05000000000000000000" pitchFamily="2" charset="2"/>
-                  </a:rPr>
-                  <a:t>한 가설 </a:t>
-                </a:r>
-                <a:r>
-                  <a:rPr lang="en-US" altLang="ko-KR" sz="1800" dirty="0" smtClean="0">
-                    <a:sym typeface="Wingdings" panose="05000000000000000000" pitchFamily="2" charset="2"/>
-                  </a:rPr>
-                  <a:t>(</a:t>
-                </a:r>
-                <a:r>
-                  <a:rPr lang="ko-KR" altLang="en-US" sz="1800" dirty="0" smtClean="0">
-                    <a:sym typeface="Wingdings" panose="05000000000000000000" pitchFamily="2" charset="2"/>
-                  </a:rPr>
-                  <a:t>유전자</a:t>
-                </a:r>
-                <a:r>
-                  <a:rPr lang="en-US" altLang="ko-KR" sz="1800" dirty="0" smtClean="0">
-                    <a:sym typeface="Wingdings" panose="05000000000000000000" pitchFamily="2" charset="2"/>
-                  </a:rPr>
-                  <a:t>) </a:t>
-                </a:r>
-                <a:r>
-                  <a:rPr lang="ko-KR" altLang="en-US" sz="1800" dirty="0" smtClean="0">
-                    <a:sym typeface="Wingdings" panose="05000000000000000000" pitchFamily="2" charset="2"/>
-                  </a:rPr>
-                  <a:t>당 유의미함을 </a:t>
-                </a:r>
-                <a:r>
-                  <a:rPr lang="ko-KR" altLang="en-US" sz="1800" dirty="0" smtClean="0">
-                    <a:sym typeface="Wingdings" panose="05000000000000000000" pitchFamily="2" charset="2"/>
-                  </a:rPr>
-                  <a:t>올바르게 판단하지 않을 확률 </a:t>
-                </a:r>
-                <a:r>
-                  <a:rPr lang="en-US" altLang="ko-KR" sz="1800" dirty="0" smtClean="0">
-                    <a:sym typeface="Wingdings" panose="05000000000000000000" pitchFamily="2" charset="2"/>
-                  </a:rPr>
-                  <a:t>1-0.05=0.95</a:t>
-                </a:r>
-              </a:p>
-              <a:p>
-                <a:pPr>
-                  <a:lnSpc>
-                    <a:spcPct val="130000"/>
-                  </a:lnSpc>
-                  <a:buFont typeface="Wingdings" panose="05000000000000000000" pitchFamily="2" charset="2"/>
-                  <a:buChar char="à"/>
-                </a:pPr>
-                <a:r>
-                  <a:rPr lang="ko-KR" altLang="en-US" sz="1800" dirty="0" smtClean="0">
-                    <a:sym typeface="Wingdings" panose="05000000000000000000" pitchFamily="2" charset="2"/>
-                  </a:rPr>
-                  <a:t>유전자가 </a:t>
-                </a:r>
-                <a:r>
-                  <a:rPr lang="en-US" altLang="ko-KR" sz="1800" dirty="0" smtClean="0">
-                    <a:sym typeface="Wingdings" panose="05000000000000000000" pitchFamily="2" charset="2"/>
-                  </a:rPr>
-                  <a:t>3</a:t>
-                </a:r>
-                <a:r>
-                  <a:rPr lang="ko-KR" altLang="en-US" sz="1800" dirty="0" smtClean="0">
-                    <a:sym typeface="Wingdings" panose="05000000000000000000" pitchFamily="2" charset="2"/>
-                  </a:rPr>
-                  <a:t>개만 있어도 </a:t>
-                </a:r>
-                <a14:m>
-                  <m:oMath xmlns:m="http://schemas.openxmlformats.org/officeDocument/2006/math">
-                    <m:sSup>
-                      <m:sSupPr>
-                        <m:ctrlPr>
-                          <a:rPr lang="en-US" altLang="ko-KR" sz="1800" b="0" i="1" smtClean="0">
-                            <a:latin typeface="Cambria Math" panose="02040503050406030204" pitchFamily="18" charset="0"/>
-                            <a:sym typeface="Wingdings" panose="05000000000000000000" pitchFamily="2" charset="2"/>
-                          </a:rPr>
-                        </m:ctrlPr>
-                      </m:sSupPr>
-                      <m:e>
-                        <m:r>
-                          <a:rPr lang="en-US" altLang="ko-KR" sz="1800" b="0" i="1" smtClean="0">
-                            <a:latin typeface="Cambria Math" panose="02040503050406030204" pitchFamily="18" charset="0"/>
-                            <a:sym typeface="Wingdings" panose="05000000000000000000" pitchFamily="2" charset="2"/>
-                          </a:rPr>
-                          <m:t>0.95</m:t>
-                        </m:r>
-                      </m:e>
-                      <m:sup>
-                        <m:r>
-                          <a:rPr lang="en-US" altLang="ko-KR" sz="1800" b="0" i="1" smtClean="0">
-                            <a:latin typeface="Cambria Math" panose="02040503050406030204" pitchFamily="18" charset="0"/>
-                            <a:sym typeface="Wingdings" panose="05000000000000000000" pitchFamily="2" charset="2"/>
-                          </a:rPr>
-                          <m:t>3</m:t>
-                        </m:r>
-                      </m:sup>
-                    </m:sSup>
-                    <m:r>
-                      <a:rPr lang="en-US" altLang="ko-KR" sz="1800" b="0" i="1" smtClean="0">
-                        <a:latin typeface="Cambria Math" panose="02040503050406030204" pitchFamily="18" charset="0"/>
-                        <a:sym typeface="Wingdings" panose="05000000000000000000" pitchFamily="2" charset="2"/>
-                      </a:rPr>
-                      <m:t>=0.857</m:t>
-                    </m:r>
-                  </m:oMath>
-                </a14:m>
-                <a:r>
-                  <a:rPr lang="ko-KR" altLang="en-US" sz="1800" dirty="0" smtClean="0"/>
-                  <a:t>로 확률이 매우 증가하기 때문에 이를 보정해주는 </a:t>
-                </a:r>
-                <a:r>
-                  <a:rPr lang="ko-KR" altLang="en-US" sz="1800" dirty="0" smtClean="0"/>
-                  <a:t>값</a:t>
-                </a:r>
-                <a:r>
-                  <a:rPr lang="en-US" altLang="ko-KR" sz="1800" dirty="0" smtClean="0"/>
-                  <a:t>.</a:t>
-                </a:r>
-                <a:endParaRPr lang="en-US" altLang="ko-KR" sz="1800" dirty="0"/>
-              </a:p>
-              <a:p>
-                <a:pPr marL="0" indent="0">
-                  <a:lnSpc>
-                    <a:spcPct val="130000"/>
-                  </a:lnSpc>
-                  <a:buNone/>
-                </a:pPr>
-                <a:endParaRPr lang="en-US" altLang="ko-KR" sz="1800" dirty="0"/>
-              </a:p>
-            </p:txBody>
-          </p:sp>
-        </mc:Choice>
-        <mc:Fallback>
-          <p:sp>
-            <p:nvSpPr>
-              <p:cNvPr id="2" name="내용 개체 틀 1"/>
-              <p:cNvSpPr>
-                <a:spLocks noGrp="1" noRot="1" noChangeAspect="1" noMove="1" noResize="1" noEditPoints="1" noAdjustHandles="1" noChangeArrowheads="1" noChangeShapeType="1" noTextEdit="1"/>
-              </p:cNvSpPr>
-              <p:nvPr>
-                <p:ph idx="1"/>
-              </p:nvPr>
-            </p:nvSpPr>
-            <p:spPr>
-              <a:xfrm>
-                <a:off x="186599" y="1203053"/>
-                <a:ext cx="11671572" cy="5300383"/>
-              </a:xfrm>
-              <a:blipFill rotWithShape="0">
-                <a:blip r:embed="rId3"/>
-                <a:stretch>
-                  <a:fillRect l="-366"/>
-                </a:stretch>
-              </a:blipFill>
-            </p:spPr>
-            <p:txBody>
-              <a:bodyPr/>
-              <a:lstStyle/>
-              <a:p>
-                <a:r>
-                  <a:rPr lang="ko-KR" altLang="en-US">
-                    <a:noFill/>
-                  </a:rPr>
-                  <a:t> </a:t>
-                </a:r>
-              </a:p>
-            </p:txBody>
-          </p:sp>
-        </mc:Fallback>
-      </mc:AlternateContent>
-    </p:spTree>
-    <p:extLst>
-      <p:ext uri="{BB962C8B-B14F-4D97-AF65-F5344CB8AC3E}">
-        <p14:creationId xmlns:p14="http://schemas.microsoft.com/office/powerpoint/2010/main" val="2863553818"/>
       </p:ext>
     </p:extLst>
   </p:cSld>

--- a/Presentation/2. DESeq2.pptx
+++ b/Presentation/2. DESeq2.pptx
@@ -242,7 +242,7 @@
           <a:p>
             <a:fld id="{0011AB03-70E4-4BB8-A505-8BA1517E37CF}" type="datetimeFigureOut">
               <a:rPr lang="ko-KR" altLang="en-US" smtClean="0"/>
-              <a:t>2022. 4. 11.</a:t>
+              <a:t>2022-04-11</a:t>
             </a:fld>
             <a:endParaRPr lang="ko-KR" altLang="en-US"/>
           </a:p>
@@ -1700,7 +1700,7 @@
           <a:p>
             <a:fld id="{C37DB50E-FB59-4255-8EC4-78AF5CE9A269}" type="datetimeFigureOut">
               <a:rPr lang="ko-KR" altLang="en-US" smtClean="0"/>
-              <a:t>2022. 4. 11.</a:t>
+              <a:t>2022-04-11</a:t>
             </a:fld>
             <a:endParaRPr lang="ko-KR" altLang="en-US"/>
           </a:p>
@@ -1868,7 +1868,7 @@
           <a:p>
             <a:fld id="{C37DB50E-FB59-4255-8EC4-78AF5CE9A269}" type="datetimeFigureOut">
               <a:rPr lang="ko-KR" altLang="en-US" smtClean="0"/>
-              <a:t>2022. 4. 11.</a:t>
+              <a:t>2022-04-11</a:t>
             </a:fld>
             <a:endParaRPr lang="ko-KR" altLang="en-US"/>
           </a:p>
@@ -2046,7 +2046,7 @@
           <a:p>
             <a:fld id="{C37DB50E-FB59-4255-8EC4-78AF5CE9A269}" type="datetimeFigureOut">
               <a:rPr lang="ko-KR" altLang="en-US" smtClean="0"/>
-              <a:t>2022. 4. 11.</a:t>
+              <a:t>2022-04-11</a:t>
             </a:fld>
             <a:endParaRPr lang="ko-KR" altLang="en-US"/>
           </a:p>
@@ -2214,7 +2214,7 @@
           <a:p>
             <a:fld id="{C37DB50E-FB59-4255-8EC4-78AF5CE9A269}" type="datetimeFigureOut">
               <a:rPr lang="ko-KR" altLang="en-US" smtClean="0"/>
-              <a:t>2022. 4. 11.</a:t>
+              <a:t>2022-04-11</a:t>
             </a:fld>
             <a:endParaRPr lang="ko-KR" altLang="en-US"/>
           </a:p>
@@ -2459,7 +2459,7 @@
           <a:p>
             <a:fld id="{C37DB50E-FB59-4255-8EC4-78AF5CE9A269}" type="datetimeFigureOut">
               <a:rPr lang="ko-KR" altLang="en-US" smtClean="0"/>
-              <a:t>2022. 4. 11.</a:t>
+              <a:t>2022-04-11</a:t>
             </a:fld>
             <a:endParaRPr lang="ko-KR" altLang="en-US"/>
           </a:p>
@@ -2688,7 +2688,7 @@
           <a:p>
             <a:fld id="{C37DB50E-FB59-4255-8EC4-78AF5CE9A269}" type="datetimeFigureOut">
               <a:rPr lang="ko-KR" altLang="en-US" smtClean="0"/>
-              <a:t>2022. 4. 11.</a:t>
+              <a:t>2022-04-11</a:t>
             </a:fld>
             <a:endParaRPr lang="ko-KR" altLang="en-US"/>
           </a:p>
@@ -3052,7 +3052,7 @@
           <a:p>
             <a:fld id="{C37DB50E-FB59-4255-8EC4-78AF5CE9A269}" type="datetimeFigureOut">
               <a:rPr lang="ko-KR" altLang="en-US" smtClean="0"/>
-              <a:t>2022. 4. 11.</a:t>
+              <a:t>2022-04-11</a:t>
             </a:fld>
             <a:endParaRPr lang="ko-KR" altLang="en-US"/>
           </a:p>
@@ -3169,7 +3169,7 @@
           <a:p>
             <a:fld id="{C37DB50E-FB59-4255-8EC4-78AF5CE9A269}" type="datetimeFigureOut">
               <a:rPr lang="ko-KR" altLang="en-US" smtClean="0"/>
-              <a:t>2022. 4. 11.</a:t>
+              <a:t>2022-04-11</a:t>
             </a:fld>
             <a:endParaRPr lang="ko-KR" altLang="en-US"/>
           </a:p>
@@ -3264,7 +3264,7 @@
           <a:p>
             <a:fld id="{C37DB50E-FB59-4255-8EC4-78AF5CE9A269}" type="datetimeFigureOut">
               <a:rPr lang="ko-KR" altLang="en-US" smtClean="0"/>
-              <a:t>2022. 4. 11.</a:t>
+              <a:t>2022-04-11</a:t>
             </a:fld>
             <a:endParaRPr lang="ko-KR" altLang="en-US"/>
           </a:p>
@@ -3539,7 +3539,7 @@
           <a:p>
             <a:fld id="{C37DB50E-FB59-4255-8EC4-78AF5CE9A269}" type="datetimeFigureOut">
               <a:rPr lang="ko-KR" altLang="en-US" smtClean="0"/>
-              <a:t>2022. 4. 11.</a:t>
+              <a:t>2022-04-11</a:t>
             </a:fld>
             <a:endParaRPr lang="ko-KR" altLang="en-US"/>
           </a:p>
@@ -3791,7 +3791,7 @@
           <a:p>
             <a:fld id="{C37DB50E-FB59-4255-8EC4-78AF5CE9A269}" type="datetimeFigureOut">
               <a:rPr lang="ko-KR" altLang="en-US" smtClean="0"/>
-              <a:t>2022. 4. 11.</a:t>
+              <a:t>2022-04-11</a:t>
             </a:fld>
             <a:endParaRPr lang="ko-KR" altLang="en-US"/>
           </a:p>
@@ -4002,7 +4002,7 @@
           <a:p>
             <a:fld id="{C37DB50E-FB59-4255-8EC4-78AF5CE9A269}" type="datetimeFigureOut">
               <a:rPr lang="ko-KR" altLang="en-US" smtClean="0"/>
-              <a:t>2022. 4. 11.</a:t>
+              <a:t>2022-04-11</a:t>
             </a:fld>
             <a:endParaRPr lang="ko-KR" altLang="en-US"/>
           </a:p>
@@ -5109,7 +5109,7 @@
           <p:cNvPr id="2" name="TextBox 1">
             <a:extLst>
               <a:ext uri="{FF2B5EF4-FFF2-40B4-BE49-F238E27FC236}">
-                <a16:creationId xmlns:a16="http://schemas.microsoft.com/office/drawing/2014/main" id="{B57D1D50-C100-4846-B8D3-0AF4330013E4}"/>
+                <a16:creationId xmlns:a16="http://schemas.microsoft.com/office/drawing/2014/main" xmlns="" id="{B57D1D50-C100-4846-B8D3-0AF4330013E4}"/>
               </a:ext>
             </a:extLst>
           </p:cNvPr>
@@ -5145,7 +5145,7 @@
           <p:cNvPr id="16" name="TextBox 15">
             <a:extLst>
               <a:ext uri="{FF2B5EF4-FFF2-40B4-BE49-F238E27FC236}">
-                <a16:creationId xmlns:a16="http://schemas.microsoft.com/office/drawing/2014/main" id="{185F3932-CD6A-EE4C-BEA6-A1830EE377A8}"/>
+                <a16:creationId xmlns:a16="http://schemas.microsoft.com/office/drawing/2014/main" xmlns="" id="{185F3932-CD6A-EE4C-BEA6-A1830EE377A8}"/>
               </a:ext>
             </a:extLst>
           </p:cNvPr>
@@ -5493,8 +5493,8 @@
           </a:p>
         </p:txBody>
       </p:sp>
-      <mc:AlternateContent xmlns:mc="http://schemas.openxmlformats.org/markup-compatibility/2006" xmlns:a14="http://schemas.microsoft.com/office/drawing/2010/main">
-        <mc:Choice Requires="a14">
+      <mc:AlternateContent xmlns:mc="http://schemas.openxmlformats.org/markup-compatibility/2006">
+        <mc:Choice xmlns:a14="http://schemas.microsoft.com/office/drawing/2010/main" Requires="a14">
           <p:sp>
             <p:nvSpPr>
               <p:cNvPr id="2" name="내용 개체 틀 1"/>
@@ -5827,7 +5827,19 @@
                   <a:buChar char="à"/>
                 </a:pPr>
                 <a:r>
-                  <a:rPr lang="ko-KR" altLang="en-US" sz="1800" dirty="0">
+                  <a:rPr lang="ko-KR" altLang="en-US" sz="1800" dirty="0" smtClean="0">
+                    <a:sym typeface="Wingdings" panose="05000000000000000000" pitchFamily="2" charset="2"/>
+                  </a:rPr>
+                  <a:t>예를 들어</a:t>
+                </a:r>
+                <a:r>
+                  <a:rPr lang="en-US" altLang="ko-KR" sz="1800" dirty="0" smtClean="0">
+                    <a:sym typeface="Wingdings" panose="05000000000000000000" pitchFamily="2" charset="2"/>
+                  </a:rPr>
+                  <a:t>, </a:t>
+                </a:r>
+                <a:r>
+                  <a:rPr lang="ko-KR" altLang="en-US" sz="1800" dirty="0" smtClean="0">
                     <a:sym typeface="Wingdings" panose="05000000000000000000" pitchFamily="2" charset="2"/>
                   </a:rPr>
                   <a:t>유전자가 </a:t>
@@ -5904,7 +5916,7 @@
             </p:txBody>
           </p:sp>
         </mc:Choice>
-        <mc:Fallback xmlns="">
+        <mc:Fallback>
           <p:sp>
             <p:nvSpPr>
               <p:cNvPr id="2" name="내용 개체 틀 1"/>
@@ -6203,7 +6215,7 @@
           <p:cNvPr id="27" name="내용 개체 틀 1">
             <a:extLst>
               <a:ext uri="{FF2B5EF4-FFF2-40B4-BE49-F238E27FC236}">
-                <a16:creationId xmlns:a16="http://schemas.microsoft.com/office/drawing/2014/main" id="{11F41BDF-05A9-49F8-909D-4D4DB6ADC8FC}"/>
+                <a16:creationId xmlns:a16="http://schemas.microsoft.com/office/drawing/2014/main" xmlns="" id="{11F41BDF-05A9-49F8-909D-4D4DB6ADC8FC}"/>
               </a:ext>
             </a:extLst>
           </p:cNvPr>
@@ -6304,7 +6316,7 @@
           <p:cNvPr id="11" name="TextBox 10">
             <a:extLst>
               <a:ext uri="{FF2B5EF4-FFF2-40B4-BE49-F238E27FC236}">
-                <a16:creationId xmlns:a16="http://schemas.microsoft.com/office/drawing/2014/main" id="{87742C6C-1726-654D-8215-AB2C2688D3C8}"/>
+                <a16:creationId xmlns:a16="http://schemas.microsoft.com/office/drawing/2014/main" xmlns="" id="{87742C6C-1726-654D-8215-AB2C2688D3C8}"/>
               </a:ext>
             </a:extLst>
           </p:cNvPr>
@@ -6400,7 +6412,7 @@
           <p:cNvPr id="12" name="TextBox 11">
             <a:extLst>
               <a:ext uri="{FF2B5EF4-FFF2-40B4-BE49-F238E27FC236}">
-                <a16:creationId xmlns:a16="http://schemas.microsoft.com/office/drawing/2014/main" id="{87742C6C-1726-654D-8215-AB2C2688D3C8}"/>
+                <a16:creationId xmlns:a16="http://schemas.microsoft.com/office/drawing/2014/main" xmlns="" id="{87742C6C-1726-654D-8215-AB2C2688D3C8}"/>
               </a:ext>
             </a:extLst>
           </p:cNvPr>
@@ -6667,7 +6679,7 @@
           <p:cNvPr id="20" name="내용 개체 틀 1">
             <a:extLst>
               <a:ext uri="{FF2B5EF4-FFF2-40B4-BE49-F238E27FC236}">
-                <a16:creationId xmlns:a16="http://schemas.microsoft.com/office/drawing/2014/main" id="{F64DB2F0-0A18-4CE1-9734-3B587EE8E81B}"/>
+                <a16:creationId xmlns:a16="http://schemas.microsoft.com/office/drawing/2014/main" xmlns="" id="{F64DB2F0-0A18-4CE1-9734-3B587EE8E81B}"/>
               </a:ext>
             </a:extLst>
           </p:cNvPr>
@@ -6934,7 +6946,7 @@
           <p:cNvPr id="36" name="TextBox 35">
             <a:extLst>
               <a:ext uri="{FF2B5EF4-FFF2-40B4-BE49-F238E27FC236}">
-                <a16:creationId xmlns:a16="http://schemas.microsoft.com/office/drawing/2014/main" id="{53267BF0-69BF-4118-B5E7-BB1D5B46579C}"/>
+                <a16:creationId xmlns:a16="http://schemas.microsoft.com/office/drawing/2014/main" xmlns="" id="{53267BF0-69BF-4118-B5E7-BB1D5B46579C}"/>
               </a:ext>
             </a:extLst>
           </p:cNvPr>
@@ -7009,7 +7021,7 @@
           <p:cNvPr id="26" name="직사각형 25">
             <a:extLst>
               <a:ext uri="{FF2B5EF4-FFF2-40B4-BE49-F238E27FC236}">
-                <a16:creationId xmlns:a16="http://schemas.microsoft.com/office/drawing/2014/main" id="{488448E0-BF06-4638-95D8-94BA51B62AB6}"/>
+                <a16:creationId xmlns:a16="http://schemas.microsoft.com/office/drawing/2014/main" xmlns="" id="{488448E0-BF06-4638-95D8-94BA51B62AB6}"/>
               </a:ext>
             </a:extLst>
           </p:cNvPr>
@@ -7065,7 +7077,7 @@
           <p:cNvPr id="27" name="직사각형 26">
             <a:extLst>
               <a:ext uri="{FF2B5EF4-FFF2-40B4-BE49-F238E27FC236}">
-                <a16:creationId xmlns:a16="http://schemas.microsoft.com/office/drawing/2014/main" id="{0C03803D-B15C-4391-AA0A-1D58055E475B}"/>
+                <a16:creationId xmlns:a16="http://schemas.microsoft.com/office/drawing/2014/main" xmlns="" id="{0C03803D-B15C-4391-AA0A-1D58055E475B}"/>
               </a:ext>
             </a:extLst>
           </p:cNvPr>
@@ -7121,7 +7133,7 @@
           <p:cNvPr id="33" name="직사각형 32">
             <a:extLst>
               <a:ext uri="{FF2B5EF4-FFF2-40B4-BE49-F238E27FC236}">
-                <a16:creationId xmlns:a16="http://schemas.microsoft.com/office/drawing/2014/main" id="{0E733A80-DF78-4A25-901B-8D2A2CFEF47B}"/>
+                <a16:creationId xmlns:a16="http://schemas.microsoft.com/office/drawing/2014/main" xmlns="" id="{0E733A80-DF78-4A25-901B-8D2A2CFEF47B}"/>
               </a:ext>
             </a:extLst>
           </p:cNvPr>
@@ -7177,7 +7189,7 @@
           <p:cNvPr id="35" name="오른쪽 중괄호 34">
             <a:extLst>
               <a:ext uri="{FF2B5EF4-FFF2-40B4-BE49-F238E27FC236}">
-                <a16:creationId xmlns:a16="http://schemas.microsoft.com/office/drawing/2014/main" id="{12797CB4-F5BA-44A2-84C7-5F83F160E6C2}"/>
+                <a16:creationId xmlns:a16="http://schemas.microsoft.com/office/drawing/2014/main" xmlns="" id="{12797CB4-F5BA-44A2-84C7-5F83F160E6C2}"/>
               </a:ext>
             </a:extLst>
           </p:cNvPr>
@@ -7275,7 +7287,7 @@
           <p:cNvPr id="34" name="오른쪽 중괄호 33">
             <a:extLst>
               <a:ext uri="{FF2B5EF4-FFF2-40B4-BE49-F238E27FC236}">
-                <a16:creationId xmlns:a16="http://schemas.microsoft.com/office/drawing/2014/main" id="{EED46B05-E63D-4629-A2AD-FC182835B08E}"/>
+                <a16:creationId xmlns:a16="http://schemas.microsoft.com/office/drawing/2014/main" xmlns="" id="{EED46B05-E63D-4629-A2AD-FC182835B08E}"/>
               </a:ext>
             </a:extLst>
           </p:cNvPr>
@@ -7573,7 +7585,7 @@
           <p:cNvPr id="20" name="내용 개체 틀 1">
             <a:extLst>
               <a:ext uri="{FF2B5EF4-FFF2-40B4-BE49-F238E27FC236}">
-                <a16:creationId xmlns:a16="http://schemas.microsoft.com/office/drawing/2014/main" id="{F64DB2F0-0A18-4CE1-9734-3B587EE8E81B}"/>
+                <a16:creationId xmlns:a16="http://schemas.microsoft.com/office/drawing/2014/main" xmlns="" id="{F64DB2F0-0A18-4CE1-9734-3B587EE8E81B}"/>
               </a:ext>
             </a:extLst>
           </p:cNvPr>
@@ -7840,7 +7852,7 @@
           <p:cNvPr id="16" name="TextBox 15">
             <a:extLst>
               <a:ext uri="{FF2B5EF4-FFF2-40B4-BE49-F238E27FC236}">
-                <a16:creationId xmlns:a16="http://schemas.microsoft.com/office/drawing/2014/main" id="{C96035E7-3CA4-4C37-8196-8CE49D5A7C8F}"/>
+                <a16:creationId xmlns:a16="http://schemas.microsoft.com/office/drawing/2014/main" xmlns="" id="{C96035E7-3CA4-4C37-8196-8CE49D5A7C8F}"/>
               </a:ext>
             </a:extLst>
           </p:cNvPr>
@@ -7881,7 +7893,7 @@
           <p:cNvPr id="7" name="그림 6">
             <a:extLst>
               <a:ext uri="{FF2B5EF4-FFF2-40B4-BE49-F238E27FC236}">
-                <a16:creationId xmlns:a16="http://schemas.microsoft.com/office/drawing/2014/main" id="{9ED6C723-5108-4686-AAAC-C2C5E5083033}"/>
+                <a16:creationId xmlns:a16="http://schemas.microsoft.com/office/drawing/2014/main" xmlns="" id="{9ED6C723-5108-4686-AAAC-C2C5E5083033}"/>
               </a:ext>
             </a:extLst>
           </p:cNvPr>
@@ -7911,7 +7923,7 @@
           <p:cNvPr id="24" name="TextBox 23">
             <a:extLst>
               <a:ext uri="{FF2B5EF4-FFF2-40B4-BE49-F238E27FC236}">
-                <a16:creationId xmlns:a16="http://schemas.microsoft.com/office/drawing/2014/main" id="{12FF4327-490E-4FDA-BFFD-224AC1B5433B}"/>
+                <a16:creationId xmlns:a16="http://schemas.microsoft.com/office/drawing/2014/main" xmlns="" id="{12FF4327-490E-4FDA-BFFD-224AC1B5433B}"/>
               </a:ext>
             </a:extLst>
           </p:cNvPr>
@@ -7955,7 +7967,7 @@
           <p:cNvPr id="28" name="TextBox 27">
             <a:extLst>
               <a:ext uri="{FF2B5EF4-FFF2-40B4-BE49-F238E27FC236}">
-                <a16:creationId xmlns:a16="http://schemas.microsoft.com/office/drawing/2014/main" id="{2069EB48-536B-4489-B6EB-2AA7403FFA27}"/>
+                <a16:creationId xmlns:a16="http://schemas.microsoft.com/office/drawing/2014/main" xmlns="" id="{2069EB48-536B-4489-B6EB-2AA7403FFA27}"/>
               </a:ext>
             </a:extLst>
           </p:cNvPr>
@@ -8013,7 +8025,7 @@
             <p:cNvPr id="12" name="그림 11">
               <a:extLst>
                 <a:ext uri="{FF2B5EF4-FFF2-40B4-BE49-F238E27FC236}">
-                  <a16:creationId xmlns:a16="http://schemas.microsoft.com/office/drawing/2014/main" id="{CD71B739-4E00-4FF1-A197-035D81685BD4}"/>
+                  <a16:creationId xmlns:a16="http://schemas.microsoft.com/office/drawing/2014/main" xmlns="" id="{CD71B739-4E00-4FF1-A197-035D81685BD4}"/>
                 </a:ext>
               </a:extLst>
             </p:cNvPr>
@@ -8043,7 +8055,7 @@
             <p:cNvPr id="18" name="TextBox 17">
               <a:extLst>
                 <a:ext uri="{FF2B5EF4-FFF2-40B4-BE49-F238E27FC236}">
-                  <a16:creationId xmlns:a16="http://schemas.microsoft.com/office/drawing/2014/main" id="{D4816F92-722E-4FCA-A35A-C4A15513CEA2}"/>
+                  <a16:creationId xmlns:a16="http://schemas.microsoft.com/office/drawing/2014/main" xmlns="" id="{D4816F92-722E-4FCA-A35A-C4A15513CEA2}"/>
                 </a:ext>
               </a:extLst>
             </p:cNvPr>
@@ -8082,7 +8094,7 @@
             <p:cNvPr id="2" name="화살표: 아래쪽 1">
               <a:extLst>
                 <a:ext uri="{FF2B5EF4-FFF2-40B4-BE49-F238E27FC236}">
-                  <a16:creationId xmlns:a16="http://schemas.microsoft.com/office/drawing/2014/main" id="{B99038DA-ECD6-4D11-8880-10E49A9A220D}"/>
+                  <a16:creationId xmlns:a16="http://schemas.microsoft.com/office/drawing/2014/main" xmlns="" id="{B99038DA-ECD6-4D11-8880-10E49A9A220D}"/>
                 </a:ext>
               </a:extLst>
             </p:cNvPr>
@@ -8155,7 +8167,7 @@
           <p:cNvPr id="13" name="TextBox 12">
             <a:extLst>
               <a:ext uri="{FF2B5EF4-FFF2-40B4-BE49-F238E27FC236}">
-                <a16:creationId xmlns:a16="http://schemas.microsoft.com/office/drawing/2014/main" id="{87742C6C-1726-654D-8215-AB2C2688D3C8}"/>
+                <a16:creationId xmlns:a16="http://schemas.microsoft.com/office/drawing/2014/main" xmlns="" id="{87742C6C-1726-654D-8215-AB2C2688D3C8}"/>
               </a:ext>
             </a:extLst>
           </p:cNvPr>
@@ -8203,7 +8215,7 @@
           <p:cNvPr id="14" name="TextBox 13">
             <a:extLst>
               <a:ext uri="{FF2B5EF4-FFF2-40B4-BE49-F238E27FC236}">
-                <a16:creationId xmlns:a16="http://schemas.microsoft.com/office/drawing/2014/main" id="{87742C6C-1726-654D-8215-AB2C2688D3C8}"/>
+                <a16:creationId xmlns:a16="http://schemas.microsoft.com/office/drawing/2014/main" xmlns="" id="{87742C6C-1726-654D-8215-AB2C2688D3C8}"/>
               </a:ext>
             </a:extLst>
           </p:cNvPr>
@@ -8395,13 +8407,13 @@
       </p:sp>
       <p:sp>
         <p:nvSpPr>
-          <p:cNvPr id="23" name="TextBox 22"/>
+          <p:cNvPr id="15" name="TextBox 14"/>
           <p:cNvSpPr txBox="1"/>
           <p:nvPr/>
         </p:nvSpPr>
         <p:spPr>
           <a:xfrm>
-            <a:off x="7290452" y="2119813"/>
+            <a:off x="7290452" y="1943194"/>
             <a:ext cx="4458593" cy="1052596"/>
           </a:xfrm>
           <a:prstGeom prst="rect">
@@ -8425,11 +8437,11 @@
               <a:t>Preprocess 1. </a:t>
             </a:r>
             <a:r>
-              <a:rPr lang="en-US" altLang="ko-KR" sz="1600" dirty="0" err="1"/>
+              <a:rPr lang="en-US" altLang="ko-KR" sz="1600" dirty="0" err="1" smtClean="0"/>
               <a:t>cts</a:t>
             </a:r>
             <a:r>
-              <a:rPr lang="en-US" altLang="ko-KR" sz="1600" dirty="0"/>
+              <a:rPr lang="en-US" altLang="ko-KR" sz="1600" dirty="0" smtClean="0"/>
               <a:t> </a:t>
             </a:r>
           </a:p>
@@ -8441,7 +8453,11 @@
             </a:pPr>
             <a:r>
               <a:rPr lang="en-US" altLang="ko-KR" sz="1600" dirty="0"/>
-              <a:t>	     - counts: Raw count table</a:t>
+              <a:t>	</a:t>
+            </a:r>
+            <a:r>
+              <a:rPr lang="en-US" altLang="ko-KR" sz="1600" dirty="0" smtClean="0"/>
+              <a:t>     - counts: Raw count table</a:t>
             </a:r>
           </a:p>
           <a:p>
@@ -8452,28 +8468,33 @@
             </a:pPr>
             <a:r>
               <a:rPr lang="en-US" altLang="ko-KR" sz="1600" dirty="0"/>
-              <a:t>	     - </a:t>
-            </a:r>
-            <a:r>
-              <a:rPr lang="en-US" altLang="ko-KR" sz="1600" dirty="0" err="1"/>
+              <a:t>	</a:t>
+            </a:r>
+            <a:r>
+              <a:rPr lang="en-US" altLang="ko-KR" sz="1600" dirty="0" smtClean="0"/>
+              <a:t>     - </a:t>
+            </a:r>
+            <a:r>
+              <a:rPr lang="en-US" altLang="ko-KR" sz="1600" dirty="0" err="1" smtClean="0"/>
               <a:t>featuredata</a:t>
             </a:r>
             <a:r>
-              <a:rPr lang="en-US" altLang="ko-KR" sz="1600" dirty="0"/>
+              <a:rPr lang="en-US" altLang="ko-KR" sz="1600" dirty="0" smtClean="0"/>
               <a:t>: Gene ID / symbol</a:t>
             </a:r>
-          </a:p>
-        </p:txBody>
-      </p:sp>
-      <p:sp>
-        <p:nvSpPr>
-          <p:cNvPr id="29" name="TextBox 28"/>
+            <a:endParaRPr lang="en-US" altLang="ko-KR" sz="1600" dirty="0"/>
+          </a:p>
+        </p:txBody>
+      </p:sp>
+      <p:sp>
+        <p:nvSpPr>
+          <p:cNvPr id="16" name="TextBox 15"/>
           <p:cNvSpPr txBox="1"/>
           <p:nvPr/>
         </p:nvSpPr>
         <p:spPr>
           <a:xfrm>
-            <a:off x="7290452" y="3409942"/>
+            <a:off x="7280994" y="3159276"/>
             <a:ext cx="2238754" cy="377091"/>
           </a:xfrm>
           <a:prstGeom prst="rect">
@@ -8506,10 +8527,10 @@
       </p:sp>
       <p:sp>
         <p:nvSpPr>
-          <p:cNvPr id="25" name="TextBox 24">
+          <p:cNvPr id="17" name="TextBox 16">
             <a:extLst>
               <a:ext uri="{FF2B5EF4-FFF2-40B4-BE49-F238E27FC236}">
-                <a16:creationId xmlns:a16="http://schemas.microsoft.com/office/drawing/2014/main" id="{4C272A49-C224-48B5-B713-8706FA2575D4}"/>
+                <a16:creationId xmlns="" xmlns:a16="http://schemas.microsoft.com/office/drawing/2014/main" id="{4C272A49-C224-48B5-B713-8706FA2575D4}"/>
               </a:ext>
             </a:extLst>
           </p:cNvPr>
@@ -8518,7 +8539,7 @@
         </p:nvSpPr>
         <p:spPr>
           <a:xfrm>
-            <a:off x="286310" y="4447385"/>
+            <a:off x="286310" y="4615338"/>
             <a:ext cx="780150" cy="377091"/>
           </a:xfrm>
           <a:prstGeom prst="rect">
@@ -8547,10 +8568,10 @@
       </p:sp>
       <p:sp>
         <p:nvSpPr>
-          <p:cNvPr id="33" name="TextBox 32">
+          <p:cNvPr id="18" name="TextBox 17">
             <a:extLst>
               <a:ext uri="{FF2B5EF4-FFF2-40B4-BE49-F238E27FC236}">
-                <a16:creationId xmlns:a16="http://schemas.microsoft.com/office/drawing/2014/main" id="{44810605-476E-44E7-B91D-FD2C1D17C0AB}"/>
+                <a16:creationId xmlns="" xmlns:a16="http://schemas.microsoft.com/office/drawing/2014/main" id="{44810605-476E-44E7-B91D-FD2C1D17C0AB}"/>
               </a:ext>
             </a:extLst>
           </p:cNvPr>
@@ -8559,7 +8580,7 @@
         </p:nvSpPr>
         <p:spPr>
           <a:xfrm>
-            <a:off x="1166170" y="4447385"/>
+            <a:off x="1166170" y="4615338"/>
             <a:ext cx="2426115" cy="377091"/>
           </a:xfrm>
           <a:prstGeom prst="rect">
@@ -8587,10 +8608,10 @@
       </p:sp>
       <p:sp>
         <p:nvSpPr>
-          <p:cNvPr id="34" name="TextBox 33">
+          <p:cNvPr id="19" name="TextBox 18">
             <a:extLst>
               <a:ext uri="{FF2B5EF4-FFF2-40B4-BE49-F238E27FC236}">
-                <a16:creationId xmlns:a16="http://schemas.microsoft.com/office/drawing/2014/main" id="{F1C8DEA7-C173-4B9F-9C99-AAF914F713A9}"/>
+                <a16:creationId xmlns="" xmlns:a16="http://schemas.microsoft.com/office/drawing/2014/main" id="{F1C8DEA7-C173-4B9F-9C99-AAF914F713A9}"/>
               </a:ext>
             </a:extLst>
           </p:cNvPr>
@@ -8599,7 +8620,7 @@
         </p:nvSpPr>
         <p:spPr>
           <a:xfrm>
-            <a:off x="6085411" y="4447385"/>
+            <a:off x="6859853" y="4615338"/>
             <a:ext cx="2426115" cy="377091"/>
           </a:xfrm>
           <a:prstGeom prst="rect">
@@ -8635,22 +8656,21 @@
       </p:sp>
       <p:pic>
         <p:nvPicPr>
-          <p:cNvPr id="3" name="그림 2"/>
+          <p:cNvPr id="20" name="그림 19"/>
           <p:cNvPicPr>
             <a:picLocks noChangeAspect="1"/>
           </p:cNvPicPr>
           <p:nvPr/>
         </p:nvPicPr>
-        <p:blipFill>
+        <p:blipFill rotWithShape="1">
           <a:blip r:embed="rId3"/>
-          <a:stretch>
-            <a:fillRect/>
-          </a:stretch>
+          <a:srcRect t="32354" b="405"/>
+          <a:stretch/>
         </p:blipFill>
         <p:spPr>
           <a:xfrm>
-            <a:off x="1278534" y="4877172"/>
-            <a:ext cx="4674793" cy="1692597"/>
+            <a:off x="340943" y="1704334"/>
+            <a:ext cx="5103456" cy="2810674"/>
           </a:xfrm>
           <a:prstGeom prst="rect">
             <a:avLst/>
@@ -8659,7 +8679,7 @@
       </p:pic>
       <p:pic>
         <p:nvPicPr>
-          <p:cNvPr id="7" name="그림 6"/>
+          <p:cNvPr id="21" name="그림 20"/>
           <p:cNvPicPr>
             <a:picLocks noChangeAspect="1"/>
           </p:cNvPicPr>
@@ -8673,8 +8693,8 @@
         </p:blipFill>
         <p:spPr>
           <a:xfrm>
-            <a:off x="6163694" y="4877172"/>
-            <a:ext cx="5322289" cy="1693861"/>
+            <a:off x="0" y="5092850"/>
+            <a:ext cx="6666329" cy="1345933"/>
           </a:xfrm>
           <a:prstGeom prst="rect">
             <a:avLst/>
@@ -8683,21 +8703,22 @@
       </p:pic>
       <p:pic>
         <p:nvPicPr>
-          <p:cNvPr id="8" name="그림 7"/>
+          <p:cNvPr id="24" name="그림 23"/>
           <p:cNvPicPr>
             <a:picLocks noChangeAspect="1"/>
           </p:cNvPicPr>
           <p:nvPr/>
         </p:nvPicPr>
-        <p:blipFill rotWithShape="1">
+        <p:blipFill>
           <a:blip r:embed="rId5"/>
-          <a:srcRect l="392"/>
-          <a:stretch/>
+          <a:stretch>
+            <a:fillRect/>
+          </a:stretch>
         </p:blipFill>
         <p:spPr>
           <a:xfrm>
-            <a:off x="307910" y="1841049"/>
-            <a:ext cx="5486568" cy="2449854"/>
+            <a:off x="6920018" y="5098918"/>
+            <a:ext cx="5218376" cy="817415"/>
           </a:xfrm>
           <a:prstGeom prst="rect">
             <a:avLst/>
@@ -8706,14 +8727,14 @@
       </p:pic>
       <p:sp>
         <p:nvSpPr>
-          <p:cNvPr id="10" name="오른쪽 중괄호 9"/>
+          <p:cNvPr id="26" name="오른쪽 중괄호 25"/>
           <p:cNvSpPr/>
           <p:nvPr/>
         </p:nvSpPr>
         <p:spPr>
           <a:xfrm>
-            <a:off x="5924352" y="1841049"/>
-            <a:ext cx="1225685" cy="978351"/>
+            <a:off x="5921485" y="1709966"/>
+            <a:ext cx="1225685" cy="902606"/>
           </a:xfrm>
           <a:prstGeom prst="rightBrace">
             <a:avLst>
@@ -8752,14 +8773,14 @@
       </p:sp>
       <p:sp>
         <p:nvSpPr>
-          <p:cNvPr id="22" name="오른쪽 중괄호 21"/>
+          <p:cNvPr id="27" name="오른쪽 중괄호 26"/>
           <p:cNvSpPr/>
           <p:nvPr/>
         </p:nvSpPr>
         <p:spPr>
           <a:xfrm>
-            <a:off x="5929866" y="2990771"/>
-            <a:ext cx="1225198" cy="1279842"/>
+            <a:off x="5922917" y="2739465"/>
+            <a:ext cx="1225198" cy="1216715"/>
           </a:xfrm>
           <a:prstGeom prst="rightBrace">
             <a:avLst>
@@ -8793,6 +8814,87 @@
           <a:p>
             <a:pPr algn="ctr"/>
             <a:endParaRPr lang="ko-KR" altLang="en-US"/>
+          </a:p>
+        </p:txBody>
+      </p:sp>
+      <p:sp>
+        <p:nvSpPr>
+          <p:cNvPr id="28" name="오른쪽 중괄호 27"/>
+          <p:cNvSpPr/>
+          <p:nvPr/>
+        </p:nvSpPr>
+        <p:spPr>
+          <a:xfrm>
+            <a:off x="5926485" y="4087290"/>
+            <a:ext cx="1225198" cy="427627"/>
+          </a:xfrm>
+          <a:prstGeom prst="rightBrace">
+            <a:avLst>
+              <a:gd name="adj1" fmla="val 0"/>
+              <a:gd name="adj2" fmla="val 50000"/>
+            </a:avLst>
+          </a:prstGeom>
+          <a:ln w="22225">
+            <a:solidFill>
+              <a:srgbClr val="002060"/>
+            </a:solidFill>
+          </a:ln>
+        </p:spPr>
+        <p:style>
+          <a:lnRef idx="1">
+            <a:schemeClr val="accent1"/>
+          </a:lnRef>
+          <a:fillRef idx="0">
+            <a:schemeClr val="accent1"/>
+          </a:fillRef>
+          <a:effectRef idx="0">
+            <a:schemeClr val="accent1"/>
+          </a:effectRef>
+          <a:fontRef idx="minor">
+            <a:schemeClr val="tx1"/>
+          </a:fontRef>
+        </p:style>
+        <p:txBody>
+          <a:bodyPr rtlCol="0" anchor="ctr"/>
+          <a:lstStyle/>
+          <a:p>
+            <a:pPr algn="ctr"/>
+            <a:endParaRPr lang="ko-KR" altLang="en-US"/>
+          </a:p>
+        </p:txBody>
+      </p:sp>
+      <p:sp>
+        <p:nvSpPr>
+          <p:cNvPr id="30" name="TextBox 29"/>
+          <p:cNvSpPr txBox="1"/>
+          <p:nvPr/>
+        </p:nvSpPr>
+        <p:spPr>
+          <a:xfrm>
+            <a:off x="7290452" y="4085037"/>
+            <a:ext cx="1107996" cy="412421"/>
+          </a:xfrm>
+          <a:prstGeom prst="rect">
+            <a:avLst/>
+          </a:prstGeom>
+          <a:noFill/>
+        </p:spPr>
+        <p:txBody>
+          <a:bodyPr wrap="none" rtlCol="0">
+            <a:spAutoFit/>
+          </a:bodyPr>
+          <a:lstStyle/>
+          <a:p>
+            <a:pPr>
+              <a:lnSpc>
+                <a:spcPct val="130000"/>
+              </a:lnSpc>
+            </a:pPr>
+            <a:r>
+              <a:rPr lang="en-US" altLang="ko-KR" sz="1600" dirty="0" smtClean="0"/>
+              <a:t>View data</a:t>
+            </a:r>
+            <a:endParaRPr lang="en-US" altLang="ko-KR" sz="1600" dirty="0"/>
           </a:p>
         </p:txBody>
       </p:sp>
@@ -8947,6 +9049,10 @@
               <a:rPr lang="ko-KR" altLang="en-US" sz="1800" dirty="0"/>
               <a:t>간 유사한 정도를 시각화하여 확인하는 두 가지 방법</a:t>
             </a:r>
+            <a:r>
+              <a:rPr lang="en-US" altLang="ko-KR" sz="1800" dirty="0"/>
+              <a:t/>
+            </a:r>
             <a:br>
               <a:rPr lang="en-US" altLang="ko-KR" sz="1800" dirty="0"/>
             </a:br>
@@ -9243,6 +9349,10 @@
               <a:rPr lang="ko-KR" altLang="en-US" sz="1800" b="1" dirty="0"/>
               <a:t>분석</a:t>
             </a:r>
+            <a:r>
+              <a:rPr lang="en-US" altLang="ko-KR" sz="1800" dirty="0"/>
+              <a:t/>
+            </a:r>
             <a:br>
               <a:rPr lang="en-US" altLang="ko-KR" sz="1800" dirty="0"/>
             </a:br>
@@ -9262,6 +9372,10 @@
               <a:rPr lang="ko-KR" altLang="en-US" sz="1800" dirty="0"/>
               <a:t> 변환시키는 기법 중의 하나</a:t>
             </a:r>
+            <a:r>
+              <a:rPr lang="en-US" altLang="ko-KR" sz="1800" dirty="0"/>
+              <a:t/>
+            </a:r>
             <a:br>
               <a:rPr lang="en-US" altLang="ko-KR" sz="1800" dirty="0"/>
             </a:br>
@@ -9296,6 +9410,10 @@
             <a:r>
               <a:rPr lang="ko-KR" altLang="en-US" sz="1800" dirty="0"/>
               <a:t>는 매우 고차원의 데이터</a:t>
+            </a:r>
+            <a:r>
+              <a:rPr lang="en-US" altLang="ko-KR" sz="1800" dirty="0"/>
+              <a:t/>
             </a:r>
             <a:br>
               <a:rPr lang="en-US" altLang="ko-KR" sz="1800" dirty="0"/>
@@ -9519,6 +9637,10 @@
             <a:r>
               <a:rPr lang="ko-KR" altLang="en-US" sz="1600" dirty="0"/>
               <a:t>측정 날짜에 따른 차이가 주요한 차이로 나타남</a:t>
+            </a:r>
+            <a:r>
+              <a:rPr lang="en-US" altLang="ko-KR" sz="1600" dirty="0"/>
+              <a:t/>
             </a:r>
             <a:br>
               <a:rPr lang="en-US" altLang="ko-KR" sz="1600" dirty="0"/>
@@ -9799,6 +9921,10 @@
               <a:rPr lang="ko-KR" altLang="en-US" sz="1800" b="1" dirty="0"/>
               <a:t>분석</a:t>
             </a:r>
+            <a:r>
+              <a:rPr lang="en-US" altLang="ko-KR" sz="1800" dirty="0"/>
+              <a:t/>
+            </a:r>
             <a:br>
               <a:rPr lang="en-US" altLang="ko-KR" sz="1800" dirty="0"/>
             </a:br>
@@ -9841,6 +9967,10 @@
             <a:r>
               <a:rPr lang="ko-KR" altLang="en-US" sz="1800" dirty="0"/>
               <a:t>을 계산</a:t>
+            </a:r>
+            <a:r>
+              <a:rPr lang="en-US" altLang="ko-KR" sz="1800" dirty="0"/>
+              <a:t/>
             </a:r>
             <a:br>
               <a:rPr lang="en-US" altLang="ko-KR" sz="1800" dirty="0"/>
@@ -11204,7 +11334,7 @@
           <p:cNvPr id="5" name="내용 개체 틀 4">
             <a:extLst>
               <a:ext uri="{FF2B5EF4-FFF2-40B4-BE49-F238E27FC236}">
-                <a16:creationId xmlns:a16="http://schemas.microsoft.com/office/drawing/2014/main" id="{11AC576E-377F-1246-A252-1935B16EF649}"/>
+                <a16:creationId xmlns:a16="http://schemas.microsoft.com/office/drawing/2014/main" xmlns="" id="{11AC576E-377F-1246-A252-1935B16EF649}"/>
               </a:ext>
             </a:extLst>
           </p:cNvPr>
@@ -11250,7 +11380,7 @@
           <p:cNvPr id="9" name="그림 8">
             <a:extLst>
               <a:ext uri="{FF2B5EF4-FFF2-40B4-BE49-F238E27FC236}">
-                <a16:creationId xmlns:a16="http://schemas.microsoft.com/office/drawing/2014/main" id="{7E9B3EEA-8E46-CC45-9B6F-D8A02582833E}"/>
+                <a16:creationId xmlns:a16="http://schemas.microsoft.com/office/drawing/2014/main" xmlns="" id="{7E9B3EEA-8E46-CC45-9B6F-D8A02582833E}"/>
               </a:ext>
             </a:extLst>
           </p:cNvPr>
@@ -11280,7 +11410,7 @@
           <p:cNvPr id="11" name="그림 10">
             <a:extLst>
               <a:ext uri="{FF2B5EF4-FFF2-40B4-BE49-F238E27FC236}">
-                <a16:creationId xmlns:a16="http://schemas.microsoft.com/office/drawing/2014/main" id="{1FA6E5D9-817F-614F-909F-A4B75A1365F5}"/>
+                <a16:creationId xmlns:a16="http://schemas.microsoft.com/office/drawing/2014/main" xmlns="" id="{1FA6E5D9-817F-614F-909F-A4B75A1365F5}"/>
               </a:ext>
             </a:extLst>
           </p:cNvPr>
@@ -11310,7 +11440,7 @@
           <p:cNvPr id="25" name="TextBox 24">
             <a:extLst>
               <a:ext uri="{FF2B5EF4-FFF2-40B4-BE49-F238E27FC236}">
-                <a16:creationId xmlns:a16="http://schemas.microsoft.com/office/drawing/2014/main" id="{00E45B5C-02E5-A847-89EC-E2E242D4E9FD}"/>
+                <a16:creationId xmlns:a16="http://schemas.microsoft.com/office/drawing/2014/main" xmlns="" id="{00E45B5C-02E5-A847-89EC-E2E242D4E9FD}"/>
               </a:ext>
             </a:extLst>
           </p:cNvPr>
@@ -11334,12 +11464,12 @@
           <a:lstStyle/>
           <a:p>
             <a:r>
-              <a:rPr lang="ko-Kore-KR" altLang="en-US" dirty="0">
+              <a:rPr lang="x-none" altLang="en-US" dirty="0">
                 <a:hlinkClick r:id="rId6"/>
               </a:rPr>
               <a:t>https://ggplot2.tidyverse.org/reference/index.html</a:t>
             </a:r>
-            <a:endParaRPr lang="en-US" altLang="ko-Kore-KR" dirty="0"/>
+            <a:endParaRPr lang="en-US" altLang="x-none" dirty="0"/>
           </a:p>
         </p:txBody>
       </p:sp>
@@ -12271,7 +12401,7 @@
           <p:cNvPr id="7" name="그림 6">
             <a:extLst>
               <a:ext uri="{FF2B5EF4-FFF2-40B4-BE49-F238E27FC236}">
-                <a16:creationId xmlns:a16="http://schemas.microsoft.com/office/drawing/2014/main" id="{4CF8583E-FD4B-4ACF-B28E-23B9D3C778AF}"/>
+                <a16:creationId xmlns:a16="http://schemas.microsoft.com/office/drawing/2014/main" xmlns="" id="{4CF8583E-FD4B-4ACF-B28E-23B9D3C778AF}"/>
               </a:ext>
             </a:extLst>
           </p:cNvPr>
@@ -12316,7 +12446,7 @@
                 <p:cNvPr id="3" name="TextBox 2">
                   <a:extLst>
                     <a:ext uri="{FF2B5EF4-FFF2-40B4-BE49-F238E27FC236}">
-                      <a16:creationId xmlns:a16="http://schemas.microsoft.com/office/drawing/2014/main" id="{1BDDA2C1-03DA-41F1-A879-7E20D290242E}"/>
+                      <a16:creationId xmlns:a16="http://schemas.microsoft.com/office/drawing/2014/main" xmlns="" id="{1BDDA2C1-03DA-41F1-A879-7E20D290242E}"/>
                     </a:ext>
                   </a:extLst>
                 </p:cNvPr>
@@ -12515,7 +12645,7 @@
             <p:cNvPr id="9" name="TextBox 8">
               <a:extLst>
                 <a:ext uri="{FF2B5EF4-FFF2-40B4-BE49-F238E27FC236}">
-                  <a16:creationId xmlns:a16="http://schemas.microsoft.com/office/drawing/2014/main" id="{74EAE6DD-6600-4783-BA14-E6F3368EF3C5}"/>
+                  <a16:creationId xmlns:a16="http://schemas.microsoft.com/office/drawing/2014/main" xmlns="" id="{74EAE6DD-6600-4783-BA14-E6F3368EF3C5}"/>
                 </a:ext>
               </a:extLst>
             </p:cNvPr>
@@ -12711,7 +12841,7 @@
           <p:cNvPr id="14" name="TextBox 13">
             <a:extLst>
               <a:ext uri="{FF2B5EF4-FFF2-40B4-BE49-F238E27FC236}">
-                <a16:creationId xmlns:a16="http://schemas.microsoft.com/office/drawing/2014/main" id="{74EAE6DD-6600-4783-BA14-E6F3368EF3C5}"/>
+                <a16:creationId xmlns:a16="http://schemas.microsoft.com/office/drawing/2014/main" xmlns="" id="{74EAE6DD-6600-4783-BA14-E6F3368EF3C5}"/>
               </a:ext>
             </a:extLst>
           </p:cNvPr>
